--- a/InternProject.pptx
+++ b/InternProject.pptx
@@ -5,7 +5,7 @@
     <p:sldMasterId id="2147483665" r:id="rId1"/>
   </p:sldMasterIdLst>
   <p:notesMasterIdLst>
-    <p:notesMasterId r:id="rId34"/>
+    <p:notesMasterId r:id="rId35"/>
   </p:notesMasterIdLst>
   <p:sldIdLst>
     <p:sldId id="256" r:id="rId2"/>
@@ -25,21 +25,22 @@
     <p:sldId id="261" r:id="rId16"/>
     <p:sldId id="275" r:id="rId17"/>
     <p:sldId id="276" r:id="rId18"/>
-    <p:sldId id="294" r:id="rId19"/>
-    <p:sldId id="263" r:id="rId20"/>
-    <p:sldId id="295" r:id="rId21"/>
-    <p:sldId id="296" r:id="rId22"/>
-    <p:sldId id="277" r:id="rId23"/>
-    <p:sldId id="291" r:id="rId24"/>
-    <p:sldId id="290" r:id="rId25"/>
-    <p:sldId id="289" r:id="rId26"/>
-    <p:sldId id="288" r:id="rId27"/>
-    <p:sldId id="269" r:id="rId28"/>
-    <p:sldId id="281" r:id="rId29"/>
-    <p:sldId id="282" r:id="rId30"/>
-    <p:sldId id="267" r:id="rId31"/>
-    <p:sldId id="286" r:id="rId32"/>
-    <p:sldId id="271" r:id="rId33"/>
+    <p:sldId id="297" r:id="rId19"/>
+    <p:sldId id="294" r:id="rId20"/>
+    <p:sldId id="263" r:id="rId21"/>
+    <p:sldId id="295" r:id="rId22"/>
+    <p:sldId id="296" r:id="rId23"/>
+    <p:sldId id="277" r:id="rId24"/>
+    <p:sldId id="291" r:id="rId25"/>
+    <p:sldId id="290" r:id="rId26"/>
+    <p:sldId id="289" r:id="rId27"/>
+    <p:sldId id="288" r:id="rId28"/>
+    <p:sldId id="269" r:id="rId29"/>
+    <p:sldId id="281" r:id="rId30"/>
+    <p:sldId id="282" r:id="rId31"/>
+    <p:sldId id="267" r:id="rId32"/>
+    <p:sldId id="286" r:id="rId33"/>
+    <p:sldId id="271" r:id="rId34"/>
   </p:sldIdLst>
   <p:sldSz cx="12192000" cy="6858000"/>
   <p:notesSz cx="6858000" cy="9144000"/>
@@ -8887,7 +8888,7 @@
           <a:p>
             <a:fld id="{F8180418-010E-42A6-A024-49A90FA8058E}" type="datetimeFigureOut">
               <a:rPr lang="en-US" smtClean="0"/>
-              <a:t>7/27/2018</a:t>
+              <a:t>7/30/2018</a:t>
             </a:fld>
             <a:endParaRPr lang="en-US" dirty="0"/>
           </a:p>
@@ -9865,7 +9866,7 @@
           <a:p>
             <a:fld id="{A27CAEC9-7E63-4A11-8AA1-4C0EE5C15C8A}" type="slidenum">
               <a:rPr lang="en-US" smtClean="0"/>
-              <a:t>18</a:t>
+              <a:t>19</a:t>
             </a:fld>
             <a:endParaRPr lang="en-US" dirty="0"/>
           </a:p>
@@ -9953,7 +9954,7 @@
           <a:p>
             <a:fld id="{A27CAEC9-7E63-4A11-8AA1-4C0EE5C15C8A}" type="slidenum">
               <a:rPr lang="en-US" smtClean="0"/>
-              <a:t>19</a:t>
+              <a:t>20</a:t>
             </a:fld>
             <a:endParaRPr lang="en-US" dirty="0"/>
           </a:p>
@@ -10041,7 +10042,7 @@
           <a:p>
             <a:fld id="{A27CAEC9-7E63-4A11-8AA1-4C0EE5C15C8A}" type="slidenum">
               <a:rPr lang="en-US" smtClean="0"/>
-              <a:t>22</a:t>
+              <a:t>23</a:t>
             </a:fld>
             <a:endParaRPr lang="en-US" dirty="0"/>
           </a:p>
@@ -10129,7 +10130,7 @@
           <a:p>
             <a:fld id="{A27CAEC9-7E63-4A11-8AA1-4C0EE5C15C8A}" type="slidenum">
               <a:rPr lang="en-US" smtClean="0"/>
-              <a:t>23</a:t>
+              <a:t>24</a:t>
             </a:fld>
             <a:endParaRPr lang="en-US" dirty="0"/>
           </a:p>
@@ -10329,7 +10330,7 @@
           <a:p>
             <a:fld id="{A27CAEC9-7E63-4A11-8AA1-4C0EE5C15C8A}" type="slidenum">
               <a:rPr lang="en-US" smtClean="0"/>
-              <a:t>24</a:t>
+              <a:t>25</a:t>
             </a:fld>
             <a:endParaRPr lang="en-US" dirty="0"/>
           </a:p>
@@ -10417,7 +10418,7 @@
           <a:p>
             <a:fld id="{A27CAEC9-7E63-4A11-8AA1-4C0EE5C15C8A}" type="slidenum">
               <a:rPr lang="en-US" smtClean="0"/>
-              <a:t>25</a:t>
+              <a:t>26</a:t>
             </a:fld>
             <a:endParaRPr lang="en-US" dirty="0"/>
           </a:p>
@@ -10505,7 +10506,7 @@
           <a:p>
             <a:fld id="{A27CAEC9-7E63-4A11-8AA1-4C0EE5C15C8A}" type="slidenum">
               <a:rPr lang="en-US" smtClean="0"/>
-              <a:t>26</a:t>
+              <a:t>27</a:t>
             </a:fld>
             <a:endParaRPr lang="en-US" dirty="0"/>
           </a:p>
@@ -10593,7 +10594,7 @@
           <a:p>
             <a:fld id="{A27CAEC9-7E63-4A11-8AA1-4C0EE5C15C8A}" type="slidenum">
               <a:rPr lang="en-US" smtClean="0"/>
-              <a:t>27</a:t>
+              <a:t>28</a:t>
             </a:fld>
             <a:endParaRPr lang="en-US" dirty="0"/>
           </a:p>
@@ -10681,7 +10682,7 @@
           <a:p>
             <a:fld id="{A27CAEC9-7E63-4A11-8AA1-4C0EE5C15C8A}" type="slidenum">
               <a:rPr lang="en-US" smtClean="0"/>
-              <a:t>28</a:t>
+              <a:t>29</a:t>
             </a:fld>
             <a:endParaRPr lang="en-US" dirty="0"/>
           </a:p>
@@ -10769,7 +10770,7 @@
           <a:p>
             <a:fld id="{A27CAEC9-7E63-4A11-8AA1-4C0EE5C15C8A}" type="slidenum">
               <a:rPr lang="en-US" smtClean="0"/>
-              <a:t>29</a:t>
+              <a:t>30</a:t>
             </a:fld>
             <a:endParaRPr lang="en-US" dirty="0"/>
           </a:p>
@@ -10856,7 +10857,7 @@
           <a:p>
             <a:fld id="{A27CAEC9-7E63-4A11-8AA1-4C0EE5C15C8A}" type="slidenum">
               <a:rPr lang="en-US" smtClean="0"/>
-              <a:t>30</a:t>
+              <a:t>31</a:t>
             </a:fld>
             <a:endParaRPr lang="en-US" dirty="0"/>
           </a:p>
@@ -10971,7 +10972,7 @@
           <a:p>
             <a:fld id="{A27CAEC9-7E63-4A11-8AA1-4C0EE5C15C8A}" type="slidenum">
               <a:rPr lang="en-US" smtClean="0"/>
-              <a:t>31</a:t>
+              <a:t>32</a:t>
             </a:fld>
             <a:endParaRPr lang="en-US" dirty="0"/>
           </a:p>
@@ -11821,7 +11822,7 @@
           <a:p>
             <a:fld id="{9F3D0EE4-790E-4F42-96EE-EA138880416E}" type="datetimeFigureOut">
               <a:rPr lang="en-US" smtClean="0"/>
-              <a:t>7/27/2018</a:t>
+              <a:t>7/30/2018</a:t>
             </a:fld>
             <a:endParaRPr lang="en-US" dirty="0"/>
           </a:p>
@@ -12025,7 +12026,7 @@
           <a:p>
             <a:fld id="{9F3D0EE4-790E-4F42-96EE-EA138880416E}" type="datetimeFigureOut">
               <a:rPr lang="en-US" smtClean="0"/>
-              <a:t>7/27/2018</a:t>
+              <a:t>7/30/2018</a:t>
             </a:fld>
             <a:endParaRPr lang="en-US" dirty="0"/>
           </a:p>
@@ -12214,7 +12215,7 @@
           <a:p>
             <a:fld id="{9F3D0EE4-790E-4F42-96EE-EA138880416E}" type="datetimeFigureOut">
               <a:rPr lang="en-US" smtClean="0"/>
-              <a:t>7/27/2018</a:t>
+              <a:t>7/30/2018</a:t>
             </a:fld>
             <a:endParaRPr lang="en-US" dirty="0"/>
           </a:p>
@@ -12863,7 +12864,7 @@
           <a:p>
             <a:fld id="{9F3D0EE4-790E-4F42-96EE-EA138880416E}" type="datetimeFigureOut">
               <a:rPr lang="en-US" smtClean="0"/>
-              <a:t>7/27/2018</a:t>
+              <a:t>7/30/2018</a:t>
             </a:fld>
             <a:endParaRPr lang="en-US" dirty="0"/>
           </a:p>
@@ -13117,7 +13118,7 @@
           <a:p>
             <a:fld id="{9F3D0EE4-790E-4F42-96EE-EA138880416E}" type="datetimeFigureOut">
               <a:rPr lang="en-US" smtClean="0"/>
-              <a:t>7/27/2018</a:t>
+              <a:t>7/30/2018</a:t>
             </a:fld>
             <a:endParaRPr lang="en-US" dirty="0"/>
           </a:p>
@@ -13414,7 +13415,7 @@
           <a:p>
             <a:fld id="{9F3D0EE4-790E-4F42-96EE-EA138880416E}" type="datetimeFigureOut">
               <a:rPr lang="en-US" smtClean="0"/>
-              <a:t>7/27/2018</a:t>
+              <a:t>7/30/2018</a:t>
             </a:fld>
             <a:endParaRPr lang="en-US" dirty="0"/>
           </a:p>
@@ -13844,7 +13845,7 @@
           <a:p>
             <a:fld id="{9F3D0EE4-790E-4F42-96EE-EA138880416E}" type="datetimeFigureOut">
               <a:rPr lang="en-US" smtClean="0"/>
-              <a:t>7/27/2018</a:t>
+              <a:t>7/30/2018</a:t>
             </a:fld>
             <a:endParaRPr lang="en-US" dirty="0"/>
           </a:p>
@@ -13971,7 +13972,7 @@
           <a:p>
             <a:fld id="{9F3D0EE4-790E-4F42-96EE-EA138880416E}" type="datetimeFigureOut">
               <a:rPr lang="en-US" smtClean="0"/>
-              <a:t>7/27/2018</a:t>
+              <a:t>7/30/2018</a:t>
             </a:fld>
             <a:endParaRPr lang="en-US" dirty="0"/>
           </a:p>
@@ -14074,7 +14075,7 @@
           <a:p>
             <a:fld id="{9F3D0EE4-790E-4F42-96EE-EA138880416E}" type="datetimeFigureOut">
               <a:rPr lang="en-US" smtClean="0"/>
-              <a:t>7/27/2018</a:t>
+              <a:t>7/30/2018</a:t>
             </a:fld>
             <a:endParaRPr lang="en-US" dirty="0"/>
           </a:p>
@@ -14360,7 +14361,7 @@
           <a:p>
             <a:fld id="{9F3D0EE4-790E-4F42-96EE-EA138880416E}" type="datetimeFigureOut">
               <a:rPr lang="en-US" smtClean="0"/>
-              <a:t>7/27/2018</a:t>
+              <a:t>7/30/2018</a:t>
             </a:fld>
             <a:endParaRPr lang="en-US" dirty="0"/>
           </a:p>
@@ -14622,7 +14623,7 @@
           <a:p>
             <a:fld id="{9F3D0EE4-790E-4F42-96EE-EA138880416E}" type="datetimeFigureOut">
               <a:rPr lang="en-US" smtClean="0"/>
-              <a:t>7/27/2018</a:t>
+              <a:t>7/30/2018</a:t>
             </a:fld>
             <a:endParaRPr lang="en-US" dirty="0"/>
           </a:p>
@@ -14863,7 +14864,7 @@
           <a:p>
             <a:fld id="{901C9FEE-057E-4068-9298-9299AABF3381}" type="datetimeFigureOut">
               <a:rPr lang="en-US" smtClean="0"/>
-              <a:t>7/27/2018</a:t>
+              <a:t>7/30/2018</a:t>
             </a:fld>
             <a:endParaRPr lang="en-US" dirty="0"/>
           </a:p>
@@ -17163,6 +17164,132 @@
             <p:ph type="title"/>
           </p:nvPr>
         </p:nvSpPr>
+        <p:spPr>
+          <a:xfrm>
+            <a:off x="6477000" y="274638"/>
+            <a:ext cx="5105400" cy="1143000"/>
+          </a:xfrm>
+        </p:spPr>
+        <p:txBody>
+          <a:bodyPr>
+            <a:normAutofit fontScale="90000"/>
+          </a:bodyPr>
+          <a:lstStyle/>
+          <a:p>
+            <a:pPr algn="l"/>
+            <a:r>
+              <a:rPr lang="en-US" sz="2400" dirty="0" smtClean="0"/>
+              <a:t>Example Sampler for monitoring Windows services, such as Event Log, Plug and Play, and Remote Desktop.</a:t>
+            </a:r>
+            <a:endParaRPr lang="en-US" sz="2400" dirty="0"/>
+          </a:p>
+        </p:txBody>
+      </p:sp>
+      <p:pic>
+        <p:nvPicPr>
+          <p:cNvPr id="4" name="Content Placeholder 3"/>
+          <p:cNvPicPr>
+            <a:picLocks noGrp="1" noChangeAspect="1"/>
+          </p:cNvPicPr>
+          <p:nvPr>
+            <p:ph idx="1"/>
+          </p:nvPr>
+        </p:nvPicPr>
+        <p:blipFill>
+          <a:blip r:embed="rId2"/>
+          <a:stretch>
+            <a:fillRect/>
+          </a:stretch>
+        </p:blipFill>
+        <p:spPr>
+          <a:xfrm>
+            <a:off x="34636" y="152400"/>
+            <a:ext cx="6124575" cy="3505200"/>
+          </a:xfrm>
+          <a:prstGeom prst="rect">
+            <a:avLst/>
+          </a:prstGeom>
+        </p:spPr>
+      </p:pic>
+      <p:pic>
+        <p:nvPicPr>
+          <p:cNvPr id="5" name="Picture 4"/>
+          <p:cNvPicPr>
+            <a:picLocks noChangeAspect="1"/>
+          </p:cNvPicPr>
+          <p:nvPr/>
+        </p:nvPicPr>
+        <p:blipFill>
+          <a:blip r:embed="rId3"/>
+          <a:stretch>
+            <a:fillRect/>
+          </a:stretch>
+        </p:blipFill>
+        <p:spPr>
+          <a:xfrm>
+            <a:off x="4079298" y="3962400"/>
+            <a:ext cx="7496175" cy="2238375"/>
+          </a:xfrm>
+          <a:prstGeom prst="rect">
+            <a:avLst/>
+          </a:prstGeom>
+        </p:spPr>
+      </p:pic>
+    </p:spTree>
+    <p:extLst>
+      <p:ext uri="{BB962C8B-B14F-4D97-AF65-F5344CB8AC3E}">
+        <p14:creationId xmlns:p14="http://schemas.microsoft.com/office/powerpoint/2010/main" val="2173757113"/>
+      </p:ext>
+    </p:extLst>
+  </p:cSld>
+  <p:clrMapOvr>
+    <a:masterClrMapping/>
+  </p:clrMapOvr>
+  <mc:AlternateContent xmlns:mc="http://schemas.openxmlformats.org/markup-compatibility/2006" xmlns:p14="http://schemas.microsoft.com/office/powerpoint/2010/main">
+    <mc:Choice Requires="p14">
+      <p:transition p14:dur="0"/>
+    </mc:Choice>
+    <mc:Fallback xmlns="">
+      <p:transition/>
+    </mc:Fallback>
+  </mc:AlternateContent>
+  <p:timing>
+    <p:tnLst>
+      <p:par>
+        <p:cTn id="1" dur="indefinite" restart="never" nodeType="tmRoot"/>
+      </p:par>
+    </p:tnLst>
+  </p:timing>
+</p:sld>
+</file>
+
+<file path=ppt/slides/slide19.xml><?xml version="1.0" encoding="utf-8"?>
+<p:sld xmlns:a="http://schemas.openxmlformats.org/drawingml/2006/main" xmlns:r="http://schemas.openxmlformats.org/officeDocument/2006/relationships" xmlns:p="http://schemas.openxmlformats.org/presentationml/2006/main">
+  <p:cSld>
+    <p:spTree>
+      <p:nvGrpSpPr>
+        <p:cNvPr id="1" name=""/>
+        <p:cNvGrpSpPr/>
+        <p:nvPr/>
+      </p:nvGrpSpPr>
+      <p:grpSpPr>
+        <a:xfrm>
+          <a:off x="0" y="0"/>
+          <a:ext cx="0" cy="0"/>
+          <a:chOff x="0" y="0"/>
+          <a:chExt cx="0" cy="0"/>
+        </a:xfrm>
+      </p:grpSpPr>
+      <p:sp>
+        <p:nvSpPr>
+          <p:cNvPr id="2" name="Title 1"/>
+          <p:cNvSpPr>
+            <a:spLocks noGrp="1"/>
+          </p:cNvSpPr>
+          <p:nvPr>
+            <p:ph type="title"/>
+          </p:nvPr>
+        </p:nvSpPr>
         <p:spPr/>
         <p:txBody>
           <a:bodyPr>
@@ -17180,7 +17307,19 @@
                   </a:outerShdw>
                 </a:effectLst>
               </a:rPr>
-              <a:t>Broadridge “Sample” Project</a:t>
+              <a:t>Broadridge </a:t>
+            </a:r>
+            <a:r>
+              <a:rPr lang="en-US" sz="3600" b="1" dirty="0" smtClean="0">
+                <a:effectLst>
+                  <a:outerShdw blurRad="50800" dist="38100" algn="l" rotWithShape="0">
+                    <a:prstClr val="black">
+                      <a:alpha val="40000"/>
+                    </a:prstClr>
+                  </a:outerShdw>
+                </a:effectLst>
+              </a:rPr>
+              <a:t>Project</a:t>
             </a:r>
             <a:endParaRPr lang="en-US" sz="3600" b="1" dirty="0">
               <a:effectLst>
@@ -17367,7 +17506,587 @@
 </p:sld>
 </file>
 
-<file path=ppt/slides/slide19.xml><?xml version="1.0" encoding="utf-8"?>
+<file path=ppt/slides/slide2.xml><?xml version="1.0" encoding="utf-8"?>
+<p:sld xmlns:a="http://schemas.openxmlformats.org/drawingml/2006/main" xmlns:r="http://schemas.openxmlformats.org/officeDocument/2006/relationships" xmlns:p="http://schemas.openxmlformats.org/presentationml/2006/main">
+  <p:cSld>
+    <p:bg bwMode="black">
+      <p:bgPr>
+        <a:gradFill flip="none" rotWithShape="1">
+          <a:gsLst>
+            <a:gs pos="100000">
+              <a:srgbClr val="725CA5"/>
+            </a:gs>
+            <a:gs pos="13000">
+              <a:srgbClr val="5F4C8A">
+                <a:lumMod val="89000"/>
+              </a:srgbClr>
+            </a:gs>
+          </a:gsLst>
+          <a:lin ang="5400000" scaled="0"/>
+          <a:tileRect/>
+        </a:gradFill>
+        <a:effectLst/>
+      </p:bgPr>
+    </p:bg>
+    <p:spTree>
+      <p:nvGrpSpPr>
+        <p:cNvPr id="1" name=""/>
+        <p:cNvGrpSpPr/>
+        <p:nvPr/>
+      </p:nvGrpSpPr>
+      <p:grpSpPr>
+        <a:xfrm>
+          <a:off x="0" y="0"/>
+          <a:ext cx="0" cy="0"/>
+          <a:chOff x="0" y="0"/>
+          <a:chExt cx="0" cy="0"/>
+        </a:xfrm>
+      </p:grpSpPr>
+      <p:pic>
+        <p:nvPicPr>
+          <p:cNvPr id="1026" name="Picture 2" descr="https://prnewswire2-a.akamaihd.net/p/1893751/sp/189375100/thumbnail/entry_id/0_ejzdmr3l/def_height/2700/def_width/2700/version/100012/type/1"/>
+          <p:cNvPicPr>
+            <a:picLocks noChangeAspect="1" noChangeArrowheads="1"/>
+          </p:cNvPicPr>
+          <p:nvPr/>
+        </p:nvPicPr>
+        <p:blipFill rotWithShape="1">
+          <a:blip r:embed="rId3" cstate="print">
+            <a:extLst>
+              <a:ext uri="{BEBA8EAE-BF5A-486C-A8C5-ECC9F3942E4B}">
+                <a14:imgProps xmlns:a14="http://schemas.microsoft.com/office/drawing/2010/main">
+                  <a14:imgLayer r:embed="rId4">
+                    <a14:imgEffect>
+                      <a14:backgroundRemoval t="10000" b="90000" l="10000" r="90000"/>
+                    </a14:imgEffect>
+                    <a14:imgEffect>
+                      <a14:brightnessContrast bright="-40000"/>
+                    </a14:imgEffect>
+                  </a14:imgLayer>
+                </a14:imgProps>
+              </a:ext>
+              <a:ext uri="{28A0092B-C50C-407E-A947-70E740481C1C}">
+                <a14:useLocalDpi xmlns:a14="http://schemas.microsoft.com/office/drawing/2010/main" val="0"/>
+              </a:ext>
+            </a:extLst>
+          </a:blip>
+          <a:srcRect l="7142" t="-1" r="7144" b="29656"/>
+          <a:stretch/>
+        </p:blipFill>
+        <p:spPr bwMode="auto">
+          <a:xfrm>
+            <a:off x="2743200" y="685800"/>
+            <a:ext cx="6629400" cy="5524500"/>
+          </a:xfrm>
+          <a:prstGeom prst="rect">
+            <a:avLst/>
+          </a:prstGeom>
+          <a:noFill/>
+          <a:extLst>
+            <a:ext uri="{909E8E84-426E-40DD-AFC4-6F175D3DCCD1}">
+              <a14:hiddenFill xmlns:a14="http://schemas.microsoft.com/office/drawing/2010/main">
+                <a:solidFill>
+                  <a:srgbClr val="FFFFFF"/>
+                </a:solidFill>
+              </a14:hiddenFill>
+            </a:ext>
+          </a:extLst>
+        </p:spPr>
+      </p:pic>
+      <p:sp>
+        <p:nvSpPr>
+          <p:cNvPr id="2" name="Title 1"/>
+          <p:cNvSpPr>
+            <a:spLocks noGrp="1"/>
+          </p:cNvSpPr>
+          <p:nvPr>
+            <p:ph type="title"/>
+          </p:nvPr>
+        </p:nvSpPr>
+        <p:spPr bwMode="white">
+          <a:xfrm>
+            <a:off x="1981200" y="274638"/>
+            <a:ext cx="8229600" cy="1143000"/>
+          </a:xfrm>
+        </p:spPr>
+        <p:txBody>
+          <a:bodyPr>
+            <a:normAutofit/>
+          </a:bodyPr>
+          <a:lstStyle/>
+          <a:p>
+            <a:r>
+              <a:rPr lang="en-US" sz="3600" b="1" dirty="0">
+                <a:effectLst>
+                  <a:outerShdw blurRad="50800" dist="38100" algn="l" rotWithShape="0">
+                    <a:prstClr val="black">
+                      <a:alpha val="40000"/>
+                    </a:prstClr>
+                  </a:outerShdw>
+                </a:effectLst>
+              </a:rPr>
+              <a:t>Robert Maloy</a:t>
+            </a:r>
+          </a:p>
+        </p:txBody>
+      </p:sp>
+      <p:sp>
+        <p:nvSpPr>
+          <p:cNvPr id="4" name="Content Placeholder 3"/>
+          <p:cNvSpPr>
+            <a:spLocks noGrp="1"/>
+          </p:cNvSpPr>
+          <p:nvPr>
+            <p:ph sz="half" idx="1"/>
+          </p:nvPr>
+        </p:nvSpPr>
+        <p:spPr bwMode="white">
+          <a:xfrm>
+            <a:off x="1866900" y="1600200"/>
+            <a:ext cx="8458200" cy="5029200"/>
+          </a:xfrm>
+        </p:spPr>
+        <p:txBody>
+          <a:bodyPr>
+            <a:normAutofit/>
+          </a:bodyPr>
+          <a:lstStyle/>
+          <a:p>
+            <a:r>
+              <a:rPr lang="en-US" sz="1800" dirty="0">
+                <a:effectLst>
+                  <a:outerShdw blurRad="50800" dist="38100" algn="l" rotWithShape="0">
+                    <a:prstClr val="black">
+                      <a:alpha val="40000"/>
+                    </a:prstClr>
+                  </a:outerShdw>
+                </a:effectLst>
+              </a:rPr>
+              <a:t>Born and raised in </a:t>
+            </a:r>
+            <a:r>
+              <a:rPr lang="en-US" sz="1800" b="1" dirty="0">
+                <a:effectLst>
+                  <a:outerShdw blurRad="50800" dist="38100" algn="l" rotWithShape="0">
+                    <a:prstClr val="black">
+                      <a:alpha val="40000"/>
+                    </a:prstClr>
+                  </a:outerShdw>
+                </a:effectLst>
+              </a:rPr>
+              <a:t>Tampa, Florida</a:t>
+            </a:r>
+          </a:p>
+          <a:p>
+            <a:r>
+              <a:rPr lang="en-US" sz="1800" dirty="0">
+                <a:effectLst>
+                  <a:outerShdw blurRad="50800" dist="38100" algn="l" rotWithShape="0">
+                    <a:prstClr val="black">
+                      <a:alpha val="40000"/>
+                    </a:prstClr>
+                  </a:outerShdw>
+                </a:effectLst>
+              </a:rPr>
+              <a:t>Computer Science major at </a:t>
+            </a:r>
+            <a:r>
+              <a:rPr lang="en-US" sz="1800" b="1" dirty="0">
+                <a:effectLst>
+                  <a:outerShdw blurRad="50800" dist="38100" algn="l" rotWithShape="0">
+                    <a:prstClr val="black">
+                      <a:alpha val="40000"/>
+                    </a:prstClr>
+                  </a:outerShdw>
+                </a:effectLst>
+              </a:rPr>
+              <a:t>Florida Polytechnic University</a:t>
+            </a:r>
+            <a:r>
+              <a:rPr lang="en-US" sz="1800" dirty="0">
+                <a:effectLst>
+                  <a:outerShdw blurRad="50800" dist="38100" algn="l" rotWithShape="0">
+                    <a:prstClr val="black">
+                      <a:alpha val="40000"/>
+                    </a:prstClr>
+                  </a:outerShdw>
+                </a:effectLst>
+              </a:rPr>
+              <a:t> in Lakeland, Florida specializing in Cybersecurity and Information Assurance; currently a junior.</a:t>
+            </a:r>
+          </a:p>
+          <a:p>
+            <a:r>
+              <a:rPr lang="en-US" sz="1800" b="1" dirty="0">
+                <a:effectLst>
+                  <a:outerShdw blurRad="50800" dist="38100" algn="l" rotWithShape="0">
+                    <a:prstClr val="black">
+                      <a:alpha val="40000"/>
+                    </a:prstClr>
+                  </a:outerShdw>
+                </a:effectLst>
+              </a:rPr>
+              <a:t>My primary hobbies</a:t>
+            </a:r>
+            <a:r>
+              <a:rPr lang="en-US" sz="1800" dirty="0">
+                <a:effectLst>
+                  <a:outerShdw blurRad="50800" dist="38100" algn="l" rotWithShape="0">
+                    <a:prstClr val="black">
+                      <a:alpha val="40000"/>
+                    </a:prstClr>
+                  </a:outerShdw>
+                </a:effectLst>
+              </a:rPr>
+              <a:t>:</a:t>
+            </a:r>
+          </a:p>
+          <a:p>
+            <a:pPr lvl="1"/>
+            <a:r>
+              <a:rPr lang="en-US" sz="1400" dirty="0">
+                <a:effectLst>
+                  <a:outerShdw blurRad="50800" dist="38100" algn="l" rotWithShape="0">
+                    <a:prstClr val="black">
+                      <a:alpha val="40000"/>
+                    </a:prstClr>
+                  </a:outerShdw>
+                </a:effectLst>
+              </a:rPr>
+              <a:t>Collecting and restoring vintage personal microcomputers from the 1980s and </a:t>
+            </a:r>
+            <a:r>
+              <a:rPr lang="en-US" sz="1400" dirty="0" smtClean="0">
+                <a:effectLst>
+                  <a:outerShdw blurRad="50800" dist="38100" algn="l" rotWithShape="0">
+                    <a:prstClr val="black">
+                      <a:alpha val="40000"/>
+                    </a:prstClr>
+                  </a:outerShdw>
+                </a:effectLst>
+              </a:rPr>
+              <a:t>1990s.</a:t>
+            </a:r>
+          </a:p>
+          <a:p>
+            <a:pPr lvl="1"/>
+            <a:r>
+              <a:rPr lang="en-US" sz="1400" b="1" dirty="0" smtClean="0">
+                <a:effectLst>
+                  <a:outerShdw blurRad="50800" dist="38100" algn="l" rotWithShape="0">
+                    <a:prstClr val="black">
+                      <a:alpha val="40000"/>
+                    </a:prstClr>
+                  </a:outerShdw>
+                </a:effectLst>
+              </a:rPr>
+              <a:t>Alternate </a:t>
+            </a:r>
+            <a:r>
+              <a:rPr lang="en-US" sz="1400" b="1" dirty="0">
+                <a:effectLst>
+                  <a:outerShdw blurRad="50800" dist="38100" algn="l" rotWithShape="0">
+                    <a:prstClr val="black">
+                      <a:alpha val="40000"/>
+                    </a:prstClr>
+                  </a:outerShdw>
+                </a:effectLst>
+              </a:rPr>
+              <a:t>History </a:t>
+            </a:r>
+            <a:r>
+              <a:rPr lang="en-US" sz="1400" dirty="0">
+                <a:effectLst>
+                  <a:outerShdw blurRad="50800" dist="38100" algn="l" rotWithShape="0">
+                    <a:prstClr val="black">
+                      <a:alpha val="40000"/>
+                    </a:prstClr>
+                  </a:outerShdw>
+                </a:effectLst>
+              </a:rPr>
+              <a:t>stories that deal in the consequences of alternative events in the course of human </a:t>
+            </a:r>
+            <a:r>
+              <a:rPr lang="en-US" sz="1400" dirty="0" smtClean="0">
+                <a:effectLst>
+                  <a:outerShdw blurRad="50800" dist="38100" algn="l" rotWithShape="0">
+                    <a:prstClr val="black">
+                      <a:alpha val="40000"/>
+                    </a:prstClr>
+                  </a:outerShdw>
+                </a:effectLst>
+              </a:rPr>
+              <a:t>history.</a:t>
+            </a:r>
+            <a:endParaRPr lang="en-US" sz="1800" dirty="0" smtClean="0">
+              <a:effectLst>
+                <a:outerShdw blurRad="50800" dist="38100" algn="l" rotWithShape="0">
+                  <a:prstClr val="black">
+                    <a:alpha val="40000"/>
+                  </a:prstClr>
+                </a:outerShdw>
+              </a:effectLst>
+            </a:endParaRPr>
+          </a:p>
+          <a:p>
+            <a:r>
+              <a:rPr lang="en-US" sz="2000" b="1" dirty="0" smtClean="0">
+                <a:effectLst>
+                  <a:outerShdw blurRad="50800" dist="38100" algn="l" rotWithShape="0">
+                    <a:prstClr val="black">
+                      <a:alpha val="40000"/>
+                    </a:prstClr>
+                  </a:outerShdw>
+                </a:effectLst>
+              </a:rPr>
+              <a:t>Fun facts:</a:t>
+            </a:r>
+          </a:p>
+          <a:p>
+            <a:pPr lvl="1"/>
+            <a:r>
+              <a:rPr lang="en-US" sz="1600" dirty="0" smtClean="0">
+                <a:effectLst>
+                  <a:outerShdw blurRad="50800" dist="38100" algn="l" rotWithShape="0">
+                    <a:prstClr val="black">
+                      <a:alpha val="40000"/>
+                    </a:prstClr>
+                  </a:outerShdw>
+                </a:effectLst>
+              </a:rPr>
+              <a:t>My </a:t>
+            </a:r>
+            <a:r>
+              <a:rPr lang="en-US" sz="1600" dirty="0">
+                <a:effectLst>
+                  <a:outerShdw blurRad="50800" dist="38100" algn="l" rotWithShape="0">
+                    <a:prstClr val="black">
+                      <a:alpha val="40000"/>
+                    </a:prstClr>
+                  </a:outerShdw>
+                </a:effectLst>
+              </a:rPr>
+              <a:t>great-grandfather, Robert E.L. Chancey, was the 44</a:t>
+            </a:r>
+            <a:r>
+              <a:rPr lang="en-US" sz="1600" baseline="30000" dirty="0">
+                <a:effectLst>
+                  <a:outerShdw blurRad="50800" dist="38100" algn="l" rotWithShape="0">
+                    <a:prstClr val="black">
+                      <a:alpha val="40000"/>
+                    </a:prstClr>
+                  </a:outerShdw>
+                </a:effectLst>
+              </a:rPr>
+              <a:t>th</a:t>
+            </a:r>
+            <a:r>
+              <a:rPr lang="en-US" sz="1600" dirty="0">
+                <a:effectLst>
+                  <a:outerShdw blurRad="50800" dist="38100" algn="l" rotWithShape="0">
+                    <a:prstClr val="black">
+                      <a:alpha val="40000"/>
+                    </a:prstClr>
+                  </a:outerShdw>
+                </a:effectLst>
+              </a:rPr>
+              <a:t> Mayor of Tampa from 1931 to </a:t>
+            </a:r>
+            <a:r>
+              <a:rPr lang="en-US" sz="1600" dirty="0" smtClean="0">
+                <a:effectLst>
+                  <a:outerShdw blurRad="50800" dist="38100" algn="l" rotWithShape="0">
+                    <a:prstClr val="black">
+                      <a:alpha val="40000"/>
+                    </a:prstClr>
+                  </a:outerShdw>
+                </a:effectLst>
+              </a:rPr>
+              <a:t>1943.</a:t>
+            </a:r>
+            <a:endParaRPr lang="en-US" sz="1600" dirty="0">
+              <a:effectLst>
+                <a:outerShdw blurRad="50800" dist="38100" algn="l" rotWithShape="0">
+                  <a:prstClr val="black">
+                    <a:alpha val="40000"/>
+                  </a:prstClr>
+                </a:outerShdw>
+              </a:effectLst>
+            </a:endParaRPr>
+          </a:p>
+          <a:p>
+            <a:pPr lvl="1"/>
+            <a:r>
+              <a:rPr lang="en-US" sz="1600" dirty="0">
+                <a:effectLst>
+                  <a:outerShdw blurRad="50800" dist="38100" algn="l" rotWithShape="0">
+                    <a:prstClr val="black">
+                      <a:alpha val="40000"/>
+                    </a:prstClr>
+                  </a:outerShdw>
+                </a:effectLst>
+              </a:rPr>
+              <a:t>My family were at one time the owners of the property we are currently standing on.</a:t>
+            </a:r>
+            <a:endParaRPr lang="en-US" sz="2000" dirty="0">
+              <a:effectLst>
+                <a:outerShdw blurRad="50800" dist="38100" algn="l" rotWithShape="0">
+                  <a:prstClr val="black">
+                    <a:alpha val="40000"/>
+                  </a:prstClr>
+                </a:outerShdw>
+              </a:effectLst>
+            </a:endParaRPr>
+          </a:p>
+          <a:p>
+            <a:r>
+              <a:rPr lang="en-US" sz="2000" b="1" dirty="0" smtClean="0">
+                <a:effectLst>
+                  <a:outerShdw blurRad="50800" dist="38100" algn="l" rotWithShape="0">
+                    <a:prstClr val="black">
+                      <a:alpha val="40000"/>
+                    </a:prstClr>
+                  </a:outerShdw>
+                </a:effectLst>
+              </a:rPr>
+              <a:t>A source of inspiration:</a:t>
+            </a:r>
+            <a:endParaRPr lang="en-US" sz="2000" b="1" dirty="0">
+              <a:effectLst>
+                <a:outerShdw blurRad="50800" dist="38100" algn="l" rotWithShape="0">
+                  <a:prstClr val="black">
+                    <a:alpha val="40000"/>
+                  </a:prstClr>
+                </a:outerShdw>
+              </a:effectLst>
+            </a:endParaRPr>
+          </a:p>
+          <a:p>
+            <a:pPr lvl="1"/>
+            <a:r>
+              <a:rPr lang="en-US" sz="1600" dirty="0" smtClean="0">
+                <a:effectLst>
+                  <a:outerShdw blurRad="50800" dist="38100" algn="l" rotWithShape="0">
+                    <a:prstClr val="black">
+                      <a:alpha val="40000"/>
+                    </a:prstClr>
+                  </a:outerShdw>
+                </a:effectLst>
+              </a:rPr>
+              <a:t>“</a:t>
+            </a:r>
+            <a:r>
+              <a:rPr lang="en-US" sz="1600" i="1" dirty="0">
+                <a:effectLst>
+                  <a:outerShdw blurRad="50800" dist="38100" algn="l" rotWithShape="0">
+                    <a:prstClr val="black">
+                      <a:alpha val="40000"/>
+                    </a:prstClr>
+                  </a:outerShdw>
+                </a:effectLst>
+              </a:rPr>
+              <a:t>I know of no single formula for success. But over the years I have observed that some attributes of leadership are universal and are often about finding ways of encouraging people to combine their efforts, their talents, their insights, their enthusiasm and their inspiration to work together</a:t>
+            </a:r>
+            <a:r>
+              <a:rPr lang="en-US" sz="1600" dirty="0" smtClean="0">
+                <a:effectLst>
+                  <a:outerShdw blurRad="50800" dist="38100" algn="l" rotWithShape="0">
+                    <a:prstClr val="black">
+                      <a:alpha val="40000"/>
+                    </a:prstClr>
+                  </a:outerShdw>
+                </a:effectLst>
+              </a:rPr>
+              <a:t>.”</a:t>
+            </a:r>
+            <a:r>
+              <a:rPr lang="en-US" sz="1600" dirty="0">
+                <a:effectLst>
+                  <a:outerShdw blurRad="50800" dist="38100" algn="l" rotWithShape="0">
+                    <a:prstClr val="black">
+                      <a:alpha val="40000"/>
+                    </a:prstClr>
+                  </a:outerShdw>
+                </a:effectLst>
+              </a:rPr>
+              <a:t/>
+            </a:r>
+            <a:br>
+              <a:rPr lang="en-US" sz="1600" dirty="0">
+                <a:effectLst>
+                  <a:outerShdw blurRad="50800" dist="38100" algn="l" rotWithShape="0">
+                    <a:prstClr val="black">
+                      <a:alpha val="40000"/>
+                    </a:prstClr>
+                  </a:outerShdw>
+                </a:effectLst>
+              </a:rPr>
+            </a:br>
+            <a:r>
+              <a:rPr lang="en-US" sz="1600" dirty="0">
+                <a:effectLst>
+                  <a:outerShdw blurRad="50800" dist="38100" algn="l" rotWithShape="0">
+                    <a:prstClr val="black">
+                      <a:alpha val="40000"/>
+                    </a:prstClr>
+                  </a:outerShdw>
+                </a:effectLst>
+              </a:rPr>
+              <a:t>- </a:t>
+            </a:r>
+            <a:r>
+              <a:rPr lang="en-US" sz="1600" dirty="0" smtClean="0">
+                <a:effectLst>
+                  <a:outerShdw blurRad="50800" dist="38100" algn="l" rotWithShape="0">
+                    <a:prstClr val="black">
+                      <a:alpha val="40000"/>
+                    </a:prstClr>
+                  </a:outerShdw>
+                </a:effectLst>
+              </a:rPr>
+              <a:t>Queen Elizabeth II</a:t>
+            </a:r>
+            <a:endParaRPr lang="en-US" sz="1600" dirty="0">
+              <a:effectLst>
+                <a:outerShdw blurRad="50800" dist="38100" algn="l" rotWithShape="0">
+                  <a:prstClr val="black">
+                    <a:alpha val="40000"/>
+                  </a:prstClr>
+                </a:outerShdw>
+              </a:effectLst>
+            </a:endParaRPr>
+          </a:p>
+        </p:txBody>
+      </p:sp>
+    </p:spTree>
+    <p:extLst>
+      <p:ext uri="{BB962C8B-B14F-4D97-AF65-F5344CB8AC3E}">
+        <p14:creationId xmlns:p14="http://schemas.microsoft.com/office/powerpoint/2010/main" val="2646592909"/>
+      </p:ext>
+    </p:extLst>
+  </p:cSld>
+  <p:clrMapOvr>
+    <a:masterClrMapping/>
+  </p:clrMapOvr>
+  <mc:AlternateContent xmlns:mc="http://schemas.openxmlformats.org/markup-compatibility/2006" xmlns:p14="http://schemas.microsoft.com/office/powerpoint/2010/main">
+    <mc:Choice Requires="p14">
+      <p:transition p14:dur="0"/>
+    </mc:Choice>
+    <mc:Fallback xmlns="">
+      <p:transition/>
+    </mc:Fallback>
+  </mc:AlternateContent>
+  <p:timing>
+    <p:tnLst>
+      <p:par>
+        <p:cTn id="1" dur="indefinite" restart="never" nodeType="tmRoot"/>
+      </p:par>
+    </p:tnLst>
+  </p:timing>
+</p:sld>
+</file>
+
+<file path=ppt/slides/slide20.xml><?xml version="1.0" encoding="utf-8"?>
 <p:sld xmlns:a="http://schemas.openxmlformats.org/drawingml/2006/main" xmlns:r="http://schemas.openxmlformats.org/officeDocument/2006/relationships" xmlns:p="http://schemas.openxmlformats.org/presentationml/2006/main">
   <p:cSld>
     <p:spTree>
@@ -17800,587 +18519,7 @@
 </p:sld>
 </file>
 
-<file path=ppt/slides/slide2.xml><?xml version="1.0" encoding="utf-8"?>
-<p:sld xmlns:a="http://schemas.openxmlformats.org/drawingml/2006/main" xmlns:r="http://schemas.openxmlformats.org/officeDocument/2006/relationships" xmlns:p="http://schemas.openxmlformats.org/presentationml/2006/main">
-  <p:cSld>
-    <p:bg bwMode="black">
-      <p:bgPr>
-        <a:gradFill flip="none" rotWithShape="1">
-          <a:gsLst>
-            <a:gs pos="100000">
-              <a:srgbClr val="725CA5"/>
-            </a:gs>
-            <a:gs pos="13000">
-              <a:srgbClr val="5F4C8A">
-                <a:lumMod val="89000"/>
-              </a:srgbClr>
-            </a:gs>
-          </a:gsLst>
-          <a:lin ang="5400000" scaled="0"/>
-          <a:tileRect/>
-        </a:gradFill>
-        <a:effectLst/>
-      </p:bgPr>
-    </p:bg>
-    <p:spTree>
-      <p:nvGrpSpPr>
-        <p:cNvPr id="1" name=""/>
-        <p:cNvGrpSpPr/>
-        <p:nvPr/>
-      </p:nvGrpSpPr>
-      <p:grpSpPr>
-        <a:xfrm>
-          <a:off x="0" y="0"/>
-          <a:ext cx="0" cy="0"/>
-          <a:chOff x="0" y="0"/>
-          <a:chExt cx="0" cy="0"/>
-        </a:xfrm>
-      </p:grpSpPr>
-      <p:pic>
-        <p:nvPicPr>
-          <p:cNvPr id="1026" name="Picture 2" descr="https://prnewswire2-a.akamaihd.net/p/1893751/sp/189375100/thumbnail/entry_id/0_ejzdmr3l/def_height/2700/def_width/2700/version/100012/type/1"/>
-          <p:cNvPicPr>
-            <a:picLocks noChangeAspect="1" noChangeArrowheads="1"/>
-          </p:cNvPicPr>
-          <p:nvPr/>
-        </p:nvPicPr>
-        <p:blipFill rotWithShape="1">
-          <a:blip r:embed="rId3" cstate="print">
-            <a:extLst>
-              <a:ext uri="{BEBA8EAE-BF5A-486C-A8C5-ECC9F3942E4B}">
-                <a14:imgProps xmlns:a14="http://schemas.microsoft.com/office/drawing/2010/main">
-                  <a14:imgLayer r:embed="rId4">
-                    <a14:imgEffect>
-                      <a14:backgroundRemoval t="10000" b="90000" l="10000" r="90000"/>
-                    </a14:imgEffect>
-                    <a14:imgEffect>
-                      <a14:brightnessContrast bright="-40000"/>
-                    </a14:imgEffect>
-                  </a14:imgLayer>
-                </a14:imgProps>
-              </a:ext>
-              <a:ext uri="{28A0092B-C50C-407E-A947-70E740481C1C}">
-                <a14:useLocalDpi xmlns:a14="http://schemas.microsoft.com/office/drawing/2010/main" val="0"/>
-              </a:ext>
-            </a:extLst>
-          </a:blip>
-          <a:srcRect l="7142" t="-1" r="7144" b="29656"/>
-          <a:stretch/>
-        </p:blipFill>
-        <p:spPr bwMode="auto">
-          <a:xfrm>
-            <a:off x="2743200" y="685800"/>
-            <a:ext cx="6629400" cy="5524500"/>
-          </a:xfrm>
-          <a:prstGeom prst="rect">
-            <a:avLst/>
-          </a:prstGeom>
-          <a:noFill/>
-          <a:extLst>
-            <a:ext uri="{909E8E84-426E-40DD-AFC4-6F175D3DCCD1}">
-              <a14:hiddenFill xmlns:a14="http://schemas.microsoft.com/office/drawing/2010/main">
-                <a:solidFill>
-                  <a:srgbClr val="FFFFFF"/>
-                </a:solidFill>
-              </a14:hiddenFill>
-            </a:ext>
-          </a:extLst>
-        </p:spPr>
-      </p:pic>
-      <p:sp>
-        <p:nvSpPr>
-          <p:cNvPr id="2" name="Title 1"/>
-          <p:cNvSpPr>
-            <a:spLocks noGrp="1"/>
-          </p:cNvSpPr>
-          <p:nvPr>
-            <p:ph type="title"/>
-          </p:nvPr>
-        </p:nvSpPr>
-        <p:spPr bwMode="white">
-          <a:xfrm>
-            <a:off x="1981200" y="274638"/>
-            <a:ext cx="8229600" cy="1143000"/>
-          </a:xfrm>
-        </p:spPr>
-        <p:txBody>
-          <a:bodyPr>
-            <a:normAutofit/>
-          </a:bodyPr>
-          <a:lstStyle/>
-          <a:p>
-            <a:r>
-              <a:rPr lang="en-US" sz="3600" b="1" dirty="0">
-                <a:effectLst>
-                  <a:outerShdw blurRad="50800" dist="38100" algn="l" rotWithShape="0">
-                    <a:prstClr val="black">
-                      <a:alpha val="40000"/>
-                    </a:prstClr>
-                  </a:outerShdw>
-                </a:effectLst>
-              </a:rPr>
-              <a:t>Robert Maloy</a:t>
-            </a:r>
-          </a:p>
-        </p:txBody>
-      </p:sp>
-      <p:sp>
-        <p:nvSpPr>
-          <p:cNvPr id="4" name="Content Placeholder 3"/>
-          <p:cNvSpPr>
-            <a:spLocks noGrp="1"/>
-          </p:cNvSpPr>
-          <p:nvPr>
-            <p:ph sz="half" idx="1"/>
-          </p:nvPr>
-        </p:nvSpPr>
-        <p:spPr bwMode="white">
-          <a:xfrm>
-            <a:off x="1866900" y="1600200"/>
-            <a:ext cx="8458200" cy="5029200"/>
-          </a:xfrm>
-        </p:spPr>
-        <p:txBody>
-          <a:bodyPr>
-            <a:normAutofit/>
-          </a:bodyPr>
-          <a:lstStyle/>
-          <a:p>
-            <a:r>
-              <a:rPr lang="en-US" sz="1800" dirty="0">
-                <a:effectLst>
-                  <a:outerShdw blurRad="50800" dist="38100" algn="l" rotWithShape="0">
-                    <a:prstClr val="black">
-                      <a:alpha val="40000"/>
-                    </a:prstClr>
-                  </a:outerShdw>
-                </a:effectLst>
-              </a:rPr>
-              <a:t>Born and raised in </a:t>
-            </a:r>
-            <a:r>
-              <a:rPr lang="en-US" sz="1800" b="1" dirty="0">
-                <a:effectLst>
-                  <a:outerShdw blurRad="50800" dist="38100" algn="l" rotWithShape="0">
-                    <a:prstClr val="black">
-                      <a:alpha val="40000"/>
-                    </a:prstClr>
-                  </a:outerShdw>
-                </a:effectLst>
-              </a:rPr>
-              <a:t>Tampa, Florida</a:t>
-            </a:r>
-          </a:p>
-          <a:p>
-            <a:r>
-              <a:rPr lang="en-US" sz="1800" dirty="0">
-                <a:effectLst>
-                  <a:outerShdw blurRad="50800" dist="38100" algn="l" rotWithShape="0">
-                    <a:prstClr val="black">
-                      <a:alpha val="40000"/>
-                    </a:prstClr>
-                  </a:outerShdw>
-                </a:effectLst>
-              </a:rPr>
-              <a:t>Computer Science major at </a:t>
-            </a:r>
-            <a:r>
-              <a:rPr lang="en-US" sz="1800" b="1" dirty="0">
-                <a:effectLst>
-                  <a:outerShdw blurRad="50800" dist="38100" algn="l" rotWithShape="0">
-                    <a:prstClr val="black">
-                      <a:alpha val="40000"/>
-                    </a:prstClr>
-                  </a:outerShdw>
-                </a:effectLst>
-              </a:rPr>
-              <a:t>Florida Polytechnic University</a:t>
-            </a:r>
-            <a:r>
-              <a:rPr lang="en-US" sz="1800" dirty="0">
-                <a:effectLst>
-                  <a:outerShdw blurRad="50800" dist="38100" algn="l" rotWithShape="0">
-                    <a:prstClr val="black">
-                      <a:alpha val="40000"/>
-                    </a:prstClr>
-                  </a:outerShdw>
-                </a:effectLst>
-              </a:rPr>
-              <a:t> in Lakeland, Florida specializing in Cybersecurity and Information Assurance; currently a junior.</a:t>
-            </a:r>
-          </a:p>
-          <a:p>
-            <a:r>
-              <a:rPr lang="en-US" sz="1800" b="1" dirty="0">
-                <a:effectLst>
-                  <a:outerShdw blurRad="50800" dist="38100" algn="l" rotWithShape="0">
-                    <a:prstClr val="black">
-                      <a:alpha val="40000"/>
-                    </a:prstClr>
-                  </a:outerShdw>
-                </a:effectLst>
-              </a:rPr>
-              <a:t>My primary hobbies</a:t>
-            </a:r>
-            <a:r>
-              <a:rPr lang="en-US" sz="1800" dirty="0">
-                <a:effectLst>
-                  <a:outerShdw blurRad="50800" dist="38100" algn="l" rotWithShape="0">
-                    <a:prstClr val="black">
-                      <a:alpha val="40000"/>
-                    </a:prstClr>
-                  </a:outerShdw>
-                </a:effectLst>
-              </a:rPr>
-              <a:t>:</a:t>
-            </a:r>
-          </a:p>
-          <a:p>
-            <a:pPr lvl="1"/>
-            <a:r>
-              <a:rPr lang="en-US" sz="1400" dirty="0">
-                <a:effectLst>
-                  <a:outerShdw blurRad="50800" dist="38100" algn="l" rotWithShape="0">
-                    <a:prstClr val="black">
-                      <a:alpha val="40000"/>
-                    </a:prstClr>
-                  </a:outerShdw>
-                </a:effectLst>
-              </a:rPr>
-              <a:t>Collecting and restoring vintage personal microcomputers from the 1980s and </a:t>
-            </a:r>
-            <a:r>
-              <a:rPr lang="en-US" sz="1400" dirty="0" smtClean="0">
-                <a:effectLst>
-                  <a:outerShdw blurRad="50800" dist="38100" algn="l" rotWithShape="0">
-                    <a:prstClr val="black">
-                      <a:alpha val="40000"/>
-                    </a:prstClr>
-                  </a:outerShdw>
-                </a:effectLst>
-              </a:rPr>
-              <a:t>1990s.</a:t>
-            </a:r>
-          </a:p>
-          <a:p>
-            <a:pPr lvl="1"/>
-            <a:r>
-              <a:rPr lang="en-US" sz="1400" b="1" dirty="0" smtClean="0">
-                <a:effectLst>
-                  <a:outerShdw blurRad="50800" dist="38100" algn="l" rotWithShape="0">
-                    <a:prstClr val="black">
-                      <a:alpha val="40000"/>
-                    </a:prstClr>
-                  </a:outerShdw>
-                </a:effectLst>
-              </a:rPr>
-              <a:t>Alternate </a:t>
-            </a:r>
-            <a:r>
-              <a:rPr lang="en-US" sz="1400" b="1" dirty="0">
-                <a:effectLst>
-                  <a:outerShdw blurRad="50800" dist="38100" algn="l" rotWithShape="0">
-                    <a:prstClr val="black">
-                      <a:alpha val="40000"/>
-                    </a:prstClr>
-                  </a:outerShdw>
-                </a:effectLst>
-              </a:rPr>
-              <a:t>History </a:t>
-            </a:r>
-            <a:r>
-              <a:rPr lang="en-US" sz="1400" dirty="0">
-                <a:effectLst>
-                  <a:outerShdw blurRad="50800" dist="38100" algn="l" rotWithShape="0">
-                    <a:prstClr val="black">
-                      <a:alpha val="40000"/>
-                    </a:prstClr>
-                  </a:outerShdw>
-                </a:effectLst>
-              </a:rPr>
-              <a:t>stories that deal in the consequences of alternative events in the course of human </a:t>
-            </a:r>
-            <a:r>
-              <a:rPr lang="en-US" sz="1400" dirty="0" smtClean="0">
-                <a:effectLst>
-                  <a:outerShdw blurRad="50800" dist="38100" algn="l" rotWithShape="0">
-                    <a:prstClr val="black">
-                      <a:alpha val="40000"/>
-                    </a:prstClr>
-                  </a:outerShdw>
-                </a:effectLst>
-              </a:rPr>
-              <a:t>history.</a:t>
-            </a:r>
-            <a:endParaRPr lang="en-US" sz="1800" dirty="0" smtClean="0">
-              <a:effectLst>
-                <a:outerShdw blurRad="50800" dist="38100" algn="l" rotWithShape="0">
-                  <a:prstClr val="black">
-                    <a:alpha val="40000"/>
-                  </a:prstClr>
-                </a:outerShdw>
-              </a:effectLst>
-            </a:endParaRPr>
-          </a:p>
-          <a:p>
-            <a:r>
-              <a:rPr lang="en-US" sz="2000" b="1" dirty="0" smtClean="0">
-                <a:effectLst>
-                  <a:outerShdw blurRad="50800" dist="38100" algn="l" rotWithShape="0">
-                    <a:prstClr val="black">
-                      <a:alpha val="40000"/>
-                    </a:prstClr>
-                  </a:outerShdw>
-                </a:effectLst>
-              </a:rPr>
-              <a:t>Fun facts:</a:t>
-            </a:r>
-          </a:p>
-          <a:p>
-            <a:pPr lvl="1"/>
-            <a:r>
-              <a:rPr lang="en-US" sz="1600" dirty="0" smtClean="0">
-                <a:effectLst>
-                  <a:outerShdw blurRad="50800" dist="38100" algn="l" rotWithShape="0">
-                    <a:prstClr val="black">
-                      <a:alpha val="40000"/>
-                    </a:prstClr>
-                  </a:outerShdw>
-                </a:effectLst>
-              </a:rPr>
-              <a:t>My </a:t>
-            </a:r>
-            <a:r>
-              <a:rPr lang="en-US" sz="1600" dirty="0">
-                <a:effectLst>
-                  <a:outerShdw blurRad="50800" dist="38100" algn="l" rotWithShape="0">
-                    <a:prstClr val="black">
-                      <a:alpha val="40000"/>
-                    </a:prstClr>
-                  </a:outerShdw>
-                </a:effectLst>
-              </a:rPr>
-              <a:t>great-grandfather, Robert E.L. Chancey, was the 44</a:t>
-            </a:r>
-            <a:r>
-              <a:rPr lang="en-US" sz="1600" baseline="30000" dirty="0">
-                <a:effectLst>
-                  <a:outerShdw blurRad="50800" dist="38100" algn="l" rotWithShape="0">
-                    <a:prstClr val="black">
-                      <a:alpha val="40000"/>
-                    </a:prstClr>
-                  </a:outerShdw>
-                </a:effectLst>
-              </a:rPr>
-              <a:t>th</a:t>
-            </a:r>
-            <a:r>
-              <a:rPr lang="en-US" sz="1600" dirty="0">
-                <a:effectLst>
-                  <a:outerShdw blurRad="50800" dist="38100" algn="l" rotWithShape="0">
-                    <a:prstClr val="black">
-                      <a:alpha val="40000"/>
-                    </a:prstClr>
-                  </a:outerShdw>
-                </a:effectLst>
-              </a:rPr>
-              <a:t> Mayor of Tampa from 1931 to </a:t>
-            </a:r>
-            <a:r>
-              <a:rPr lang="en-US" sz="1600" dirty="0" smtClean="0">
-                <a:effectLst>
-                  <a:outerShdw blurRad="50800" dist="38100" algn="l" rotWithShape="0">
-                    <a:prstClr val="black">
-                      <a:alpha val="40000"/>
-                    </a:prstClr>
-                  </a:outerShdw>
-                </a:effectLst>
-              </a:rPr>
-              <a:t>1943.</a:t>
-            </a:r>
-            <a:endParaRPr lang="en-US" sz="1600" dirty="0">
-              <a:effectLst>
-                <a:outerShdw blurRad="50800" dist="38100" algn="l" rotWithShape="0">
-                  <a:prstClr val="black">
-                    <a:alpha val="40000"/>
-                  </a:prstClr>
-                </a:outerShdw>
-              </a:effectLst>
-            </a:endParaRPr>
-          </a:p>
-          <a:p>
-            <a:pPr lvl="1"/>
-            <a:r>
-              <a:rPr lang="en-US" sz="1600" dirty="0">
-                <a:effectLst>
-                  <a:outerShdw blurRad="50800" dist="38100" algn="l" rotWithShape="0">
-                    <a:prstClr val="black">
-                      <a:alpha val="40000"/>
-                    </a:prstClr>
-                  </a:outerShdw>
-                </a:effectLst>
-              </a:rPr>
-              <a:t>My family were at one time the owners of the property we are currently standing on.</a:t>
-            </a:r>
-            <a:endParaRPr lang="en-US" sz="2000" dirty="0">
-              <a:effectLst>
-                <a:outerShdw blurRad="50800" dist="38100" algn="l" rotWithShape="0">
-                  <a:prstClr val="black">
-                    <a:alpha val="40000"/>
-                  </a:prstClr>
-                </a:outerShdw>
-              </a:effectLst>
-            </a:endParaRPr>
-          </a:p>
-          <a:p>
-            <a:r>
-              <a:rPr lang="en-US" sz="2000" b="1" dirty="0" smtClean="0">
-                <a:effectLst>
-                  <a:outerShdw blurRad="50800" dist="38100" algn="l" rotWithShape="0">
-                    <a:prstClr val="black">
-                      <a:alpha val="40000"/>
-                    </a:prstClr>
-                  </a:outerShdw>
-                </a:effectLst>
-              </a:rPr>
-              <a:t>A source of inspiration:</a:t>
-            </a:r>
-            <a:endParaRPr lang="en-US" sz="2000" b="1" dirty="0">
-              <a:effectLst>
-                <a:outerShdw blurRad="50800" dist="38100" algn="l" rotWithShape="0">
-                  <a:prstClr val="black">
-                    <a:alpha val="40000"/>
-                  </a:prstClr>
-                </a:outerShdw>
-              </a:effectLst>
-            </a:endParaRPr>
-          </a:p>
-          <a:p>
-            <a:pPr lvl="1"/>
-            <a:r>
-              <a:rPr lang="en-US" sz="1600" dirty="0" smtClean="0">
-                <a:effectLst>
-                  <a:outerShdw blurRad="50800" dist="38100" algn="l" rotWithShape="0">
-                    <a:prstClr val="black">
-                      <a:alpha val="40000"/>
-                    </a:prstClr>
-                  </a:outerShdw>
-                </a:effectLst>
-              </a:rPr>
-              <a:t>“</a:t>
-            </a:r>
-            <a:r>
-              <a:rPr lang="en-US" sz="1600" i="1" dirty="0">
-                <a:effectLst>
-                  <a:outerShdw blurRad="50800" dist="38100" algn="l" rotWithShape="0">
-                    <a:prstClr val="black">
-                      <a:alpha val="40000"/>
-                    </a:prstClr>
-                  </a:outerShdw>
-                </a:effectLst>
-              </a:rPr>
-              <a:t>I know of no single formula for success. But over the years I have observed that some attributes of leadership are universal and are often about finding ways of encouraging people to combine their efforts, their talents, their insights, their enthusiasm and their inspiration to work together</a:t>
-            </a:r>
-            <a:r>
-              <a:rPr lang="en-US" sz="1600" dirty="0" smtClean="0">
-                <a:effectLst>
-                  <a:outerShdw blurRad="50800" dist="38100" algn="l" rotWithShape="0">
-                    <a:prstClr val="black">
-                      <a:alpha val="40000"/>
-                    </a:prstClr>
-                  </a:outerShdw>
-                </a:effectLst>
-              </a:rPr>
-              <a:t>.”</a:t>
-            </a:r>
-            <a:r>
-              <a:rPr lang="en-US" sz="1600" dirty="0">
-                <a:effectLst>
-                  <a:outerShdw blurRad="50800" dist="38100" algn="l" rotWithShape="0">
-                    <a:prstClr val="black">
-                      <a:alpha val="40000"/>
-                    </a:prstClr>
-                  </a:outerShdw>
-                </a:effectLst>
-              </a:rPr>
-              <a:t/>
-            </a:r>
-            <a:br>
-              <a:rPr lang="en-US" sz="1600" dirty="0">
-                <a:effectLst>
-                  <a:outerShdw blurRad="50800" dist="38100" algn="l" rotWithShape="0">
-                    <a:prstClr val="black">
-                      <a:alpha val="40000"/>
-                    </a:prstClr>
-                  </a:outerShdw>
-                </a:effectLst>
-              </a:rPr>
-            </a:br>
-            <a:r>
-              <a:rPr lang="en-US" sz="1600" dirty="0">
-                <a:effectLst>
-                  <a:outerShdw blurRad="50800" dist="38100" algn="l" rotWithShape="0">
-                    <a:prstClr val="black">
-                      <a:alpha val="40000"/>
-                    </a:prstClr>
-                  </a:outerShdw>
-                </a:effectLst>
-              </a:rPr>
-              <a:t>- </a:t>
-            </a:r>
-            <a:r>
-              <a:rPr lang="en-US" sz="1600" dirty="0" smtClean="0">
-                <a:effectLst>
-                  <a:outerShdw blurRad="50800" dist="38100" algn="l" rotWithShape="0">
-                    <a:prstClr val="black">
-                      <a:alpha val="40000"/>
-                    </a:prstClr>
-                  </a:outerShdw>
-                </a:effectLst>
-              </a:rPr>
-              <a:t>Queen Elizabeth II</a:t>
-            </a:r>
-            <a:endParaRPr lang="en-US" sz="1600" dirty="0">
-              <a:effectLst>
-                <a:outerShdw blurRad="50800" dist="38100" algn="l" rotWithShape="0">
-                  <a:prstClr val="black">
-                    <a:alpha val="40000"/>
-                  </a:prstClr>
-                </a:outerShdw>
-              </a:effectLst>
-            </a:endParaRPr>
-          </a:p>
-        </p:txBody>
-      </p:sp>
-    </p:spTree>
-    <p:extLst>
-      <p:ext uri="{BB962C8B-B14F-4D97-AF65-F5344CB8AC3E}">
-        <p14:creationId xmlns:p14="http://schemas.microsoft.com/office/powerpoint/2010/main" val="2646592909"/>
-      </p:ext>
-    </p:extLst>
-  </p:cSld>
-  <p:clrMapOvr>
-    <a:masterClrMapping/>
-  </p:clrMapOvr>
-  <mc:AlternateContent xmlns:mc="http://schemas.openxmlformats.org/markup-compatibility/2006" xmlns:p14="http://schemas.microsoft.com/office/powerpoint/2010/main">
-    <mc:Choice Requires="p14">
-      <p:transition p14:dur="0"/>
-    </mc:Choice>
-    <mc:Fallback xmlns="">
-      <p:transition/>
-    </mc:Fallback>
-  </mc:AlternateContent>
-  <p:timing>
-    <p:tnLst>
-      <p:par>
-        <p:cTn id="1" dur="indefinite" restart="never" nodeType="tmRoot"/>
-      </p:par>
-    </p:tnLst>
-  </p:timing>
-</p:sld>
-</file>
-
-<file path=ppt/slides/slide20.xml><?xml version="1.0" encoding="utf-8"?>
+<file path=ppt/slides/slide21.xml><?xml version="1.0" encoding="utf-8"?>
 <p:sld xmlns:a="http://schemas.openxmlformats.org/drawingml/2006/main" xmlns:r="http://schemas.openxmlformats.org/officeDocument/2006/relationships" xmlns:p="http://schemas.openxmlformats.org/presentationml/2006/main">
   <p:cSld>
     <p:spTree>
@@ -18462,11 +18601,7 @@
             </a:br>
             <a:r>
               <a:rPr lang="en-US" dirty="0" smtClean="0"/>
-              <a:t>which is still in use by Citi today</a:t>
-            </a:r>
-            <a:r>
-              <a:rPr lang="en-US" dirty="0" smtClean="0"/>
-              <a:t>.</a:t>
+              <a:t>which is still in use by Citi today.</a:t>
             </a:r>
           </a:p>
           <a:p>
@@ -18495,7 +18630,6 @@
               <a:rPr lang="en-US" dirty="0" smtClean="0"/>
               <a:t>the task given.</a:t>
             </a:r>
-            <a:endParaRPr lang="en-US" dirty="0" smtClean="0"/>
           </a:p>
         </p:txBody>
       </p:sp>
@@ -18527,7 +18661,7 @@
 </p:sld>
 </file>
 
-<file path=ppt/slides/slide21.xml><?xml version="1.0" encoding="utf-8"?>
+<file path=ppt/slides/slide22.xml><?xml version="1.0" encoding="utf-8"?>
 <p:sld xmlns:a="http://schemas.openxmlformats.org/drawingml/2006/main" xmlns:r="http://schemas.openxmlformats.org/officeDocument/2006/relationships" xmlns:p="http://schemas.openxmlformats.org/presentationml/2006/main">
   <p:cSld>
     <p:spTree>
@@ -18649,11 +18783,7 @@
             </a:r>
             <a:r>
               <a:rPr lang="en-US" sz="1600" dirty="0" smtClean="0"/>
-              <a:t> (temporary). It also features PowerShell files, such as DateCheck.ps1, SplitFile_565.ps1 (which has been converted from VBA), and the two UNIXTime.ps1 files</a:t>
-            </a:r>
-            <a:r>
-              <a:rPr lang="en-US" sz="1600" dirty="0" smtClean="0"/>
-              <a:t>.</a:t>
+              <a:t> (temporary). It also features PowerShell files, such as DateCheck.ps1, SplitFile_565.ps1 (which has been converted from VBA), and the two UNIXTime.ps1 files.</a:t>
             </a:r>
             <a:endParaRPr lang="en-US" sz="1600" dirty="0"/>
           </a:p>
@@ -18665,7 +18795,6 @@
               <a:rPr lang="en-US" sz="1600" dirty="0" smtClean="0"/>
               <a:t>The directory is more crowded, but the code has been simplified and improved to be more efficient.</a:t>
             </a:r>
-            <a:endParaRPr lang="en-US" sz="1600" dirty="0" smtClean="0"/>
           </a:p>
         </p:txBody>
       </p:sp>
@@ -18697,7 +18826,7 @@
 </p:sld>
 </file>
 
-<file path=ppt/slides/slide22.xml><?xml version="1.0" encoding="utf-8"?>
+<file path=ppt/slides/slide23.xml><?xml version="1.0" encoding="utf-8"?>
 <p:sld xmlns:a="http://schemas.openxmlformats.org/drawingml/2006/main" xmlns:r="http://schemas.openxmlformats.org/officeDocument/2006/relationships" xmlns:p="http://schemas.openxmlformats.org/presentationml/2006/main">
   <p:cSld>
     <p:spTree>
@@ -18803,7 +18932,7 @@
 </p:sld>
 </file>
 
-<file path=ppt/slides/slide23.xml><?xml version="1.0" encoding="utf-8"?>
+<file path=ppt/slides/slide24.xml><?xml version="1.0" encoding="utf-8"?>
 <p:sld xmlns:a="http://schemas.openxmlformats.org/drawingml/2006/main" xmlns:r="http://schemas.openxmlformats.org/officeDocument/2006/relationships" xmlns:p="http://schemas.openxmlformats.org/presentationml/2006/main">
   <p:cSld>
     <p:spTree>
@@ -19098,7 +19227,7 @@
 </p:sld>
 </file>
 
-<file path=ppt/slides/slide24.xml><?xml version="1.0" encoding="utf-8"?>
+<file path=ppt/slides/slide25.xml><?xml version="1.0" encoding="utf-8"?>
 <p:sld xmlns:a="http://schemas.openxmlformats.org/drawingml/2006/main" xmlns:r="http://schemas.openxmlformats.org/officeDocument/2006/relationships" xmlns:p="http://schemas.openxmlformats.org/presentationml/2006/main">
   <p:cSld>
     <p:spTree>
@@ -19272,7 +19401,7 @@
 </p:sld>
 </file>
 
-<file path=ppt/slides/slide25.xml><?xml version="1.0" encoding="utf-8"?>
+<file path=ppt/slides/slide26.xml><?xml version="1.0" encoding="utf-8"?>
 <p:sld xmlns:a="http://schemas.openxmlformats.org/drawingml/2006/main" xmlns:r="http://schemas.openxmlformats.org/officeDocument/2006/relationships" xmlns:p="http://schemas.openxmlformats.org/presentationml/2006/main">
   <p:cSld>
     <p:spTree>
@@ -19306,7 +19435,7 @@
           <a:p>
             <a:fld id="{C1CC553C-5B67-447A-B4EF-CE3B9FBB9303}" type="slidenum">
               <a:rPr lang="en-US" smtClean="0"/>
-              <a:t>25</a:t>
+              <a:t>26</a:t>
             </a:fld>
             <a:endParaRPr lang="en-US" dirty="0"/>
           </a:p>
@@ -19400,7 +19529,7 @@
 </p:sld>
 </file>
 
-<file path=ppt/slides/slide26.xml><?xml version="1.0" encoding="utf-8"?>
+<file path=ppt/slides/slide27.xml><?xml version="1.0" encoding="utf-8"?>
 <p:sld xmlns:a="http://schemas.openxmlformats.org/drawingml/2006/main" xmlns:r="http://schemas.openxmlformats.org/officeDocument/2006/relationships" xmlns:p="http://schemas.openxmlformats.org/presentationml/2006/main">
   <p:cSld>
     <p:spTree>
@@ -19442,7 +19571,19 @@
                   </a:outerShdw>
                 </a:effectLst>
               </a:rPr>
-              <a:t>“Sample” Project (continued)</a:t>
+              <a:t>Project </a:t>
+            </a:r>
+            <a:r>
+              <a:rPr lang="en-US" b="1" dirty="0" smtClean="0">
+                <a:effectLst>
+                  <a:outerShdw blurRad="50800" dist="38100" algn="l" rotWithShape="0">
+                    <a:prstClr val="black">
+                      <a:alpha val="40000"/>
+                    </a:prstClr>
+                  </a:outerShdw>
+                </a:effectLst>
+              </a:rPr>
+              <a:t>(continued)</a:t>
             </a:r>
             <a:endParaRPr lang="en-US" b="1" dirty="0">
               <a:effectLst>
@@ -19481,10 +19622,8 @@
                   </a:outerShdw>
                 </a:effectLst>
               </a:rPr>
-              <a:t>Key Improvements</a:t>
-            </a:r>
-          </a:p>
-          <a:p>
+              <a:t>Key </a:t>
+            </a:r>
             <a:r>
               <a:rPr lang="en-US" dirty="0" smtClean="0">
                 <a:effectLst>
@@ -19495,10 +19634,11 @@
                   </a:outerShdw>
                 </a:effectLst>
               </a:rPr>
-              <a:t>Conclusion</a:t>
-            </a:r>
-          </a:p>
-          <a:p>
+              <a:t>Improvements	</a:t>
+            </a:r>
+          </a:p>
+          <a:p>
+            <a:pPr lvl="1"/>
             <a:r>
               <a:rPr lang="en-US" dirty="0" smtClean="0">
                 <a:effectLst>
@@ -19509,7 +19649,37 @@
                   </a:outerShdw>
                 </a:effectLst>
               </a:rPr>
-              <a:t>Thoughts</a:t>
+              <a:t>Partitioning</a:t>
+            </a:r>
+          </a:p>
+          <a:p>
+            <a:pPr lvl="1"/>
+            <a:r>
+              <a:rPr lang="en-US" dirty="0" smtClean="0">
+                <a:effectLst>
+                  <a:outerShdw blurRad="50800" dist="38100" algn="l" rotWithShape="0">
+                    <a:prstClr val="black">
+                      <a:alpha val="40000"/>
+                    </a:prstClr>
+                  </a:outerShdw>
+                </a:effectLst>
+              </a:rPr>
+              <a:t>Data logging</a:t>
+            </a:r>
+          </a:p>
+          <a:p>
+            <a:pPr lvl="1"/>
+            <a:r>
+              <a:rPr lang="en-US" dirty="0" smtClean="0">
+                <a:effectLst>
+                  <a:outerShdw blurRad="50800" dist="38100" algn="l" rotWithShape="0">
+                    <a:prstClr val="black">
+                      <a:alpha val="40000"/>
+                    </a:prstClr>
+                  </a:outerShdw>
+                </a:effectLst>
+              </a:rPr>
+              <a:t>Performance improvements</a:t>
             </a:r>
             <a:endParaRPr lang="en-US" dirty="0">
               <a:effectLst>
@@ -19540,7 +19710,7 @@
           <a:p>
             <a:fld id="{C1CC553C-5B67-447A-B4EF-CE3B9FBB9303}" type="slidenum">
               <a:rPr lang="en-US" smtClean="0"/>
-              <a:t>26</a:t>
+              <a:t>27</a:t>
             </a:fld>
             <a:endParaRPr lang="en-US" dirty="0"/>
           </a:p>
@@ -19550,349 +19720,6 @@
     <p:extLst>
       <p:ext uri="{BB962C8B-B14F-4D97-AF65-F5344CB8AC3E}">
         <p14:creationId xmlns:p14="http://schemas.microsoft.com/office/powerpoint/2010/main" val="2377412802"/>
-      </p:ext>
-    </p:extLst>
-  </p:cSld>
-  <p:clrMapOvr>
-    <a:masterClrMapping/>
-  </p:clrMapOvr>
-  <mc:AlternateContent xmlns:mc="http://schemas.openxmlformats.org/markup-compatibility/2006" xmlns:p14="http://schemas.microsoft.com/office/powerpoint/2010/main">
-    <mc:Choice Requires="p14">
-      <p:transition p14:dur="0"/>
-    </mc:Choice>
-    <mc:Fallback xmlns="">
-      <p:transition/>
-    </mc:Fallback>
-  </mc:AlternateContent>
-  <p:timing>
-    <p:tnLst>
-      <p:par>
-        <p:cTn id="1" dur="indefinite" restart="never" nodeType="tmRoot"/>
-      </p:par>
-    </p:tnLst>
-  </p:timing>
-</p:sld>
-</file>
-
-<file path=ppt/slides/slide27.xml><?xml version="1.0" encoding="utf-8"?>
-<p:sld xmlns:a="http://schemas.openxmlformats.org/drawingml/2006/main" xmlns:r="http://schemas.openxmlformats.org/officeDocument/2006/relationships" xmlns:p="http://schemas.openxmlformats.org/presentationml/2006/main">
-  <p:cSld>
-    <p:spTree>
-      <p:nvGrpSpPr>
-        <p:cNvPr id="1" name=""/>
-        <p:cNvGrpSpPr/>
-        <p:nvPr/>
-      </p:nvGrpSpPr>
-      <p:grpSpPr>
-        <a:xfrm>
-          <a:off x="0" y="0"/>
-          <a:ext cx="0" cy="0"/>
-          <a:chOff x="0" y="0"/>
-          <a:chExt cx="0" cy="0"/>
-        </a:xfrm>
-      </p:grpSpPr>
-      <p:sp>
-        <p:nvSpPr>
-          <p:cNvPr id="2" name="Title 1"/>
-          <p:cNvSpPr>
-            <a:spLocks noGrp="1"/>
-          </p:cNvSpPr>
-          <p:nvPr>
-            <p:ph type="title"/>
-          </p:nvPr>
-        </p:nvSpPr>
-        <p:spPr/>
-        <p:txBody>
-          <a:bodyPr>
-            <a:noAutofit/>
-          </a:bodyPr>
-          <a:lstStyle/>
-          <a:p>
-            <a:r>
-              <a:rPr lang="en-US" sz="3600" b="1" dirty="0">
-                <a:effectLst>
-                  <a:outerShdw blurRad="50800" dist="38100" algn="l" rotWithShape="0">
-                    <a:prstClr val="black">
-                      <a:alpha val="40000"/>
-                    </a:prstClr>
-                  </a:outerShdw>
-                </a:effectLst>
-              </a:rPr>
-              <a:t>Analysis of Automation: Risks</a:t>
-            </a:r>
-          </a:p>
-        </p:txBody>
-      </p:sp>
-      <p:sp>
-        <p:nvSpPr>
-          <p:cNvPr id="3" name="Content Placeholder 2"/>
-          <p:cNvSpPr>
-            <a:spLocks noGrp="1"/>
-          </p:cNvSpPr>
-          <p:nvPr>
-            <p:ph idx="1"/>
-          </p:nvPr>
-        </p:nvSpPr>
-        <p:spPr>
-          <a:xfrm>
-            <a:off x="609600" y="1600201"/>
-            <a:ext cx="5334000" cy="4525963"/>
-          </a:xfrm>
-        </p:spPr>
-        <p:txBody>
-          <a:bodyPr>
-            <a:normAutofit fontScale="92500" lnSpcReduction="10000"/>
-          </a:bodyPr>
-          <a:lstStyle/>
-          <a:p>
-            <a:r>
-              <a:rPr lang="en-GB" dirty="0">
-                <a:effectLst>
-                  <a:outerShdw blurRad="50800" dist="38100" algn="l" rotWithShape="0">
-                    <a:prstClr val="black">
-                      <a:alpha val="40000"/>
-                    </a:prstClr>
-                  </a:outerShdw>
-                </a:effectLst>
-              </a:rPr>
-              <a:t>F</a:t>
-            </a:r>
-            <a:r>
-              <a:rPr lang="en-GB" dirty="0" smtClean="0">
-                <a:effectLst>
-                  <a:outerShdw blurRad="50800" dist="38100" algn="l" rotWithShape="0">
-                    <a:prstClr val="black">
-                      <a:alpha val="40000"/>
-                    </a:prstClr>
-                  </a:outerShdw>
-                </a:effectLst>
-              </a:rPr>
-              <a:t>laws </a:t>
-            </a:r>
-            <a:r>
-              <a:rPr lang="en-GB" dirty="0">
-                <a:effectLst>
-                  <a:outerShdw blurRad="50800" dist="38100" algn="l" rotWithShape="0">
-                    <a:prstClr val="black">
-                      <a:alpha val="40000"/>
-                    </a:prstClr>
-                  </a:outerShdw>
-                </a:effectLst>
-              </a:rPr>
-              <a:t>of automated </a:t>
-            </a:r>
-            <a:r>
-              <a:rPr lang="en-GB" dirty="0" smtClean="0">
-                <a:effectLst>
-                  <a:outerShdw blurRad="50800" dist="38100" algn="l" rotWithShape="0">
-                    <a:prstClr val="black">
-                      <a:alpha val="40000"/>
-                    </a:prstClr>
-                  </a:outerShdw>
-                </a:effectLst>
-              </a:rPr>
-              <a:t>labour</a:t>
-            </a:r>
-          </a:p>
-          <a:p>
-            <a:pPr lvl="1"/>
-            <a:r>
-              <a:rPr lang="en-GB" dirty="0" smtClean="0">
-                <a:effectLst>
-                  <a:outerShdw blurRad="50800" dist="38100" algn="l" rotWithShape="0">
-                    <a:prstClr val="black">
-                      <a:alpha val="40000"/>
-                    </a:prstClr>
-                  </a:outerShdw>
-                </a:effectLst>
-              </a:rPr>
-              <a:t>Potential delay </a:t>
-            </a:r>
-            <a:r>
-              <a:rPr lang="en-GB" dirty="0" smtClean="0">
-                <a:effectLst>
-                  <a:outerShdw blurRad="50800" dist="38100" algn="l" rotWithShape="0">
-                    <a:prstClr val="black">
-                      <a:alpha val="40000"/>
-                    </a:prstClr>
-                  </a:outerShdw>
-                </a:effectLst>
-              </a:rPr>
-              <a:t>issues</a:t>
-            </a:r>
-          </a:p>
-          <a:p>
-            <a:pPr lvl="2"/>
-            <a:r>
-              <a:rPr lang="en-GB" dirty="0" smtClean="0">
-                <a:effectLst>
-                  <a:outerShdw blurRad="50800" dist="38100" algn="l" rotWithShape="0">
-                    <a:prstClr val="black">
-                      <a:alpha val="40000"/>
-                    </a:prstClr>
-                  </a:outerShdw>
-                </a:effectLst>
-              </a:rPr>
-              <a:t>Smaller human workforce could mean longer time to resolve unique situations</a:t>
-            </a:r>
-            <a:endParaRPr lang="en-GB" dirty="0" smtClean="0">
-              <a:effectLst>
-                <a:outerShdw blurRad="50800" dist="38100" algn="l" rotWithShape="0">
-                  <a:prstClr val="black">
-                    <a:alpha val="40000"/>
-                  </a:prstClr>
-                </a:outerShdw>
-              </a:effectLst>
-            </a:endParaRPr>
-          </a:p>
-          <a:p>
-            <a:pPr lvl="1"/>
-            <a:r>
-              <a:rPr lang="en-GB" dirty="0" smtClean="0">
-                <a:effectLst>
-                  <a:outerShdw blurRad="50800" dist="38100" algn="l" rotWithShape="0">
-                    <a:prstClr val="black">
-                      <a:alpha val="40000"/>
-                    </a:prstClr>
-                  </a:outerShdw>
-                </a:effectLst>
-              </a:rPr>
-              <a:t>Ethical impact on workers</a:t>
-            </a:r>
-          </a:p>
-          <a:p>
-            <a:pPr lvl="2"/>
-            <a:r>
-              <a:rPr lang="en-GB" dirty="0">
-                <a:effectLst>
-                  <a:outerShdw blurRad="50800" dist="38100" algn="l" rotWithShape="0">
-                    <a:prstClr val="black">
-                      <a:alpha val="40000"/>
-                    </a:prstClr>
-                  </a:outerShdw>
-                </a:effectLst>
-              </a:rPr>
-              <a:t>Can easily fall into </a:t>
-            </a:r>
-            <a:r>
-              <a:rPr lang="en-GB" dirty="0" smtClean="0">
-                <a:effectLst>
-                  <a:outerShdw blurRad="50800" dist="38100" algn="l" rotWithShape="0">
-                    <a:prstClr val="black">
-                      <a:alpha val="40000"/>
-                    </a:prstClr>
-                  </a:outerShdw>
-                </a:effectLst>
-              </a:rPr>
-              <a:t>irresponsibility</a:t>
-            </a:r>
-            <a:endParaRPr lang="en-GB" dirty="0" smtClean="0">
-              <a:effectLst>
-                <a:outerShdw blurRad="50800" dist="38100" algn="l" rotWithShape="0">
-                  <a:prstClr val="black">
-                    <a:alpha val="40000"/>
-                  </a:prstClr>
-                </a:outerShdw>
-              </a:effectLst>
-            </a:endParaRPr>
-          </a:p>
-          <a:p>
-            <a:pPr lvl="1"/>
-            <a:r>
-              <a:rPr lang="en-GB" dirty="0">
-                <a:effectLst>
-                  <a:outerShdw blurRad="50800" dist="38100" algn="l" rotWithShape="0">
-                    <a:prstClr val="black">
-                      <a:alpha val="40000"/>
-                    </a:prstClr>
-                  </a:outerShdw>
-                </a:effectLst>
-              </a:rPr>
-              <a:t>Workforce </a:t>
-            </a:r>
-            <a:r>
-              <a:rPr lang="en-GB" dirty="0" smtClean="0">
-                <a:effectLst>
-                  <a:outerShdw blurRad="50800" dist="38100" algn="l" rotWithShape="0">
-                    <a:prstClr val="black">
-                      <a:alpha val="40000"/>
-                    </a:prstClr>
-                  </a:outerShdw>
-                </a:effectLst>
-              </a:rPr>
-              <a:t>obsolescence</a:t>
-            </a:r>
-          </a:p>
-          <a:p>
-            <a:pPr lvl="2"/>
-            <a:r>
-              <a:rPr lang="en-GB" dirty="0" smtClean="0">
-                <a:effectLst>
-                  <a:outerShdw blurRad="50800" dist="38100" algn="l" rotWithShape="0">
-                    <a:prstClr val="black">
-                      <a:alpha val="40000"/>
-                    </a:prstClr>
-                  </a:outerShdw>
-                </a:effectLst>
-              </a:rPr>
-              <a:t>PR impact in-waiting: CNBC </a:t>
-            </a:r>
-            <a:r>
-              <a:rPr lang="en-GB" dirty="0" smtClean="0">
-                <a:effectLst>
-                  <a:outerShdw blurRad="50800" dist="38100" algn="l" rotWithShape="0">
-                    <a:prstClr val="black">
-                      <a:alpha val="40000"/>
-                    </a:prstClr>
-                  </a:outerShdw>
-                </a:effectLst>
-              </a:rPr>
-              <a:t>and Reuters reported on potential employment shrink for Citigroup on June 12, 2018.</a:t>
-            </a:r>
-          </a:p>
-          <a:p>
-            <a:pPr marL="0" indent="0">
-              <a:buNone/>
-            </a:pPr>
-            <a:endParaRPr lang="en-US" dirty="0">
-              <a:effectLst>
-                <a:outerShdw blurRad="50800" dist="38100" algn="l" rotWithShape="0">
-                  <a:prstClr val="black">
-                    <a:alpha val="40000"/>
-                  </a:prstClr>
-                </a:outerShdw>
-              </a:effectLst>
-            </a:endParaRPr>
-          </a:p>
-        </p:txBody>
-      </p:sp>
-      <p:pic>
-        <p:nvPicPr>
-          <p:cNvPr id="4" name="Picture 3"/>
-          <p:cNvPicPr>
-            <a:picLocks noChangeAspect="1"/>
-          </p:cNvPicPr>
-          <p:nvPr/>
-        </p:nvPicPr>
-        <p:blipFill rotWithShape="1">
-          <a:blip r:embed="rId3"/>
-          <a:srcRect r="36923" b="41775"/>
-          <a:stretch/>
-        </p:blipFill>
-        <p:spPr>
-          <a:xfrm>
-            <a:off x="6248400" y="1219200"/>
-            <a:ext cx="5562600" cy="5562600"/>
-          </a:xfrm>
-          <a:prstGeom prst="rect">
-            <a:avLst/>
-          </a:prstGeom>
-        </p:spPr>
-      </p:pic>
-    </p:spTree>
-    <p:extLst>
-      <p:ext uri="{BB962C8B-B14F-4D97-AF65-F5344CB8AC3E}">
-        <p14:creationId xmlns:p14="http://schemas.microsoft.com/office/powerpoint/2010/main" val="392859929"/>
       </p:ext>
     </p:extLst>
   </p:cSld>
@@ -19961,7 +19788,7 @@
                   </a:outerShdw>
                 </a:effectLst>
               </a:rPr>
-              <a:t>Analysis of Automation: Rewards</a:t>
+              <a:t>Analysis of Automation: Risks</a:t>
             </a:r>
           </a:p>
         </p:txBody>
@@ -19976,101 +19803,185 @@
             <p:ph idx="1"/>
           </p:nvPr>
         </p:nvSpPr>
-        <p:spPr/>
+        <p:spPr>
+          <a:xfrm>
+            <a:off x="609600" y="1600201"/>
+            <a:ext cx="5334000" cy="4525963"/>
+          </a:xfrm>
+        </p:spPr>
         <p:txBody>
           <a:bodyPr>
-            <a:normAutofit/>
+            <a:normAutofit fontScale="92500" lnSpcReduction="10000"/>
           </a:bodyPr>
           <a:lstStyle/>
           <a:p>
             <a:r>
-              <a:rPr lang="en-US" dirty="0" smtClean="0">
-                <a:effectLst>
-                  <a:outerShdw blurRad="50800" dist="38100" algn="l" rotWithShape="0">
-                    <a:prstClr val="black">
-                      <a:alpha val="40000"/>
-                    </a:prstClr>
-                  </a:outerShdw>
-                </a:effectLst>
-              </a:rPr>
-              <a:t>Automation is a treasure trove of potential for innovation as we move through the 21</a:t>
-            </a:r>
-            <a:r>
-              <a:rPr lang="en-US" baseline="30000" dirty="0" smtClean="0">
-                <a:effectLst>
-                  <a:outerShdw blurRad="50800" dist="38100" algn="l" rotWithShape="0">
-                    <a:prstClr val="black">
-                      <a:alpha val="40000"/>
-                    </a:prstClr>
-                  </a:outerShdw>
-                </a:effectLst>
-              </a:rPr>
-              <a:t>st</a:t>
-            </a:r>
-            <a:r>
-              <a:rPr lang="en-US" dirty="0" smtClean="0">
-                <a:effectLst>
-                  <a:outerShdw blurRad="50800" dist="38100" algn="l" rotWithShape="0">
-                    <a:prstClr val="black">
-                      <a:alpha val="40000"/>
-                    </a:prstClr>
-                  </a:outerShdw>
-                </a:effectLst>
-              </a:rPr>
-              <a:t> century.</a:t>
-            </a:r>
-          </a:p>
-          <a:p>
-            <a:r>
-              <a:rPr lang="en-US" dirty="0" smtClean="0">
-                <a:effectLst>
-                  <a:outerShdw blurRad="50800" dist="38100" algn="l" rotWithShape="0">
-                    <a:prstClr val="black">
-                      <a:alpha val="40000"/>
-                    </a:prstClr>
-                  </a:outerShdw>
-                </a:effectLst>
-              </a:rPr>
-              <a:t>Building a company capable of providing top-tier experiences for our clients and partners across the globe, as well as building competent ‘22</a:t>
-            </a:r>
-            <a:r>
-              <a:rPr lang="en-US" baseline="30000" dirty="0" smtClean="0">
-                <a:effectLst>
-                  <a:outerShdw blurRad="50800" dist="38100" algn="l" rotWithShape="0">
-                    <a:prstClr val="black">
-                      <a:alpha val="40000"/>
-                    </a:prstClr>
-                  </a:outerShdw>
-                </a:effectLst>
-              </a:rPr>
-              <a:t>nd</a:t>
-            </a:r>
-            <a:r>
-              <a:rPr lang="en-US" dirty="0" smtClean="0">
-                <a:effectLst>
-                  <a:outerShdw blurRad="50800" dist="38100" algn="l" rotWithShape="0">
-                    <a:prstClr val="black">
-                      <a:alpha val="40000"/>
-                    </a:prstClr>
-                  </a:outerShdw>
-                </a:effectLst>
-              </a:rPr>
-              <a:t> century jobs’.</a:t>
-            </a:r>
-          </a:p>
-          <a:p>
-            <a:r>
-              <a:rPr lang="en-US" dirty="0" smtClean="0">
-                <a:effectLst>
-                  <a:outerShdw blurRad="50800" dist="38100" algn="l" rotWithShape="0">
-                    <a:prstClr val="black">
-                      <a:alpha val="40000"/>
-                    </a:prstClr>
-                  </a:outerShdw>
-                </a:effectLst>
-              </a:rPr>
-              <a:t>Automation will be the arbiter of such a modern view, as it will allow for revolutionary changes in the way we work.</a:t>
-            </a:r>
+              <a:rPr lang="en-GB" dirty="0">
+                <a:effectLst>
+                  <a:outerShdw blurRad="50800" dist="38100" algn="l" rotWithShape="0">
+                    <a:prstClr val="black">
+                      <a:alpha val="40000"/>
+                    </a:prstClr>
+                  </a:outerShdw>
+                </a:effectLst>
+              </a:rPr>
+              <a:t>F</a:t>
+            </a:r>
+            <a:r>
+              <a:rPr lang="en-GB" dirty="0" smtClean="0">
+                <a:effectLst>
+                  <a:outerShdw blurRad="50800" dist="38100" algn="l" rotWithShape="0">
+                    <a:prstClr val="black">
+                      <a:alpha val="40000"/>
+                    </a:prstClr>
+                  </a:outerShdw>
+                </a:effectLst>
+              </a:rPr>
+              <a:t>laws </a:t>
+            </a:r>
+            <a:r>
+              <a:rPr lang="en-GB" dirty="0">
+                <a:effectLst>
+                  <a:outerShdw blurRad="50800" dist="38100" algn="l" rotWithShape="0">
+                    <a:prstClr val="black">
+                      <a:alpha val="40000"/>
+                    </a:prstClr>
+                  </a:outerShdw>
+                </a:effectLst>
+              </a:rPr>
+              <a:t>of automated </a:t>
+            </a:r>
+            <a:r>
+              <a:rPr lang="en-GB" dirty="0" smtClean="0">
+                <a:effectLst>
+                  <a:outerShdw blurRad="50800" dist="38100" algn="l" rotWithShape="0">
+                    <a:prstClr val="black">
+                      <a:alpha val="40000"/>
+                    </a:prstClr>
+                  </a:outerShdw>
+                </a:effectLst>
+              </a:rPr>
+              <a:t>labour</a:t>
+            </a:r>
+          </a:p>
+          <a:p>
+            <a:pPr lvl="1"/>
+            <a:r>
+              <a:rPr lang="en-GB" dirty="0" smtClean="0">
+                <a:effectLst>
+                  <a:outerShdw blurRad="50800" dist="38100" algn="l" rotWithShape="0">
+                    <a:prstClr val="black">
+                      <a:alpha val="40000"/>
+                    </a:prstClr>
+                  </a:outerShdw>
+                </a:effectLst>
+              </a:rPr>
+              <a:t>Potential delay issues</a:t>
+            </a:r>
+          </a:p>
+          <a:p>
+            <a:pPr lvl="2"/>
+            <a:r>
+              <a:rPr lang="en-GB" dirty="0" smtClean="0">
+                <a:effectLst>
+                  <a:outerShdw blurRad="50800" dist="38100" algn="l" rotWithShape="0">
+                    <a:prstClr val="black">
+                      <a:alpha val="40000"/>
+                    </a:prstClr>
+                  </a:outerShdw>
+                </a:effectLst>
+              </a:rPr>
+              <a:t>Smaller human workforce could mean longer time to resolve unique situations</a:t>
+            </a:r>
+          </a:p>
+          <a:p>
+            <a:pPr lvl="1"/>
+            <a:r>
+              <a:rPr lang="en-GB" dirty="0" smtClean="0">
+                <a:effectLst>
+                  <a:outerShdw blurRad="50800" dist="38100" algn="l" rotWithShape="0">
+                    <a:prstClr val="black">
+                      <a:alpha val="40000"/>
+                    </a:prstClr>
+                  </a:outerShdw>
+                </a:effectLst>
+              </a:rPr>
+              <a:t>Ethical impact on workers</a:t>
+            </a:r>
+          </a:p>
+          <a:p>
+            <a:pPr lvl="2"/>
+            <a:r>
+              <a:rPr lang="en-GB" dirty="0">
+                <a:effectLst>
+                  <a:outerShdw blurRad="50800" dist="38100" algn="l" rotWithShape="0">
+                    <a:prstClr val="black">
+                      <a:alpha val="40000"/>
+                    </a:prstClr>
+                  </a:outerShdw>
+                </a:effectLst>
+              </a:rPr>
+              <a:t>Can easily fall into </a:t>
+            </a:r>
+            <a:r>
+              <a:rPr lang="en-GB" dirty="0" smtClean="0">
+                <a:effectLst>
+                  <a:outerShdw blurRad="50800" dist="38100" algn="l" rotWithShape="0">
+                    <a:prstClr val="black">
+                      <a:alpha val="40000"/>
+                    </a:prstClr>
+                  </a:outerShdw>
+                </a:effectLst>
+              </a:rPr>
+              <a:t>irresponsibility</a:t>
+            </a:r>
+          </a:p>
+          <a:p>
+            <a:pPr lvl="1"/>
+            <a:r>
+              <a:rPr lang="en-GB" dirty="0">
+                <a:effectLst>
+                  <a:outerShdw blurRad="50800" dist="38100" algn="l" rotWithShape="0">
+                    <a:prstClr val="black">
+                      <a:alpha val="40000"/>
+                    </a:prstClr>
+                  </a:outerShdw>
+                </a:effectLst>
+              </a:rPr>
+              <a:t>Workforce </a:t>
+            </a:r>
+            <a:r>
+              <a:rPr lang="en-GB" dirty="0" smtClean="0">
+                <a:effectLst>
+                  <a:outerShdw blurRad="50800" dist="38100" algn="l" rotWithShape="0">
+                    <a:prstClr val="black">
+                      <a:alpha val="40000"/>
+                    </a:prstClr>
+                  </a:outerShdw>
+                </a:effectLst>
+              </a:rPr>
+              <a:t>obsolescence</a:t>
+            </a:r>
+          </a:p>
+          <a:p>
+            <a:pPr lvl="2"/>
+            <a:r>
+              <a:rPr lang="en-GB" dirty="0" smtClean="0">
+                <a:effectLst>
+                  <a:outerShdw blurRad="50800" dist="38100" algn="l" rotWithShape="0">
+                    <a:prstClr val="black">
+                      <a:alpha val="40000"/>
+                    </a:prstClr>
+                  </a:outerShdw>
+                </a:effectLst>
+              </a:rPr>
+              <a:t>PR impact in-waiting: CNBC and Reuters reported on potential employment shrink for Citigroup on June 12, 2018.</a:t>
+            </a:r>
+          </a:p>
+          <a:p>
+            <a:pPr marL="0" indent="0">
+              <a:buNone/>
+            </a:pPr>
             <a:endParaRPr lang="en-US" dirty="0">
               <a:effectLst>
                 <a:outerShdw blurRad="50800" dist="38100" algn="l" rotWithShape="0">
@@ -20083,10 +19994,33 @@
           </a:p>
         </p:txBody>
       </p:sp>
+      <p:pic>
+        <p:nvPicPr>
+          <p:cNvPr id="4" name="Picture 3"/>
+          <p:cNvPicPr>
+            <a:picLocks noChangeAspect="1"/>
+          </p:cNvPicPr>
+          <p:nvPr/>
+        </p:nvPicPr>
+        <p:blipFill rotWithShape="1">
+          <a:blip r:embed="rId3"/>
+          <a:srcRect r="36923" b="41775"/>
+          <a:stretch/>
+        </p:blipFill>
+        <p:spPr>
+          <a:xfrm>
+            <a:off x="6248400" y="1219200"/>
+            <a:ext cx="5562600" cy="5562600"/>
+          </a:xfrm>
+          <a:prstGeom prst="rect">
+            <a:avLst/>
+          </a:prstGeom>
+        </p:spPr>
+      </p:pic>
     </p:spTree>
     <p:extLst>
       <p:ext uri="{BB962C8B-B14F-4D97-AF65-F5344CB8AC3E}">
-        <p14:creationId xmlns:p14="http://schemas.microsoft.com/office/powerpoint/2010/main" val="2192532858"/>
+        <p14:creationId xmlns:p14="http://schemas.microsoft.com/office/powerpoint/2010/main" val="392859929"/>
       </p:ext>
     </p:extLst>
   </p:cSld>
@@ -20155,7 +20089,7 @@
                   </a:outerShdw>
                 </a:effectLst>
               </a:rPr>
-              <a:t>“Forward 2033”: Citi and Automation</a:t>
+              <a:t>Analysis of Automation: Rewards</a:t>
             </a:r>
           </a:p>
         </p:txBody>
@@ -20172,208 +20106,99 @@
         </p:nvSpPr>
         <p:spPr/>
         <p:txBody>
-          <a:bodyPr/>
-          <a:lstStyle/>
-          <a:p>
-            <a:pPr marL="0" indent="0">
-              <a:buNone/>
-            </a:pPr>
-            <a:r>
-              <a:rPr lang="en-US" dirty="0"/>
-              <a:t> </a:t>
-            </a:r>
-          </a:p>
-        </p:txBody>
-      </p:sp>
-      <p:sp>
-        <p:nvSpPr>
-          <p:cNvPr id="4" name="TextBox 3"/>
-          <p:cNvSpPr txBox="1"/>
-          <p:nvPr/>
-        </p:nvSpPr>
-        <p:spPr>
-          <a:xfrm>
-            <a:off x="762000" y="1371600"/>
-            <a:ext cx="10668000" cy="5262979"/>
-          </a:xfrm>
-          <a:prstGeom prst="rect">
-            <a:avLst/>
-          </a:prstGeom>
-          <a:noFill/>
-        </p:spPr>
-        <p:txBody>
-          <a:bodyPr wrap="square" rtlCol="0">
-            <a:spAutoFit/>
+          <a:bodyPr>
+            <a:normAutofit/>
           </a:bodyPr>
           <a:lstStyle/>
           <a:p>
             <a:r>
-              <a:rPr lang="en-GB" sz="1600" dirty="0">
-                <a:effectLst>
-                  <a:outerShdw blurRad="50800" dist="38100" algn="l" rotWithShape="0">
-                    <a:prstClr val="black">
-                      <a:alpha val="40000"/>
-                    </a:prstClr>
-                  </a:outerShdw>
-                </a:effectLst>
-              </a:rPr>
-              <a:t>In this, we can recall Citi’s three “core” values—</a:t>
-            </a:r>
-            <a:r>
-              <a:rPr lang="en-GB" sz="1600" b="1" dirty="0">
-                <a:effectLst>
-                  <a:outerShdw blurRad="50800" dist="38100" algn="l" rotWithShape="0">
-                    <a:prstClr val="black">
-                      <a:alpha val="40000"/>
-                    </a:prstClr>
-                  </a:outerShdw>
-                </a:effectLst>
-              </a:rPr>
-              <a:t>work in the client’s interest, do what creates economic value, and do what is systemically responsible—</a:t>
-            </a:r>
-            <a:r>
-              <a:rPr lang="en-GB" sz="1600" dirty="0">
-                <a:effectLst>
-                  <a:outerShdw blurRad="50800" dist="38100" algn="l" rotWithShape="0">
-                    <a:prstClr val="black">
-                      <a:alpha val="40000"/>
-                    </a:prstClr>
-                  </a:outerShdw>
-                </a:effectLst>
-              </a:rPr>
-              <a:t>comply with the rules and regulations set out to ensure that the financial system does</a:t>
-            </a:r>
-            <a:r>
-              <a:rPr lang="en-GB" sz="1600" b="1" dirty="0">
-                <a:effectLst>
-                  <a:outerShdw blurRad="50800" dist="38100" algn="l" rotWithShape="0">
-                    <a:prstClr val="black">
-                      <a:alpha val="40000"/>
-                    </a:prstClr>
-                  </a:outerShdw>
-                </a:effectLst>
-              </a:rPr>
-              <a:t> </a:t>
-            </a:r>
-            <a:r>
-              <a:rPr lang="en-GB" sz="1600" dirty="0">
-                <a:effectLst>
-                  <a:outerShdw blurRad="50800" dist="38100" algn="l" rotWithShape="0">
-                    <a:prstClr val="black">
-                      <a:alpha val="40000"/>
-                    </a:prstClr>
-                  </a:outerShdw>
-                </a:effectLst>
-              </a:rPr>
-              <a:t>what it does in the smoothest possible way, with minimal risk of harm to the public at large</a:t>
-            </a:r>
-            <a:r>
-              <a:rPr lang="en-GB" sz="1600" dirty="0" smtClean="0">
-                <a:effectLst>
-                  <a:outerShdw blurRad="50800" dist="38100" algn="l" rotWithShape="0">
-                    <a:prstClr val="black">
-                      <a:alpha val="40000"/>
-                    </a:prstClr>
-                  </a:outerShdw>
-                </a:effectLst>
-              </a:rPr>
-              <a:t>.</a:t>
-            </a:r>
-          </a:p>
-          <a:p>
-            <a:endParaRPr lang="en-US" sz="1600" dirty="0">
-              <a:effectLst>
-                <a:outerShdw blurRad="50800" dist="38100" algn="l" rotWithShape="0">
-                  <a:prstClr val="black">
-                    <a:alpha val="40000"/>
-                  </a:prstClr>
-                </a:outerShdw>
-              </a:effectLst>
-            </a:endParaRPr>
-          </a:p>
-          <a:p>
-            <a:pPr marL="285750" indent="-285750">
-              <a:buFont typeface="Arial" panose="020B0604020202020204" pitchFamily="34" charset="0"/>
-              <a:buChar char="•"/>
-            </a:pPr>
-            <a:r>
-              <a:rPr lang="en-GB" b="1" dirty="0">
-                <a:effectLst>
-                  <a:outerShdw blurRad="50800" dist="38100" algn="l" rotWithShape="0">
-                    <a:prstClr val="black">
-                      <a:alpha val="40000"/>
-                    </a:prstClr>
-                  </a:outerShdw>
-                </a:effectLst>
-              </a:rPr>
-              <a:t>Working in the client’s interest</a:t>
-            </a:r>
-            <a:r>
-              <a:rPr lang="en-GB" dirty="0">
-                <a:effectLst>
-                  <a:outerShdw blurRad="50800" dist="38100" algn="l" rotWithShape="0">
-                    <a:prstClr val="black">
-                      <a:alpha val="40000"/>
-                    </a:prstClr>
-                  </a:outerShdw>
-                </a:effectLst>
-              </a:rPr>
-              <a:t>—Moving to automation would allow for an improved client experience by </a:t>
-            </a:r>
-            <a:r>
-              <a:rPr lang="en-GB" b="1" dirty="0">
-                <a:effectLst>
-                  <a:outerShdw blurRad="50800" dist="38100" algn="l" rotWithShape="0">
-                    <a:prstClr val="black">
-                      <a:alpha val="40000"/>
-                    </a:prstClr>
-                  </a:outerShdw>
-                </a:effectLst>
-              </a:rPr>
-              <a:t>increasing efficiency, reducing time delay, and ensuring communication clarity and quality</a:t>
-            </a:r>
-            <a:r>
-              <a:rPr lang="en-GB" dirty="0">
-                <a:effectLst>
-                  <a:outerShdw blurRad="50800" dist="38100" algn="l" rotWithShape="0">
-                    <a:prstClr val="black">
-                      <a:alpha val="40000"/>
-                    </a:prstClr>
-                  </a:outerShdw>
-                </a:effectLst>
-              </a:rPr>
-              <a:t> between client and Citi. </a:t>
-            </a:r>
-            <a:r>
-              <a:rPr lang="en-GB" b="1" dirty="0">
-                <a:effectLst>
-                  <a:outerShdw blurRad="50800" dist="38100" algn="l" rotWithShape="0">
-                    <a:prstClr val="black">
-                      <a:alpha val="40000"/>
-                    </a:prstClr>
-                  </a:outerShdw>
-                </a:effectLst>
-              </a:rPr>
-              <a:t>Reducing turn-around time</a:t>
-            </a:r>
-            <a:r>
-              <a:rPr lang="en-GB" dirty="0">
-                <a:effectLst>
-                  <a:outerShdw blurRad="50800" dist="38100" algn="l" rotWithShape="0">
-                    <a:prstClr val="black">
-                      <a:alpha val="40000"/>
-                    </a:prstClr>
-                  </a:outerShdw>
-                </a:effectLst>
-              </a:rPr>
-              <a:t> will ensure clients always return to Citi for their essential banking needs; whether that is within the GCB, or within ICG; or even the Private Bank.</a:t>
-            </a:r>
-          </a:p>
-          <a:p>
-            <a:pPr marL="285750" indent="-285750">
-              <a:buFont typeface="Arial" panose="020B0604020202020204" pitchFamily="34" charset="0"/>
-              <a:buChar char="•"/>
-            </a:pPr>
+              <a:rPr lang="en-US" dirty="0" smtClean="0">
+                <a:effectLst>
+                  <a:outerShdw blurRad="50800" dist="38100" algn="l" rotWithShape="0">
+                    <a:prstClr val="black">
+                      <a:alpha val="40000"/>
+                    </a:prstClr>
+                  </a:outerShdw>
+                </a:effectLst>
+              </a:rPr>
+              <a:t>Automation is a treasure trove of potential for innovation as we move through the 21</a:t>
+            </a:r>
+            <a:r>
+              <a:rPr lang="en-US" baseline="30000" dirty="0" smtClean="0">
+                <a:effectLst>
+                  <a:outerShdw blurRad="50800" dist="38100" algn="l" rotWithShape="0">
+                    <a:prstClr val="black">
+                      <a:alpha val="40000"/>
+                    </a:prstClr>
+                  </a:outerShdw>
+                </a:effectLst>
+              </a:rPr>
+              <a:t>st</a:t>
+            </a:r>
+            <a:r>
+              <a:rPr lang="en-US" dirty="0" smtClean="0">
+                <a:effectLst>
+                  <a:outerShdw blurRad="50800" dist="38100" algn="l" rotWithShape="0">
+                    <a:prstClr val="black">
+                      <a:alpha val="40000"/>
+                    </a:prstClr>
+                  </a:outerShdw>
+                </a:effectLst>
+              </a:rPr>
+              <a:t> century.</a:t>
+            </a:r>
+          </a:p>
+          <a:p>
+            <a:r>
+              <a:rPr lang="en-US" dirty="0" smtClean="0">
+                <a:effectLst>
+                  <a:outerShdw blurRad="50800" dist="38100" algn="l" rotWithShape="0">
+                    <a:prstClr val="black">
+                      <a:alpha val="40000"/>
+                    </a:prstClr>
+                  </a:outerShdw>
+                </a:effectLst>
+              </a:rPr>
+              <a:t>Building a company capable of providing top-tier experiences for our clients and partners across the globe, as well as building competent ‘22</a:t>
+            </a:r>
+            <a:r>
+              <a:rPr lang="en-US" baseline="30000" dirty="0" smtClean="0">
+                <a:effectLst>
+                  <a:outerShdw blurRad="50800" dist="38100" algn="l" rotWithShape="0">
+                    <a:prstClr val="black">
+                      <a:alpha val="40000"/>
+                    </a:prstClr>
+                  </a:outerShdw>
+                </a:effectLst>
+              </a:rPr>
+              <a:t>nd</a:t>
+            </a:r>
+            <a:r>
+              <a:rPr lang="en-US" dirty="0" smtClean="0">
+                <a:effectLst>
+                  <a:outerShdw blurRad="50800" dist="38100" algn="l" rotWithShape="0">
+                    <a:prstClr val="black">
+                      <a:alpha val="40000"/>
+                    </a:prstClr>
+                  </a:outerShdw>
+                </a:effectLst>
+              </a:rPr>
+              <a:t> century jobs’.</a:t>
+            </a:r>
+          </a:p>
+          <a:p>
+            <a:r>
+              <a:rPr lang="en-US" dirty="0" smtClean="0">
+                <a:effectLst>
+                  <a:outerShdw blurRad="50800" dist="38100" algn="l" rotWithShape="0">
+                    <a:prstClr val="black">
+                      <a:alpha val="40000"/>
+                    </a:prstClr>
+                  </a:outerShdw>
+                </a:effectLst>
+              </a:rPr>
+              <a:t>Automation will be the arbiter of such a modern view, as it will allow for revolutionary changes in the way we work.</a:t>
+            </a:r>
             <a:endParaRPr lang="en-US" dirty="0">
               <a:effectLst>
                 <a:outerShdw blurRad="50800" dist="38100" algn="l" rotWithShape="0">
@@ -20384,179 +20209,12 @@
               </a:effectLst>
             </a:endParaRPr>
           </a:p>
-          <a:p>
-            <a:pPr marL="285750" indent="-285750">
-              <a:buFont typeface="Arial" panose="020B0604020202020204" pitchFamily="34" charset="0"/>
-              <a:buChar char="•"/>
-            </a:pPr>
-            <a:r>
-              <a:rPr lang="en-GB" b="1" dirty="0">
-                <a:effectLst>
-                  <a:outerShdw blurRad="50800" dist="38100" algn="l" rotWithShape="0">
-                    <a:prstClr val="black">
-                      <a:alpha val="40000"/>
-                    </a:prstClr>
-                  </a:outerShdw>
-                </a:effectLst>
-              </a:rPr>
-              <a:t>Creating economic value</a:t>
-            </a:r>
-            <a:r>
-              <a:rPr lang="en-GB" dirty="0">
-                <a:effectLst>
-                  <a:outerShdw blurRad="50800" dist="38100" algn="l" rotWithShape="0">
-                    <a:prstClr val="black">
-                      <a:alpha val="40000"/>
-                    </a:prstClr>
-                  </a:outerShdw>
-                </a:effectLst>
-              </a:rPr>
-              <a:t>—the </a:t>
-            </a:r>
-            <a:r>
-              <a:rPr lang="en-GB" b="1" dirty="0">
-                <a:effectLst>
-                  <a:outerShdw blurRad="50800" dist="38100" algn="l" rotWithShape="0">
-                    <a:prstClr val="black">
-                      <a:alpha val="40000"/>
-                    </a:prstClr>
-                  </a:outerShdw>
-                </a:effectLst>
-              </a:rPr>
-              <a:t>cost reductions involved in automating</a:t>
-            </a:r>
-            <a:r>
-              <a:rPr lang="en-GB" dirty="0">
-                <a:effectLst>
-                  <a:outerShdw blurRad="50800" dist="38100" algn="l" rotWithShape="0">
-                    <a:prstClr val="black">
-                      <a:alpha val="40000"/>
-                    </a:prstClr>
-                  </a:outerShdw>
-                </a:effectLst>
-              </a:rPr>
-              <a:t>, and the </a:t>
-            </a:r>
-            <a:r>
-              <a:rPr lang="en-GB" b="1" dirty="0">
-                <a:effectLst>
-                  <a:outerShdw blurRad="50800" dist="38100" algn="l" rotWithShape="0">
-                    <a:prstClr val="black">
-                      <a:alpha val="40000"/>
-                    </a:prstClr>
-                  </a:outerShdw>
-                </a:effectLst>
-              </a:rPr>
-              <a:t>increased efficiency means less profit is </a:t>
-            </a:r>
-            <a:r>
-              <a:rPr lang="en-GB" b="1" i="1" dirty="0">
-                <a:effectLst>
-                  <a:outerShdw blurRad="50800" dist="38100" algn="l" rotWithShape="0">
-                    <a:prstClr val="black">
-                      <a:alpha val="40000"/>
-                    </a:prstClr>
-                  </a:outerShdw>
-                </a:effectLst>
-              </a:rPr>
-              <a:t>lost</a:t>
-            </a:r>
-            <a:r>
-              <a:rPr lang="en-GB" dirty="0">
-                <a:effectLst>
-                  <a:outerShdw blurRad="50800" dist="38100" algn="l" rotWithShape="0">
-                    <a:prstClr val="black">
-                      <a:alpha val="40000"/>
-                    </a:prstClr>
-                  </a:outerShdw>
-                </a:effectLst>
-              </a:rPr>
-              <a:t>, and the </a:t>
-            </a:r>
-            <a:r>
-              <a:rPr lang="en-GB" b="1" dirty="0">
-                <a:effectLst>
-                  <a:outerShdw blurRad="50800" dist="38100" algn="l" rotWithShape="0">
-                    <a:prstClr val="black">
-                      <a:alpha val="40000"/>
-                    </a:prstClr>
-                  </a:outerShdw>
-                </a:effectLst>
-              </a:rPr>
-              <a:t>company can invest and expand more economic value into the global financial structure, or into internal structures.</a:t>
-            </a:r>
-          </a:p>
-          <a:p>
-            <a:pPr marL="285750" indent="-285750">
-              <a:buFont typeface="Arial" panose="020B0604020202020204" pitchFamily="34" charset="0"/>
-              <a:buChar char="•"/>
-            </a:pPr>
-            <a:endParaRPr lang="en-US" dirty="0">
-              <a:effectLst>
-                <a:outerShdw blurRad="50800" dist="38100" algn="l" rotWithShape="0">
-                  <a:prstClr val="black">
-                    <a:alpha val="40000"/>
-                  </a:prstClr>
-                </a:outerShdw>
-              </a:effectLst>
-            </a:endParaRPr>
-          </a:p>
-          <a:p>
-            <a:pPr marL="285750" indent="-285750">
-              <a:buFont typeface="Arial" panose="020B0604020202020204" pitchFamily="34" charset="0"/>
-              <a:buChar char="•"/>
-            </a:pPr>
-            <a:r>
-              <a:rPr lang="en-GB" b="1" dirty="0">
-                <a:effectLst>
-                  <a:outerShdw blurRad="50800" dist="38100" algn="l" rotWithShape="0">
-                    <a:prstClr val="black">
-                      <a:alpha val="40000"/>
-                    </a:prstClr>
-                  </a:outerShdw>
-                </a:effectLst>
-              </a:rPr>
-              <a:t>Systemically responsible</a:t>
-            </a:r>
-            <a:r>
-              <a:rPr lang="en-GB" dirty="0">
-                <a:effectLst>
-                  <a:outerShdw blurRad="50800" dist="38100" algn="l" rotWithShape="0">
-                    <a:prstClr val="black">
-                      <a:alpha val="40000"/>
-                    </a:prstClr>
-                  </a:outerShdw>
-                </a:effectLst>
-              </a:rPr>
-              <a:t>—one of the most important tenements of modern finance, following a system of automation allows for a more seamless regional integration of rules and regulations set forth by national organizations such as the OCC, or international organizations such as the European Union and their regulatory demands. Systemic responsibility is far easier to set up and manage with automated systems deployed across the globe, with a “one stop shop” solution often being the easiest.</a:t>
-            </a:r>
-            <a:endParaRPr lang="en-US" dirty="0">
-              <a:effectLst>
-                <a:outerShdw blurRad="50800" dist="38100" algn="l" rotWithShape="0">
-                  <a:prstClr val="black">
-                    <a:alpha val="40000"/>
-                  </a:prstClr>
-                </a:outerShdw>
-              </a:effectLst>
-            </a:endParaRPr>
-          </a:p>
-          <a:p>
-            <a:endParaRPr lang="en-US" sz="2000" dirty="0">
-              <a:effectLst>
-                <a:outerShdw blurRad="50800" dist="38100" algn="l" rotWithShape="0">
-                  <a:prstClr val="black">
-                    <a:alpha val="40000"/>
-                  </a:prstClr>
-                </a:outerShdw>
-              </a:effectLst>
-            </a:endParaRPr>
-          </a:p>
         </p:txBody>
       </p:sp>
     </p:spTree>
     <p:extLst>
       <p:ext uri="{BB962C8B-B14F-4D97-AF65-F5344CB8AC3E}">
-        <p14:creationId xmlns:p14="http://schemas.microsoft.com/office/powerpoint/2010/main" val="3393793890"/>
+        <p14:creationId xmlns:p14="http://schemas.microsoft.com/office/powerpoint/2010/main" val="2192532858"/>
       </p:ext>
     </p:extLst>
   </p:cSld>
@@ -21100,6 +20758,476 @@
 </file>
 
 <file path=ppt/slides/slide30.xml><?xml version="1.0" encoding="utf-8"?>
+<p:sld xmlns:a="http://schemas.openxmlformats.org/drawingml/2006/main" xmlns:r="http://schemas.openxmlformats.org/officeDocument/2006/relationships" xmlns:p="http://schemas.openxmlformats.org/presentationml/2006/main">
+  <p:cSld>
+    <p:spTree>
+      <p:nvGrpSpPr>
+        <p:cNvPr id="1" name=""/>
+        <p:cNvGrpSpPr/>
+        <p:nvPr/>
+      </p:nvGrpSpPr>
+      <p:grpSpPr>
+        <a:xfrm>
+          <a:off x="0" y="0"/>
+          <a:ext cx="0" cy="0"/>
+          <a:chOff x="0" y="0"/>
+          <a:chExt cx="0" cy="0"/>
+        </a:xfrm>
+      </p:grpSpPr>
+      <p:sp>
+        <p:nvSpPr>
+          <p:cNvPr id="2" name="Title 1"/>
+          <p:cNvSpPr>
+            <a:spLocks noGrp="1"/>
+          </p:cNvSpPr>
+          <p:nvPr>
+            <p:ph type="title"/>
+          </p:nvPr>
+        </p:nvSpPr>
+        <p:spPr/>
+        <p:txBody>
+          <a:bodyPr>
+            <a:noAutofit/>
+          </a:bodyPr>
+          <a:lstStyle/>
+          <a:p>
+            <a:r>
+              <a:rPr lang="en-US" sz="3600" b="1" dirty="0">
+                <a:effectLst>
+                  <a:outerShdw blurRad="50800" dist="38100" algn="l" rotWithShape="0">
+                    <a:prstClr val="black">
+                      <a:alpha val="40000"/>
+                    </a:prstClr>
+                  </a:outerShdw>
+                </a:effectLst>
+              </a:rPr>
+              <a:t>“Forward 2033”: Citi and Automation</a:t>
+            </a:r>
+          </a:p>
+        </p:txBody>
+      </p:sp>
+      <p:sp>
+        <p:nvSpPr>
+          <p:cNvPr id="3" name="Content Placeholder 2"/>
+          <p:cNvSpPr>
+            <a:spLocks noGrp="1"/>
+          </p:cNvSpPr>
+          <p:nvPr>
+            <p:ph idx="1"/>
+          </p:nvPr>
+        </p:nvSpPr>
+        <p:spPr/>
+        <p:txBody>
+          <a:bodyPr/>
+          <a:lstStyle/>
+          <a:p>
+            <a:pPr marL="0" indent="0">
+              <a:buNone/>
+            </a:pPr>
+            <a:r>
+              <a:rPr lang="en-US" dirty="0"/>
+              <a:t> </a:t>
+            </a:r>
+          </a:p>
+        </p:txBody>
+      </p:sp>
+      <p:sp>
+        <p:nvSpPr>
+          <p:cNvPr id="4" name="TextBox 3"/>
+          <p:cNvSpPr txBox="1"/>
+          <p:nvPr/>
+        </p:nvSpPr>
+        <p:spPr>
+          <a:xfrm>
+            <a:off x="762000" y="1371600"/>
+            <a:ext cx="10668000" cy="5262979"/>
+          </a:xfrm>
+          <a:prstGeom prst="rect">
+            <a:avLst/>
+          </a:prstGeom>
+          <a:noFill/>
+        </p:spPr>
+        <p:txBody>
+          <a:bodyPr wrap="square" rtlCol="0">
+            <a:spAutoFit/>
+          </a:bodyPr>
+          <a:lstStyle/>
+          <a:p>
+            <a:r>
+              <a:rPr lang="en-GB" sz="1600" dirty="0">
+                <a:effectLst>
+                  <a:outerShdw blurRad="50800" dist="38100" algn="l" rotWithShape="0">
+                    <a:prstClr val="black">
+                      <a:alpha val="40000"/>
+                    </a:prstClr>
+                  </a:outerShdw>
+                </a:effectLst>
+              </a:rPr>
+              <a:t>In this, we can recall Citi’s three “core” values—</a:t>
+            </a:r>
+            <a:r>
+              <a:rPr lang="en-GB" sz="1600" b="1" dirty="0">
+                <a:effectLst>
+                  <a:outerShdw blurRad="50800" dist="38100" algn="l" rotWithShape="0">
+                    <a:prstClr val="black">
+                      <a:alpha val="40000"/>
+                    </a:prstClr>
+                  </a:outerShdw>
+                </a:effectLst>
+              </a:rPr>
+              <a:t>work in the client’s interest, do what creates economic value, and do what is systemically responsible—</a:t>
+            </a:r>
+            <a:r>
+              <a:rPr lang="en-GB" sz="1600" dirty="0">
+                <a:effectLst>
+                  <a:outerShdw blurRad="50800" dist="38100" algn="l" rotWithShape="0">
+                    <a:prstClr val="black">
+                      <a:alpha val="40000"/>
+                    </a:prstClr>
+                  </a:outerShdw>
+                </a:effectLst>
+              </a:rPr>
+              <a:t>comply with the rules and regulations set out to ensure that the financial system does</a:t>
+            </a:r>
+            <a:r>
+              <a:rPr lang="en-GB" sz="1600" b="1" dirty="0">
+                <a:effectLst>
+                  <a:outerShdw blurRad="50800" dist="38100" algn="l" rotWithShape="0">
+                    <a:prstClr val="black">
+                      <a:alpha val="40000"/>
+                    </a:prstClr>
+                  </a:outerShdw>
+                </a:effectLst>
+              </a:rPr>
+              <a:t> </a:t>
+            </a:r>
+            <a:r>
+              <a:rPr lang="en-GB" sz="1600" dirty="0">
+                <a:effectLst>
+                  <a:outerShdw blurRad="50800" dist="38100" algn="l" rotWithShape="0">
+                    <a:prstClr val="black">
+                      <a:alpha val="40000"/>
+                    </a:prstClr>
+                  </a:outerShdw>
+                </a:effectLst>
+              </a:rPr>
+              <a:t>what it does in the smoothest possible way, with minimal risk of harm to the public at large</a:t>
+            </a:r>
+            <a:r>
+              <a:rPr lang="en-GB" sz="1600" dirty="0" smtClean="0">
+                <a:effectLst>
+                  <a:outerShdw blurRad="50800" dist="38100" algn="l" rotWithShape="0">
+                    <a:prstClr val="black">
+                      <a:alpha val="40000"/>
+                    </a:prstClr>
+                  </a:outerShdw>
+                </a:effectLst>
+              </a:rPr>
+              <a:t>.</a:t>
+            </a:r>
+          </a:p>
+          <a:p>
+            <a:endParaRPr lang="en-US" sz="1600" dirty="0">
+              <a:effectLst>
+                <a:outerShdw blurRad="50800" dist="38100" algn="l" rotWithShape="0">
+                  <a:prstClr val="black">
+                    <a:alpha val="40000"/>
+                  </a:prstClr>
+                </a:outerShdw>
+              </a:effectLst>
+            </a:endParaRPr>
+          </a:p>
+          <a:p>
+            <a:pPr marL="285750" indent="-285750">
+              <a:buFont typeface="Arial" panose="020B0604020202020204" pitchFamily="34" charset="0"/>
+              <a:buChar char="•"/>
+            </a:pPr>
+            <a:r>
+              <a:rPr lang="en-GB" b="1" dirty="0">
+                <a:effectLst>
+                  <a:outerShdw blurRad="50800" dist="38100" algn="l" rotWithShape="0">
+                    <a:prstClr val="black">
+                      <a:alpha val="40000"/>
+                    </a:prstClr>
+                  </a:outerShdw>
+                </a:effectLst>
+              </a:rPr>
+              <a:t>Working in the client’s interest</a:t>
+            </a:r>
+            <a:r>
+              <a:rPr lang="en-GB" dirty="0">
+                <a:effectLst>
+                  <a:outerShdw blurRad="50800" dist="38100" algn="l" rotWithShape="0">
+                    <a:prstClr val="black">
+                      <a:alpha val="40000"/>
+                    </a:prstClr>
+                  </a:outerShdw>
+                </a:effectLst>
+              </a:rPr>
+              <a:t>—Moving to automation would allow for an improved client experience by </a:t>
+            </a:r>
+            <a:r>
+              <a:rPr lang="en-GB" b="1" dirty="0">
+                <a:effectLst>
+                  <a:outerShdw blurRad="50800" dist="38100" algn="l" rotWithShape="0">
+                    <a:prstClr val="black">
+                      <a:alpha val="40000"/>
+                    </a:prstClr>
+                  </a:outerShdw>
+                </a:effectLst>
+              </a:rPr>
+              <a:t>increasing efficiency, reducing time delay, and ensuring communication clarity and quality</a:t>
+            </a:r>
+            <a:r>
+              <a:rPr lang="en-GB" dirty="0">
+                <a:effectLst>
+                  <a:outerShdw blurRad="50800" dist="38100" algn="l" rotWithShape="0">
+                    <a:prstClr val="black">
+                      <a:alpha val="40000"/>
+                    </a:prstClr>
+                  </a:outerShdw>
+                </a:effectLst>
+              </a:rPr>
+              <a:t> between client and Citi. </a:t>
+            </a:r>
+            <a:r>
+              <a:rPr lang="en-GB" b="1" dirty="0">
+                <a:effectLst>
+                  <a:outerShdw blurRad="50800" dist="38100" algn="l" rotWithShape="0">
+                    <a:prstClr val="black">
+                      <a:alpha val="40000"/>
+                    </a:prstClr>
+                  </a:outerShdw>
+                </a:effectLst>
+              </a:rPr>
+              <a:t>Reducing turn-around time</a:t>
+            </a:r>
+            <a:r>
+              <a:rPr lang="en-GB" dirty="0">
+                <a:effectLst>
+                  <a:outerShdw blurRad="50800" dist="38100" algn="l" rotWithShape="0">
+                    <a:prstClr val="black">
+                      <a:alpha val="40000"/>
+                    </a:prstClr>
+                  </a:outerShdw>
+                </a:effectLst>
+              </a:rPr>
+              <a:t> will ensure clients always return to Citi for their essential banking needs; whether that is within the GCB, or within ICG; or even the Private Bank.</a:t>
+            </a:r>
+          </a:p>
+          <a:p>
+            <a:pPr marL="285750" indent="-285750">
+              <a:buFont typeface="Arial" panose="020B0604020202020204" pitchFamily="34" charset="0"/>
+              <a:buChar char="•"/>
+            </a:pPr>
+            <a:endParaRPr lang="en-US" dirty="0">
+              <a:effectLst>
+                <a:outerShdw blurRad="50800" dist="38100" algn="l" rotWithShape="0">
+                  <a:prstClr val="black">
+                    <a:alpha val="40000"/>
+                  </a:prstClr>
+                </a:outerShdw>
+              </a:effectLst>
+            </a:endParaRPr>
+          </a:p>
+          <a:p>
+            <a:pPr marL="285750" indent="-285750">
+              <a:buFont typeface="Arial" panose="020B0604020202020204" pitchFamily="34" charset="0"/>
+              <a:buChar char="•"/>
+            </a:pPr>
+            <a:r>
+              <a:rPr lang="en-GB" b="1" dirty="0">
+                <a:effectLst>
+                  <a:outerShdw blurRad="50800" dist="38100" algn="l" rotWithShape="0">
+                    <a:prstClr val="black">
+                      <a:alpha val="40000"/>
+                    </a:prstClr>
+                  </a:outerShdw>
+                </a:effectLst>
+              </a:rPr>
+              <a:t>Creating economic value</a:t>
+            </a:r>
+            <a:r>
+              <a:rPr lang="en-GB" dirty="0">
+                <a:effectLst>
+                  <a:outerShdw blurRad="50800" dist="38100" algn="l" rotWithShape="0">
+                    <a:prstClr val="black">
+                      <a:alpha val="40000"/>
+                    </a:prstClr>
+                  </a:outerShdw>
+                </a:effectLst>
+              </a:rPr>
+              <a:t>—the </a:t>
+            </a:r>
+            <a:r>
+              <a:rPr lang="en-GB" b="1" dirty="0">
+                <a:effectLst>
+                  <a:outerShdw blurRad="50800" dist="38100" algn="l" rotWithShape="0">
+                    <a:prstClr val="black">
+                      <a:alpha val="40000"/>
+                    </a:prstClr>
+                  </a:outerShdw>
+                </a:effectLst>
+              </a:rPr>
+              <a:t>cost reductions involved in automating</a:t>
+            </a:r>
+            <a:r>
+              <a:rPr lang="en-GB" dirty="0">
+                <a:effectLst>
+                  <a:outerShdw blurRad="50800" dist="38100" algn="l" rotWithShape="0">
+                    <a:prstClr val="black">
+                      <a:alpha val="40000"/>
+                    </a:prstClr>
+                  </a:outerShdw>
+                </a:effectLst>
+              </a:rPr>
+              <a:t>, and the </a:t>
+            </a:r>
+            <a:r>
+              <a:rPr lang="en-GB" b="1" dirty="0">
+                <a:effectLst>
+                  <a:outerShdw blurRad="50800" dist="38100" algn="l" rotWithShape="0">
+                    <a:prstClr val="black">
+                      <a:alpha val="40000"/>
+                    </a:prstClr>
+                  </a:outerShdw>
+                </a:effectLst>
+              </a:rPr>
+              <a:t>increased efficiency means less profit is </a:t>
+            </a:r>
+            <a:r>
+              <a:rPr lang="en-GB" b="1" i="1" dirty="0">
+                <a:effectLst>
+                  <a:outerShdw blurRad="50800" dist="38100" algn="l" rotWithShape="0">
+                    <a:prstClr val="black">
+                      <a:alpha val="40000"/>
+                    </a:prstClr>
+                  </a:outerShdw>
+                </a:effectLst>
+              </a:rPr>
+              <a:t>lost</a:t>
+            </a:r>
+            <a:r>
+              <a:rPr lang="en-GB" dirty="0">
+                <a:effectLst>
+                  <a:outerShdw blurRad="50800" dist="38100" algn="l" rotWithShape="0">
+                    <a:prstClr val="black">
+                      <a:alpha val="40000"/>
+                    </a:prstClr>
+                  </a:outerShdw>
+                </a:effectLst>
+              </a:rPr>
+              <a:t>, and the </a:t>
+            </a:r>
+            <a:r>
+              <a:rPr lang="en-GB" b="1" dirty="0">
+                <a:effectLst>
+                  <a:outerShdw blurRad="50800" dist="38100" algn="l" rotWithShape="0">
+                    <a:prstClr val="black">
+                      <a:alpha val="40000"/>
+                    </a:prstClr>
+                  </a:outerShdw>
+                </a:effectLst>
+              </a:rPr>
+              <a:t>company can invest and expand more economic value into the global financial structure, or into internal structures.</a:t>
+            </a:r>
+          </a:p>
+          <a:p>
+            <a:pPr marL="285750" indent="-285750">
+              <a:buFont typeface="Arial" panose="020B0604020202020204" pitchFamily="34" charset="0"/>
+              <a:buChar char="•"/>
+            </a:pPr>
+            <a:endParaRPr lang="en-US" dirty="0">
+              <a:effectLst>
+                <a:outerShdw blurRad="50800" dist="38100" algn="l" rotWithShape="0">
+                  <a:prstClr val="black">
+                    <a:alpha val="40000"/>
+                  </a:prstClr>
+                </a:outerShdw>
+              </a:effectLst>
+            </a:endParaRPr>
+          </a:p>
+          <a:p>
+            <a:pPr marL="285750" indent="-285750">
+              <a:buFont typeface="Arial" panose="020B0604020202020204" pitchFamily="34" charset="0"/>
+              <a:buChar char="•"/>
+            </a:pPr>
+            <a:r>
+              <a:rPr lang="en-GB" b="1" dirty="0">
+                <a:effectLst>
+                  <a:outerShdw blurRad="50800" dist="38100" algn="l" rotWithShape="0">
+                    <a:prstClr val="black">
+                      <a:alpha val="40000"/>
+                    </a:prstClr>
+                  </a:outerShdw>
+                </a:effectLst>
+              </a:rPr>
+              <a:t>Systemically responsible</a:t>
+            </a:r>
+            <a:r>
+              <a:rPr lang="en-GB" dirty="0">
+                <a:effectLst>
+                  <a:outerShdw blurRad="50800" dist="38100" algn="l" rotWithShape="0">
+                    <a:prstClr val="black">
+                      <a:alpha val="40000"/>
+                    </a:prstClr>
+                  </a:outerShdw>
+                </a:effectLst>
+              </a:rPr>
+              <a:t>—one of the most important tenements of modern finance, following a system of automation allows for a more seamless regional integration of rules and regulations set forth by national organizations such as the OCC, or international organizations such as the European Union and their regulatory demands. Systemic responsibility is far easier to set up and manage with automated systems deployed across the globe, with a “one stop shop” solution often being the easiest.</a:t>
+            </a:r>
+            <a:endParaRPr lang="en-US" dirty="0">
+              <a:effectLst>
+                <a:outerShdw blurRad="50800" dist="38100" algn="l" rotWithShape="0">
+                  <a:prstClr val="black">
+                    <a:alpha val="40000"/>
+                  </a:prstClr>
+                </a:outerShdw>
+              </a:effectLst>
+            </a:endParaRPr>
+          </a:p>
+          <a:p>
+            <a:endParaRPr lang="en-US" sz="2000" dirty="0">
+              <a:effectLst>
+                <a:outerShdw blurRad="50800" dist="38100" algn="l" rotWithShape="0">
+                  <a:prstClr val="black">
+                    <a:alpha val="40000"/>
+                  </a:prstClr>
+                </a:outerShdw>
+              </a:effectLst>
+            </a:endParaRPr>
+          </a:p>
+        </p:txBody>
+      </p:sp>
+    </p:spTree>
+    <p:extLst>
+      <p:ext uri="{BB962C8B-B14F-4D97-AF65-F5344CB8AC3E}">
+        <p14:creationId xmlns:p14="http://schemas.microsoft.com/office/powerpoint/2010/main" val="3393793890"/>
+      </p:ext>
+    </p:extLst>
+  </p:cSld>
+  <p:clrMapOvr>
+    <a:masterClrMapping/>
+  </p:clrMapOvr>
+  <mc:AlternateContent xmlns:mc="http://schemas.openxmlformats.org/markup-compatibility/2006" xmlns:p14="http://schemas.microsoft.com/office/powerpoint/2010/main">
+    <mc:Choice Requires="p14">
+      <p:transition p14:dur="0"/>
+    </mc:Choice>
+    <mc:Fallback xmlns="">
+      <p:transition/>
+    </mc:Fallback>
+  </mc:AlternateContent>
+  <p:timing>
+    <p:tnLst>
+      <p:par>
+        <p:cTn id="1" dur="indefinite" restart="never" nodeType="tmRoot"/>
+      </p:par>
+    </p:tnLst>
+  </p:timing>
+</p:sld>
+</file>
+
+<file path=ppt/slides/slide31.xml><?xml version="1.0" encoding="utf-8"?>
 <p:sld xmlns:a="http://schemas.openxmlformats.org/drawingml/2006/main" xmlns:r="http://schemas.openxmlformats.org/officeDocument/2006/relationships" xmlns:p="http://schemas.openxmlformats.org/presentationml/2006/main">
   <p:cSld>
     <p:spTree>
@@ -21434,7 +21562,7 @@
 </p:sld>
 </file>
 
-<file path=ppt/slides/slide31.xml><?xml version="1.0" encoding="utf-8"?>
+<file path=ppt/slides/slide32.xml><?xml version="1.0" encoding="utf-8"?>
 <p:sld xmlns:a="http://schemas.openxmlformats.org/drawingml/2006/main" xmlns:r="http://schemas.openxmlformats.org/officeDocument/2006/relationships" xmlns:p="http://schemas.openxmlformats.org/presentationml/2006/main">
   <p:cSld>
     <p:spTree>
@@ -21523,7 +21651,7 @@
 </p:sld>
 </file>
 
-<file path=ppt/slides/slide32.xml><?xml version="1.0" encoding="utf-8"?>
+<file path=ppt/slides/slide33.xml><?xml version="1.0" encoding="utf-8"?>
 <p:sld xmlns:a="http://schemas.openxmlformats.org/drawingml/2006/main" xmlns:r="http://schemas.openxmlformats.org/officeDocument/2006/relationships" xmlns:p="http://schemas.openxmlformats.org/presentationml/2006/main" showMasterSp="0">
   <p:cSld>
     <p:spTree>
@@ -21714,7 +21842,7 @@
                   </a:outerShdw>
                 </a:effectLst>
               </a:rPr>
-              <a:t>A production support person/team is responsible for receiving incidents and requests from end-users, analyzing these and either responding to the end user with a solution or escalating it to the other IT teams.  </a:t>
+              <a:t>A production support person/team is responsible for </a:t>
             </a:r>
             <a:r>
               <a:rPr lang="en-US" sz="2400" dirty="0" smtClean="0">
@@ -21726,6 +21854,30 @@
                   </a:outerShdw>
                 </a:effectLst>
               </a:rPr>
+              <a:t>monitoring and maintaining systems, receiving </a:t>
+            </a:r>
+            <a:r>
+              <a:rPr lang="en-US" sz="2400" dirty="0">
+                <a:effectLst>
+                  <a:outerShdw blurRad="50800" dist="38100" algn="l" rotWithShape="0">
+                    <a:prstClr val="black">
+                      <a:alpha val="40000"/>
+                    </a:prstClr>
+                  </a:outerShdw>
+                </a:effectLst>
+              </a:rPr>
+              <a:t>incidents and requests from end-users, analyzing these and either responding to the end user with a solution or escalating it to the other IT teams.  </a:t>
+            </a:r>
+            <a:r>
+              <a:rPr lang="en-US" sz="2400" dirty="0" smtClean="0">
+                <a:effectLst>
+                  <a:outerShdw blurRad="50800" dist="38100" algn="l" rotWithShape="0">
+                    <a:prstClr val="black">
+                      <a:alpha val="40000"/>
+                    </a:prstClr>
+                  </a:outerShdw>
+                </a:effectLst>
+              </a:rPr>
               <a:t>These people can be developers</a:t>
             </a:r>
             <a:r>
@@ -21800,7 +21952,7 @@
                   </a:outerShdw>
                 </a:effectLst>
               </a:rPr>
-              <a:t>, assisting in the support of over a dozen different applications for Citi’s </a:t>
+              <a:t>, assisting in the support of </a:t>
             </a:r>
             <a:r>
               <a:rPr lang="en-US" sz="2400" dirty="0" smtClean="0">
@@ -21812,10 +21964,20 @@
                   </a:outerShdw>
                 </a:effectLst>
               </a:rPr>
-              <a:t>technology in the Americas.</a:t>
-            </a:r>
-          </a:p>
-          <a:p>
+              <a:t>many applications, but more specifically </a:t>
+            </a:r>
+            <a:r>
+              <a:rPr lang="en-US" sz="2400" i="1" dirty="0" smtClean="0">
+                <a:effectLst>
+                  <a:outerShdw blurRad="50800" dist="38100" algn="l" rotWithShape="0">
+                    <a:prstClr val="black">
+                      <a:alpha val="40000"/>
+                    </a:prstClr>
+                  </a:outerShdw>
+                </a:effectLst>
+              </a:rPr>
+              <a:t>three</a:t>
+            </a:r>
             <a:r>
               <a:rPr lang="en-US" sz="2400" dirty="0" smtClean="0">
                 <a:effectLst>
@@ -21826,81 +21988,9 @@
                   </a:outerShdw>
                 </a:effectLst>
               </a:rPr>
-              <a:t>We were involved closely with Direct Custody–which handles </a:t>
-            </a:r>
-            <a:r>
-              <a:rPr lang="en-US" sz="2400" dirty="0">
-                <a:effectLst>
-                  <a:outerShdw blurRad="50800" dist="38100" algn="l" rotWithShape="0">
-                    <a:prstClr val="black">
-                      <a:alpha val="40000"/>
-                    </a:prstClr>
-                  </a:outerShdw>
-                </a:effectLst>
-              </a:rPr>
-              <a:t>around 15 </a:t>
-            </a:r>
-            <a:r>
-              <a:rPr lang="en-US" sz="2400" dirty="0" smtClean="0">
-                <a:effectLst>
-                  <a:outerShdw blurRad="50800" dist="38100" algn="l" rotWithShape="0">
-                    <a:prstClr val="black">
-                      <a:alpha val="40000"/>
-                    </a:prstClr>
-                  </a:outerShdw>
-                </a:effectLst>
-              </a:rPr>
-              <a:t>million </a:t>
-            </a:r>
-            <a:r>
-              <a:rPr lang="en-US" sz="2400" dirty="0">
-                <a:effectLst>
-                  <a:outerShdw blurRad="50800" dist="38100" algn="l" rotWithShape="0">
-                    <a:prstClr val="black">
-                      <a:alpha val="40000"/>
-                    </a:prstClr>
-                  </a:outerShdw>
-                </a:effectLst>
-              </a:rPr>
-              <a:t>trades per month that are worth more than </a:t>
-            </a:r>
-            <a:r>
-              <a:rPr lang="en-US" sz="2400" dirty="0" smtClean="0">
-                <a:effectLst>
-                  <a:outerShdw blurRad="50800" dist="38100" algn="l" rotWithShape="0">
-                    <a:prstClr val="black">
-                      <a:alpha val="40000"/>
-                    </a:prstClr>
-                  </a:outerShdw>
-                </a:effectLst>
-              </a:rPr>
-              <a:t>$20bn </a:t>
-            </a:r>
-            <a:r>
-              <a:rPr lang="en-US" sz="2400" dirty="0">
-                <a:effectLst>
-                  <a:outerShdw blurRad="50800" dist="38100" algn="l" rotWithShape="0">
-                    <a:prstClr val="black">
-                      <a:alpha val="40000"/>
-                    </a:prstClr>
-                  </a:outerShdw>
-                </a:effectLst>
-              </a:rPr>
-              <a:t>per </a:t>
-            </a:r>
-            <a:r>
-              <a:rPr lang="en-US" sz="2400" dirty="0" smtClean="0">
-                <a:effectLst>
-                  <a:outerShdw blurRad="50800" dist="38100" algn="l" rotWithShape="0">
-                    <a:prstClr val="black">
-                      <a:alpha val="40000"/>
-                    </a:prstClr>
-                  </a:outerShdw>
-                </a:effectLst>
-              </a:rPr>
-              <a:t>day. The SFE team also deals in matters relative to ‘COB’ (Continuity of Business), ensuring points of failure are minimized and critical issues are prevented.</a:t>
-            </a:r>
-            <a:endParaRPr lang="en-US" sz="2400" dirty="0">
+              <a:t> core applications—SFE, SMI and GCCS.</a:t>
+            </a:r>
+            <a:endParaRPr lang="en-US" sz="2400" dirty="0" smtClean="0">
               <a:effectLst>
                 <a:outerShdw blurRad="50800" dist="38100" algn="l" rotWithShape="0">
                   <a:prstClr val="black">
@@ -22014,18 +22104,6 @@
           <a:lstStyle/>
           <a:p>
             <a:r>
-              <a:rPr lang="en-US" sz="1800" b="1" dirty="0">
-                <a:effectLst>
-                  <a:outerShdw blurRad="50800" dist="38100" algn="l" rotWithShape="0">
-                    <a:prstClr val="black">
-                      <a:alpha val="40000"/>
-                    </a:prstClr>
-                  </a:outerShdw>
-                </a:effectLst>
-              </a:rPr>
-              <a:t>Custody</a:t>
-            </a:r>
-            <a:r>
               <a:rPr lang="en-US" sz="1800" dirty="0">
                 <a:effectLst>
                   <a:outerShdw blurRad="50800" dist="38100" algn="l" rotWithShape="0">
@@ -22035,7 +22113,7 @@
                   </a:outerShdw>
                 </a:effectLst>
               </a:rPr>
-              <a:t> is responsible for using systems such as MQ to assist clients in performing day trades through the most common and well-known stock markets across the globe. </a:t>
+              <a:t>According to internal figures, Direct Custody and Clearing provide a number of functions, including acting as an intermediary for day-to-day trading operations for companies and entities in over sixty markets</a:t>
             </a:r>
             <a:r>
               <a:rPr lang="en-US" sz="1800" dirty="0" smtClean="0">
@@ -22047,8 +22125,10 @@
                   </a:outerShdw>
                 </a:effectLst>
               </a:rPr>
-              <a:t>Below are just some of the applications they support on any given day:</a:t>
-            </a:r>
+              <a:t>.</a:t>
+            </a:r>
+          </a:p>
+          <a:p>
             <a:endParaRPr lang="en-US" sz="1800" dirty="0">
               <a:effectLst>
                 <a:outerShdw blurRad="50800" dist="38100" algn="l" rotWithShape="0">
@@ -22060,7 +22140,30 @@
             </a:endParaRPr>
           </a:p>
           <a:p>
-            <a:pPr lvl="1"/>
+            <a:r>
+              <a:rPr lang="en-US" sz="1800" b="1" dirty="0" smtClean="0">
+                <a:effectLst>
+                  <a:outerShdw blurRad="50800" dist="38100" algn="l" rotWithShape="0">
+                    <a:prstClr val="black">
+                      <a:alpha val="40000"/>
+                    </a:prstClr>
+                  </a:outerShdw>
+                </a:effectLst>
+              </a:rPr>
+              <a:t>Custody</a:t>
+            </a:r>
+            <a:r>
+              <a:rPr lang="en-US" sz="1800" dirty="0" smtClean="0">
+                <a:effectLst>
+                  <a:outerShdw blurRad="50800" dist="38100" algn="l" rotWithShape="0">
+                    <a:prstClr val="black">
+                      <a:alpha val="40000"/>
+                    </a:prstClr>
+                  </a:outerShdw>
+                </a:effectLst>
+              </a:rPr>
+              <a:t> </a:t>
+            </a:r>
             <a:r>
               <a:rPr lang="en-US" sz="1800" dirty="0">
                 <a:effectLst>
@@ -22071,7 +22174,7 @@
                   </a:outerShdw>
                 </a:effectLst>
               </a:rPr>
-              <a:t>Securities Front </a:t>
+              <a:t>is responsible for using systems such as MQ to assist clients in performing day trades through the most common and well-known stock markets across the globe. </a:t>
             </a:r>
             <a:r>
               <a:rPr lang="en-US" sz="1800" dirty="0" smtClean="0">
@@ -22083,34 +22186,7 @@
                   </a:outerShdw>
                 </a:effectLst>
               </a:rPr>
-              <a:t>End, Latin America (SFE LATAM)</a:t>
-            </a:r>
-          </a:p>
-          <a:p>
-            <a:pPr lvl="1"/>
-            <a:r>
-              <a:rPr lang="en-US" sz="1800" dirty="0">
-                <a:effectLst>
-                  <a:outerShdw blurRad="50800" dist="38100" algn="l" rotWithShape="0">
-                    <a:prstClr val="black">
-                      <a:alpha val="40000"/>
-                    </a:prstClr>
-                  </a:outerShdw>
-                </a:effectLst>
-              </a:rPr>
-              <a:t>Securities Front End, Europe (SFE EMEA</a:t>
-            </a:r>
-            <a:r>
-              <a:rPr lang="en-US" sz="1800" dirty="0" smtClean="0">
-                <a:effectLst>
-                  <a:outerShdw blurRad="50800" dist="38100" algn="l" rotWithShape="0">
-                    <a:prstClr val="black">
-                      <a:alpha val="40000"/>
-                    </a:prstClr>
-                  </a:outerShdw>
-                </a:effectLst>
-              </a:rPr>
-              <a:t>)</a:t>
+              <a:t>Below are just some of the applications they support on any given day:</a:t>
             </a:r>
             <a:endParaRPr lang="en-US" sz="1800" dirty="0">
               <a:effectLst>
@@ -22134,7 +22210,70 @@
                   </a:outerShdw>
                 </a:effectLst>
               </a:rPr>
-              <a:t>SMI Nexus </a:t>
+              <a:t>Securities Front </a:t>
+            </a:r>
+            <a:r>
+              <a:rPr lang="en-US" sz="1800" dirty="0" smtClean="0">
+                <a:effectLst>
+                  <a:outerShdw blurRad="50800" dist="38100" algn="l" rotWithShape="0">
+                    <a:prstClr val="black">
+                      <a:alpha val="40000"/>
+                    </a:prstClr>
+                  </a:outerShdw>
+                </a:effectLst>
+              </a:rPr>
+              <a:t>End</a:t>
+            </a:r>
+            <a:r>
+              <a:rPr lang="en-US" sz="1800" dirty="0">
+                <a:effectLst>
+                  <a:outerShdw blurRad="50800" dist="38100" algn="l" rotWithShape="0">
+                    <a:prstClr val="black">
+                      <a:alpha val="40000"/>
+                    </a:prstClr>
+                  </a:outerShdw>
+                </a:effectLst>
+              </a:rPr>
+              <a:t> </a:t>
+            </a:r>
+            <a:r>
+              <a:rPr lang="en-US" sz="1800" dirty="0" smtClean="0">
+                <a:effectLst>
+                  <a:outerShdw blurRad="50800" dist="38100" algn="l" rotWithShape="0">
+                    <a:prstClr val="black">
+                      <a:alpha val="40000"/>
+                    </a:prstClr>
+                  </a:outerShdw>
+                </a:effectLst>
+              </a:rPr>
+              <a:t>(SFE)</a:t>
+            </a:r>
+          </a:p>
+          <a:p>
+            <a:pPr lvl="1"/>
+            <a:r>
+              <a:rPr lang="en-US" sz="1800" dirty="0" smtClean="0">
+                <a:effectLst>
+                  <a:outerShdw blurRad="50800" dist="38100" algn="l" rotWithShape="0">
+                    <a:prstClr val="black">
+                      <a:alpha val="40000"/>
+                    </a:prstClr>
+                  </a:outerShdw>
+                </a:effectLst>
+              </a:rPr>
+              <a:t>SMI </a:t>
+            </a:r>
+            <a:r>
+              <a:rPr lang="en-US" sz="1800" dirty="0">
+                <a:effectLst>
+                  <a:outerShdw blurRad="50800" dist="38100" algn="l" rotWithShape="0">
+                    <a:prstClr val="black">
+                      <a:alpha val="40000"/>
+                    </a:prstClr>
+                  </a:outerShdw>
+                </a:effectLst>
+              </a:rPr>
+              <a:t>Nexus </a:t>
             </a:r>
             <a:r>
               <a:rPr lang="en-US" sz="1800" dirty="0" smtClean="0">
@@ -22161,6 +22300,18 @@
           <a:p>
             <a:pPr lvl="1"/>
             <a:r>
+              <a:rPr lang="en-US" sz="1800" dirty="0" smtClean="0">
+                <a:effectLst>
+                  <a:outerShdw blurRad="50800" dist="38100" algn="l" rotWithShape="0">
+                    <a:prstClr val="black">
+                      <a:alpha val="40000"/>
+                    </a:prstClr>
+                  </a:outerShdw>
+                </a:effectLst>
+              </a:rPr>
+              <a:t>Global </a:t>
+            </a:r>
+            <a:r>
               <a:rPr lang="en-US" sz="1800" dirty="0">
                 <a:effectLst>
                   <a:outerShdw blurRad="50800" dist="38100" algn="l" rotWithShape="0">
@@ -22170,7 +22321,7 @@
                   </a:outerShdw>
                 </a:effectLst>
               </a:rPr>
-              <a:t>Global Credit </a:t>
+              <a:t>Credit </a:t>
             </a:r>
             <a:r>
               <a:rPr lang="en-US" sz="1800" dirty="0" smtClean="0">
@@ -22206,7 +22357,19 @@
                   </a:outerShdw>
                 </a:effectLst>
               </a:rPr>
-              <a:t>Client Services Desktop (CSD)</a:t>
+              <a:t>Client </a:t>
+            </a:r>
+            <a:r>
+              <a:rPr lang="en-US" sz="1800" dirty="0" smtClean="0">
+                <a:effectLst>
+                  <a:outerShdw blurRad="50800" dist="38100" algn="l" rotWithShape="0">
+                    <a:prstClr val="black">
+                      <a:alpha val="40000"/>
+                    </a:prstClr>
+                  </a:outerShdw>
+                </a:effectLst>
+              </a:rPr>
+              <a:t>Services Desktop (CSD)</a:t>
             </a:r>
             <a:endParaRPr lang="en-US" sz="1800" dirty="0">
               <a:effectLst>
@@ -22236,18 +22399,6 @@
           <a:p>
             <a:pPr lvl="1"/>
             <a:r>
-              <a:rPr lang="en-US" sz="1800" dirty="0">
-                <a:effectLst>
-                  <a:outerShdw blurRad="50800" dist="38100" algn="l" rotWithShape="0">
-                    <a:prstClr val="black">
-                      <a:alpha val="40000"/>
-                    </a:prstClr>
-                  </a:outerShdw>
-                </a:effectLst>
-              </a:rPr>
-              <a:t>FATCA </a:t>
-            </a:r>
-            <a:r>
               <a:rPr lang="en-US" sz="1800" dirty="0" smtClean="0">
                 <a:effectLst>
                   <a:outerShdw blurRad="50800" dist="38100" algn="l" rotWithShape="0">
@@ -22257,22 +22408,13 @@
                   </a:outerShdw>
                 </a:effectLst>
               </a:rPr>
-              <a:t>NAM</a:t>
-            </a:r>
-            <a:endParaRPr lang="en-US" sz="1800" dirty="0">
-              <a:effectLst>
-                <a:outerShdw blurRad="50800" dist="38100" algn="l" rotWithShape="0">
-                  <a:prstClr val="black">
-                    <a:alpha val="40000"/>
-                  </a:prstClr>
-                </a:outerShdw>
-              </a:effectLst>
-            </a:endParaRPr>
+              <a:t>FATCA NAM</a:t>
+            </a:r>
           </a:p>
           <a:p>
             <a:pPr lvl="1"/>
             <a:r>
-              <a:rPr lang="en-US" sz="1800" dirty="0">
+              <a:rPr lang="en-US" sz="1800" dirty="0" smtClean="0">
                 <a:effectLst>
                   <a:outerShdw blurRad="50800" dist="38100" algn="l" rotWithShape="0">
                     <a:prstClr val="black">
@@ -22298,57 +22440,7 @@
               </a:rPr>
               <a:t>SecRouter</a:t>
             </a:r>
-          </a:p>
-          <a:p>
-            <a:r>
-              <a:rPr lang="en-US" sz="1800" dirty="0">
-                <a:effectLst>
-                  <a:outerShdw blurRad="50800" dist="38100" algn="l" rotWithShape="0">
-                    <a:prstClr val="black">
-                      <a:alpha val="40000"/>
-                    </a:prstClr>
-                  </a:outerShdw>
-                </a:effectLst>
-              </a:rPr>
-              <a:t>A</a:t>
-            </a:r>
-            <a:r>
-              <a:rPr lang="en-US" sz="1800" dirty="0" smtClean="0">
-                <a:effectLst>
-                  <a:outerShdw blurRad="50800" dist="38100" algn="l" rotWithShape="0">
-                    <a:prstClr val="black">
-                      <a:alpha val="40000"/>
-                    </a:prstClr>
-                  </a:outerShdw>
-                </a:effectLst>
-              </a:rPr>
-              <a:t>ccording </a:t>
-            </a:r>
-            <a:r>
-              <a:rPr lang="en-US" sz="1800" dirty="0">
-                <a:effectLst>
-                  <a:outerShdw blurRad="50800" dist="38100" algn="l" rotWithShape="0">
-                    <a:prstClr val="black">
-                      <a:alpha val="40000"/>
-                    </a:prstClr>
-                  </a:outerShdw>
-                </a:effectLst>
-              </a:rPr>
-              <a:t>to internal </a:t>
-            </a:r>
-            <a:r>
-              <a:rPr lang="en-US" sz="1800" dirty="0" smtClean="0">
-                <a:effectLst>
-                  <a:outerShdw blurRad="50800" dist="38100" algn="l" rotWithShape="0">
-                    <a:prstClr val="black">
-                      <a:alpha val="40000"/>
-                    </a:prstClr>
-                  </a:outerShdw>
-                </a:effectLst>
-              </a:rPr>
-              <a:t>figures, Direct Custody and Clearing provide a number of functions, including acting as an intermediary for day-to-day trading operations for companies and entities in over sixty markets.</a:t>
-            </a:r>
-            <a:endParaRPr lang="en-US" sz="1800" dirty="0">
+            <a:endParaRPr lang="en-US" sz="1800" dirty="0" smtClean="0">
               <a:effectLst>
                 <a:outerShdw blurRad="50800" dist="38100" algn="l" rotWithShape="0">
                   <a:prstClr val="black">
@@ -22834,6 +22926,36 @@
           </a:fontRef>
         </p:style>
       </p:cxnSp>
+      <p:sp>
+        <p:nvSpPr>
+          <p:cNvPr id="4" name="TextBox 3"/>
+          <p:cNvSpPr txBox="1"/>
+          <p:nvPr/>
+        </p:nvSpPr>
+        <p:spPr>
+          <a:xfrm>
+            <a:off x="7680324" y="212561"/>
+            <a:ext cx="4283076" cy="461665"/>
+          </a:xfrm>
+          <a:prstGeom prst="rect">
+            <a:avLst/>
+          </a:prstGeom>
+          <a:noFill/>
+        </p:spPr>
+        <p:txBody>
+          <a:bodyPr wrap="square" rtlCol="0">
+            <a:spAutoFit/>
+          </a:bodyPr>
+          <a:lstStyle/>
+          <a:p>
+            <a:r>
+              <a:rPr lang="en-US" sz="2400" b="1" dirty="0" smtClean="0"/>
+              <a:t>Application Flow Structure </a:t>
+            </a:r>
+            <a:endParaRPr lang="en-US" sz="2400" b="1" dirty="0"/>
+          </a:p>
+        </p:txBody>
+      </p:sp>
     </p:spTree>
     <p:extLst>
       <p:ext uri="{BB962C8B-B14F-4D97-AF65-F5344CB8AC3E}">

--- a/InternProject.pptx
+++ b/InternProject.pptx
@@ -5,7 +5,7 @@
     <p:sldMasterId id="2147483665" r:id="rId1"/>
   </p:sldMasterIdLst>
   <p:notesMasterIdLst>
-    <p:notesMasterId r:id="rId36"/>
+    <p:notesMasterId r:id="rId39"/>
   </p:notesMasterIdLst>
   <p:sldIdLst>
     <p:sldId id="256" r:id="rId2"/>
@@ -20,28 +20,31 @@
     <p:sldId id="260" r:id="rId11"/>
     <p:sldId id="262" r:id="rId12"/>
     <p:sldId id="287" r:id="rId13"/>
-    <p:sldId id="292" r:id="rId14"/>
-    <p:sldId id="259" r:id="rId15"/>
-    <p:sldId id="273" r:id="rId16"/>
-    <p:sldId id="261" r:id="rId17"/>
-    <p:sldId id="275" r:id="rId18"/>
-    <p:sldId id="276" r:id="rId19"/>
-    <p:sldId id="302" r:id="rId20"/>
-    <p:sldId id="294" r:id="rId21"/>
-    <p:sldId id="263" r:id="rId22"/>
-    <p:sldId id="295" r:id="rId23"/>
-    <p:sldId id="296" r:id="rId24"/>
-    <p:sldId id="277" r:id="rId25"/>
-    <p:sldId id="291" r:id="rId26"/>
-    <p:sldId id="290" r:id="rId27"/>
-    <p:sldId id="289" r:id="rId28"/>
-    <p:sldId id="288" r:id="rId29"/>
-    <p:sldId id="269" r:id="rId30"/>
-    <p:sldId id="281" r:id="rId31"/>
-    <p:sldId id="282" r:id="rId32"/>
-    <p:sldId id="267" r:id="rId33"/>
-    <p:sldId id="286" r:id="rId34"/>
-    <p:sldId id="271" r:id="rId35"/>
+    <p:sldId id="305" r:id="rId14"/>
+    <p:sldId id="292" r:id="rId15"/>
+    <p:sldId id="259" r:id="rId16"/>
+    <p:sldId id="273" r:id="rId17"/>
+    <p:sldId id="261" r:id="rId18"/>
+    <p:sldId id="275" r:id="rId19"/>
+    <p:sldId id="276" r:id="rId20"/>
+    <p:sldId id="302" r:id="rId21"/>
+    <p:sldId id="303" r:id="rId22"/>
+    <p:sldId id="306" r:id="rId23"/>
+    <p:sldId id="295" r:id="rId24"/>
+    <p:sldId id="296" r:id="rId25"/>
+    <p:sldId id="307" r:id="rId26"/>
+    <p:sldId id="263" r:id="rId27"/>
+    <p:sldId id="277" r:id="rId28"/>
+    <p:sldId id="291" r:id="rId29"/>
+    <p:sldId id="290" r:id="rId30"/>
+    <p:sldId id="289" r:id="rId31"/>
+    <p:sldId id="288" r:id="rId32"/>
+    <p:sldId id="269" r:id="rId33"/>
+    <p:sldId id="281" r:id="rId34"/>
+    <p:sldId id="282" r:id="rId35"/>
+    <p:sldId id="267" r:id="rId36"/>
+    <p:sldId id="286" r:id="rId37"/>
+    <p:sldId id="271" r:id="rId38"/>
   </p:sldIdLst>
   <p:sldSz cx="12192000" cy="6858000"/>
   <p:notesSz cx="6858000" cy="9144000"/>
@@ -241,7 +244,7 @@
           <a:p>
             <a:fld id="{F8180418-010E-42A6-A024-49A90FA8058E}" type="datetimeFigureOut">
               <a:rPr lang="en-US" smtClean="0"/>
-              <a:t>7/31/2018</a:t>
+              <a:t>8/1/2018</a:t>
             </a:fld>
             <a:endParaRPr lang="en-US" dirty="0"/>
           </a:p>
@@ -907,12 +910,7 @@
             <p:ph type="sldImg"/>
           </p:nvPr>
         </p:nvSpPr>
-        <p:spPr>
-          <a:xfrm>
-            <a:off x="685800" y="1143000"/>
-            <a:ext cx="5486400" cy="3086100"/>
-          </a:xfrm>
-        </p:spPr>
+        <p:spPr/>
       </p:sp>
       <p:sp>
         <p:nvSpPr>
@@ -931,10 +929,8 @@
           <a:p>
             <a:r>
               <a:rPr lang="en-US" dirty="0" smtClean="0"/>
-              <a:t>(doesn’t matter)</a:t>
-            </a:r>
-          </a:p>
-          <a:p>
+              <a:t>(Robert)</a:t>
+            </a:r>
             <a:endParaRPr lang="en-US" dirty="0"/>
           </a:p>
         </p:txBody>
@@ -965,7 +961,7 @@
     </p:spTree>
     <p:extLst>
       <p:ext uri="{BB962C8B-B14F-4D97-AF65-F5344CB8AC3E}">
-        <p14:creationId xmlns:p14="http://schemas.microsoft.com/office/powerpoint/2010/main" val="3318214883"/>
+        <p14:creationId xmlns:p14="http://schemas.microsoft.com/office/powerpoint/2010/main" val="284181621"/>
       </p:ext>
     </p:extLst>
   </p:cSld>
@@ -1026,8 +1022,11 @@
           <a:p>
             <a:r>
               <a:rPr lang="en-US" dirty="0" smtClean="0"/>
-              <a:t>(Robert)</a:t>
-            </a:r>
+              <a:t>(R)</a:t>
+            </a:r>
+            <a:endParaRPr lang="en-US" dirty="0" smtClean="0"/>
+          </a:p>
+          <a:p>
             <a:endParaRPr lang="en-US" dirty="0"/>
           </a:p>
         </p:txBody>
@@ -1058,7 +1057,7 @@
     </p:spTree>
     <p:extLst>
       <p:ext uri="{BB962C8B-B14F-4D97-AF65-F5344CB8AC3E}">
-        <p14:creationId xmlns:p14="http://schemas.microsoft.com/office/powerpoint/2010/main" val="1825854574"/>
+        <p14:creationId xmlns:p14="http://schemas.microsoft.com/office/powerpoint/2010/main" val="3318214883"/>
       </p:ext>
     </p:extLst>
   </p:cSld>
@@ -1095,7 +1094,12 @@
             <p:ph type="sldImg"/>
           </p:nvPr>
         </p:nvSpPr>
-        <p:spPr/>
+        <p:spPr>
+          <a:xfrm>
+            <a:off x="685800" y="1143000"/>
+            <a:ext cx="5486400" cy="3086100"/>
+          </a:xfrm>
+        </p:spPr>
       </p:sp>
       <p:sp>
         <p:nvSpPr>
@@ -1116,6 +1120,7 @@
               <a:rPr lang="en-US" dirty="0" smtClean="0"/>
               <a:t>(Robert)</a:t>
             </a:r>
+            <a:endParaRPr lang="en-US" dirty="0"/>
           </a:p>
         </p:txBody>
       </p:sp>
@@ -1145,7 +1150,7 @@
     </p:spTree>
     <p:extLst>
       <p:ext uri="{BB962C8B-B14F-4D97-AF65-F5344CB8AC3E}">
-        <p14:creationId xmlns:p14="http://schemas.microsoft.com/office/powerpoint/2010/main" val="2666049010"/>
+        <p14:creationId xmlns:p14="http://schemas.microsoft.com/office/powerpoint/2010/main" val="1825854574"/>
       </p:ext>
     </p:extLst>
   </p:cSld>
@@ -1201,9 +1206,8 @@
           <a:p>
             <a:r>
               <a:rPr lang="en-US" dirty="0" smtClean="0"/>
-              <a:t>(Shane)</a:t>
-            </a:r>
-            <a:endParaRPr lang="en-US" dirty="0"/>
+              <a:t>(Robert)</a:t>
+            </a:r>
           </a:p>
         </p:txBody>
       </p:sp>
@@ -1233,7 +1237,7 @@
     </p:spTree>
     <p:extLst>
       <p:ext uri="{BB962C8B-B14F-4D97-AF65-F5344CB8AC3E}">
-        <p14:creationId xmlns:p14="http://schemas.microsoft.com/office/powerpoint/2010/main" val="2451900898"/>
+        <p14:creationId xmlns:p14="http://schemas.microsoft.com/office/powerpoint/2010/main" val="2666049010"/>
       </p:ext>
     </p:extLst>
   </p:cSld>
@@ -1287,7 +1291,11 @@
           <a:bodyPr/>
           <a:lstStyle/>
           <a:p>
-            <a:endParaRPr lang="en-US"/>
+            <a:r>
+              <a:rPr lang="en-US" dirty="0" smtClean="0"/>
+              <a:t>(Shane)</a:t>
+            </a:r>
+            <a:endParaRPr lang="en-US" dirty="0"/>
           </a:p>
         </p:txBody>
       </p:sp>
@@ -1317,7 +1325,7 @@
     </p:spTree>
     <p:extLst>
       <p:ext uri="{BB962C8B-B14F-4D97-AF65-F5344CB8AC3E}">
-        <p14:creationId xmlns:p14="http://schemas.microsoft.com/office/powerpoint/2010/main" val="2890098110"/>
+        <p14:creationId xmlns:p14="http://schemas.microsoft.com/office/powerpoint/2010/main" val="2451900898"/>
       </p:ext>
     </p:extLst>
   </p:cSld>
@@ -1371,7 +1379,11 @@
           <a:bodyPr/>
           <a:lstStyle/>
           <a:p>
-            <a:endParaRPr lang="en-US"/>
+            <a:r>
+              <a:rPr lang="en-US" dirty="0" smtClean="0"/>
+              <a:t>(Shane)</a:t>
+            </a:r>
+            <a:endParaRPr lang="en-US" dirty="0"/>
           </a:p>
         </p:txBody>
       </p:sp>
@@ -1401,7 +1413,7 @@
     </p:spTree>
     <p:extLst>
       <p:ext uri="{BB962C8B-B14F-4D97-AF65-F5344CB8AC3E}">
-        <p14:creationId xmlns:p14="http://schemas.microsoft.com/office/powerpoint/2010/main" val="2977264901"/>
+        <p14:creationId xmlns:p14="http://schemas.microsoft.com/office/powerpoint/2010/main" val="2890098110"/>
       </p:ext>
     </p:extLst>
   </p:cSld>
@@ -1480,7 +1492,7 @@
           <a:p>
             <a:fld id="{A27CAEC9-7E63-4A11-8AA1-4C0EE5C15C8A}" type="slidenum">
               <a:rPr lang="en-US" smtClean="0"/>
-              <a:t>20</a:t>
+              <a:t>19</a:t>
             </a:fld>
             <a:endParaRPr lang="en-US" dirty="0"/>
           </a:p>
@@ -1489,7 +1501,7 @@
     </p:spTree>
     <p:extLst>
       <p:ext uri="{BB962C8B-B14F-4D97-AF65-F5344CB8AC3E}">
-        <p14:creationId xmlns:p14="http://schemas.microsoft.com/office/powerpoint/2010/main" val="2802893084"/>
+        <p14:creationId xmlns:p14="http://schemas.microsoft.com/office/powerpoint/2010/main" val="2977264901"/>
       </p:ext>
     </p:extLst>
   </p:cSld>
@@ -1657,7 +1669,7 @@
           <a:p>
             <a:r>
               <a:rPr lang="en-US" dirty="0" smtClean="0"/>
-              <a:t>®</a:t>
+              <a:t>(Shane)</a:t>
             </a:r>
             <a:endParaRPr lang="en-US" dirty="0"/>
           </a:p>
@@ -1680,7 +1692,7 @@
           <a:p>
             <a:fld id="{A27CAEC9-7E63-4A11-8AA1-4C0EE5C15C8A}" type="slidenum">
               <a:rPr lang="en-US" smtClean="0"/>
-              <a:t>21</a:t>
+              <a:t>20</a:t>
             </a:fld>
             <a:endParaRPr lang="en-US" dirty="0"/>
           </a:p>
@@ -1689,7 +1701,7 @@
     </p:spTree>
     <p:extLst>
       <p:ext uri="{BB962C8B-B14F-4D97-AF65-F5344CB8AC3E}">
-        <p14:creationId xmlns:p14="http://schemas.microsoft.com/office/powerpoint/2010/main" val="88364746"/>
+        <p14:creationId xmlns:p14="http://schemas.microsoft.com/office/powerpoint/2010/main" val="2881610749"/>
       </p:ext>
     </p:extLst>
   </p:cSld>
@@ -1745,7 +1757,7 @@
           <a:p>
             <a:r>
               <a:rPr lang="en-US" dirty="0" smtClean="0"/>
-              <a:t>®</a:t>
+              <a:t>(Shane)</a:t>
             </a:r>
             <a:endParaRPr lang="en-US" dirty="0"/>
           </a:p>
@@ -1768,7 +1780,7 @@
           <a:p>
             <a:fld id="{A27CAEC9-7E63-4A11-8AA1-4C0EE5C15C8A}" type="slidenum">
               <a:rPr lang="en-US" smtClean="0"/>
-              <a:t>24</a:t>
+              <a:t>21</a:t>
             </a:fld>
             <a:endParaRPr lang="en-US" dirty="0"/>
           </a:p>
@@ -1777,7 +1789,7 @@
     </p:spTree>
     <p:extLst>
       <p:ext uri="{BB962C8B-B14F-4D97-AF65-F5344CB8AC3E}">
-        <p14:creationId xmlns:p14="http://schemas.microsoft.com/office/powerpoint/2010/main" val="1997867600"/>
+        <p14:creationId xmlns:p14="http://schemas.microsoft.com/office/powerpoint/2010/main" val="203377328"/>
       </p:ext>
     </p:extLst>
   </p:cSld>
@@ -1833,7 +1845,7 @@
           <a:p>
             <a:r>
               <a:rPr lang="en-US" dirty="0" smtClean="0"/>
-              <a:t>®</a:t>
+              <a:t>(Robert)</a:t>
             </a:r>
             <a:endParaRPr lang="en-US" dirty="0"/>
           </a:p>
@@ -1856,7 +1868,7 @@
           <a:p>
             <a:fld id="{A27CAEC9-7E63-4A11-8AA1-4C0EE5C15C8A}" type="slidenum">
               <a:rPr lang="en-US" smtClean="0"/>
-              <a:t>25</a:t>
+              <a:t>22</a:t>
             </a:fld>
             <a:endParaRPr lang="en-US" dirty="0"/>
           </a:p>
@@ -1865,7 +1877,7 @@
     </p:spTree>
     <p:extLst>
       <p:ext uri="{BB962C8B-B14F-4D97-AF65-F5344CB8AC3E}">
-        <p14:creationId xmlns:p14="http://schemas.microsoft.com/office/powerpoint/2010/main" val="944933504"/>
+        <p14:creationId xmlns:p14="http://schemas.microsoft.com/office/powerpoint/2010/main" val="795197598"/>
       </p:ext>
     </p:extLst>
   </p:cSld>
@@ -1921,7 +1933,7 @@
           <a:p>
             <a:r>
               <a:rPr lang="en-US" dirty="0" smtClean="0"/>
-              <a:t>®</a:t>
+              <a:t>(R)</a:t>
             </a:r>
             <a:endParaRPr lang="en-US" dirty="0"/>
           </a:p>
@@ -1944,7 +1956,7 @@
           <a:p>
             <a:fld id="{A27CAEC9-7E63-4A11-8AA1-4C0EE5C15C8A}" type="slidenum">
               <a:rPr lang="en-US" smtClean="0"/>
-              <a:t>26</a:t>
+              <a:t>23</a:t>
             </a:fld>
             <a:endParaRPr lang="en-US" dirty="0"/>
           </a:p>
@@ -1953,7 +1965,7 @@
     </p:spTree>
     <p:extLst>
       <p:ext uri="{BB962C8B-B14F-4D97-AF65-F5344CB8AC3E}">
-        <p14:creationId xmlns:p14="http://schemas.microsoft.com/office/powerpoint/2010/main" val="1307019738"/>
+        <p14:creationId xmlns:p14="http://schemas.microsoft.com/office/powerpoint/2010/main" val="3634039826"/>
       </p:ext>
     </p:extLst>
   </p:cSld>
@@ -2032,7 +2044,7 @@
           <a:p>
             <a:fld id="{A27CAEC9-7E63-4A11-8AA1-4C0EE5C15C8A}" type="slidenum">
               <a:rPr lang="en-US" smtClean="0"/>
-              <a:t>27</a:t>
+              <a:t>24</a:t>
             </a:fld>
             <a:endParaRPr lang="en-US" dirty="0"/>
           </a:p>
@@ -2041,7 +2053,7 @@
     </p:spTree>
     <p:extLst>
       <p:ext uri="{BB962C8B-B14F-4D97-AF65-F5344CB8AC3E}">
-        <p14:creationId xmlns:p14="http://schemas.microsoft.com/office/powerpoint/2010/main" val="206456244"/>
+        <p14:creationId xmlns:p14="http://schemas.microsoft.com/office/powerpoint/2010/main" val="1702356206"/>
       </p:ext>
     </p:extLst>
   </p:cSld>
@@ -2097,7 +2109,7 @@
           <a:p>
             <a:r>
               <a:rPr lang="en-US" dirty="0" smtClean="0"/>
-              <a:t>Both</a:t>
+              <a:t>®</a:t>
             </a:r>
             <a:endParaRPr lang="en-US" dirty="0"/>
           </a:p>
@@ -2120,7 +2132,7 @@
           <a:p>
             <a:fld id="{A27CAEC9-7E63-4A11-8AA1-4C0EE5C15C8A}" type="slidenum">
               <a:rPr lang="en-US" smtClean="0"/>
-              <a:t>28</a:t>
+              <a:t>26</a:t>
             </a:fld>
             <a:endParaRPr lang="en-US" dirty="0"/>
           </a:p>
@@ -2129,7 +2141,7 @@
     </p:spTree>
     <p:extLst>
       <p:ext uri="{BB962C8B-B14F-4D97-AF65-F5344CB8AC3E}">
-        <p14:creationId xmlns:p14="http://schemas.microsoft.com/office/powerpoint/2010/main" val="466644867"/>
+        <p14:creationId xmlns:p14="http://schemas.microsoft.com/office/powerpoint/2010/main" val="88364746"/>
       </p:ext>
     </p:extLst>
   </p:cSld>
@@ -2185,7 +2197,7 @@
           <a:p>
             <a:r>
               <a:rPr lang="en-US" dirty="0" smtClean="0"/>
-              <a:t>Shane</a:t>
+              <a:t>®</a:t>
             </a:r>
             <a:endParaRPr lang="en-US" dirty="0"/>
           </a:p>
@@ -2208,7 +2220,7 @@
           <a:p>
             <a:fld id="{A27CAEC9-7E63-4A11-8AA1-4C0EE5C15C8A}" type="slidenum">
               <a:rPr lang="en-US" smtClean="0"/>
-              <a:t>29</a:t>
+              <a:t>27</a:t>
             </a:fld>
             <a:endParaRPr lang="en-US" dirty="0"/>
           </a:p>
@@ -2217,7 +2229,7 @@
     </p:spTree>
     <p:extLst>
       <p:ext uri="{BB962C8B-B14F-4D97-AF65-F5344CB8AC3E}">
-        <p14:creationId xmlns:p14="http://schemas.microsoft.com/office/powerpoint/2010/main" val="3621126471"/>
+        <p14:creationId xmlns:p14="http://schemas.microsoft.com/office/powerpoint/2010/main" val="1997867600"/>
       </p:ext>
     </p:extLst>
   </p:cSld>
@@ -2273,7 +2285,7 @@
           <a:p>
             <a:r>
               <a:rPr lang="en-US" dirty="0" smtClean="0"/>
-              <a:t>R</a:t>
+              <a:t>®</a:t>
             </a:r>
             <a:endParaRPr lang="en-US" dirty="0"/>
           </a:p>
@@ -2296,7 +2308,7 @@
           <a:p>
             <a:fld id="{A27CAEC9-7E63-4A11-8AA1-4C0EE5C15C8A}" type="slidenum">
               <a:rPr lang="en-US" smtClean="0"/>
-              <a:t>30</a:t>
+              <a:t>28</a:t>
             </a:fld>
             <a:endParaRPr lang="en-US" dirty="0"/>
           </a:p>
@@ -2305,7 +2317,7 @@
     </p:spTree>
     <p:extLst>
       <p:ext uri="{BB962C8B-B14F-4D97-AF65-F5344CB8AC3E}">
-        <p14:creationId xmlns:p14="http://schemas.microsoft.com/office/powerpoint/2010/main" val="3669373827"/>
+        <p14:creationId xmlns:p14="http://schemas.microsoft.com/office/powerpoint/2010/main" val="944933504"/>
       </p:ext>
     </p:extLst>
   </p:cSld>
@@ -2361,7 +2373,7 @@
           <a:p>
             <a:r>
               <a:rPr lang="en-US" dirty="0" smtClean="0"/>
-              <a:t>R</a:t>
+              <a:t>®</a:t>
             </a:r>
             <a:endParaRPr lang="en-US" dirty="0"/>
           </a:p>
@@ -2384,7 +2396,7 @@
           <a:p>
             <a:fld id="{A27CAEC9-7E63-4A11-8AA1-4C0EE5C15C8A}" type="slidenum">
               <a:rPr lang="en-US" smtClean="0"/>
-              <a:t>31</a:t>
+              <a:t>29</a:t>
             </a:fld>
             <a:endParaRPr lang="en-US" dirty="0"/>
           </a:p>
@@ -2393,7 +2405,7 @@
     </p:spTree>
     <p:extLst>
       <p:ext uri="{BB962C8B-B14F-4D97-AF65-F5344CB8AC3E}">
-        <p14:creationId xmlns:p14="http://schemas.microsoft.com/office/powerpoint/2010/main" val="2759168038"/>
+        <p14:creationId xmlns:p14="http://schemas.microsoft.com/office/powerpoint/2010/main" val="1307019738"/>
       </p:ext>
     </p:extLst>
   </p:cSld>
@@ -2448,8 +2460,8 @@
           <a:lstStyle/>
           <a:p>
             <a:r>
-              <a:rPr lang="en-US" smtClean="0"/>
-              <a:t>(Robert)</a:t>
+              <a:rPr lang="en-US" dirty="0" smtClean="0"/>
+              <a:t>®</a:t>
             </a:r>
             <a:endParaRPr lang="en-US" dirty="0"/>
           </a:p>
@@ -2472,7 +2484,7 @@
           <a:p>
             <a:fld id="{A27CAEC9-7E63-4A11-8AA1-4C0EE5C15C8A}" type="slidenum">
               <a:rPr lang="en-US" smtClean="0"/>
-              <a:t>32</a:t>
+              <a:t>30</a:t>
             </a:fld>
             <a:endParaRPr lang="en-US" dirty="0"/>
           </a:p>
@@ -2481,7 +2493,7 @@
     </p:spTree>
     <p:extLst>
       <p:ext uri="{BB962C8B-B14F-4D97-AF65-F5344CB8AC3E}">
-        <p14:creationId xmlns:p14="http://schemas.microsoft.com/office/powerpoint/2010/main" val="3715771016"/>
+        <p14:creationId xmlns:p14="http://schemas.microsoft.com/office/powerpoint/2010/main" val="206456244"/>
       </p:ext>
     </p:extLst>
   </p:cSld>
@@ -2610,6 +2622,462 @@
             <p:ph type="sldImg"/>
           </p:nvPr>
         </p:nvSpPr>
+        <p:spPr/>
+      </p:sp>
+      <p:sp>
+        <p:nvSpPr>
+          <p:cNvPr id="3" name="Notes Placeholder 2"/>
+          <p:cNvSpPr>
+            <a:spLocks noGrp="1"/>
+          </p:cNvSpPr>
+          <p:nvPr>
+            <p:ph type="body" idx="1"/>
+          </p:nvPr>
+        </p:nvSpPr>
+        <p:spPr/>
+        <p:txBody>
+          <a:bodyPr/>
+          <a:lstStyle/>
+          <a:p>
+            <a:r>
+              <a:rPr lang="en-US" dirty="0" smtClean="0"/>
+              <a:t>R</a:t>
+            </a:r>
+            <a:r>
+              <a:rPr lang="en-US" baseline="0" dirty="0" smtClean="0"/>
+              <a:t> start, S finish</a:t>
+            </a:r>
+            <a:endParaRPr lang="en-US" dirty="0"/>
+          </a:p>
+        </p:txBody>
+      </p:sp>
+      <p:sp>
+        <p:nvSpPr>
+          <p:cNvPr id="4" name="Slide Number Placeholder 3"/>
+          <p:cNvSpPr>
+            <a:spLocks noGrp="1"/>
+          </p:cNvSpPr>
+          <p:nvPr>
+            <p:ph type="sldNum" sz="quarter" idx="10"/>
+          </p:nvPr>
+        </p:nvSpPr>
+        <p:spPr/>
+        <p:txBody>
+          <a:bodyPr/>
+          <a:lstStyle/>
+          <a:p>
+            <a:fld id="{A27CAEC9-7E63-4A11-8AA1-4C0EE5C15C8A}" type="slidenum">
+              <a:rPr lang="en-US" smtClean="0"/>
+              <a:t>31</a:t>
+            </a:fld>
+            <a:endParaRPr lang="en-US" dirty="0"/>
+          </a:p>
+        </p:txBody>
+      </p:sp>
+    </p:spTree>
+    <p:extLst>
+      <p:ext uri="{BB962C8B-B14F-4D97-AF65-F5344CB8AC3E}">
+        <p14:creationId xmlns:p14="http://schemas.microsoft.com/office/powerpoint/2010/main" val="466644867"/>
+      </p:ext>
+    </p:extLst>
+  </p:cSld>
+  <p:clrMapOvr>
+    <a:masterClrMapping/>
+  </p:clrMapOvr>
+</p:notes>
+</file>
+
+<file path=ppt/notesSlides/notesSlide31.xml><?xml version="1.0" encoding="utf-8"?>
+<p:notes xmlns:a="http://schemas.openxmlformats.org/drawingml/2006/main" xmlns:r="http://schemas.openxmlformats.org/officeDocument/2006/relationships" xmlns:p="http://schemas.openxmlformats.org/presentationml/2006/main">
+  <p:cSld>
+    <p:spTree>
+      <p:nvGrpSpPr>
+        <p:cNvPr id="1" name=""/>
+        <p:cNvGrpSpPr/>
+        <p:nvPr/>
+      </p:nvGrpSpPr>
+      <p:grpSpPr>
+        <a:xfrm>
+          <a:off x="0" y="0"/>
+          <a:ext cx="0" cy="0"/>
+          <a:chOff x="0" y="0"/>
+          <a:chExt cx="0" cy="0"/>
+        </a:xfrm>
+      </p:grpSpPr>
+      <p:sp>
+        <p:nvSpPr>
+          <p:cNvPr id="2" name="Slide Image Placeholder 1"/>
+          <p:cNvSpPr>
+            <a:spLocks noGrp="1" noRot="1" noChangeAspect="1"/>
+          </p:cNvSpPr>
+          <p:nvPr>
+            <p:ph type="sldImg"/>
+          </p:nvPr>
+        </p:nvSpPr>
+        <p:spPr/>
+      </p:sp>
+      <p:sp>
+        <p:nvSpPr>
+          <p:cNvPr id="3" name="Notes Placeholder 2"/>
+          <p:cNvSpPr>
+            <a:spLocks noGrp="1"/>
+          </p:cNvSpPr>
+          <p:nvPr>
+            <p:ph type="body" idx="1"/>
+          </p:nvPr>
+        </p:nvSpPr>
+        <p:spPr/>
+        <p:txBody>
+          <a:bodyPr/>
+          <a:lstStyle/>
+          <a:p>
+            <a:r>
+              <a:rPr lang="en-US" dirty="0" smtClean="0"/>
+              <a:t>Shane</a:t>
+            </a:r>
+            <a:endParaRPr lang="en-US" dirty="0"/>
+          </a:p>
+        </p:txBody>
+      </p:sp>
+      <p:sp>
+        <p:nvSpPr>
+          <p:cNvPr id="4" name="Slide Number Placeholder 3"/>
+          <p:cNvSpPr>
+            <a:spLocks noGrp="1"/>
+          </p:cNvSpPr>
+          <p:nvPr>
+            <p:ph type="sldNum" sz="quarter" idx="10"/>
+          </p:nvPr>
+        </p:nvSpPr>
+        <p:spPr/>
+        <p:txBody>
+          <a:bodyPr/>
+          <a:lstStyle/>
+          <a:p>
+            <a:fld id="{A27CAEC9-7E63-4A11-8AA1-4C0EE5C15C8A}" type="slidenum">
+              <a:rPr lang="en-US" smtClean="0"/>
+              <a:t>32</a:t>
+            </a:fld>
+            <a:endParaRPr lang="en-US" dirty="0"/>
+          </a:p>
+        </p:txBody>
+      </p:sp>
+    </p:spTree>
+    <p:extLst>
+      <p:ext uri="{BB962C8B-B14F-4D97-AF65-F5344CB8AC3E}">
+        <p14:creationId xmlns:p14="http://schemas.microsoft.com/office/powerpoint/2010/main" val="3621126471"/>
+      </p:ext>
+    </p:extLst>
+  </p:cSld>
+  <p:clrMapOvr>
+    <a:masterClrMapping/>
+  </p:clrMapOvr>
+</p:notes>
+</file>
+
+<file path=ppt/notesSlides/notesSlide32.xml><?xml version="1.0" encoding="utf-8"?>
+<p:notes xmlns:a="http://schemas.openxmlformats.org/drawingml/2006/main" xmlns:r="http://schemas.openxmlformats.org/officeDocument/2006/relationships" xmlns:p="http://schemas.openxmlformats.org/presentationml/2006/main">
+  <p:cSld>
+    <p:spTree>
+      <p:nvGrpSpPr>
+        <p:cNvPr id="1" name=""/>
+        <p:cNvGrpSpPr/>
+        <p:nvPr/>
+      </p:nvGrpSpPr>
+      <p:grpSpPr>
+        <a:xfrm>
+          <a:off x="0" y="0"/>
+          <a:ext cx="0" cy="0"/>
+          <a:chOff x="0" y="0"/>
+          <a:chExt cx="0" cy="0"/>
+        </a:xfrm>
+      </p:grpSpPr>
+      <p:sp>
+        <p:nvSpPr>
+          <p:cNvPr id="2" name="Slide Image Placeholder 1"/>
+          <p:cNvSpPr>
+            <a:spLocks noGrp="1" noRot="1" noChangeAspect="1"/>
+          </p:cNvSpPr>
+          <p:nvPr>
+            <p:ph type="sldImg"/>
+          </p:nvPr>
+        </p:nvSpPr>
+        <p:spPr/>
+      </p:sp>
+      <p:sp>
+        <p:nvSpPr>
+          <p:cNvPr id="3" name="Notes Placeholder 2"/>
+          <p:cNvSpPr>
+            <a:spLocks noGrp="1"/>
+          </p:cNvSpPr>
+          <p:nvPr>
+            <p:ph type="body" idx="1"/>
+          </p:nvPr>
+        </p:nvSpPr>
+        <p:spPr/>
+        <p:txBody>
+          <a:bodyPr/>
+          <a:lstStyle/>
+          <a:p>
+            <a:r>
+              <a:rPr lang="en-US" dirty="0" smtClean="0"/>
+              <a:t>R</a:t>
+            </a:r>
+            <a:endParaRPr lang="en-US" dirty="0"/>
+          </a:p>
+        </p:txBody>
+      </p:sp>
+      <p:sp>
+        <p:nvSpPr>
+          <p:cNvPr id="4" name="Slide Number Placeholder 3"/>
+          <p:cNvSpPr>
+            <a:spLocks noGrp="1"/>
+          </p:cNvSpPr>
+          <p:nvPr>
+            <p:ph type="sldNum" sz="quarter" idx="10"/>
+          </p:nvPr>
+        </p:nvSpPr>
+        <p:spPr/>
+        <p:txBody>
+          <a:bodyPr/>
+          <a:lstStyle/>
+          <a:p>
+            <a:fld id="{A27CAEC9-7E63-4A11-8AA1-4C0EE5C15C8A}" type="slidenum">
+              <a:rPr lang="en-US" smtClean="0"/>
+              <a:t>33</a:t>
+            </a:fld>
+            <a:endParaRPr lang="en-US" dirty="0"/>
+          </a:p>
+        </p:txBody>
+      </p:sp>
+    </p:spTree>
+    <p:extLst>
+      <p:ext uri="{BB962C8B-B14F-4D97-AF65-F5344CB8AC3E}">
+        <p14:creationId xmlns:p14="http://schemas.microsoft.com/office/powerpoint/2010/main" val="3669373827"/>
+      </p:ext>
+    </p:extLst>
+  </p:cSld>
+  <p:clrMapOvr>
+    <a:masterClrMapping/>
+  </p:clrMapOvr>
+</p:notes>
+</file>
+
+<file path=ppt/notesSlides/notesSlide33.xml><?xml version="1.0" encoding="utf-8"?>
+<p:notes xmlns:a="http://schemas.openxmlformats.org/drawingml/2006/main" xmlns:r="http://schemas.openxmlformats.org/officeDocument/2006/relationships" xmlns:p="http://schemas.openxmlformats.org/presentationml/2006/main">
+  <p:cSld>
+    <p:spTree>
+      <p:nvGrpSpPr>
+        <p:cNvPr id="1" name=""/>
+        <p:cNvGrpSpPr/>
+        <p:nvPr/>
+      </p:nvGrpSpPr>
+      <p:grpSpPr>
+        <a:xfrm>
+          <a:off x="0" y="0"/>
+          <a:ext cx="0" cy="0"/>
+          <a:chOff x="0" y="0"/>
+          <a:chExt cx="0" cy="0"/>
+        </a:xfrm>
+      </p:grpSpPr>
+      <p:sp>
+        <p:nvSpPr>
+          <p:cNvPr id="2" name="Slide Image Placeholder 1"/>
+          <p:cNvSpPr>
+            <a:spLocks noGrp="1" noRot="1" noChangeAspect="1"/>
+          </p:cNvSpPr>
+          <p:nvPr>
+            <p:ph type="sldImg"/>
+          </p:nvPr>
+        </p:nvSpPr>
+        <p:spPr/>
+      </p:sp>
+      <p:sp>
+        <p:nvSpPr>
+          <p:cNvPr id="3" name="Notes Placeholder 2"/>
+          <p:cNvSpPr>
+            <a:spLocks noGrp="1"/>
+          </p:cNvSpPr>
+          <p:nvPr>
+            <p:ph type="body" idx="1"/>
+          </p:nvPr>
+        </p:nvSpPr>
+        <p:spPr/>
+        <p:txBody>
+          <a:bodyPr/>
+          <a:lstStyle/>
+          <a:p>
+            <a:r>
+              <a:rPr lang="en-US" dirty="0" smtClean="0"/>
+              <a:t>R</a:t>
+            </a:r>
+            <a:endParaRPr lang="en-US" dirty="0"/>
+          </a:p>
+        </p:txBody>
+      </p:sp>
+      <p:sp>
+        <p:nvSpPr>
+          <p:cNvPr id="4" name="Slide Number Placeholder 3"/>
+          <p:cNvSpPr>
+            <a:spLocks noGrp="1"/>
+          </p:cNvSpPr>
+          <p:nvPr>
+            <p:ph type="sldNum" sz="quarter" idx="10"/>
+          </p:nvPr>
+        </p:nvSpPr>
+        <p:spPr/>
+        <p:txBody>
+          <a:bodyPr/>
+          <a:lstStyle/>
+          <a:p>
+            <a:fld id="{A27CAEC9-7E63-4A11-8AA1-4C0EE5C15C8A}" type="slidenum">
+              <a:rPr lang="en-US" smtClean="0"/>
+              <a:t>34</a:t>
+            </a:fld>
+            <a:endParaRPr lang="en-US" dirty="0"/>
+          </a:p>
+        </p:txBody>
+      </p:sp>
+    </p:spTree>
+    <p:extLst>
+      <p:ext uri="{BB962C8B-B14F-4D97-AF65-F5344CB8AC3E}">
+        <p14:creationId xmlns:p14="http://schemas.microsoft.com/office/powerpoint/2010/main" val="2759168038"/>
+      </p:ext>
+    </p:extLst>
+  </p:cSld>
+  <p:clrMapOvr>
+    <a:masterClrMapping/>
+  </p:clrMapOvr>
+</p:notes>
+</file>
+
+<file path=ppt/notesSlides/notesSlide34.xml><?xml version="1.0" encoding="utf-8"?>
+<p:notes xmlns:a="http://schemas.openxmlformats.org/drawingml/2006/main" xmlns:r="http://schemas.openxmlformats.org/officeDocument/2006/relationships" xmlns:p="http://schemas.openxmlformats.org/presentationml/2006/main">
+  <p:cSld>
+    <p:spTree>
+      <p:nvGrpSpPr>
+        <p:cNvPr id="1" name=""/>
+        <p:cNvGrpSpPr/>
+        <p:nvPr/>
+      </p:nvGrpSpPr>
+      <p:grpSpPr>
+        <a:xfrm>
+          <a:off x="0" y="0"/>
+          <a:ext cx="0" cy="0"/>
+          <a:chOff x="0" y="0"/>
+          <a:chExt cx="0" cy="0"/>
+        </a:xfrm>
+      </p:grpSpPr>
+      <p:sp>
+        <p:nvSpPr>
+          <p:cNvPr id="2" name="Slide Image Placeholder 1"/>
+          <p:cNvSpPr>
+            <a:spLocks noGrp="1" noRot="1" noChangeAspect="1"/>
+          </p:cNvSpPr>
+          <p:nvPr>
+            <p:ph type="sldImg"/>
+          </p:nvPr>
+        </p:nvSpPr>
+        <p:spPr/>
+      </p:sp>
+      <p:sp>
+        <p:nvSpPr>
+          <p:cNvPr id="3" name="Notes Placeholder 2"/>
+          <p:cNvSpPr>
+            <a:spLocks noGrp="1"/>
+          </p:cNvSpPr>
+          <p:nvPr>
+            <p:ph type="body" idx="1"/>
+          </p:nvPr>
+        </p:nvSpPr>
+        <p:spPr/>
+        <p:txBody>
+          <a:bodyPr/>
+          <a:lstStyle/>
+          <a:p>
+            <a:r>
+              <a:rPr lang="en-US" dirty="0" smtClean="0"/>
+              <a:t>(</a:t>
+            </a:r>
+            <a:r>
+              <a:rPr lang="en-US" dirty="0" smtClean="0"/>
+              <a:t>R</a:t>
+            </a:r>
+            <a:r>
+              <a:rPr lang="en-US" baseline="0" dirty="0" smtClean="0"/>
+              <a:t> start. S finish</a:t>
+            </a:r>
+            <a:r>
+              <a:rPr lang="en-US" dirty="0" smtClean="0"/>
+              <a:t>)</a:t>
+            </a:r>
+            <a:endParaRPr lang="en-US" dirty="0"/>
+          </a:p>
+        </p:txBody>
+      </p:sp>
+      <p:sp>
+        <p:nvSpPr>
+          <p:cNvPr id="4" name="Slide Number Placeholder 3"/>
+          <p:cNvSpPr>
+            <a:spLocks noGrp="1"/>
+          </p:cNvSpPr>
+          <p:nvPr>
+            <p:ph type="sldNum" sz="quarter" idx="10"/>
+          </p:nvPr>
+        </p:nvSpPr>
+        <p:spPr/>
+        <p:txBody>
+          <a:bodyPr/>
+          <a:lstStyle/>
+          <a:p>
+            <a:fld id="{A27CAEC9-7E63-4A11-8AA1-4C0EE5C15C8A}" type="slidenum">
+              <a:rPr lang="en-US" smtClean="0"/>
+              <a:t>35</a:t>
+            </a:fld>
+            <a:endParaRPr lang="en-US" dirty="0"/>
+          </a:p>
+        </p:txBody>
+      </p:sp>
+    </p:spTree>
+    <p:extLst>
+      <p:ext uri="{BB962C8B-B14F-4D97-AF65-F5344CB8AC3E}">
+        <p14:creationId xmlns:p14="http://schemas.microsoft.com/office/powerpoint/2010/main" val="3715771016"/>
+      </p:ext>
+    </p:extLst>
+  </p:cSld>
+  <p:clrMapOvr>
+    <a:masterClrMapping/>
+  </p:clrMapOvr>
+</p:notes>
+</file>
+
+<file path=ppt/notesSlides/notesSlide35.xml><?xml version="1.0" encoding="utf-8"?>
+<p:notes xmlns:a="http://schemas.openxmlformats.org/drawingml/2006/main" xmlns:r="http://schemas.openxmlformats.org/officeDocument/2006/relationships" xmlns:p="http://schemas.openxmlformats.org/presentationml/2006/main">
+  <p:cSld>
+    <p:spTree>
+      <p:nvGrpSpPr>
+        <p:cNvPr id="1" name=""/>
+        <p:cNvGrpSpPr/>
+        <p:nvPr/>
+      </p:nvGrpSpPr>
+      <p:grpSpPr>
+        <a:xfrm>
+          <a:off x="0" y="0"/>
+          <a:ext cx="0" cy="0"/>
+          <a:chOff x="0" y="0"/>
+          <a:chExt cx="0" cy="0"/>
+        </a:xfrm>
+      </p:grpSpPr>
+      <p:sp>
+        <p:nvSpPr>
+          <p:cNvPr id="2" name="Slide Image Placeholder 1"/>
+          <p:cNvSpPr>
+            <a:spLocks noGrp="1" noRot="1" noChangeAspect="1"/>
+          </p:cNvSpPr>
+          <p:nvPr>
+            <p:ph type="sldImg"/>
+          </p:nvPr>
+        </p:nvSpPr>
         <p:spPr>
           <a:xfrm>
             <a:off x="685800" y="1143000"/>
@@ -2634,29 +3102,7 @@
           <a:p>
             <a:r>
               <a:rPr lang="en-US" dirty="0" smtClean="0"/>
-              <a:t>Opinion on Citi and tech operations</a:t>
-            </a:r>
-          </a:p>
-          <a:p>
-            <a:r>
-              <a:rPr lang="en-US" dirty="0" smtClean="0"/>
-              <a:t>Experience</a:t>
-            </a:r>
-          </a:p>
-          <a:p>
-            <a:r>
-              <a:rPr lang="en-US" dirty="0" smtClean="0"/>
-              <a:t>Knowledge gained</a:t>
-            </a:r>
-          </a:p>
-          <a:p>
-            <a:r>
-              <a:rPr lang="en-US" dirty="0" smtClean="0"/>
-              <a:t>Feedback / criticisms</a:t>
-            </a:r>
-            <a:r>
-              <a:rPr lang="en-US" baseline="0" dirty="0" smtClean="0"/>
-              <a:t> and comments on Citi</a:t>
+              <a:t>Noodle</a:t>
             </a:r>
             <a:endParaRPr lang="en-US" dirty="0"/>
           </a:p>
@@ -2679,7 +3125,7 @@
           <a:p>
             <a:fld id="{A27CAEC9-7E63-4A11-8AA1-4C0EE5C15C8A}" type="slidenum">
               <a:rPr lang="en-US" smtClean="0"/>
-              <a:t>33</a:t>
+              <a:t>36</a:t>
             </a:fld>
             <a:endParaRPr lang="en-US" dirty="0"/>
           </a:p>
@@ -2689,6 +3135,90 @@
     <p:extLst>
       <p:ext uri="{BB962C8B-B14F-4D97-AF65-F5344CB8AC3E}">
         <p14:creationId xmlns:p14="http://schemas.microsoft.com/office/powerpoint/2010/main" val="1415747540"/>
+      </p:ext>
+    </p:extLst>
+  </p:cSld>
+  <p:clrMapOvr>
+    <a:masterClrMapping/>
+  </p:clrMapOvr>
+</p:notes>
+</file>
+
+<file path=ppt/notesSlides/notesSlide36.xml><?xml version="1.0" encoding="utf-8"?>
+<p:notes xmlns:a="http://schemas.openxmlformats.org/drawingml/2006/main" xmlns:r="http://schemas.openxmlformats.org/officeDocument/2006/relationships" xmlns:p="http://schemas.openxmlformats.org/presentationml/2006/main">
+  <p:cSld>
+    <p:spTree>
+      <p:nvGrpSpPr>
+        <p:cNvPr id="1" name=""/>
+        <p:cNvGrpSpPr/>
+        <p:nvPr/>
+      </p:nvGrpSpPr>
+      <p:grpSpPr>
+        <a:xfrm>
+          <a:off x="0" y="0"/>
+          <a:ext cx="0" cy="0"/>
+          <a:chOff x="0" y="0"/>
+          <a:chExt cx="0" cy="0"/>
+        </a:xfrm>
+      </p:grpSpPr>
+      <p:sp>
+        <p:nvSpPr>
+          <p:cNvPr id="2" name="Slide Image Placeholder 1"/>
+          <p:cNvSpPr>
+            <a:spLocks noGrp="1" noRot="1" noChangeAspect="1"/>
+          </p:cNvSpPr>
+          <p:nvPr>
+            <p:ph type="sldImg"/>
+          </p:nvPr>
+        </p:nvSpPr>
+        <p:spPr/>
+      </p:sp>
+      <p:sp>
+        <p:nvSpPr>
+          <p:cNvPr id="3" name="Notes Placeholder 2"/>
+          <p:cNvSpPr>
+            <a:spLocks noGrp="1"/>
+          </p:cNvSpPr>
+          <p:nvPr>
+            <p:ph type="body" idx="1"/>
+          </p:nvPr>
+        </p:nvSpPr>
+        <p:spPr/>
+        <p:txBody>
+          <a:bodyPr/>
+          <a:lstStyle/>
+          <a:p>
+            <a:endParaRPr lang="en-US" dirty="0"/>
+          </a:p>
+        </p:txBody>
+      </p:sp>
+      <p:sp>
+        <p:nvSpPr>
+          <p:cNvPr id="4" name="Slide Number Placeholder 3"/>
+          <p:cNvSpPr>
+            <a:spLocks noGrp="1"/>
+          </p:cNvSpPr>
+          <p:nvPr>
+            <p:ph type="sldNum" sz="quarter" idx="10"/>
+          </p:nvPr>
+        </p:nvSpPr>
+        <p:spPr/>
+        <p:txBody>
+          <a:bodyPr/>
+          <a:lstStyle/>
+          <a:p>
+            <a:fld id="{A27CAEC9-7E63-4A11-8AA1-4C0EE5C15C8A}" type="slidenum">
+              <a:rPr lang="en-US" smtClean="0"/>
+              <a:t>37</a:t>
+            </a:fld>
+            <a:endParaRPr lang="en-US" dirty="0"/>
+          </a:p>
+        </p:txBody>
+      </p:sp>
+    </p:spTree>
+    <p:extLst>
+      <p:ext uri="{BB962C8B-B14F-4D97-AF65-F5344CB8AC3E}">
+        <p14:creationId xmlns:p14="http://schemas.microsoft.com/office/powerpoint/2010/main" val="853380718"/>
       </p:ext>
     </p:extLst>
   </p:cSld>
@@ -2748,8 +3278,8 @@
           <a:lstStyle/>
           <a:p>
             <a:r>
-              <a:rPr lang="en-US" smtClean="0"/>
-              <a:t>(Shane)</a:t>
+              <a:rPr lang="en-US" dirty="0" smtClean="0"/>
+              <a:t>(Robert)</a:t>
             </a:r>
             <a:endParaRPr lang="en-US" dirty="0"/>
           </a:p>
@@ -3427,7 +3957,7 @@
           <a:p>
             <a:fld id="{9F3D0EE4-790E-4F42-96EE-EA138880416E}" type="datetimeFigureOut">
               <a:rPr lang="en-US" smtClean="0"/>
-              <a:t>7/31/2018</a:t>
+              <a:t>8/1/2018</a:t>
             </a:fld>
             <a:endParaRPr lang="en-US" dirty="0"/>
           </a:p>
@@ -3631,7 +4161,7 @@
           <a:p>
             <a:fld id="{9F3D0EE4-790E-4F42-96EE-EA138880416E}" type="datetimeFigureOut">
               <a:rPr lang="en-US" smtClean="0"/>
-              <a:t>7/31/2018</a:t>
+              <a:t>8/1/2018</a:t>
             </a:fld>
             <a:endParaRPr lang="en-US" dirty="0"/>
           </a:p>
@@ -3820,7 +4350,7 @@
           <a:p>
             <a:fld id="{9F3D0EE4-790E-4F42-96EE-EA138880416E}" type="datetimeFigureOut">
               <a:rPr lang="en-US" smtClean="0"/>
-              <a:t>7/31/2018</a:t>
+              <a:t>8/1/2018</a:t>
             </a:fld>
             <a:endParaRPr lang="en-US" dirty="0"/>
           </a:p>
@@ -4469,7 +4999,7 @@
           <a:p>
             <a:fld id="{9F3D0EE4-790E-4F42-96EE-EA138880416E}" type="datetimeFigureOut">
               <a:rPr lang="en-US" smtClean="0"/>
-              <a:t>7/31/2018</a:t>
+              <a:t>8/1/2018</a:t>
             </a:fld>
             <a:endParaRPr lang="en-US" dirty="0"/>
           </a:p>
@@ -4723,7 +5253,7 @@
           <a:p>
             <a:fld id="{9F3D0EE4-790E-4F42-96EE-EA138880416E}" type="datetimeFigureOut">
               <a:rPr lang="en-US" smtClean="0"/>
-              <a:t>7/31/2018</a:t>
+              <a:t>8/1/2018</a:t>
             </a:fld>
             <a:endParaRPr lang="en-US" dirty="0"/>
           </a:p>
@@ -5020,7 +5550,7 @@
           <a:p>
             <a:fld id="{9F3D0EE4-790E-4F42-96EE-EA138880416E}" type="datetimeFigureOut">
               <a:rPr lang="en-US" smtClean="0"/>
-              <a:t>7/31/2018</a:t>
+              <a:t>8/1/2018</a:t>
             </a:fld>
             <a:endParaRPr lang="en-US" dirty="0"/>
           </a:p>
@@ -5450,7 +5980,7 @@
           <a:p>
             <a:fld id="{9F3D0EE4-790E-4F42-96EE-EA138880416E}" type="datetimeFigureOut">
               <a:rPr lang="en-US" smtClean="0"/>
-              <a:t>7/31/2018</a:t>
+              <a:t>8/1/2018</a:t>
             </a:fld>
             <a:endParaRPr lang="en-US" dirty="0"/>
           </a:p>
@@ -5577,7 +6107,7 @@
           <a:p>
             <a:fld id="{9F3D0EE4-790E-4F42-96EE-EA138880416E}" type="datetimeFigureOut">
               <a:rPr lang="en-US" smtClean="0"/>
-              <a:t>7/31/2018</a:t>
+              <a:t>8/1/2018</a:t>
             </a:fld>
             <a:endParaRPr lang="en-US" dirty="0"/>
           </a:p>
@@ -5680,7 +6210,7 @@
           <a:p>
             <a:fld id="{9F3D0EE4-790E-4F42-96EE-EA138880416E}" type="datetimeFigureOut">
               <a:rPr lang="en-US" smtClean="0"/>
-              <a:t>7/31/2018</a:t>
+              <a:t>8/1/2018</a:t>
             </a:fld>
             <a:endParaRPr lang="en-US" dirty="0"/>
           </a:p>
@@ -5966,7 +6496,7 @@
           <a:p>
             <a:fld id="{9F3D0EE4-790E-4F42-96EE-EA138880416E}" type="datetimeFigureOut">
               <a:rPr lang="en-US" smtClean="0"/>
-              <a:t>7/31/2018</a:t>
+              <a:t>8/1/2018</a:t>
             </a:fld>
             <a:endParaRPr lang="en-US" dirty="0"/>
           </a:p>
@@ -6228,7 +6758,7 @@
           <a:p>
             <a:fld id="{9F3D0EE4-790E-4F42-96EE-EA138880416E}" type="datetimeFigureOut">
               <a:rPr lang="en-US" smtClean="0"/>
-              <a:t>7/31/2018</a:t>
+              <a:t>8/1/2018</a:t>
             </a:fld>
             <a:endParaRPr lang="en-US" dirty="0"/>
           </a:p>
@@ -6469,7 +6999,7 @@
           <a:p>
             <a:fld id="{901C9FEE-057E-4068-9298-9299AABF3381}" type="datetimeFigureOut">
               <a:rPr lang="en-US" smtClean="0"/>
-              <a:t>7/31/2018</a:t>
+              <a:t>8/1/2018</a:t>
             </a:fld>
             <a:endParaRPr lang="en-US" dirty="0"/>
           </a:p>
@@ -7752,7 +8282,7 @@
         </p:spPr>
         <p:txBody>
           <a:bodyPr vert="horz" lIns="91440" tIns="45720" rIns="91440" bIns="45720" rtlCol="0">
-            <a:normAutofit fontScale="92500" lnSpcReduction="20000"/>
+            <a:noAutofit/>
           </a:bodyPr>
           <a:lstStyle>
             <a:lvl1pPr marL="342900" indent="-342900" algn="l" defTabSz="914400" rtl="0" eaLnBrk="1" latinLnBrk="0" hangingPunct="1">
@@ -7893,7 +8423,7 @@
           </a:lstStyle>
           <a:p>
             <a:r>
-              <a:rPr lang="en-US" b="1" u="sng" dirty="0">
+              <a:rPr lang="en-US" sz="2200" b="1" u="sng" dirty="0">
                 <a:effectLst>
                   <a:outerShdw blurRad="50800" dist="38100" algn="l" rotWithShape="0">
                     <a:prstClr val="black">
@@ -7905,7 +8435,7 @@
               <a:t>Incidents</a:t>
             </a:r>
             <a:r>
-              <a:rPr lang="en-US" dirty="0">
+              <a:rPr lang="en-US" sz="2200" dirty="0">
                 <a:effectLst>
                   <a:outerShdw blurRad="50800" dist="38100" algn="l" rotWithShape="0">
                     <a:prstClr val="black">
@@ -7920,7 +8450,7 @@
           <a:p>
             <a:pPr lvl="1"/>
             <a:r>
-              <a:rPr lang="en-US" b="1" u="sng" dirty="0">
+              <a:rPr lang="en-US" sz="2200" b="1" u="sng" dirty="0">
                 <a:effectLst>
                   <a:outerShdw blurRad="50800" dist="38100" algn="l" rotWithShape="0">
                     <a:prstClr val="black">
@@ -7932,7 +8462,7 @@
               <a:t>Severity and Priority </a:t>
             </a:r>
             <a:r>
-              <a:rPr lang="en-US" dirty="0">
+              <a:rPr lang="en-US" sz="2200" dirty="0">
                 <a:effectLst>
                   <a:outerShdw blurRad="50800" dist="38100" algn="l" rotWithShape="0">
                     <a:prstClr val="black">
@@ -7944,22 +8474,46 @@
               <a:t>are modifiers which decide the celerity in which a ticket is brought to completion by the assignee</a:t>
             </a:r>
             <a:r>
-              <a:rPr lang="en-US" dirty="0" smtClean="0">
-                <a:effectLst>
-                  <a:outerShdw blurRad="50800" dist="38100" algn="l" rotWithShape="0">
-                    <a:prstClr val="black">
-                      <a:alpha val="40000"/>
-                    </a:prstClr>
-                  </a:outerShdw>
-                </a:effectLst>
-              </a:rPr>
-              <a:t>.</a:t>
+              <a:rPr lang="en-US" sz="2200" dirty="0" smtClean="0">
+                <a:effectLst>
+                  <a:outerShdw blurRad="50800" dist="38100" algn="l" rotWithShape="0">
+                    <a:prstClr val="black">
+                      <a:alpha val="40000"/>
+                    </a:prstClr>
+                  </a:outerShdw>
+                </a:effectLst>
+              </a:rPr>
+              <a:t>. Severity can depend on </a:t>
+            </a:r>
+            <a:r>
+              <a:rPr lang="en-US" sz="2200" i="1" dirty="0" smtClean="0">
+                <a:effectLst>
+                  <a:outerShdw blurRad="50800" dist="38100" algn="l" rotWithShape="0">
+                    <a:prstClr val="black">
+                      <a:alpha val="40000"/>
+                    </a:prstClr>
+                  </a:outerShdw>
+                </a:effectLst>
+              </a:rPr>
+              <a:t>what</a:t>
+            </a:r>
+            <a:r>
+              <a:rPr lang="en-US" sz="2200" dirty="0" smtClean="0">
+                <a:effectLst>
+                  <a:outerShdw blurRad="50800" dist="38100" algn="l" rotWithShape="0">
+                    <a:prstClr val="black">
+                      <a:alpha val="40000"/>
+                    </a:prstClr>
+                  </a:outerShdw>
+                </a:effectLst>
+              </a:rPr>
+              <a:t> the issue is.</a:t>
             </a:r>
           </a:p>
           <a:p>
             <a:pPr lvl="1"/>
             <a:r>
-              <a:rPr lang="en-US" b="1" u="sng" dirty="0" smtClean="0">
+              <a:rPr lang="en-US" sz="2200" b="1" u="sng" dirty="0" smtClean="0">
                 <a:effectLst>
                   <a:outerShdw blurRad="50800" dist="38100" algn="l" rotWithShape="0">
                     <a:prstClr val="black">
@@ -7971,7 +8525,7 @@
               <a:t>Urgency</a:t>
             </a:r>
             <a:r>
-              <a:rPr lang="en-US" dirty="0" smtClean="0">
+              <a:rPr lang="en-US" sz="2200" dirty="0" smtClean="0">
                 <a:effectLst>
                   <a:outerShdw blurRad="50800" dist="38100" algn="l" rotWithShape="0">
                     <a:prstClr val="black">
@@ -7982,7 +8536,7 @@
               </a:rPr>
               <a:t> also plays a factor in ticket resolution.</a:t>
             </a:r>
-            <a:endParaRPr lang="en-US" b="1" u="sng" dirty="0">
+            <a:endParaRPr lang="en-US" sz="2200" b="1" u="sng" dirty="0">
               <a:effectLst>
                 <a:outerShdw blurRad="50800" dist="38100" algn="l" rotWithShape="0">
                   <a:prstClr val="black">
@@ -7994,7 +8548,7 @@
           </a:p>
           <a:p>
             <a:r>
-              <a:rPr lang="en-US" b="1" u="sng" dirty="0">
+              <a:rPr lang="en-US" sz="2200" b="1" u="sng" dirty="0">
                 <a:effectLst>
                   <a:outerShdw blurRad="50800" dist="38100" algn="l" rotWithShape="0">
                     <a:prstClr val="black">
@@ -8006,21 +8560,45 @@
               <a:t>Changes</a:t>
             </a:r>
             <a:r>
-              <a:rPr lang="en-US" dirty="0">
-                <a:effectLst>
-                  <a:outerShdw blurRad="50800" dist="38100" algn="l" rotWithShape="0">
-                    <a:prstClr val="black">
-                      <a:alpha val="40000"/>
-                    </a:prstClr>
-                  </a:outerShdw>
-                </a:effectLst>
-              </a:rPr>
-              <a:t>: Regularly scheduled events that run between Friday afternoon and Sunday morning which make large-scale modifications to the servers and applications. (ex: patching)—requires intense review and approvals before allowed to take place</a:t>
-            </a:r>
-          </a:p>
-          <a:p>
-            <a:r>
-              <a:rPr lang="en-US" b="1" u="sng" dirty="0">
+              <a:rPr lang="en-US" sz="2200" dirty="0">
+                <a:effectLst>
+                  <a:outerShdw blurRad="50800" dist="38100" algn="l" rotWithShape="0">
+                    <a:prstClr val="black">
+                      <a:alpha val="40000"/>
+                    </a:prstClr>
+                  </a:outerShdw>
+                </a:effectLst>
+              </a:rPr>
+              <a:t>: Regularly scheduled events that run between Friday afternoon and Sunday morning </a:t>
+            </a:r>
+            <a:r>
+              <a:rPr lang="en-US" sz="2200" dirty="0" smtClean="0">
+                <a:effectLst>
+                  <a:outerShdw blurRad="50800" dist="38100" algn="l" rotWithShape="0">
+                    <a:prstClr val="black">
+                      <a:alpha val="40000"/>
+                    </a:prstClr>
+                  </a:outerShdw>
+                </a:effectLst>
+              </a:rPr>
+              <a:t>(“green zone”) which </a:t>
+            </a:r>
+            <a:r>
+              <a:rPr lang="en-US" sz="2200" dirty="0">
+                <a:effectLst>
+                  <a:outerShdw blurRad="50800" dist="38100" algn="l" rotWithShape="0">
+                    <a:prstClr val="black">
+                      <a:alpha val="40000"/>
+                    </a:prstClr>
+                  </a:outerShdw>
+                </a:effectLst>
+              </a:rPr>
+              <a:t>make large-scale modifications to the servers and applications. (ex: patching)—requires intense review and approvals before allowed to take place</a:t>
+            </a:r>
+          </a:p>
+          <a:p>
+            <a:r>
+              <a:rPr lang="en-US" sz="2200" b="1" u="sng" dirty="0">
                 <a:effectLst>
                   <a:outerShdw blurRad="50800" dist="38100" algn="l" rotWithShape="0">
                     <a:prstClr val="black">
@@ -8032,20 +8610,68 @@
               <a:t>Requests</a:t>
             </a:r>
             <a:r>
-              <a:rPr lang="en-US" dirty="0">
-                <a:effectLst>
-                  <a:outerShdw blurRad="50800" dist="38100" algn="l" rotWithShape="0">
-                    <a:prstClr val="black">
-                      <a:alpha val="40000"/>
-                    </a:prstClr>
-                  </a:outerShdw>
-                </a:effectLst>
-              </a:rPr>
-              <a:t>: Ticket created by a user to request a feature or modification to the system process.</a:t>
-            </a:r>
-          </a:p>
-          <a:p>
-            <a:endParaRPr lang="en-US" dirty="0">
+              <a:rPr lang="en-US" sz="2200" dirty="0">
+                <a:effectLst>
+                  <a:outerShdw blurRad="50800" dist="38100" algn="l" rotWithShape="0">
+                    <a:prstClr val="black">
+                      <a:alpha val="40000"/>
+                    </a:prstClr>
+                  </a:outerShdw>
+                </a:effectLst>
+              </a:rPr>
+              <a:t>: Ticket created by a user to </a:t>
+            </a:r>
+            <a:r>
+              <a:rPr lang="en-US" sz="2200" dirty="0" smtClean="0">
+                <a:effectLst>
+                  <a:outerShdw blurRad="50800" dist="38100" algn="l" rotWithShape="0">
+                    <a:prstClr val="black">
+                      <a:alpha val="40000"/>
+                    </a:prstClr>
+                  </a:outerShdw>
+                </a:effectLst>
+              </a:rPr>
+              <a:t>acquire a report from a system application, or acquire a particular dataset.</a:t>
+            </a:r>
+          </a:p>
+          <a:p>
+            <a:r>
+              <a:rPr lang="en-US" sz="2200" b="1" u="sng" dirty="0" smtClean="0">
+                <a:effectLst>
+                  <a:outerShdw blurRad="50800" dist="38100" algn="l" rotWithShape="0">
+                    <a:prstClr val="black">
+                      <a:alpha val="40000"/>
+                    </a:prstClr>
+                  </a:outerShdw>
+                </a:effectLst>
+              </a:rPr>
+              <a:t>Incident </a:t>
+            </a:r>
+            <a:r>
+              <a:rPr lang="en-US" sz="2200" b="1" u="sng" dirty="0" smtClean="0">
+                <a:effectLst>
+                  <a:outerShdw blurRad="50800" dist="38100" algn="l" rotWithShape="0">
+                    <a:prstClr val="black">
+                      <a:alpha val="40000"/>
+                    </a:prstClr>
+                  </a:outerShdw>
+                </a:effectLst>
+              </a:rPr>
+              <a:t>Management</a:t>
+            </a:r>
+            <a:r>
+              <a:rPr lang="en-US" sz="2200" dirty="0" smtClean="0">
+                <a:effectLst>
+                  <a:outerShdw blurRad="50800" dist="38100" algn="l" rotWithShape="0">
+                    <a:prstClr val="black">
+                      <a:alpha val="40000"/>
+                    </a:prstClr>
+                  </a:outerShdw>
+                </a:effectLst>
+              </a:rPr>
+              <a:t>: Solving the issue at hand and restoring full operational capacity.</a:t>
+            </a:r>
+            <a:endParaRPr lang="en-US" sz="2200" b="1" u="sng" dirty="0" smtClean="0">
               <a:effectLst>
                 <a:outerShdw blurRad="50800" dist="38100" algn="l" rotWithShape="0">
                   <a:prstClr val="black">
@@ -8056,7 +8682,42 @@
             </a:endParaRPr>
           </a:p>
           <a:p>
-            <a:endParaRPr lang="en-US" dirty="0">
+            <a:r>
+              <a:rPr lang="en-US" sz="2200" b="1" u="sng" dirty="0" smtClean="0">
+                <a:effectLst>
+                  <a:outerShdw blurRad="50800" dist="38100" algn="l" rotWithShape="0">
+                    <a:prstClr val="black">
+                      <a:alpha val="40000"/>
+                    </a:prstClr>
+                  </a:outerShdw>
+                </a:effectLst>
+              </a:rPr>
+              <a:t>Problem Management</a:t>
+            </a:r>
+            <a:r>
+              <a:rPr lang="en-US" sz="2200" dirty="0" smtClean="0">
+                <a:effectLst>
+                  <a:outerShdw blurRad="50800" dist="38100" algn="l" rotWithShape="0">
+                    <a:prstClr val="black">
+                      <a:alpha val="40000"/>
+                    </a:prstClr>
+                  </a:outerShdw>
+                </a:effectLst>
+              </a:rPr>
+              <a:t>: Solve the underlying issue to prevent it from happening again.</a:t>
+            </a:r>
+            <a:endParaRPr lang="en-US" sz="2200" dirty="0">
+              <a:effectLst>
+                <a:outerShdw blurRad="50800" dist="38100" algn="l" rotWithShape="0">
+                  <a:prstClr val="black">
+                    <a:alpha val="40000"/>
+                  </a:prstClr>
+                </a:outerShdw>
+              </a:effectLst>
+            </a:endParaRPr>
+          </a:p>
+          <a:p>
+            <a:endParaRPr lang="en-US" sz="2200" dirty="0">
               <a:effectLst>
                 <a:outerShdw blurRad="50800" dist="38100" algn="l" rotWithShape="0">
                   <a:prstClr val="black">
@@ -8136,6 +8797,223 @@
 </file>
 
 <file path=ppt/slides/slide13.xml><?xml version="1.0" encoding="utf-8"?>
+<p:sld xmlns:a="http://schemas.openxmlformats.org/drawingml/2006/main" xmlns:r="http://schemas.openxmlformats.org/officeDocument/2006/relationships" xmlns:p="http://schemas.openxmlformats.org/presentationml/2006/main">
+  <p:cSld>
+    <p:spTree>
+      <p:nvGrpSpPr>
+        <p:cNvPr id="1" name=""/>
+        <p:cNvGrpSpPr/>
+        <p:nvPr/>
+      </p:nvGrpSpPr>
+      <p:grpSpPr>
+        <a:xfrm>
+          <a:off x="0" y="0"/>
+          <a:ext cx="0" cy="0"/>
+          <a:chOff x="0" y="0"/>
+          <a:chExt cx="0" cy="0"/>
+        </a:xfrm>
+      </p:grpSpPr>
+      <p:sp>
+        <p:nvSpPr>
+          <p:cNvPr id="2" name="Title 1"/>
+          <p:cNvSpPr>
+            <a:spLocks noGrp="1"/>
+          </p:cNvSpPr>
+          <p:nvPr>
+            <p:ph type="title"/>
+          </p:nvPr>
+        </p:nvSpPr>
+        <p:spPr/>
+        <p:txBody>
+          <a:bodyPr>
+            <a:normAutofit/>
+          </a:bodyPr>
+          <a:lstStyle/>
+          <a:p>
+            <a:r>
+              <a:rPr lang="en-US" sz="4000" b="1" dirty="0" smtClean="0">
+                <a:effectLst>
+                  <a:outerShdw blurRad="50800" dist="38100" algn="l" rotWithShape="0">
+                    <a:prstClr val="black">
+                      <a:alpha val="40000"/>
+                    </a:prstClr>
+                  </a:outerShdw>
+                </a:effectLst>
+              </a:rPr>
+              <a:t>ServiceNow Breakdown—Major Incidents</a:t>
+            </a:r>
+            <a:endParaRPr lang="en-US" sz="4000" b="1" dirty="0">
+              <a:effectLst>
+                <a:outerShdw blurRad="50800" dist="38100" algn="l" rotWithShape="0">
+                  <a:prstClr val="black">
+                    <a:alpha val="40000"/>
+                  </a:prstClr>
+                </a:outerShdw>
+              </a:effectLst>
+            </a:endParaRPr>
+          </a:p>
+        </p:txBody>
+      </p:sp>
+      <p:sp>
+        <p:nvSpPr>
+          <p:cNvPr id="3" name="Content Placeholder 2"/>
+          <p:cNvSpPr>
+            <a:spLocks noGrp="1"/>
+          </p:cNvSpPr>
+          <p:nvPr>
+            <p:ph idx="1"/>
+          </p:nvPr>
+        </p:nvSpPr>
+        <p:spPr/>
+        <p:txBody>
+          <a:bodyPr>
+            <a:normAutofit fontScale="77500" lnSpcReduction="20000"/>
+          </a:bodyPr>
+          <a:lstStyle/>
+          <a:p>
+            <a:r>
+              <a:rPr lang="en-US" dirty="0" smtClean="0">
+                <a:effectLst>
+                  <a:outerShdw blurRad="50800" dist="38100" algn="l" rotWithShape="0">
+                    <a:prstClr val="black">
+                      <a:alpha val="40000"/>
+                    </a:prstClr>
+                  </a:outerShdw>
+                </a:effectLst>
+              </a:rPr>
+              <a:t>Major incidents have a very serious effect on the ability for Citi to do business, and thus have three major factors in determining both their severity and if they are major or minor incidents.</a:t>
+            </a:r>
+          </a:p>
+          <a:p>
+            <a:r>
+              <a:rPr lang="en-US" dirty="0" smtClean="0">
+                <a:effectLst>
+                  <a:outerShdw blurRad="50800" dist="38100" algn="l" rotWithShape="0">
+                    <a:prstClr val="black">
+                      <a:alpha val="40000"/>
+                    </a:prstClr>
+                  </a:outerShdw>
+                </a:effectLst>
+              </a:rPr>
+              <a:t>The first: </a:t>
+            </a:r>
+            <a:r>
+              <a:rPr lang="en-US" b="1" dirty="0" smtClean="0">
+                <a:effectLst>
+                  <a:outerShdw blurRad="50800" dist="38100" algn="l" rotWithShape="0">
+                    <a:prstClr val="black">
+                      <a:alpha val="40000"/>
+                    </a:prstClr>
+                  </a:outerShdw>
+                </a:effectLst>
+              </a:rPr>
+              <a:t>Financial impact</a:t>
+            </a:r>
+            <a:r>
+              <a:rPr lang="en-US" dirty="0" smtClean="0">
+                <a:effectLst>
+                  <a:outerShdw blurRad="50800" dist="38100" algn="l" rotWithShape="0">
+                    <a:prstClr val="black">
+                      <a:alpha val="40000"/>
+                    </a:prstClr>
+                  </a:outerShdw>
+                </a:effectLst>
+              </a:rPr>
+              <a:t>—these incidents are overviewed to see the potential and actual financial loss that will be incurred as a result of downtime, and will necessitate celerity depending on how much can be lost.</a:t>
+            </a:r>
+          </a:p>
+          <a:p>
+            <a:r>
+              <a:rPr lang="en-US" b="1" dirty="0" smtClean="0">
+                <a:effectLst>
+                  <a:outerShdw blurRad="50800" dist="38100" algn="l" rotWithShape="0">
+                    <a:prstClr val="black">
+                      <a:alpha val="40000"/>
+                    </a:prstClr>
+                  </a:outerShdw>
+                </a:effectLst>
+              </a:rPr>
+              <a:t>Regulatory impact</a:t>
+            </a:r>
+            <a:r>
+              <a:rPr lang="en-US" dirty="0" smtClean="0">
+                <a:effectLst>
+                  <a:outerShdw blurRad="50800" dist="38100" algn="l" rotWithShape="0">
+                    <a:prstClr val="black">
+                      <a:alpha val="40000"/>
+                    </a:prstClr>
+                  </a:outerShdw>
+                </a:effectLst>
+              </a:rPr>
+              <a:t> also plays a role—if a downtime runs against the law as laid down by government entities, restoring operations is key to preventing fines or other unfortunate things from happening.</a:t>
+            </a:r>
+          </a:p>
+          <a:p>
+            <a:r>
+              <a:rPr lang="en-US" b="1" dirty="0" smtClean="0">
+                <a:effectLst>
+                  <a:outerShdw blurRad="50800" dist="38100" algn="l" rotWithShape="0">
+                    <a:prstClr val="black">
+                      <a:alpha val="40000"/>
+                    </a:prstClr>
+                  </a:outerShdw>
+                </a:effectLst>
+              </a:rPr>
+              <a:t>Reputational impact </a:t>
+            </a:r>
+            <a:r>
+              <a:rPr lang="en-US" dirty="0" smtClean="0">
+                <a:effectLst>
+                  <a:outerShdw blurRad="50800" dist="38100" algn="l" rotWithShape="0">
+                    <a:prstClr val="black">
+                      <a:alpha val="40000"/>
+                    </a:prstClr>
+                  </a:outerShdw>
+                </a:effectLst>
+              </a:rPr>
+              <a:t>is the third factor in major incidents—if the downtime or failure causes a PR hit or loss of reputation to Citi, it becomes an necessity to get it up and running as soon as humanly possible—thus necessitating a high severity major incident.</a:t>
+            </a:r>
+            <a:endParaRPr lang="en-US" b="1" dirty="0">
+              <a:effectLst>
+                <a:outerShdw blurRad="50800" dist="38100" algn="l" rotWithShape="0">
+                  <a:prstClr val="black">
+                    <a:alpha val="40000"/>
+                  </a:prstClr>
+                </a:outerShdw>
+              </a:effectLst>
+            </a:endParaRPr>
+          </a:p>
+        </p:txBody>
+      </p:sp>
+    </p:spTree>
+    <p:extLst>
+      <p:ext uri="{BB962C8B-B14F-4D97-AF65-F5344CB8AC3E}">
+        <p14:creationId xmlns:p14="http://schemas.microsoft.com/office/powerpoint/2010/main" val="3923810066"/>
+      </p:ext>
+    </p:extLst>
+  </p:cSld>
+  <p:clrMapOvr>
+    <a:masterClrMapping/>
+  </p:clrMapOvr>
+  <mc:AlternateContent xmlns:mc="http://schemas.openxmlformats.org/markup-compatibility/2006" xmlns:p14="http://schemas.microsoft.com/office/powerpoint/2010/main">
+    <mc:Choice Requires="p14">
+      <p:transition p14:dur="0"/>
+    </mc:Choice>
+    <mc:Fallback xmlns="">
+      <p:transition/>
+    </mc:Fallback>
+  </mc:AlternateContent>
+  <p:timing>
+    <p:tnLst>
+      <p:par>
+        <p:cTn id="1" dur="indefinite" restart="never" nodeType="tmRoot"/>
+      </p:par>
+    </p:tnLst>
+  </p:timing>
+</p:sld>
+</file>
+
+<file path=ppt/slides/slide14.xml><?xml version="1.0" encoding="utf-8"?>
 <p:sld xmlns:a="http://schemas.openxmlformats.org/drawingml/2006/main" xmlns:r="http://schemas.openxmlformats.org/officeDocument/2006/relationships" xmlns:p="http://schemas.openxmlformats.org/presentationml/2006/main">
   <p:cSld>
     <p:spTree>
@@ -8204,7 +9082,7 @@
 </p:sld>
 </file>
 
-<file path=ppt/slides/slide14.xml><?xml version="1.0" encoding="utf-8"?>
+<file path=ppt/slides/slide15.xml><?xml version="1.0" encoding="utf-8"?>
 <p:sld xmlns:a="http://schemas.openxmlformats.org/drawingml/2006/main" xmlns:r="http://schemas.openxmlformats.org/officeDocument/2006/relationships" xmlns:p="http://schemas.openxmlformats.org/presentationml/2006/main">
   <p:cSld>
     <p:spTree>
@@ -8248,7 +9126,19 @@
                   </a:outerShdw>
                 </a:effectLst>
               </a:rPr>
-              <a:t>SFE and Script Automation</a:t>
+              <a:t>Script </a:t>
+            </a:r>
+            <a:r>
+              <a:rPr lang="en-US" b="1" dirty="0" smtClean="0">
+                <a:effectLst>
+                  <a:outerShdw blurRad="50800" dist="38100" algn="l" rotWithShape="0">
+                    <a:prstClr val="black">
+                      <a:alpha val="40000"/>
+                    </a:prstClr>
+                  </a:outerShdw>
+                </a:effectLst>
+              </a:rPr>
+              <a:t>Automation</a:t>
             </a:r>
             <a:endParaRPr lang="en-US" b="1" dirty="0">
               <a:effectLst>
@@ -8393,7 +9283,7 @@
 </p:sld>
 </file>
 
-<file path=ppt/slides/slide15.xml><?xml version="1.0" encoding="utf-8"?>
+<file path=ppt/slides/slide16.xml><?xml version="1.0" encoding="utf-8"?>
 <p:sld xmlns:a="http://schemas.openxmlformats.org/drawingml/2006/main" xmlns:r="http://schemas.openxmlformats.org/officeDocument/2006/relationships" xmlns:p="http://schemas.openxmlformats.org/presentationml/2006/main">
   <p:cSld>
     <p:spTree>
@@ -8732,7 +9622,7 @@
 </p:sld>
 </file>
 
-<file path=ppt/slides/slide16.xml><?xml version="1.0" encoding="utf-8"?>
+<file path=ppt/slides/slide17.xml><?xml version="1.0" encoding="utf-8"?>
 <p:sld xmlns:a="http://schemas.openxmlformats.org/drawingml/2006/main" xmlns:r="http://schemas.openxmlformats.org/officeDocument/2006/relationships" xmlns:p="http://schemas.openxmlformats.org/presentationml/2006/main">
   <p:cSld>
     <p:spTree>
@@ -8935,7 +9825,7 @@
 </p:sld>
 </file>
 
-<file path=ppt/slides/slide17.xml><?xml version="1.0" encoding="utf-8"?>
+<file path=ppt/slides/slide18.xml><?xml version="1.0" encoding="utf-8"?>
 <p:sld xmlns:a="http://schemas.openxmlformats.org/drawingml/2006/main" xmlns:r="http://schemas.openxmlformats.org/officeDocument/2006/relationships" xmlns:p="http://schemas.openxmlformats.org/presentationml/2006/main">
   <p:cSld>
     <p:spTree>
@@ -9044,7 +9934,7 @@
 </p:sld>
 </file>
 
-<file path=ppt/slides/slide18.xml><?xml version="1.0" encoding="utf-8"?>
+<file path=ppt/slides/slide19.xml><?xml version="1.0" encoding="utf-8"?>
 <p:sld xmlns:a="http://schemas.openxmlformats.org/drawingml/2006/main" xmlns:r="http://schemas.openxmlformats.org/officeDocument/2006/relationships" xmlns:p="http://schemas.openxmlformats.org/presentationml/2006/main">
   <p:cSld>
     <p:spTree>
@@ -9129,132 +10019,6 @@
     <p:extLst>
       <p:ext uri="{BB962C8B-B14F-4D97-AF65-F5344CB8AC3E}">
         <p14:creationId xmlns:p14="http://schemas.microsoft.com/office/powerpoint/2010/main" val="1730545066"/>
-      </p:ext>
-    </p:extLst>
-  </p:cSld>
-  <p:clrMapOvr>
-    <a:masterClrMapping/>
-  </p:clrMapOvr>
-  <mc:AlternateContent xmlns:mc="http://schemas.openxmlformats.org/markup-compatibility/2006" xmlns:p14="http://schemas.microsoft.com/office/powerpoint/2010/main">
-    <mc:Choice Requires="p14">
-      <p:transition p14:dur="0"/>
-    </mc:Choice>
-    <mc:Fallback xmlns="">
-      <p:transition/>
-    </mc:Fallback>
-  </mc:AlternateContent>
-  <p:timing>
-    <p:tnLst>
-      <p:par>
-        <p:cTn id="1" dur="indefinite" restart="never" nodeType="tmRoot"/>
-      </p:par>
-    </p:tnLst>
-  </p:timing>
-</p:sld>
-</file>
-
-<file path=ppt/slides/slide19.xml><?xml version="1.0" encoding="utf-8"?>
-<p:sld xmlns:a="http://schemas.openxmlformats.org/drawingml/2006/main" xmlns:r="http://schemas.openxmlformats.org/officeDocument/2006/relationships" xmlns:p="http://schemas.openxmlformats.org/presentationml/2006/main">
-  <p:cSld>
-    <p:spTree>
-      <p:nvGrpSpPr>
-        <p:cNvPr id="1" name=""/>
-        <p:cNvGrpSpPr/>
-        <p:nvPr/>
-      </p:nvGrpSpPr>
-      <p:grpSpPr>
-        <a:xfrm>
-          <a:off x="0" y="0"/>
-          <a:ext cx="0" cy="0"/>
-          <a:chOff x="0" y="0"/>
-          <a:chExt cx="0" cy="0"/>
-        </a:xfrm>
-      </p:grpSpPr>
-      <p:sp>
-        <p:nvSpPr>
-          <p:cNvPr id="2" name="Title 1"/>
-          <p:cNvSpPr>
-            <a:spLocks noGrp="1"/>
-          </p:cNvSpPr>
-          <p:nvPr>
-            <p:ph type="title"/>
-          </p:nvPr>
-        </p:nvSpPr>
-        <p:spPr>
-          <a:xfrm>
-            <a:off x="6477000" y="274638"/>
-            <a:ext cx="5105400" cy="1143000"/>
-          </a:xfrm>
-        </p:spPr>
-        <p:txBody>
-          <a:bodyPr>
-            <a:normAutofit fontScale="90000"/>
-          </a:bodyPr>
-          <a:lstStyle/>
-          <a:p>
-            <a:pPr algn="l"/>
-            <a:r>
-              <a:rPr lang="en-US" sz="2400" dirty="0" smtClean="0"/>
-              <a:t>Example Sampler for monitoring Windows services, such as Event Log, Plug and Play, and Remote Desktop.</a:t>
-            </a:r>
-            <a:endParaRPr lang="en-US" sz="2400" dirty="0"/>
-          </a:p>
-        </p:txBody>
-      </p:sp>
-      <p:pic>
-        <p:nvPicPr>
-          <p:cNvPr id="4" name="Content Placeholder 3"/>
-          <p:cNvPicPr>
-            <a:picLocks noGrp="1" noChangeAspect="1"/>
-          </p:cNvPicPr>
-          <p:nvPr>
-            <p:ph idx="1"/>
-          </p:nvPr>
-        </p:nvPicPr>
-        <p:blipFill>
-          <a:blip r:embed="rId2"/>
-          <a:stretch>
-            <a:fillRect/>
-          </a:stretch>
-        </p:blipFill>
-        <p:spPr>
-          <a:xfrm>
-            <a:off x="34636" y="152400"/>
-            <a:ext cx="6124575" cy="3505200"/>
-          </a:xfrm>
-          <a:prstGeom prst="rect">
-            <a:avLst/>
-          </a:prstGeom>
-        </p:spPr>
-      </p:pic>
-      <p:pic>
-        <p:nvPicPr>
-          <p:cNvPr id="5" name="Picture 4"/>
-          <p:cNvPicPr>
-            <a:picLocks noChangeAspect="1"/>
-          </p:cNvPicPr>
-          <p:nvPr/>
-        </p:nvPicPr>
-        <p:blipFill>
-          <a:blip r:embed="rId3"/>
-          <a:stretch>
-            <a:fillRect/>
-          </a:stretch>
-        </p:blipFill>
-        <p:spPr>
-          <a:xfrm>
-            <a:off x="4079298" y="3962400"/>
-            <a:ext cx="7496175" cy="2238375"/>
-          </a:xfrm>
-          <a:prstGeom prst="rect">
-            <a:avLst/>
-          </a:prstGeom>
-        </p:spPr>
-      </p:pic>
-    </p:spTree>
-    <p:extLst>
-      <p:ext uri="{BB962C8B-B14F-4D97-AF65-F5344CB8AC3E}">
-        <p14:creationId xmlns:p14="http://schemas.microsoft.com/office/powerpoint/2010/main" val="2173757113"/>
       </p:ext>
     </p:extLst>
   </p:cSld>
@@ -9655,186 +10419,81 @@
             <p:ph type="title"/>
           </p:nvPr>
         </p:nvSpPr>
-        <p:spPr/>
+        <p:spPr>
+          <a:xfrm>
+            <a:off x="6477000" y="274638"/>
+            <a:ext cx="5105400" cy="1143000"/>
+          </a:xfrm>
+        </p:spPr>
         <p:txBody>
           <a:bodyPr>
-            <a:noAutofit/>
+            <a:normAutofit fontScale="90000"/>
           </a:bodyPr>
           <a:lstStyle/>
           <a:p>
-            <a:r>
-              <a:rPr lang="en-US" sz="3600" b="1" dirty="0" smtClean="0">
-                <a:effectLst>
-                  <a:outerShdw blurRad="50800" dist="38100" algn="l" rotWithShape="0">
-                    <a:prstClr val="black">
-                      <a:alpha val="40000"/>
-                    </a:prstClr>
-                  </a:outerShdw>
-                </a:effectLst>
-              </a:rPr>
-              <a:t>Broadridge Project</a:t>
-            </a:r>
-            <a:endParaRPr lang="en-US" sz="3600" b="1" dirty="0">
-              <a:effectLst>
-                <a:outerShdw blurRad="50800" dist="38100" algn="l" rotWithShape="0">
-                  <a:prstClr val="black">
-                    <a:alpha val="40000"/>
-                  </a:prstClr>
-                </a:outerShdw>
-              </a:effectLst>
-            </a:endParaRPr>
-          </a:p>
-        </p:txBody>
-      </p:sp>
-      <p:sp>
-        <p:nvSpPr>
-          <p:cNvPr id="3" name="Content Placeholder 2"/>
-          <p:cNvSpPr>
-            <a:spLocks noGrp="1"/>
-          </p:cNvSpPr>
+            <a:pPr algn="l"/>
+            <a:r>
+              <a:rPr lang="en-US" sz="2400" dirty="0" smtClean="0"/>
+              <a:t>Example Sampler for monitoring Windows services, such as Event Log, Plug and Play, and Remote Desktop.</a:t>
+            </a:r>
+            <a:endParaRPr lang="en-US" sz="2400" dirty="0"/>
+          </a:p>
+        </p:txBody>
+      </p:sp>
+      <p:pic>
+        <p:nvPicPr>
+          <p:cNvPr id="4" name="Content Placeholder 3"/>
+          <p:cNvPicPr>
+            <a:picLocks noGrp="1" noChangeAspect="1"/>
+          </p:cNvPicPr>
           <p:nvPr>
             <p:ph idx="1"/>
           </p:nvPr>
-        </p:nvSpPr>
-        <p:spPr/>
-        <p:txBody>
-          <a:bodyPr numCol="1">
-            <a:noAutofit/>
-          </a:bodyPr>
-          <a:lstStyle/>
-          <a:p>
-            <a:r>
-              <a:rPr lang="en-US" sz="2400" b="1" dirty="0">
-                <a:effectLst>
-                  <a:outerShdw blurRad="50800" dist="38100" algn="l" rotWithShape="0">
-                    <a:prstClr val="black">
-                      <a:alpha val="40000"/>
-                    </a:prstClr>
-                  </a:outerShdw>
-                </a:effectLst>
-              </a:rPr>
-              <a:t>Broadridge</a:t>
-            </a:r>
-            <a:r>
-              <a:rPr lang="en-US" sz="2400" dirty="0">
-                <a:effectLst>
-                  <a:outerShdw blurRad="50800" dist="38100" algn="l" rotWithShape="0">
-                    <a:prstClr val="black">
-                      <a:alpha val="40000"/>
-                    </a:prstClr>
-                  </a:outerShdw>
-                </a:effectLst>
-              </a:rPr>
-              <a:t> is a script suite that plays a major role in the process of trading for Citi’s Custody division, as a result, this script can sometimes require extra attention to ensure proper functionality</a:t>
-            </a:r>
-            <a:r>
-              <a:rPr lang="en-US" sz="2400" dirty="0" smtClean="0">
-                <a:effectLst>
-                  <a:outerShdw blurRad="50800" dist="38100" algn="l" rotWithShape="0">
-                    <a:prstClr val="black">
-                      <a:alpha val="40000"/>
-                    </a:prstClr>
-                  </a:outerShdw>
-                </a:effectLst>
-              </a:rPr>
-              <a:t>.</a:t>
-            </a:r>
-          </a:p>
-          <a:p>
-            <a:r>
-              <a:rPr lang="en-US" sz="2400" b="1" dirty="0" smtClean="0">
-                <a:effectLst>
-                  <a:outerShdw blurRad="50800" dist="38100" algn="l" rotWithShape="0">
-                    <a:prstClr val="black">
-                      <a:alpha val="40000"/>
-                    </a:prstClr>
-                  </a:outerShdw>
-                </a:effectLst>
-              </a:rPr>
-              <a:t>As a result</a:t>
-            </a:r>
-            <a:r>
-              <a:rPr lang="en-US" sz="2400" dirty="0" smtClean="0">
-                <a:effectLst>
-                  <a:outerShdw blurRad="50800" dist="38100" algn="l" rotWithShape="0">
-                    <a:prstClr val="black">
-                      <a:alpha val="40000"/>
-                    </a:prstClr>
-                  </a:outerShdw>
-                </a:effectLst>
-              </a:rPr>
-              <a:t>, we were tasked with rewriting the Broadridge script suite to fulfill the necessary support task requirements laid out by management.</a:t>
-            </a:r>
-          </a:p>
-          <a:p>
-            <a:r>
-              <a:rPr lang="en-US" sz="2400" b="1" dirty="0" smtClean="0">
-                <a:effectLst>
-                  <a:outerShdw blurRad="50800" dist="38100" algn="l" rotWithShape="0">
-                    <a:prstClr val="black">
-                      <a:alpha val="40000"/>
-                    </a:prstClr>
-                  </a:outerShdw>
-                </a:effectLst>
-              </a:rPr>
-              <a:t>This</a:t>
-            </a:r>
-            <a:r>
-              <a:rPr lang="en-US" sz="2400" dirty="0" smtClean="0">
-                <a:effectLst>
-                  <a:outerShdw blurRad="50800" dist="38100" algn="l" rotWithShape="0">
-                    <a:prstClr val="black">
-                      <a:alpha val="40000"/>
-                    </a:prstClr>
-                  </a:outerShdw>
-                </a:effectLst>
-              </a:rPr>
-              <a:t> meant that the program had to be able to log itself to indicate where a failure occurs, if any—and that the program itself be reduced in complexity to allow for the minimal possible Autosys job.</a:t>
-            </a:r>
-          </a:p>
-          <a:p>
-            <a:r>
-              <a:rPr lang="en-US" sz="2400" b="1" dirty="0" smtClean="0">
-                <a:effectLst>
-                  <a:outerShdw blurRad="50800" dist="38100" algn="l" rotWithShape="0">
-                    <a:prstClr val="black">
-                      <a:alpha val="40000"/>
-                    </a:prstClr>
-                  </a:outerShdw>
-                </a:effectLst>
-              </a:rPr>
-              <a:t>Over the course</a:t>
-            </a:r>
-            <a:r>
-              <a:rPr lang="en-US" sz="2400" dirty="0" smtClean="0">
-                <a:effectLst>
-                  <a:outerShdw blurRad="50800" dist="38100" algn="l" rotWithShape="0">
-                    <a:prstClr val="black">
-                      <a:alpha val="40000"/>
-                    </a:prstClr>
-                  </a:outerShdw>
-                </a:effectLst>
-              </a:rPr>
-              <a:t> of June and July, we worked to redesign some of the core aspects of the script, such as integrating PowerShell scripts to make the program more efficient and sensible, and to reduce security risk from using Visual Basic as a scripting language.</a:t>
-            </a:r>
-          </a:p>
-          <a:p>
-            <a:endParaRPr lang="en-US" sz="2400" b="1" dirty="0">
-              <a:effectLst>
-                <a:outerShdw blurRad="50800" dist="38100" algn="l" rotWithShape="0">
-                  <a:prstClr val="black">
-                    <a:alpha val="40000"/>
-                  </a:prstClr>
-                </a:outerShdw>
-              </a:effectLst>
-            </a:endParaRPr>
-          </a:p>
-        </p:txBody>
-      </p:sp>
+        </p:nvPicPr>
+        <p:blipFill>
+          <a:blip r:embed="rId3"/>
+          <a:stretch>
+            <a:fillRect/>
+          </a:stretch>
+        </p:blipFill>
+        <p:spPr>
+          <a:xfrm>
+            <a:off x="34636" y="152400"/>
+            <a:ext cx="6124575" cy="3505200"/>
+          </a:xfrm>
+          <a:prstGeom prst="rect">
+            <a:avLst/>
+          </a:prstGeom>
+        </p:spPr>
+      </p:pic>
+      <p:pic>
+        <p:nvPicPr>
+          <p:cNvPr id="5" name="Picture 4"/>
+          <p:cNvPicPr>
+            <a:picLocks noChangeAspect="1"/>
+          </p:cNvPicPr>
+          <p:nvPr/>
+        </p:nvPicPr>
+        <p:blipFill>
+          <a:blip r:embed="rId4"/>
+          <a:stretch>
+            <a:fillRect/>
+          </a:stretch>
+        </p:blipFill>
+        <p:spPr>
+          <a:xfrm>
+            <a:off x="4079298" y="3962400"/>
+            <a:ext cx="7496175" cy="2238375"/>
+          </a:xfrm>
+          <a:prstGeom prst="rect">
+            <a:avLst/>
+          </a:prstGeom>
+        </p:spPr>
+      </p:pic>
     </p:spTree>
     <p:extLst>
       <p:ext uri="{BB962C8B-B14F-4D97-AF65-F5344CB8AC3E}">
-        <p14:creationId xmlns:p14="http://schemas.microsoft.com/office/powerpoint/2010/main" val="2584710871"/>
+        <p14:creationId xmlns:p14="http://schemas.microsoft.com/office/powerpoint/2010/main" val="2173757113"/>
       </p:ext>
     </p:extLst>
   </p:cSld>
@@ -9886,6 +10545,855 @@
             <p:ph type="title"/>
           </p:nvPr>
         </p:nvSpPr>
+        <p:spPr/>
+        <p:txBody>
+          <a:bodyPr/>
+          <a:lstStyle/>
+          <a:p>
+            <a:r>
+              <a:rPr lang="en-US" b="1" i="1" dirty="0" smtClean="0">
+                <a:effectLst>
+                  <a:outerShdw blurRad="50800" dist="38100" algn="l" rotWithShape="0">
+                    <a:prstClr val="black">
+                      <a:alpha val="40000"/>
+                    </a:prstClr>
+                  </a:outerShdw>
+                </a:effectLst>
+              </a:rPr>
+              <a:t>Broadridge Automation Project</a:t>
+            </a:r>
+            <a:endParaRPr lang="en-US" b="1" i="1" dirty="0">
+              <a:effectLst>
+                <a:outerShdw blurRad="50800" dist="38100" algn="l" rotWithShape="0">
+                  <a:prstClr val="black">
+                    <a:alpha val="40000"/>
+                  </a:prstClr>
+                </a:outerShdw>
+              </a:effectLst>
+            </a:endParaRPr>
+          </a:p>
+        </p:txBody>
+      </p:sp>
+      <p:sp>
+        <p:nvSpPr>
+          <p:cNvPr id="3" name="Content Placeholder 2"/>
+          <p:cNvSpPr>
+            <a:spLocks noGrp="1"/>
+          </p:cNvSpPr>
+          <p:nvPr>
+            <p:ph idx="1"/>
+          </p:nvPr>
+        </p:nvSpPr>
+        <p:spPr/>
+        <p:txBody>
+          <a:bodyPr>
+            <a:normAutofit fontScale="92500" lnSpcReduction="10000"/>
+          </a:bodyPr>
+          <a:lstStyle/>
+          <a:p>
+            <a:r>
+              <a:rPr lang="en-US" b="1" dirty="0" smtClean="0">
+                <a:effectLst>
+                  <a:outerShdw blurRad="50800" dist="38100" algn="l" rotWithShape="0">
+                    <a:prstClr val="black">
+                      <a:alpha val="40000"/>
+                    </a:prstClr>
+                  </a:outerShdw>
+                </a:effectLst>
+              </a:rPr>
+              <a:t>Broadridge</a:t>
+            </a:r>
+            <a:r>
+              <a:rPr lang="en-US" dirty="0" smtClean="0">
+                <a:effectLst>
+                  <a:outerShdw blurRad="50800" dist="38100" algn="l" rotWithShape="0">
+                    <a:prstClr val="black">
+                      <a:alpha val="40000"/>
+                    </a:prstClr>
+                  </a:outerShdw>
+                </a:effectLst>
+              </a:rPr>
+              <a:t> is a third party institution who acts as an intermediary with securities trading. The scripts we worked on are related to the process in which they send us information about conducted trades. </a:t>
+            </a:r>
+          </a:p>
+          <a:p>
+            <a:r>
+              <a:rPr lang="en-US" dirty="0" smtClean="0">
+                <a:effectLst>
+                  <a:outerShdw blurRad="50800" dist="38100" algn="l" rotWithShape="0">
+                    <a:prstClr val="black">
+                      <a:alpha val="40000"/>
+                    </a:prstClr>
+                  </a:outerShdw>
+                </a:effectLst>
+              </a:rPr>
+              <a:t>In this case, the Broadridge scripts </a:t>
+            </a:r>
+            <a:r>
+              <a:rPr lang="en-US" dirty="0">
+                <a:effectLst>
+                  <a:outerShdw blurRad="50800" dist="38100" algn="l" rotWithShape="0">
+                    <a:prstClr val="black">
+                      <a:alpha val="40000"/>
+                    </a:prstClr>
+                  </a:outerShdw>
+                </a:effectLst>
+              </a:rPr>
+              <a:t>a</a:t>
+            </a:r>
+            <a:r>
+              <a:rPr lang="en-US" dirty="0" smtClean="0">
+                <a:effectLst>
+                  <a:outerShdw blurRad="50800" dist="38100" algn="l" rotWithShape="0">
+                    <a:prstClr val="black">
+                      <a:alpha val="40000"/>
+                    </a:prstClr>
+                  </a:outerShdw>
+                </a:effectLst>
+              </a:rPr>
+              <a:t>re based around the MT 565 message – a Corporate Action Instruction</a:t>
+            </a:r>
+            <a:r>
+              <a:rPr lang="en-US" dirty="0">
+                <a:effectLst>
+                  <a:outerShdw blurRad="50800" dist="38100" algn="l" rotWithShape="0">
+                    <a:prstClr val="black">
+                      <a:alpha val="40000"/>
+                    </a:prstClr>
+                  </a:outerShdw>
+                </a:effectLst>
+              </a:rPr>
+              <a:t>. This message is sent by an account </a:t>
+            </a:r>
+            <a:r>
+              <a:rPr lang="en-US" dirty="0" smtClean="0">
+                <a:effectLst>
+                  <a:outerShdw blurRad="50800" dist="38100" algn="l" rotWithShape="0">
+                    <a:prstClr val="black">
+                      <a:alpha val="40000"/>
+                    </a:prstClr>
+                  </a:outerShdw>
+                </a:effectLst>
+              </a:rPr>
+              <a:t>owner(Broadridge) </a:t>
+            </a:r>
+            <a:r>
+              <a:rPr lang="en-US" dirty="0">
+                <a:effectLst>
+                  <a:outerShdw blurRad="50800" dist="38100" algn="l" rotWithShape="0">
+                    <a:prstClr val="black">
+                      <a:alpha val="40000"/>
+                    </a:prstClr>
+                  </a:outerShdw>
+                </a:effectLst>
+              </a:rPr>
+              <a:t>to an account servicer </a:t>
+            </a:r>
+            <a:r>
+              <a:rPr lang="en-US" dirty="0" smtClean="0">
+                <a:effectLst>
+                  <a:outerShdw blurRad="50800" dist="38100" algn="l" rotWithShape="0">
+                    <a:prstClr val="black">
+                      <a:alpha val="40000"/>
+                    </a:prstClr>
+                  </a:outerShdw>
+                </a:effectLst>
+              </a:rPr>
+              <a:t>(Citi).</a:t>
+            </a:r>
+            <a:endParaRPr lang="en-US" dirty="0">
+              <a:effectLst>
+                <a:outerShdw blurRad="50800" dist="38100" algn="l" rotWithShape="0">
+                  <a:prstClr val="black">
+                    <a:alpha val="40000"/>
+                  </a:prstClr>
+                </a:outerShdw>
+              </a:effectLst>
+            </a:endParaRPr>
+          </a:p>
+          <a:p>
+            <a:r>
+              <a:rPr lang="en-US" dirty="0" smtClean="0">
+                <a:effectLst>
+                  <a:outerShdw blurRad="50800" dist="38100" algn="l" rotWithShape="0">
+                    <a:prstClr val="black">
+                      <a:alpha val="40000"/>
+                    </a:prstClr>
+                  </a:outerShdw>
+                </a:effectLst>
+              </a:rPr>
+              <a:t>This process is and has always been owned by Production Support and has always been maintained by staff members on the PS Custody team.</a:t>
+            </a:r>
+            <a:endParaRPr lang="en-US" i="1" dirty="0"/>
+          </a:p>
+        </p:txBody>
+      </p:sp>
+    </p:spTree>
+    <p:extLst>
+      <p:ext uri="{BB962C8B-B14F-4D97-AF65-F5344CB8AC3E}">
+        <p14:creationId xmlns:p14="http://schemas.microsoft.com/office/powerpoint/2010/main" val="1661111345"/>
+      </p:ext>
+    </p:extLst>
+  </p:cSld>
+  <p:clrMapOvr>
+    <a:masterClrMapping/>
+  </p:clrMapOvr>
+  <mc:AlternateContent xmlns:mc="http://schemas.openxmlformats.org/markup-compatibility/2006" xmlns:p14="http://schemas.microsoft.com/office/powerpoint/2010/main">
+    <mc:Choice Requires="p14">
+      <p:transition p14:dur="0"/>
+    </mc:Choice>
+    <mc:Fallback xmlns="">
+      <p:transition/>
+    </mc:Fallback>
+  </mc:AlternateContent>
+  <p:timing>
+    <p:tnLst>
+      <p:par>
+        <p:cTn id="1" dur="indefinite" restart="never" nodeType="tmRoot"/>
+      </p:par>
+    </p:tnLst>
+  </p:timing>
+</p:sld>
+</file>
+
+<file path=ppt/slides/slide22.xml><?xml version="1.0" encoding="utf-8"?>
+<p:sld xmlns:a="http://schemas.openxmlformats.org/drawingml/2006/main" xmlns:r="http://schemas.openxmlformats.org/officeDocument/2006/relationships" xmlns:p="http://schemas.openxmlformats.org/presentationml/2006/main">
+  <p:cSld>
+    <p:spTree>
+      <p:nvGrpSpPr>
+        <p:cNvPr id="1" name=""/>
+        <p:cNvGrpSpPr/>
+        <p:nvPr/>
+      </p:nvGrpSpPr>
+      <p:grpSpPr>
+        <a:xfrm>
+          <a:off x="0" y="0"/>
+          <a:ext cx="0" cy="0"/>
+          <a:chOff x="0" y="0"/>
+          <a:chExt cx="0" cy="0"/>
+        </a:xfrm>
+      </p:grpSpPr>
+      <p:sp>
+        <p:nvSpPr>
+          <p:cNvPr id="2" name="Title 1"/>
+          <p:cNvSpPr>
+            <a:spLocks noGrp="1"/>
+          </p:cNvSpPr>
+          <p:nvPr>
+            <p:ph type="title"/>
+          </p:nvPr>
+        </p:nvSpPr>
+        <p:spPr/>
+        <p:txBody>
+          <a:bodyPr/>
+          <a:lstStyle/>
+          <a:p>
+            <a:r>
+              <a:rPr lang="en-US" b="1" i="1" dirty="0"/>
+              <a:t>Broadridge Automation Project</a:t>
+            </a:r>
+            <a:endParaRPr lang="en-US" b="1" dirty="0"/>
+          </a:p>
+        </p:txBody>
+      </p:sp>
+      <p:sp>
+        <p:nvSpPr>
+          <p:cNvPr id="3" name="Content Placeholder 2"/>
+          <p:cNvSpPr>
+            <a:spLocks noGrp="1"/>
+          </p:cNvSpPr>
+          <p:nvPr>
+            <p:ph idx="1"/>
+          </p:nvPr>
+        </p:nvSpPr>
+        <p:spPr/>
+        <p:txBody>
+          <a:bodyPr>
+            <a:normAutofit lnSpcReduction="10000"/>
+          </a:bodyPr>
+          <a:lstStyle/>
+          <a:p>
+            <a:r>
+              <a:rPr lang="en-US" dirty="0" smtClean="0">
+                <a:effectLst>
+                  <a:outerShdw blurRad="50800" dist="38100" algn="l" rotWithShape="0">
+                    <a:prstClr val="black">
+                      <a:alpha val="40000"/>
+                    </a:prstClr>
+                  </a:outerShdw>
+                </a:effectLst>
+              </a:rPr>
+              <a:t>With each iterative generation of improvements implemented into the scripts, the efficiency of the script decreased over time, and so when we arrived, the script was known for having some issues with iterative runs, consistently throwing errors or not doing all the required operations.</a:t>
+            </a:r>
+          </a:p>
+          <a:p>
+            <a:r>
+              <a:rPr lang="en-US" dirty="0" smtClean="0">
+                <a:effectLst>
+                  <a:outerShdw blurRad="50800" dist="38100" algn="l" rotWithShape="0">
+                    <a:prstClr val="black">
+                      <a:alpha val="40000"/>
+                    </a:prstClr>
+                  </a:outerShdw>
+                </a:effectLst>
+              </a:rPr>
+              <a:t>We discovered with Broadridge, that we had an immense opportunity to increase efficiency and improve the performance to prevent it from causing itself further issues in the future, through optimization and architectural retooling.</a:t>
+            </a:r>
+            <a:endParaRPr lang="en-US" dirty="0">
+              <a:effectLst>
+                <a:outerShdw blurRad="50800" dist="38100" algn="l" rotWithShape="0">
+                  <a:prstClr val="black">
+                    <a:alpha val="40000"/>
+                  </a:prstClr>
+                </a:outerShdw>
+              </a:effectLst>
+            </a:endParaRPr>
+          </a:p>
+        </p:txBody>
+      </p:sp>
+    </p:spTree>
+    <p:extLst>
+      <p:ext uri="{BB962C8B-B14F-4D97-AF65-F5344CB8AC3E}">
+        <p14:creationId xmlns:p14="http://schemas.microsoft.com/office/powerpoint/2010/main" val="1513644919"/>
+      </p:ext>
+    </p:extLst>
+  </p:cSld>
+  <p:clrMapOvr>
+    <a:masterClrMapping/>
+  </p:clrMapOvr>
+  <mc:AlternateContent xmlns:mc="http://schemas.openxmlformats.org/markup-compatibility/2006" xmlns:p14="http://schemas.microsoft.com/office/powerpoint/2010/main">
+    <mc:Choice Requires="p14">
+      <p:transition p14:dur="0"/>
+    </mc:Choice>
+    <mc:Fallback xmlns="">
+      <p:transition/>
+    </mc:Fallback>
+  </mc:AlternateContent>
+  <p:timing>
+    <p:tnLst>
+      <p:par>
+        <p:cTn id="1" dur="indefinite" restart="never" nodeType="tmRoot"/>
+      </p:par>
+    </p:tnLst>
+  </p:timing>
+</p:sld>
+</file>
+
+<file path=ppt/slides/slide23.xml><?xml version="1.0" encoding="utf-8"?>
+<p:sld xmlns:a="http://schemas.openxmlformats.org/drawingml/2006/main" xmlns:r="http://schemas.openxmlformats.org/officeDocument/2006/relationships" xmlns:p="http://schemas.openxmlformats.org/presentationml/2006/main">
+  <p:cSld>
+    <p:spTree>
+      <p:nvGrpSpPr>
+        <p:cNvPr id="1" name=""/>
+        <p:cNvGrpSpPr/>
+        <p:nvPr/>
+      </p:nvGrpSpPr>
+      <p:grpSpPr>
+        <a:xfrm>
+          <a:off x="0" y="0"/>
+          <a:ext cx="0" cy="0"/>
+          <a:chOff x="0" y="0"/>
+          <a:chExt cx="0" cy="0"/>
+        </a:xfrm>
+      </p:grpSpPr>
+      <p:pic>
+        <p:nvPicPr>
+          <p:cNvPr id="4" name="Picture 3"/>
+          <p:cNvPicPr>
+            <a:picLocks noChangeAspect="1"/>
+          </p:cNvPicPr>
+          <p:nvPr/>
+        </p:nvPicPr>
+        <p:blipFill>
+          <a:blip r:embed="rId3"/>
+          <a:stretch>
+            <a:fillRect/>
+          </a:stretch>
+        </p:blipFill>
+        <p:spPr>
+          <a:xfrm>
+            <a:off x="-1524000" y="869305"/>
+            <a:ext cx="9847072" cy="6490990"/>
+          </a:xfrm>
+          <a:prstGeom prst="rect">
+            <a:avLst/>
+          </a:prstGeom>
+        </p:spPr>
+      </p:pic>
+      <p:sp>
+        <p:nvSpPr>
+          <p:cNvPr id="6" name="TextBox 5"/>
+          <p:cNvSpPr txBox="1"/>
+          <p:nvPr/>
+        </p:nvSpPr>
+        <p:spPr>
+          <a:xfrm>
+            <a:off x="8458200" y="1371600"/>
+            <a:ext cx="3245440" cy="2031325"/>
+          </a:xfrm>
+          <a:prstGeom prst="rect">
+            <a:avLst/>
+          </a:prstGeom>
+          <a:noFill/>
+        </p:spPr>
+        <p:txBody>
+          <a:bodyPr wrap="none" rtlCol="0">
+            <a:spAutoFit/>
+          </a:bodyPr>
+          <a:lstStyle/>
+          <a:p>
+            <a:r>
+              <a:rPr lang="en-US" dirty="0" smtClean="0"/>
+              <a:t>This is the original file structure</a:t>
+            </a:r>
+          </a:p>
+          <a:p>
+            <a:r>
+              <a:rPr lang="en-US" dirty="0"/>
+              <a:t>f</a:t>
+            </a:r>
+            <a:r>
+              <a:rPr lang="en-US" dirty="0" smtClean="0"/>
+              <a:t>or the Broadridge script series,</a:t>
+            </a:r>
+            <a:br>
+              <a:rPr lang="en-US" dirty="0" smtClean="0"/>
+            </a:br>
+            <a:r>
+              <a:rPr lang="en-US" dirty="0" smtClean="0"/>
+              <a:t>which is still in use by Citi </a:t>
+            </a:r>
+            <a:r>
+              <a:rPr lang="en-US" smtClean="0"/>
+              <a:t>today.</a:t>
+            </a:r>
+          </a:p>
+          <a:p>
+            <a:endParaRPr lang="en-US" smtClean="0"/>
+          </a:p>
+          <a:p>
+            <a:r>
+              <a:rPr lang="en-US" smtClean="0"/>
+              <a:t>It largely relies on strictly Batch</a:t>
+            </a:r>
+            <a:br>
+              <a:rPr lang="en-US" smtClean="0"/>
+            </a:br>
+            <a:r>
+              <a:rPr lang="en-US" smtClean="0"/>
+              <a:t>and Visual Basic files to complete</a:t>
+            </a:r>
+            <a:br>
+              <a:rPr lang="en-US" smtClean="0"/>
+            </a:br>
+            <a:r>
+              <a:rPr lang="en-US" smtClean="0"/>
+              <a:t>the task given.</a:t>
+            </a:r>
+            <a:endParaRPr lang="en-US" dirty="0" smtClean="0"/>
+          </a:p>
+        </p:txBody>
+      </p:sp>
+    </p:spTree>
+    <p:extLst>
+      <p:ext uri="{BB962C8B-B14F-4D97-AF65-F5344CB8AC3E}">
+        <p14:creationId xmlns:p14="http://schemas.microsoft.com/office/powerpoint/2010/main" val="3098972617"/>
+      </p:ext>
+    </p:extLst>
+  </p:cSld>
+  <p:clrMapOvr>
+    <a:masterClrMapping/>
+  </p:clrMapOvr>
+  <mc:AlternateContent xmlns:mc="http://schemas.openxmlformats.org/markup-compatibility/2006" xmlns:p14="http://schemas.microsoft.com/office/powerpoint/2010/main">
+    <mc:Choice Requires="p14">
+      <p:transition p14:dur="0"/>
+    </mc:Choice>
+    <mc:Fallback xmlns="">
+      <p:transition/>
+    </mc:Fallback>
+  </mc:AlternateContent>
+  <p:timing>
+    <p:tnLst>
+      <p:par>
+        <p:cTn id="1" dur="indefinite" restart="never" nodeType="tmRoot"/>
+      </p:par>
+    </p:tnLst>
+  </p:timing>
+</p:sld>
+</file>
+
+<file path=ppt/slides/slide24.xml><?xml version="1.0" encoding="utf-8"?>
+<p:sld xmlns:a="http://schemas.openxmlformats.org/drawingml/2006/main" xmlns:r="http://schemas.openxmlformats.org/officeDocument/2006/relationships" xmlns:p="http://schemas.openxmlformats.org/presentationml/2006/main">
+  <p:cSld>
+    <p:spTree>
+      <p:nvGrpSpPr>
+        <p:cNvPr id="1" name=""/>
+        <p:cNvGrpSpPr/>
+        <p:nvPr/>
+      </p:nvGrpSpPr>
+      <p:grpSpPr>
+        <a:xfrm>
+          <a:off x="0" y="0"/>
+          <a:ext cx="0" cy="0"/>
+          <a:chOff x="0" y="0"/>
+          <a:chExt cx="0" cy="0"/>
+        </a:xfrm>
+      </p:grpSpPr>
+      <p:pic>
+        <p:nvPicPr>
+          <p:cNvPr id="4" name="Picture 3"/>
+          <p:cNvPicPr>
+            <a:picLocks noChangeAspect="1"/>
+          </p:cNvPicPr>
+          <p:nvPr/>
+        </p:nvPicPr>
+        <p:blipFill>
+          <a:blip r:embed="rId3">
+            <a:extLst>
+              <a:ext uri="{28A0092B-C50C-407E-A947-70E740481C1C}">
+                <a14:useLocalDpi xmlns:a14="http://schemas.microsoft.com/office/drawing/2010/main" val="0"/>
+              </a:ext>
+            </a:extLst>
+          </a:blip>
+          <a:stretch>
+            <a:fillRect/>
+          </a:stretch>
+        </p:blipFill>
+        <p:spPr>
+          <a:xfrm>
+            <a:off x="-1219200" y="1371600"/>
+            <a:ext cx="9542272" cy="6290071"/>
+          </a:xfrm>
+          <a:prstGeom prst="rect">
+            <a:avLst/>
+          </a:prstGeom>
+        </p:spPr>
+      </p:pic>
+      <p:sp>
+        <p:nvSpPr>
+          <p:cNvPr id="6" name="TextBox 5"/>
+          <p:cNvSpPr txBox="1"/>
+          <p:nvPr/>
+        </p:nvSpPr>
+        <p:spPr>
+          <a:xfrm>
+            <a:off x="8458201" y="1315283"/>
+            <a:ext cx="3505200" cy="4031873"/>
+          </a:xfrm>
+          <a:prstGeom prst="rect">
+            <a:avLst/>
+          </a:prstGeom>
+          <a:noFill/>
+        </p:spPr>
+        <p:txBody>
+          <a:bodyPr wrap="square" rtlCol="0">
+            <a:spAutoFit/>
+          </a:bodyPr>
+          <a:lstStyle/>
+          <a:p>
+            <a:r>
+              <a:rPr lang="en-US" sz="1600" dirty="0" smtClean="0"/>
+              <a:t>This is the new and improved</a:t>
+            </a:r>
+            <a:br>
+              <a:rPr lang="en-US" sz="1600" dirty="0" smtClean="0"/>
+            </a:br>
+            <a:r>
+              <a:rPr lang="en-US" sz="1600" dirty="0" smtClean="0"/>
+              <a:t>Broadridge script file structure,</a:t>
+            </a:r>
+            <a:br>
+              <a:rPr lang="en-US" sz="1600" dirty="0" smtClean="0"/>
+            </a:br>
+            <a:r>
+              <a:rPr lang="en-US" sz="1600" dirty="0" smtClean="0"/>
+              <a:t>as it currently stands (July 26, 2018).</a:t>
+            </a:r>
+            <a:br>
+              <a:rPr lang="en-US" sz="1600" dirty="0" smtClean="0"/>
+            </a:br>
+            <a:r>
+              <a:rPr lang="en-US" sz="1600" dirty="0" smtClean="0"/>
+              <a:t/>
+            </a:r>
+            <a:br>
+              <a:rPr lang="en-US" sz="1600" dirty="0" smtClean="0"/>
+            </a:br>
+            <a:r>
+              <a:rPr lang="en-US" sz="1600" dirty="0" smtClean="0"/>
+              <a:t>As you can see: It has been heavily</a:t>
+            </a:r>
+            <a:br>
+              <a:rPr lang="en-US" sz="1600" dirty="0" smtClean="0"/>
+            </a:br>
+            <a:r>
+              <a:rPr lang="en-US" sz="1600" dirty="0" smtClean="0"/>
+              <a:t>expanded to feature new file directories, such as lib (libraries), </a:t>
+            </a:r>
+            <a:r>
+              <a:rPr lang="en-US" sz="1600" dirty="0" err="1" smtClean="0"/>
+              <a:t>log_archive</a:t>
+            </a:r>
+            <a:r>
+              <a:rPr lang="en-US" sz="1600" dirty="0" smtClean="0"/>
+              <a:t> (logs) and </a:t>
+            </a:r>
+            <a:r>
+              <a:rPr lang="en-US" sz="1600" dirty="0" err="1" smtClean="0"/>
+              <a:t>tmp</a:t>
+            </a:r>
+            <a:r>
+              <a:rPr lang="en-US" sz="1600" dirty="0" smtClean="0"/>
+              <a:t> (temporary). It also features PowerShell files, such as DateCheck.ps1, SplitFile_565.ps1 (which has been converted from VBA), and the two UNIXTime.ps1 files.</a:t>
+            </a:r>
+            <a:endParaRPr lang="en-US" sz="1600" dirty="0"/>
+          </a:p>
+          <a:p>
+            <a:endParaRPr lang="en-US" sz="1600" smtClean="0"/>
+          </a:p>
+          <a:p>
+            <a:r>
+              <a:rPr lang="en-US" sz="1600" smtClean="0"/>
+              <a:t>The directory is more crowded, but the code has been simplified and improved to be more efficient.</a:t>
+            </a:r>
+            <a:endParaRPr lang="en-US" sz="1600" dirty="0" smtClean="0"/>
+          </a:p>
+        </p:txBody>
+      </p:sp>
+    </p:spTree>
+    <p:extLst>
+      <p:ext uri="{BB962C8B-B14F-4D97-AF65-F5344CB8AC3E}">
+        <p14:creationId xmlns:p14="http://schemas.microsoft.com/office/powerpoint/2010/main" val="4041542084"/>
+      </p:ext>
+    </p:extLst>
+  </p:cSld>
+  <p:clrMapOvr>
+    <a:masterClrMapping/>
+  </p:clrMapOvr>
+  <mc:AlternateContent xmlns:mc="http://schemas.openxmlformats.org/markup-compatibility/2006" xmlns:p14="http://schemas.microsoft.com/office/powerpoint/2010/main">
+    <mc:Choice Requires="p14">
+      <p:transition p14:dur="0"/>
+    </mc:Choice>
+    <mc:Fallback xmlns="">
+      <p:transition/>
+    </mc:Fallback>
+  </mc:AlternateContent>
+  <p:timing>
+    <p:tnLst>
+      <p:par>
+        <p:cTn id="1" dur="indefinite" restart="never" nodeType="tmRoot"/>
+      </p:par>
+    </p:tnLst>
+  </p:timing>
+</p:sld>
+</file>
+
+<file path=ppt/slides/slide25.xml><?xml version="1.0" encoding="utf-8"?>
+<p:sld xmlns:a="http://schemas.openxmlformats.org/drawingml/2006/main" xmlns:r="http://schemas.openxmlformats.org/officeDocument/2006/relationships" xmlns:p="http://schemas.openxmlformats.org/presentationml/2006/main">
+  <p:cSld>
+    <p:spTree>
+      <p:nvGrpSpPr>
+        <p:cNvPr id="1" name=""/>
+        <p:cNvGrpSpPr/>
+        <p:nvPr/>
+      </p:nvGrpSpPr>
+      <p:grpSpPr>
+        <a:xfrm>
+          <a:off x="0" y="0"/>
+          <a:ext cx="0" cy="0"/>
+          <a:chOff x="0" y="0"/>
+          <a:chExt cx="0" cy="0"/>
+        </a:xfrm>
+      </p:grpSpPr>
+      <p:sp>
+        <p:nvSpPr>
+          <p:cNvPr id="2" name="Title 1"/>
+          <p:cNvSpPr>
+            <a:spLocks noGrp="1"/>
+          </p:cNvSpPr>
+          <p:nvPr>
+            <p:ph type="title"/>
+          </p:nvPr>
+        </p:nvSpPr>
+        <p:spPr/>
+        <p:txBody>
+          <a:bodyPr/>
+          <a:lstStyle/>
+          <a:p>
+            <a:r>
+              <a:rPr lang="en-US" dirty="0" smtClean="0"/>
+              <a:t>Script Flow </a:t>
+            </a:r>
+            <a:endParaRPr lang="en-US" dirty="0"/>
+          </a:p>
+        </p:txBody>
+      </p:sp>
+      <p:sp>
+        <p:nvSpPr>
+          <p:cNvPr id="3" name="Content Placeholder 2"/>
+          <p:cNvSpPr>
+            <a:spLocks noGrp="1"/>
+          </p:cNvSpPr>
+          <p:nvPr>
+            <p:ph idx="1"/>
+          </p:nvPr>
+        </p:nvSpPr>
+        <p:spPr/>
+        <p:txBody>
+          <a:bodyPr>
+            <a:normAutofit fontScale="55000" lnSpcReduction="20000"/>
+          </a:bodyPr>
+          <a:lstStyle/>
+          <a:p>
+            <a:r>
+              <a:rPr lang="en-US" dirty="0"/>
+              <a:t>-&gt;	Fetch_Broadridge.cmd</a:t>
+            </a:r>
+          </a:p>
+          <a:p>
+            <a:r>
+              <a:rPr lang="en-US" dirty="0"/>
+              <a:t>	--&gt; DateCheck.ps1</a:t>
+            </a:r>
+          </a:p>
+          <a:p>
+            <a:r>
+              <a:rPr lang="en-US" dirty="0"/>
+              <a:t>	--&gt; UNIXTIME.ps1</a:t>
+            </a:r>
+          </a:p>
+          <a:p>
+            <a:r>
+              <a:rPr lang="en-US" dirty="0"/>
+              <a:t>	--&gt; UNIXTIME_ConvertBack.ps1 (standalone non-dependency script)</a:t>
+            </a:r>
+          </a:p>
+          <a:p>
+            <a:r>
+              <a:rPr lang="en-US" dirty="0"/>
+              <a:t>		</a:t>
+            </a:r>
+          </a:p>
+          <a:p>
+            <a:r>
+              <a:rPr lang="en-US" dirty="0"/>
+              <a:t>-&gt;	SplitAndSort.cmd</a:t>
+            </a:r>
+          </a:p>
+          <a:p>
+            <a:r>
+              <a:rPr lang="en-US" dirty="0"/>
+              <a:t>	--&gt; SplitFile_565.ps1</a:t>
+            </a:r>
+          </a:p>
+          <a:p>
+            <a:r>
+              <a:rPr lang="en-US" dirty="0"/>
+              <a:t>	</a:t>
+            </a:r>
+          </a:p>
+          <a:p>
+            <a:r>
+              <a:rPr lang="en-US" dirty="0"/>
+              <a:t>-&gt; 	ExecBatch.cmd</a:t>
+            </a:r>
+          </a:p>
+          <a:p>
+            <a:r>
+              <a:rPr lang="en-US" dirty="0"/>
+              <a:t>	--&gt;	BATCHN or BATCHC</a:t>
+            </a:r>
+          </a:p>
+          <a:p>
+            <a:r>
+              <a:rPr lang="en-US" dirty="0"/>
+              <a:t>		---&gt; Convert_565.cmd</a:t>
+            </a:r>
+          </a:p>
+          <a:p>
+            <a:r>
+              <a:rPr lang="en-US" dirty="0"/>
+              <a:t>			----&gt; Convert_565.vbs</a:t>
+            </a:r>
+          </a:p>
+          <a:p>
+            <a:r>
+              <a:rPr lang="en-US" dirty="0"/>
+              <a:t>		---&gt; Upload_SFE.cmd</a:t>
+            </a:r>
+          </a:p>
+          <a:p>
+            <a:endParaRPr lang="en-US" dirty="0"/>
+          </a:p>
+          <a:p>
+            <a:r>
+              <a:rPr lang="en-US" dirty="0"/>
+              <a:t>-&gt;	SendMail.cmd</a:t>
+            </a:r>
+          </a:p>
+          <a:p>
+            <a:r>
+              <a:rPr lang="en-US" dirty="0"/>
+              <a:t>	--&gt;	BroadridgeEmail.vbs</a:t>
+            </a:r>
+          </a:p>
+        </p:txBody>
+      </p:sp>
+    </p:spTree>
+    <p:extLst>
+      <p:ext uri="{BB962C8B-B14F-4D97-AF65-F5344CB8AC3E}">
+        <p14:creationId xmlns:p14="http://schemas.microsoft.com/office/powerpoint/2010/main" val="362446980"/>
+      </p:ext>
+    </p:extLst>
+  </p:cSld>
+  <p:clrMapOvr>
+    <a:masterClrMapping/>
+  </p:clrMapOvr>
+  <mc:AlternateContent xmlns:mc="http://schemas.openxmlformats.org/markup-compatibility/2006" xmlns:p14="http://schemas.microsoft.com/office/powerpoint/2010/main">
+    <mc:Choice Requires="p14">
+      <p:transition p14:dur="0"/>
+    </mc:Choice>
+    <mc:Fallback xmlns="">
+      <p:transition/>
+    </mc:Fallback>
+  </mc:AlternateContent>
+  <p:timing>
+    <p:tnLst>
+      <p:par>
+        <p:cTn id="1" dur="indefinite" restart="never" nodeType="tmRoot"/>
+      </p:par>
+    </p:tnLst>
+  </p:timing>
+</p:sld>
+</file>
+
+<file path=ppt/slides/slide26.xml><?xml version="1.0" encoding="utf-8"?>
+<p:sld xmlns:a="http://schemas.openxmlformats.org/drawingml/2006/main" xmlns:r="http://schemas.openxmlformats.org/officeDocument/2006/relationships" xmlns:p="http://schemas.openxmlformats.org/presentationml/2006/main">
+  <p:cSld>
+    <p:spTree>
+      <p:nvGrpSpPr>
+        <p:cNvPr id="1" name=""/>
+        <p:cNvGrpSpPr/>
+        <p:nvPr/>
+      </p:nvGrpSpPr>
+      <p:grpSpPr>
+        <a:xfrm>
+          <a:off x="0" y="0"/>
+          <a:ext cx="0" cy="0"/>
+          <a:chOff x="0" y="0"/>
+          <a:chExt cx="0" cy="0"/>
+        </a:xfrm>
+      </p:grpSpPr>
+      <p:sp>
+        <p:nvSpPr>
+          <p:cNvPr id="2" name="Title 1"/>
+          <p:cNvSpPr>
+            <a:spLocks noGrp="1"/>
+          </p:cNvSpPr>
+          <p:nvPr>
+            <p:ph type="title"/>
+          </p:nvPr>
+        </p:nvSpPr>
         <p:spPr>
           <a:xfrm>
             <a:off x="1676400" y="274638"/>
@@ -9899,16 +11407,16 @@
           <a:lstStyle/>
           <a:p>
             <a:r>
-              <a:rPr lang="en-US" sz="3200" b="1" dirty="0" smtClean="0">
-                <a:effectLst>
-                  <a:outerShdw blurRad="50800" dist="38100" algn="l" rotWithShape="0">
-                    <a:prstClr val="black">
-                      <a:alpha val="40000"/>
-                    </a:prstClr>
-                  </a:outerShdw>
-                </a:effectLst>
-              </a:rPr>
-              <a:t>Undertaking the Effort</a:t>
+              <a:rPr lang="en-US" sz="3200" b="1" i="1" dirty="0">
+                <a:effectLst>
+                  <a:outerShdw blurRad="50800" dist="38100" algn="l" rotWithShape="0">
+                    <a:prstClr val="black">
+                      <a:alpha val="40000"/>
+                    </a:prstClr>
+                  </a:outerShdw>
+                </a:effectLst>
+              </a:rPr>
+              <a:t>Broadridge Automation Project</a:t>
             </a:r>
             <a:endParaRPr lang="en-US" sz="3200" b="1" dirty="0">
               <a:effectLst>
@@ -10224,7 +11732,31 @@
                   </a:outerShdw>
                 </a:effectLst>
               </a:rPr>
-              <a:t>We also streamlined the process of the scripts themselves in preparation for a new and refined Autosys job which will allow for PS to identify when/where the potential job fails, should it fail, this comes from the logging logic implemented into the script itself.</a:t>
+              <a:t>We also </a:t>
+            </a:r>
+            <a:r>
+              <a:rPr lang="en-US" sz="2400" dirty="0" smtClean="0">
+                <a:effectLst>
+                  <a:outerShdw blurRad="50800" dist="38100" algn="l" rotWithShape="0">
+                    <a:prstClr val="black">
+                      <a:alpha val="40000"/>
+                    </a:prstClr>
+                  </a:outerShdw>
+                </a:effectLst>
+              </a:rPr>
+              <a:t>streamlined </a:t>
+            </a:r>
+            <a:r>
+              <a:rPr lang="en-US" sz="2400" dirty="0">
+                <a:effectLst>
+                  <a:outerShdw blurRad="50800" dist="38100" algn="l" rotWithShape="0">
+                    <a:prstClr val="black">
+                      <a:alpha val="40000"/>
+                    </a:prstClr>
+                  </a:outerShdw>
+                </a:effectLst>
+              </a:rPr>
+              <a:t>the process of the scripts themselves in preparation for a new and refined Autosys job which will allow for PS to identify when/where the potential job fails, should it fail, this comes from the logging logic implemented into the script itself.</a:t>
             </a:r>
           </a:p>
           <a:p>
@@ -10292,320 +11824,7 @@
 </p:sld>
 </file>
 
-<file path=ppt/slides/slide22.xml><?xml version="1.0" encoding="utf-8"?>
-<p:sld xmlns:a="http://schemas.openxmlformats.org/drawingml/2006/main" xmlns:r="http://schemas.openxmlformats.org/officeDocument/2006/relationships" xmlns:p="http://schemas.openxmlformats.org/presentationml/2006/main">
-  <p:cSld>
-    <p:spTree>
-      <p:nvGrpSpPr>
-        <p:cNvPr id="1" name=""/>
-        <p:cNvGrpSpPr/>
-        <p:nvPr/>
-      </p:nvGrpSpPr>
-      <p:grpSpPr>
-        <a:xfrm>
-          <a:off x="0" y="0"/>
-          <a:ext cx="0" cy="0"/>
-          <a:chOff x="0" y="0"/>
-          <a:chExt cx="0" cy="0"/>
-        </a:xfrm>
-      </p:grpSpPr>
-      <p:pic>
-        <p:nvPicPr>
-          <p:cNvPr id="4" name="Picture 3"/>
-          <p:cNvPicPr>
-            <a:picLocks noChangeAspect="1"/>
-          </p:cNvPicPr>
-          <p:nvPr/>
-        </p:nvPicPr>
-        <p:blipFill>
-          <a:blip r:embed="rId2"/>
-          <a:stretch>
-            <a:fillRect/>
-          </a:stretch>
-        </p:blipFill>
-        <p:spPr>
-          <a:xfrm>
-            <a:off x="-1524000" y="869305"/>
-            <a:ext cx="9847072" cy="6490990"/>
-          </a:xfrm>
-          <a:prstGeom prst="rect">
-            <a:avLst/>
-          </a:prstGeom>
-        </p:spPr>
-      </p:pic>
-      <p:sp>
-        <p:nvSpPr>
-          <p:cNvPr id="6" name="TextBox 5"/>
-          <p:cNvSpPr txBox="1"/>
-          <p:nvPr/>
-        </p:nvSpPr>
-        <p:spPr>
-          <a:xfrm>
-            <a:off x="8458200" y="1371600"/>
-            <a:ext cx="3245440" cy="2031325"/>
-          </a:xfrm>
-          <a:prstGeom prst="rect">
-            <a:avLst/>
-          </a:prstGeom>
-          <a:noFill/>
-        </p:spPr>
-        <p:txBody>
-          <a:bodyPr wrap="none" rtlCol="0">
-            <a:spAutoFit/>
-          </a:bodyPr>
-          <a:lstStyle/>
-          <a:p>
-            <a:r>
-              <a:rPr lang="en-US" dirty="0" smtClean="0"/>
-              <a:t>This is the original file structure</a:t>
-            </a:r>
-          </a:p>
-          <a:p>
-            <a:r>
-              <a:rPr lang="en-US" dirty="0"/>
-              <a:t>f</a:t>
-            </a:r>
-            <a:r>
-              <a:rPr lang="en-US" dirty="0" smtClean="0"/>
-              <a:t>or the Broadridge script series,</a:t>
-            </a:r>
-            <a:br>
-              <a:rPr lang="en-US" dirty="0" smtClean="0"/>
-            </a:br>
-            <a:r>
-              <a:rPr lang="en-US" dirty="0" smtClean="0"/>
-              <a:t>which is still in use by Citi </a:t>
-            </a:r>
-            <a:r>
-              <a:rPr lang="en-US" smtClean="0"/>
-              <a:t>today</a:t>
-            </a:r>
-            <a:r>
-              <a:rPr lang="en-US" smtClean="0"/>
-              <a:t>.</a:t>
-            </a:r>
-          </a:p>
-          <a:p>
-            <a:endParaRPr lang="en-US" smtClean="0"/>
-          </a:p>
-          <a:p>
-            <a:r>
-              <a:rPr lang="en-US" smtClean="0"/>
-              <a:t>It largely relies on strictly Batch</a:t>
-            </a:r>
-            <a:br>
-              <a:rPr lang="en-US" smtClean="0"/>
-            </a:br>
-            <a:r>
-              <a:rPr lang="en-US" smtClean="0"/>
-              <a:t>and Visual Basic files to complete</a:t>
-            </a:r>
-            <a:br>
-              <a:rPr lang="en-US" smtClean="0"/>
-            </a:br>
-            <a:r>
-              <a:rPr lang="en-US" smtClean="0"/>
-              <a:t>the task given.</a:t>
-            </a:r>
-            <a:endParaRPr lang="en-US" dirty="0" smtClean="0"/>
-          </a:p>
-        </p:txBody>
-      </p:sp>
-    </p:spTree>
-    <p:extLst>
-      <p:ext uri="{BB962C8B-B14F-4D97-AF65-F5344CB8AC3E}">
-        <p14:creationId xmlns:p14="http://schemas.microsoft.com/office/powerpoint/2010/main" val="3098972617"/>
-      </p:ext>
-    </p:extLst>
-  </p:cSld>
-  <p:clrMapOvr>
-    <a:masterClrMapping/>
-  </p:clrMapOvr>
-  <mc:AlternateContent xmlns:mc="http://schemas.openxmlformats.org/markup-compatibility/2006" xmlns:p14="http://schemas.microsoft.com/office/powerpoint/2010/main">
-    <mc:Choice Requires="p14">
-      <p:transition p14:dur="0"/>
-    </mc:Choice>
-    <mc:Fallback xmlns="">
-      <p:transition/>
-    </mc:Fallback>
-  </mc:AlternateContent>
-  <p:timing>
-    <p:tnLst>
-      <p:par>
-        <p:cTn id="1" dur="indefinite" restart="never" nodeType="tmRoot"/>
-      </p:par>
-    </p:tnLst>
-  </p:timing>
-</p:sld>
-</file>
-
-<file path=ppt/slides/slide23.xml><?xml version="1.0" encoding="utf-8"?>
-<p:sld xmlns:a="http://schemas.openxmlformats.org/drawingml/2006/main" xmlns:r="http://schemas.openxmlformats.org/officeDocument/2006/relationships" xmlns:p="http://schemas.openxmlformats.org/presentationml/2006/main">
-  <p:cSld>
-    <p:spTree>
-      <p:nvGrpSpPr>
-        <p:cNvPr id="1" name=""/>
-        <p:cNvGrpSpPr/>
-        <p:nvPr/>
-      </p:nvGrpSpPr>
-      <p:grpSpPr>
-        <a:xfrm>
-          <a:off x="0" y="0"/>
-          <a:ext cx="0" cy="0"/>
-          <a:chOff x="0" y="0"/>
-          <a:chExt cx="0" cy="0"/>
-        </a:xfrm>
-      </p:grpSpPr>
-      <p:pic>
-        <p:nvPicPr>
-          <p:cNvPr id="4" name="Picture 3"/>
-          <p:cNvPicPr>
-            <a:picLocks noChangeAspect="1"/>
-          </p:cNvPicPr>
-          <p:nvPr/>
-        </p:nvPicPr>
-        <p:blipFill>
-          <a:blip r:embed="rId2">
-            <a:extLst>
-              <a:ext uri="{28A0092B-C50C-407E-A947-70E740481C1C}">
-                <a14:useLocalDpi xmlns:a14="http://schemas.microsoft.com/office/drawing/2010/main" val="0"/>
-              </a:ext>
-            </a:extLst>
-          </a:blip>
-          <a:stretch>
-            <a:fillRect/>
-          </a:stretch>
-        </p:blipFill>
-        <p:spPr>
-          <a:xfrm>
-            <a:off x="-1219200" y="1371600"/>
-            <a:ext cx="9542272" cy="6290071"/>
-          </a:xfrm>
-          <a:prstGeom prst="rect">
-            <a:avLst/>
-          </a:prstGeom>
-        </p:spPr>
-      </p:pic>
-      <p:sp>
-        <p:nvSpPr>
-          <p:cNvPr id="6" name="TextBox 5"/>
-          <p:cNvSpPr txBox="1"/>
-          <p:nvPr/>
-        </p:nvSpPr>
-        <p:spPr>
-          <a:xfrm>
-            <a:off x="8458201" y="1315283"/>
-            <a:ext cx="3505200" cy="4031873"/>
-          </a:xfrm>
-          <a:prstGeom prst="rect">
-            <a:avLst/>
-          </a:prstGeom>
-          <a:noFill/>
-        </p:spPr>
-        <p:txBody>
-          <a:bodyPr wrap="square" rtlCol="0">
-            <a:spAutoFit/>
-          </a:bodyPr>
-          <a:lstStyle/>
-          <a:p>
-            <a:r>
-              <a:rPr lang="en-US" sz="1600" dirty="0" smtClean="0"/>
-              <a:t>This is the new and improved</a:t>
-            </a:r>
-            <a:br>
-              <a:rPr lang="en-US" sz="1600" dirty="0" smtClean="0"/>
-            </a:br>
-            <a:r>
-              <a:rPr lang="en-US" sz="1600" dirty="0" smtClean="0"/>
-              <a:t>Broadridge script file structure,</a:t>
-            </a:r>
-            <a:br>
-              <a:rPr lang="en-US" sz="1600" dirty="0" smtClean="0"/>
-            </a:br>
-            <a:r>
-              <a:rPr lang="en-US" sz="1600" dirty="0" smtClean="0"/>
-              <a:t>as it currently stands (July 26, 2018).</a:t>
-            </a:r>
-            <a:br>
-              <a:rPr lang="en-US" sz="1600" dirty="0" smtClean="0"/>
-            </a:br>
-            <a:r>
-              <a:rPr lang="en-US" sz="1600" dirty="0" smtClean="0"/>
-              <a:t/>
-            </a:r>
-            <a:br>
-              <a:rPr lang="en-US" sz="1600" dirty="0" smtClean="0"/>
-            </a:br>
-            <a:r>
-              <a:rPr lang="en-US" sz="1600" dirty="0" smtClean="0"/>
-              <a:t>As you can see: It has been heavily</a:t>
-            </a:r>
-            <a:br>
-              <a:rPr lang="en-US" sz="1600" dirty="0" smtClean="0"/>
-            </a:br>
-            <a:r>
-              <a:rPr lang="en-US" sz="1600" dirty="0" smtClean="0"/>
-              <a:t>expanded to feature new file directories, such as lib (libraries), </a:t>
-            </a:r>
-            <a:r>
-              <a:rPr lang="en-US" sz="1600" dirty="0" err="1" smtClean="0"/>
-              <a:t>log_archive</a:t>
-            </a:r>
-            <a:r>
-              <a:rPr lang="en-US" sz="1600" dirty="0" smtClean="0"/>
-              <a:t> (logs) and </a:t>
-            </a:r>
-            <a:r>
-              <a:rPr lang="en-US" sz="1600" dirty="0" err="1" smtClean="0"/>
-              <a:t>tmp</a:t>
-            </a:r>
-            <a:r>
-              <a:rPr lang="en-US" sz="1600" dirty="0" smtClean="0"/>
-              <a:t> (temporary). It also features PowerShell files, such as DateCheck.ps1, SplitFile_565.ps1 (which has been converted from VBA), and the two UNIXTime.ps1 files.</a:t>
-            </a:r>
-            <a:endParaRPr lang="en-US" sz="1600" dirty="0"/>
-          </a:p>
-          <a:p>
-            <a:endParaRPr lang="en-US" sz="1600" smtClean="0"/>
-          </a:p>
-          <a:p>
-            <a:r>
-              <a:rPr lang="en-US" sz="1600" smtClean="0"/>
-              <a:t>The directory is more crowded, but the code has been simplified and improved to be more efficient.</a:t>
-            </a:r>
-            <a:endParaRPr lang="en-US" sz="1600" dirty="0" smtClean="0"/>
-          </a:p>
-        </p:txBody>
-      </p:sp>
-    </p:spTree>
-    <p:extLst>
-      <p:ext uri="{BB962C8B-B14F-4D97-AF65-F5344CB8AC3E}">
-        <p14:creationId xmlns:p14="http://schemas.microsoft.com/office/powerpoint/2010/main" val="4041542084"/>
-      </p:ext>
-    </p:extLst>
-  </p:cSld>
-  <p:clrMapOvr>
-    <a:masterClrMapping/>
-  </p:clrMapOvr>
-  <mc:AlternateContent xmlns:mc="http://schemas.openxmlformats.org/markup-compatibility/2006" xmlns:p14="http://schemas.microsoft.com/office/powerpoint/2010/main">
-    <mc:Choice Requires="p14">
-      <p:transition p14:dur="0"/>
-    </mc:Choice>
-    <mc:Fallback xmlns="">
-      <p:transition/>
-    </mc:Fallback>
-  </mc:AlternateContent>
-  <p:timing>
-    <p:tnLst>
-      <p:par>
-        <p:cTn id="1" dur="indefinite" restart="never" nodeType="tmRoot"/>
-      </p:par>
-    </p:tnLst>
-  </p:timing>
-</p:sld>
-</file>
-
-<file path=ppt/slides/slide24.xml><?xml version="1.0" encoding="utf-8"?>
+<file path=ppt/slides/slide27.xml><?xml version="1.0" encoding="utf-8"?>
 <p:sld xmlns:a="http://schemas.openxmlformats.org/drawingml/2006/main" xmlns:r="http://schemas.openxmlformats.org/officeDocument/2006/relationships" xmlns:p="http://schemas.openxmlformats.org/presentationml/2006/main">
   <p:cSld>
     <p:spTree>
@@ -10668,16 +11887,40 @@
           <a:lstStyle/>
           <a:p>
             <a:r>
-              <a:rPr lang="en-US" dirty="0"/>
+              <a:rPr lang="en-US" dirty="0">
+                <a:effectLst>
+                  <a:outerShdw blurRad="50800" dist="38100" algn="l" rotWithShape="0">
+                    <a:prstClr val="black">
+                      <a:alpha val="40000"/>
+                    </a:prstClr>
+                  </a:outerShdw>
+                </a:effectLst>
+              </a:rPr>
               <a:t>Fetch_Broadridge.cmd</a:t>
             </a:r>
           </a:p>
           <a:p>
-            <a:endParaRPr lang="en-US" dirty="0"/>
-          </a:p>
-          <a:p>
-            <a:r>
-              <a:rPr lang="en-US" dirty="0"/>
+            <a:endParaRPr lang="en-US" dirty="0">
+              <a:effectLst>
+                <a:outerShdw blurRad="50800" dist="38100" algn="l" rotWithShape="0">
+                  <a:prstClr val="black">
+                    <a:alpha val="40000"/>
+                  </a:prstClr>
+                </a:outerShdw>
+              </a:effectLst>
+            </a:endParaRPr>
+          </a:p>
+          <a:p>
+            <a:r>
+              <a:rPr lang="en-US" dirty="0">
+                <a:effectLst>
+                  <a:outerShdw blurRad="50800" dist="38100" algn="l" rotWithShape="0">
+                    <a:prstClr val="black">
+                      <a:alpha val="40000"/>
+                    </a:prstClr>
+                  </a:outerShdw>
+                </a:effectLst>
+              </a:rPr>
               <a:t>The “core” of the script</a:t>
             </a:r>
           </a:p>
@@ -10711,7 +11954,7 @@
 </p:sld>
 </file>
 
-<file path=ppt/slides/slide25.xml><?xml version="1.0" encoding="utf-8"?>
+<file path=ppt/slides/slide28.xml><?xml version="1.0" encoding="utf-8"?>
 <p:sld xmlns:a="http://schemas.openxmlformats.org/drawingml/2006/main" xmlns:r="http://schemas.openxmlformats.org/officeDocument/2006/relationships" xmlns:p="http://schemas.openxmlformats.org/presentationml/2006/main">
   <p:cSld>
     <p:spTree>
@@ -11006,7 +12249,7 @@
 </p:sld>
 </file>
 
-<file path=ppt/slides/slide26.xml><?xml version="1.0" encoding="utf-8"?>
+<file path=ppt/slides/slide29.xml><?xml version="1.0" encoding="utf-8"?>
 <p:sld xmlns:a="http://schemas.openxmlformats.org/drawingml/2006/main" xmlns:r="http://schemas.openxmlformats.org/officeDocument/2006/relationships" xmlns:p="http://schemas.openxmlformats.org/presentationml/2006/main">
   <p:cSld>
     <p:spTree>
@@ -11092,19 +12335,43 @@
           <a:lstStyle/>
           <a:p>
             <a:r>
-              <a:rPr lang="en-US" dirty="0"/>
+              <a:rPr lang="en-US" dirty="0">
+                <a:effectLst>
+                  <a:outerShdw blurRad="50800" dist="38100" algn="l" rotWithShape="0">
+                    <a:prstClr val="black">
+                      <a:alpha val="40000"/>
+                    </a:prstClr>
+                  </a:outerShdw>
+                </a:effectLst>
+              </a:rPr>
               <a:t>UNIXTIME.ps1</a:t>
             </a:r>
           </a:p>
           <a:p>
             <a:r>
-              <a:rPr lang="en-US" dirty="0"/>
+              <a:rPr lang="en-US" dirty="0">
+                <a:effectLst>
+                  <a:outerShdw blurRad="50800" dist="38100" algn="l" rotWithShape="0">
+                    <a:prstClr val="black">
+                      <a:alpha val="40000"/>
+                    </a:prstClr>
+                  </a:outerShdw>
+                </a:effectLst>
+              </a:rPr>
               <a:t>Generates UNIX timecode</a:t>
             </a:r>
           </a:p>
           <a:p>
             <a:r>
-              <a:rPr lang="en-US" dirty="0"/>
+              <a:rPr lang="en-US" dirty="0">
+                <a:effectLst>
+                  <a:outerShdw blurRad="50800" dist="38100" algn="l" rotWithShape="0">
+                    <a:prstClr val="black">
+                      <a:alpha val="40000"/>
+                    </a:prstClr>
+                  </a:outerShdw>
+                </a:effectLst>
+              </a:rPr>
               <a:t>Based on current seconds time</a:t>
             </a:r>
           </a:p>
@@ -11133,20 +12400,52 @@
           <a:lstStyle/>
           <a:p>
             <a:r>
-              <a:rPr lang="en-US" dirty="0"/>
+              <a:rPr lang="en-US" dirty="0">
+                <a:effectLst>
+                  <a:outerShdw blurRad="50800" dist="38100" algn="l" rotWithShape="0">
+                    <a:prstClr val="black">
+                      <a:alpha val="40000"/>
+                    </a:prstClr>
+                  </a:outerShdw>
+                </a:effectLst>
+              </a:rPr>
               <a:t>UNIXTIME_ConvertBack.ps1</a:t>
             </a:r>
           </a:p>
           <a:p>
             <a:r>
-              <a:rPr lang="en-US" dirty="0"/>
+              <a:rPr lang="en-US" dirty="0">
+                <a:effectLst>
+                  <a:outerShdw blurRad="50800" dist="38100" algn="l" rotWithShape="0">
+                    <a:prstClr val="black">
+                      <a:alpha val="40000"/>
+                    </a:prstClr>
+                  </a:outerShdw>
+                </a:effectLst>
+              </a:rPr>
               <a:t>Takes UNIX Timecode from file or</a:t>
             </a:r>
             <a:br>
-              <a:rPr lang="en-US" dirty="0"/>
+              <a:rPr lang="en-US" dirty="0">
+                <a:effectLst>
+                  <a:outerShdw blurRad="50800" dist="38100" algn="l" rotWithShape="0">
+                    <a:prstClr val="black">
+                      <a:alpha val="40000"/>
+                    </a:prstClr>
+                  </a:outerShdw>
+                </a:effectLst>
+              </a:rPr>
             </a:br>
             <a:r>
-              <a:rPr lang="en-US" dirty="0"/>
+              <a:rPr lang="en-US" dirty="0">
+                <a:effectLst>
+                  <a:outerShdw blurRad="50800" dist="38100" algn="l" rotWithShape="0">
+                    <a:prstClr val="black">
+                      <a:alpha val="40000"/>
+                    </a:prstClr>
+                  </a:outerShdw>
+                </a:effectLst>
+              </a:rPr>
               <a:t>string, and converts it to current time.</a:t>
             </a:r>
           </a:p>
@@ -11156,644 +12455,6 @@
     <p:extLst>
       <p:ext uri="{BB962C8B-B14F-4D97-AF65-F5344CB8AC3E}">
         <p14:creationId xmlns:p14="http://schemas.microsoft.com/office/powerpoint/2010/main" val="2981390759"/>
-      </p:ext>
-    </p:extLst>
-  </p:cSld>
-  <p:clrMapOvr>
-    <a:masterClrMapping/>
-  </p:clrMapOvr>
-  <mc:AlternateContent xmlns:mc="http://schemas.openxmlformats.org/markup-compatibility/2006" xmlns:p14="http://schemas.microsoft.com/office/powerpoint/2010/main">
-    <mc:Choice Requires="p14">
-      <p:transition p14:dur="0"/>
-    </mc:Choice>
-    <mc:Fallback xmlns="">
-      <p:transition/>
-    </mc:Fallback>
-  </mc:AlternateContent>
-  <p:timing>
-    <p:tnLst>
-      <p:par>
-        <p:cTn id="1" dur="indefinite" restart="never" nodeType="tmRoot"/>
-      </p:par>
-    </p:tnLst>
-  </p:timing>
-</p:sld>
-</file>
-
-<file path=ppt/slides/slide27.xml><?xml version="1.0" encoding="utf-8"?>
-<p:sld xmlns:a="http://schemas.openxmlformats.org/drawingml/2006/main" xmlns:r="http://schemas.openxmlformats.org/officeDocument/2006/relationships" xmlns:p="http://schemas.openxmlformats.org/presentationml/2006/main">
-  <p:cSld>
-    <p:spTree>
-      <p:nvGrpSpPr>
-        <p:cNvPr id="1" name=""/>
-        <p:cNvGrpSpPr/>
-        <p:nvPr/>
-      </p:nvGrpSpPr>
-      <p:grpSpPr>
-        <a:xfrm>
-          <a:off x="0" y="0"/>
-          <a:ext cx="0" cy="0"/>
-          <a:chOff x="0" y="0"/>
-          <a:chExt cx="0" cy="0"/>
-        </a:xfrm>
-      </p:grpSpPr>
-      <p:sp>
-        <p:nvSpPr>
-          <p:cNvPr id="2" name="Slide Number Placeholder 1"/>
-          <p:cNvSpPr>
-            <a:spLocks noGrp="1"/>
-          </p:cNvSpPr>
-          <p:nvPr>
-            <p:ph type="sldNum" sz="quarter" idx="12"/>
-          </p:nvPr>
-        </p:nvSpPr>
-        <p:spPr/>
-        <p:txBody>
-          <a:bodyPr/>
-          <a:lstStyle/>
-          <a:p>
-            <a:fld id="{C1CC553C-5B67-447A-B4EF-CE3B9FBB9303}" type="slidenum">
-              <a:rPr lang="en-US" smtClean="0"/>
-              <a:t>27</a:t>
-            </a:fld>
-            <a:endParaRPr lang="en-US" dirty="0"/>
-          </a:p>
-        </p:txBody>
-      </p:sp>
-      <p:pic>
-        <p:nvPicPr>
-          <p:cNvPr id="3" name="Picture 2"/>
-          <p:cNvPicPr>
-            <a:picLocks noChangeAspect="1"/>
-          </p:cNvPicPr>
-          <p:nvPr/>
-        </p:nvPicPr>
-        <p:blipFill rotWithShape="1">
-          <a:blip r:embed="rId3"/>
-          <a:srcRect l="20175" t="7691" r="20078" b="40001"/>
-          <a:stretch/>
-        </p:blipFill>
-        <p:spPr>
-          <a:xfrm>
-            <a:off x="457200" y="838200"/>
-            <a:ext cx="5867401" cy="5181600"/>
-          </a:xfrm>
-          <a:prstGeom prst="rect">
-            <a:avLst/>
-          </a:prstGeom>
-        </p:spPr>
-      </p:pic>
-      <p:sp>
-        <p:nvSpPr>
-          <p:cNvPr id="4" name="TextBox 3"/>
-          <p:cNvSpPr txBox="1"/>
-          <p:nvPr/>
-        </p:nvSpPr>
-        <p:spPr>
-          <a:xfrm>
-            <a:off x="6553200" y="3105835"/>
-            <a:ext cx="3866315" cy="646331"/>
-          </a:xfrm>
-          <a:prstGeom prst="rect">
-            <a:avLst/>
-          </a:prstGeom>
-          <a:noFill/>
-        </p:spPr>
-        <p:txBody>
-          <a:bodyPr wrap="none" rtlCol="0">
-            <a:spAutoFit/>
-          </a:bodyPr>
-          <a:lstStyle/>
-          <a:p>
-            <a:r>
-              <a:rPr lang="en-US" dirty="0" smtClean="0"/>
-              <a:t>DateTime.ps1</a:t>
-            </a:r>
-            <a:endParaRPr lang="en-US" dirty="0"/>
-          </a:p>
-          <a:p>
-            <a:r>
-              <a:rPr lang="en-US" dirty="0" smtClean="0"/>
-              <a:t>Checks sequential order and date/time.</a:t>
-            </a:r>
-            <a:endParaRPr lang="en-US" dirty="0"/>
-          </a:p>
-        </p:txBody>
-      </p:sp>
-    </p:spTree>
-    <p:extLst>
-      <p:ext uri="{BB962C8B-B14F-4D97-AF65-F5344CB8AC3E}">
-        <p14:creationId xmlns:p14="http://schemas.microsoft.com/office/powerpoint/2010/main" val="2550293438"/>
-      </p:ext>
-    </p:extLst>
-  </p:cSld>
-  <p:clrMapOvr>
-    <a:masterClrMapping/>
-  </p:clrMapOvr>
-  <mc:AlternateContent xmlns:mc="http://schemas.openxmlformats.org/markup-compatibility/2006" xmlns:p14="http://schemas.microsoft.com/office/powerpoint/2010/main">
-    <mc:Choice Requires="p14">
-      <p:transition p14:dur="0"/>
-    </mc:Choice>
-    <mc:Fallback xmlns="">
-      <p:transition/>
-    </mc:Fallback>
-  </mc:AlternateContent>
-  <p:timing>
-    <p:tnLst>
-      <p:par>
-        <p:cTn id="1" dur="indefinite" restart="never" nodeType="tmRoot"/>
-      </p:par>
-    </p:tnLst>
-  </p:timing>
-</p:sld>
-</file>
-
-<file path=ppt/slides/slide28.xml><?xml version="1.0" encoding="utf-8"?>
-<p:sld xmlns:a="http://schemas.openxmlformats.org/drawingml/2006/main" xmlns:r="http://schemas.openxmlformats.org/officeDocument/2006/relationships" xmlns:p="http://schemas.openxmlformats.org/presentationml/2006/main">
-  <p:cSld>
-    <p:spTree>
-      <p:nvGrpSpPr>
-        <p:cNvPr id="1" name=""/>
-        <p:cNvGrpSpPr/>
-        <p:nvPr/>
-      </p:nvGrpSpPr>
-      <p:grpSpPr>
-        <a:xfrm>
-          <a:off x="0" y="0"/>
-          <a:ext cx="0" cy="0"/>
-          <a:chOff x="0" y="0"/>
-          <a:chExt cx="0" cy="0"/>
-        </a:xfrm>
-      </p:grpSpPr>
-      <p:sp>
-        <p:nvSpPr>
-          <p:cNvPr id="3" name="Title 2"/>
-          <p:cNvSpPr>
-            <a:spLocks noGrp="1"/>
-          </p:cNvSpPr>
-          <p:nvPr>
-            <p:ph type="title"/>
-          </p:nvPr>
-        </p:nvSpPr>
-        <p:spPr/>
-        <p:txBody>
-          <a:bodyPr/>
-          <a:lstStyle/>
-          <a:p>
-            <a:r>
-              <a:rPr lang="en-US" b="1" smtClean="0">
-                <a:effectLst>
-                  <a:outerShdw blurRad="50800" dist="38100" algn="l" rotWithShape="0">
-                    <a:prstClr val="black">
-                      <a:alpha val="40000"/>
-                    </a:prstClr>
-                  </a:outerShdw>
-                </a:effectLst>
-              </a:rPr>
-              <a:t>Project </a:t>
-            </a:r>
-            <a:r>
-              <a:rPr lang="en-US" b="1" dirty="0">
-                <a:effectLst>
-                  <a:outerShdw blurRad="50800" dist="38100" algn="l" rotWithShape="0">
-                    <a:prstClr val="black">
-                      <a:alpha val="40000"/>
-                    </a:prstClr>
-                  </a:outerShdw>
-                </a:effectLst>
-              </a:rPr>
-              <a:t>(continued)</a:t>
-            </a:r>
-          </a:p>
-        </p:txBody>
-      </p:sp>
-      <p:sp>
-        <p:nvSpPr>
-          <p:cNvPr id="4" name="Content Placeholder 3"/>
-          <p:cNvSpPr>
-            <a:spLocks noGrp="1"/>
-          </p:cNvSpPr>
-          <p:nvPr>
-            <p:ph idx="1"/>
-          </p:nvPr>
-        </p:nvSpPr>
-        <p:spPr/>
-        <p:txBody>
-          <a:bodyPr/>
-          <a:lstStyle/>
-          <a:p>
-            <a:r>
-              <a:rPr lang="en-US" dirty="0">
-                <a:effectLst>
-                  <a:outerShdw blurRad="50800" dist="38100" algn="l" rotWithShape="0">
-                    <a:prstClr val="black">
-                      <a:alpha val="40000"/>
-                    </a:prstClr>
-                  </a:outerShdw>
-                </a:effectLst>
-              </a:rPr>
-              <a:t>Key Improvements</a:t>
-            </a:r>
-            <a:r>
-              <a:rPr lang="en-US">
-                <a:effectLst>
-                  <a:outerShdw blurRad="50800" dist="38100" algn="l" rotWithShape="0">
-                    <a:prstClr val="black">
-                      <a:alpha val="40000"/>
-                    </a:prstClr>
-                  </a:outerShdw>
-                </a:effectLst>
-              </a:rPr>
-              <a:t>	</a:t>
-            </a:r>
-            <a:endParaRPr lang="en-US" smtClean="0">
-              <a:effectLst>
-                <a:outerShdw blurRad="50800" dist="38100" algn="l" rotWithShape="0">
-                  <a:prstClr val="black">
-                    <a:alpha val="40000"/>
-                  </a:prstClr>
-                </a:outerShdw>
-              </a:effectLst>
-            </a:endParaRPr>
-          </a:p>
-          <a:p>
-            <a:pPr lvl="1"/>
-            <a:r>
-              <a:rPr lang="en-US" dirty="0" smtClean="0">
-                <a:effectLst>
-                  <a:outerShdw blurRad="50800" dist="38100" algn="l" rotWithShape="0">
-                    <a:prstClr val="black">
-                      <a:alpha val="40000"/>
-                    </a:prstClr>
-                  </a:outerShdw>
-                </a:effectLst>
-              </a:rPr>
-              <a:t>Partitioning</a:t>
-            </a:r>
-          </a:p>
-          <a:p>
-            <a:pPr lvl="1"/>
-            <a:r>
-              <a:rPr lang="en-US" dirty="0" smtClean="0">
-                <a:effectLst>
-                  <a:outerShdw blurRad="50800" dist="38100" algn="l" rotWithShape="0">
-                    <a:prstClr val="black">
-                      <a:alpha val="40000"/>
-                    </a:prstClr>
-                  </a:outerShdw>
-                </a:effectLst>
-              </a:rPr>
-              <a:t>Data logging</a:t>
-            </a:r>
-          </a:p>
-          <a:p>
-            <a:pPr lvl="1"/>
-            <a:r>
-              <a:rPr lang="en-US" dirty="0" smtClean="0">
-                <a:effectLst>
-                  <a:outerShdw blurRad="50800" dist="38100" algn="l" rotWithShape="0">
-                    <a:prstClr val="black">
-                      <a:alpha val="40000"/>
-                    </a:prstClr>
-                  </a:outerShdw>
-                </a:effectLst>
-              </a:rPr>
-              <a:t>Performance improvements</a:t>
-            </a:r>
-            <a:endParaRPr lang="en-US" dirty="0">
-              <a:effectLst>
-                <a:outerShdw blurRad="50800" dist="38100" algn="l" rotWithShape="0">
-                  <a:prstClr val="black">
-                    <a:alpha val="40000"/>
-                  </a:prstClr>
-                </a:outerShdw>
-              </a:effectLst>
-            </a:endParaRPr>
-          </a:p>
-        </p:txBody>
-      </p:sp>
-      <p:sp>
-        <p:nvSpPr>
-          <p:cNvPr id="2" name="Slide Number Placeholder 1"/>
-          <p:cNvSpPr>
-            <a:spLocks noGrp="1"/>
-          </p:cNvSpPr>
-          <p:nvPr>
-            <p:ph type="sldNum" sz="quarter" idx="12"/>
-          </p:nvPr>
-        </p:nvSpPr>
-        <p:spPr/>
-        <p:txBody>
-          <a:bodyPr/>
-          <a:lstStyle/>
-          <a:p>
-            <a:fld id="{C1CC553C-5B67-447A-B4EF-CE3B9FBB9303}" type="slidenum">
-              <a:rPr lang="en-US" smtClean="0"/>
-              <a:t>28</a:t>
-            </a:fld>
-            <a:endParaRPr lang="en-US" dirty="0"/>
-          </a:p>
-        </p:txBody>
-      </p:sp>
-    </p:spTree>
-    <p:extLst>
-      <p:ext uri="{BB962C8B-B14F-4D97-AF65-F5344CB8AC3E}">
-        <p14:creationId xmlns:p14="http://schemas.microsoft.com/office/powerpoint/2010/main" val="2377412802"/>
-      </p:ext>
-    </p:extLst>
-  </p:cSld>
-  <p:clrMapOvr>
-    <a:masterClrMapping/>
-  </p:clrMapOvr>
-  <mc:AlternateContent xmlns:mc="http://schemas.openxmlformats.org/markup-compatibility/2006" xmlns:p14="http://schemas.microsoft.com/office/powerpoint/2010/main">
-    <mc:Choice Requires="p14">
-      <p:transition p14:dur="0"/>
-    </mc:Choice>
-    <mc:Fallback xmlns="">
-      <p:transition/>
-    </mc:Fallback>
-  </mc:AlternateContent>
-  <p:timing>
-    <p:tnLst>
-      <p:par>
-        <p:cTn id="1" dur="indefinite" restart="never" nodeType="tmRoot"/>
-      </p:par>
-    </p:tnLst>
-  </p:timing>
-</p:sld>
-</file>
-
-<file path=ppt/slides/slide29.xml><?xml version="1.0" encoding="utf-8"?>
-<p:sld xmlns:a="http://schemas.openxmlformats.org/drawingml/2006/main" xmlns:r="http://schemas.openxmlformats.org/officeDocument/2006/relationships" xmlns:p="http://schemas.openxmlformats.org/presentationml/2006/main">
-  <p:cSld>
-    <p:spTree>
-      <p:nvGrpSpPr>
-        <p:cNvPr id="1" name=""/>
-        <p:cNvGrpSpPr/>
-        <p:nvPr/>
-      </p:nvGrpSpPr>
-      <p:grpSpPr>
-        <a:xfrm>
-          <a:off x="0" y="0"/>
-          <a:ext cx="0" cy="0"/>
-          <a:chOff x="0" y="0"/>
-          <a:chExt cx="0" cy="0"/>
-        </a:xfrm>
-      </p:grpSpPr>
-      <p:sp>
-        <p:nvSpPr>
-          <p:cNvPr id="2" name="Title 1"/>
-          <p:cNvSpPr>
-            <a:spLocks noGrp="1"/>
-          </p:cNvSpPr>
-          <p:nvPr>
-            <p:ph type="title"/>
-          </p:nvPr>
-        </p:nvSpPr>
-        <p:spPr/>
-        <p:txBody>
-          <a:bodyPr>
-            <a:noAutofit/>
-          </a:bodyPr>
-          <a:lstStyle/>
-          <a:p>
-            <a:r>
-              <a:rPr lang="en-US" sz="3600" b="1" dirty="0">
-                <a:effectLst>
-                  <a:outerShdw blurRad="50800" dist="38100" algn="l" rotWithShape="0">
-                    <a:prstClr val="black">
-                      <a:alpha val="40000"/>
-                    </a:prstClr>
-                  </a:outerShdw>
-                </a:effectLst>
-              </a:rPr>
-              <a:t>Analysis of Automation: Risks</a:t>
-            </a:r>
-          </a:p>
-        </p:txBody>
-      </p:sp>
-      <p:sp>
-        <p:nvSpPr>
-          <p:cNvPr id="3" name="Content Placeholder 2"/>
-          <p:cNvSpPr>
-            <a:spLocks noGrp="1"/>
-          </p:cNvSpPr>
-          <p:nvPr>
-            <p:ph idx="1"/>
-          </p:nvPr>
-        </p:nvSpPr>
-        <p:spPr>
-          <a:xfrm>
-            <a:off x="609600" y="1600201"/>
-            <a:ext cx="5334000" cy="4525963"/>
-          </a:xfrm>
-        </p:spPr>
-        <p:txBody>
-          <a:bodyPr>
-            <a:normAutofit lnSpcReduction="10000"/>
-          </a:bodyPr>
-          <a:lstStyle/>
-          <a:p>
-            <a:r>
-              <a:rPr lang="en-GB" dirty="0">
-                <a:effectLst>
-                  <a:outerShdw blurRad="50800" dist="38100" algn="l" rotWithShape="0">
-                    <a:prstClr val="black">
-                      <a:alpha val="40000"/>
-                    </a:prstClr>
-                  </a:outerShdw>
-                </a:effectLst>
-              </a:rPr>
-              <a:t>Flaws of automated labour</a:t>
-            </a:r>
-          </a:p>
-          <a:p>
-            <a:pPr lvl="1"/>
-            <a:r>
-              <a:rPr lang="en-GB" dirty="0" smtClean="0">
-                <a:effectLst>
-                  <a:outerShdw blurRad="50800" dist="38100" algn="l" rotWithShape="0">
-                    <a:prstClr val="black">
-                      <a:alpha val="40000"/>
-                    </a:prstClr>
-                  </a:outerShdw>
-                </a:effectLst>
-              </a:rPr>
-              <a:t>Potential </a:t>
-            </a:r>
-            <a:r>
-              <a:rPr lang="en-GB" dirty="0">
-                <a:effectLst>
-                  <a:outerShdw blurRad="50800" dist="38100" algn="l" rotWithShape="0">
-                    <a:prstClr val="black">
-                      <a:alpha val="40000"/>
-                    </a:prstClr>
-                  </a:outerShdw>
-                </a:effectLst>
-              </a:rPr>
-              <a:t>delay </a:t>
-            </a:r>
-            <a:r>
-              <a:rPr lang="en-GB" dirty="0" smtClean="0">
-                <a:effectLst>
-                  <a:outerShdw blurRad="50800" dist="38100" algn="l" rotWithShape="0">
-                    <a:prstClr val="black">
-                      <a:alpha val="40000"/>
-                    </a:prstClr>
-                  </a:outerShdw>
-                </a:effectLst>
-              </a:rPr>
-              <a:t>issues</a:t>
-            </a:r>
-          </a:p>
-          <a:p>
-            <a:pPr lvl="2"/>
-            <a:r>
-              <a:rPr lang="en-GB" dirty="0" smtClean="0">
-                <a:effectLst>
-                  <a:outerShdw blurRad="50800" dist="38100" algn="l" rotWithShape="0">
-                    <a:prstClr val="black">
-                      <a:alpha val="40000"/>
-                    </a:prstClr>
-                  </a:outerShdw>
-                </a:effectLst>
-              </a:rPr>
-              <a:t>Smaller human workforce could mean longer time to resolve unique situations</a:t>
-            </a:r>
-          </a:p>
-          <a:p>
-            <a:pPr lvl="1"/>
-            <a:r>
-              <a:rPr lang="en-GB" dirty="0" smtClean="0">
-                <a:effectLst>
-                  <a:outerShdw blurRad="50800" dist="38100" algn="l" rotWithShape="0">
-                    <a:prstClr val="black">
-                      <a:alpha val="40000"/>
-                    </a:prstClr>
-                  </a:outerShdw>
-                </a:effectLst>
-              </a:rPr>
-              <a:t>Ethical </a:t>
-            </a:r>
-            <a:r>
-              <a:rPr lang="en-GB" dirty="0">
-                <a:effectLst>
-                  <a:outerShdw blurRad="50800" dist="38100" algn="l" rotWithShape="0">
-                    <a:prstClr val="black">
-                      <a:alpha val="40000"/>
-                    </a:prstClr>
-                  </a:outerShdw>
-                </a:effectLst>
-              </a:rPr>
-              <a:t>impact on </a:t>
-            </a:r>
-            <a:r>
-              <a:rPr lang="en-GB" dirty="0" smtClean="0">
-                <a:effectLst>
-                  <a:outerShdw blurRad="50800" dist="38100" algn="l" rotWithShape="0">
-                    <a:prstClr val="black">
-                      <a:alpha val="40000"/>
-                    </a:prstClr>
-                  </a:outerShdw>
-                </a:effectLst>
-              </a:rPr>
-              <a:t>workers</a:t>
-            </a:r>
-            <a:endParaRPr lang="en-GB" dirty="0">
-              <a:effectLst>
-                <a:outerShdw blurRad="50800" dist="38100" algn="l" rotWithShape="0">
-                  <a:prstClr val="black">
-                    <a:alpha val="40000"/>
-                  </a:prstClr>
-                </a:outerShdw>
-              </a:effectLst>
-            </a:endParaRPr>
-          </a:p>
-          <a:p>
-            <a:pPr lvl="1"/>
-            <a:r>
-              <a:rPr lang="en-GB" dirty="0">
-                <a:effectLst>
-                  <a:outerShdw blurRad="50800" dist="38100" algn="l" rotWithShape="0">
-                    <a:prstClr val="black">
-                      <a:alpha val="40000"/>
-                    </a:prstClr>
-                  </a:outerShdw>
-                </a:effectLst>
-              </a:rPr>
-              <a:t>Workforce obsolescence</a:t>
-            </a:r>
-          </a:p>
-          <a:p>
-            <a:pPr lvl="2"/>
-            <a:r>
-              <a:rPr lang="en-GB" dirty="0" smtClean="0">
-                <a:effectLst>
-                  <a:outerShdw blurRad="50800" dist="38100" algn="l" rotWithShape="0">
-                    <a:prstClr val="black">
-                      <a:alpha val="40000"/>
-                    </a:prstClr>
-                  </a:outerShdw>
-                </a:effectLst>
-              </a:rPr>
-              <a:t>PR impact in-waiting: CNBC </a:t>
-            </a:r>
-            <a:r>
-              <a:rPr lang="en-GB" dirty="0">
-                <a:effectLst>
-                  <a:outerShdw blurRad="50800" dist="38100" algn="l" rotWithShape="0">
-                    <a:prstClr val="black">
-                      <a:alpha val="40000"/>
-                    </a:prstClr>
-                  </a:outerShdw>
-                </a:effectLst>
-              </a:rPr>
-              <a:t>and Reuters reported on potential employment shrink for Citigroup on June 12, 2018.</a:t>
-            </a:r>
-          </a:p>
-          <a:p>
-            <a:pPr marL="0" indent="0">
-              <a:buNone/>
-            </a:pPr>
-            <a:endParaRPr lang="en-US" dirty="0">
-              <a:effectLst>
-                <a:outerShdw blurRad="50800" dist="38100" algn="l" rotWithShape="0">
-                  <a:prstClr val="black">
-                    <a:alpha val="40000"/>
-                  </a:prstClr>
-                </a:outerShdw>
-              </a:effectLst>
-            </a:endParaRPr>
-          </a:p>
-        </p:txBody>
-      </p:sp>
-      <p:pic>
-        <p:nvPicPr>
-          <p:cNvPr id="4" name="Picture 3"/>
-          <p:cNvPicPr>
-            <a:picLocks noChangeAspect="1"/>
-          </p:cNvPicPr>
-          <p:nvPr/>
-        </p:nvPicPr>
-        <p:blipFill rotWithShape="1">
-          <a:blip r:embed="rId3"/>
-          <a:srcRect r="36923" b="41775"/>
-          <a:stretch/>
-        </p:blipFill>
-        <p:spPr>
-          <a:xfrm>
-            <a:off x="6248400" y="1219200"/>
-            <a:ext cx="5562600" cy="5562600"/>
-          </a:xfrm>
-          <a:prstGeom prst="rect">
-            <a:avLst/>
-          </a:prstGeom>
-        </p:spPr>
-      </p:pic>
-    </p:spTree>
-    <p:extLst>
-      <p:ext uri="{BB962C8B-B14F-4D97-AF65-F5344CB8AC3E}">
-        <p14:creationId xmlns:p14="http://schemas.microsoft.com/office/powerpoint/2010/main" val="392859929"/>
       </p:ext>
     </p:extLst>
   </p:cSld>
@@ -12163,54 +12824,73 @@
       </p:grpSpPr>
       <p:sp>
         <p:nvSpPr>
-          <p:cNvPr id="2" name="Title 1"/>
-          <p:cNvSpPr>
-            <a:spLocks noGrp="1"/>
-          </p:cNvSpPr>
-          <p:nvPr>
-            <p:ph type="title"/>
+          <p:cNvPr id="2" name="Slide Number Placeholder 1"/>
+          <p:cNvSpPr>
+            <a:spLocks noGrp="1"/>
+          </p:cNvSpPr>
+          <p:nvPr>
+            <p:ph type="sldNum" sz="quarter" idx="12"/>
           </p:nvPr>
         </p:nvSpPr>
         <p:spPr/>
         <p:txBody>
-          <a:bodyPr>
-            <a:noAutofit/>
+          <a:bodyPr/>
+          <a:lstStyle/>
+          <a:p>
+            <a:fld id="{C1CC553C-5B67-447A-B4EF-CE3B9FBB9303}" type="slidenum">
+              <a:rPr lang="en-US" smtClean="0"/>
+              <a:t>30</a:t>
+            </a:fld>
+            <a:endParaRPr lang="en-US" dirty="0"/>
+          </a:p>
+        </p:txBody>
+      </p:sp>
+      <p:pic>
+        <p:nvPicPr>
+          <p:cNvPr id="3" name="Picture 2"/>
+          <p:cNvPicPr>
+            <a:picLocks noChangeAspect="1"/>
+          </p:cNvPicPr>
+          <p:nvPr/>
+        </p:nvPicPr>
+        <p:blipFill rotWithShape="1">
+          <a:blip r:embed="rId3"/>
+          <a:srcRect l="20175" t="7691" r="20078" b="40001"/>
+          <a:stretch/>
+        </p:blipFill>
+        <p:spPr>
+          <a:xfrm>
+            <a:off x="457200" y="838200"/>
+            <a:ext cx="5867401" cy="5181600"/>
+          </a:xfrm>
+          <a:prstGeom prst="rect">
+            <a:avLst/>
+          </a:prstGeom>
+        </p:spPr>
+      </p:pic>
+      <p:sp>
+        <p:nvSpPr>
+          <p:cNvPr id="4" name="TextBox 3"/>
+          <p:cNvSpPr txBox="1"/>
+          <p:nvPr/>
+        </p:nvSpPr>
+        <p:spPr>
+          <a:xfrm>
+            <a:off x="6553200" y="3105835"/>
+            <a:ext cx="3866315" cy="646331"/>
+          </a:xfrm>
+          <a:prstGeom prst="rect">
+            <a:avLst/>
+          </a:prstGeom>
+          <a:noFill/>
+        </p:spPr>
+        <p:txBody>
+          <a:bodyPr wrap="none" rtlCol="0">
+            <a:spAutoFit/>
           </a:bodyPr>
           <a:lstStyle/>
           <a:p>
             <a:r>
-              <a:rPr lang="en-US" sz="3600" b="1" dirty="0">
-                <a:effectLst>
-                  <a:outerShdw blurRad="50800" dist="38100" algn="l" rotWithShape="0">
-                    <a:prstClr val="black">
-                      <a:alpha val="40000"/>
-                    </a:prstClr>
-                  </a:outerShdw>
-                </a:effectLst>
-              </a:rPr>
-              <a:t>Analysis of Automation: Rewards</a:t>
-            </a:r>
-          </a:p>
-        </p:txBody>
-      </p:sp>
-      <p:sp>
-        <p:nvSpPr>
-          <p:cNvPr id="3" name="Content Placeholder 2"/>
-          <p:cNvSpPr>
-            <a:spLocks noGrp="1"/>
-          </p:cNvSpPr>
-          <p:nvPr>
-            <p:ph idx="1"/>
-          </p:nvPr>
-        </p:nvSpPr>
-        <p:spPr/>
-        <p:txBody>
-          <a:bodyPr>
-            <a:normAutofit/>
-          </a:bodyPr>
-          <a:lstStyle/>
-          <a:p>
-            <a:r>
               <a:rPr lang="en-US" dirty="0" smtClean="0">
                 <a:effectLst>
                   <a:outerShdw blurRad="50800" dist="38100" algn="l" rotWithShape="0">
@@ -12220,83 +12900,7 @@
                   </a:outerShdw>
                 </a:effectLst>
               </a:rPr>
-              <a:t>Automation is a treasure trove of potential for innovation as we move through the 21</a:t>
-            </a:r>
-            <a:r>
-              <a:rPr lang="en-US" baseline="30000" dirty="0" smtClean="0">
-                <a:effectLst>
-                  <a:outerShdw blurRad="50800" dist="38100" algn="l" rotWithShape="0">
-                    <a:prstClr val="black">
-                      <a:alpha val="40000"/>
-                    </a:prstClr>
-                  </a:outerShdw>
-                </a:effectLst>
-              </a:rPr>
-              <a:t>st</a:t>
-            </a:r>
-            <a:r>
-              <a:rPr lang="en-US" dirty="0" smtClean="0">
-                <a:effectLst>
-                  <a:outerShdw blurRad="50800" dist="38100" algn="l" rotWithShape="0">
-                    <a:prstClr val="black">
-                      <a:alpha val="40000"/>
-                    </a:prstClr>
-                  </a:outerShdw>
-                </a:effectLst>
-              </a:rPr>
-              <a:t> century.</a:t>
-            </a:r>
-          </a:p>
-          <a:p>
-            <a:r>
-              <a:rPr lang="en-US" dirty="0" smtClean="0">
-                <a:effectLst>
-                  <a:outerShdw blurRad="50800" dist="38100" algn="l" rotWithShape="0">
-                    <a:prstClr val="black">
-                      <a:alpha val="40000"/>
-                    </a:prstClr>
-                  </a:outerShdw>
-                </a:effectLst>
-              </a:rPr>
-              <a:t>Building a company capable of providing top-tier experiences for our clients and partners across the globe, as well as building competent ‘22</a:t>
-            </a:r>
-            <a:r>
-              <a:rPr lang="en-US" baseline="30000" dirty="0" smtClean="0">
-                <a:effectLst>
-                  <a:outerShdw blurRad="50800" dist="38100" algn="l" rotWithShape="0">
-                    <a:prstClr val="black">
-                      <a:alpha val="40000"/>
-                    </a:prstClr>
-                  </a:outerShdw>
-                </a:effectLst>
-              </a:rPr>
-              <a:t>nd</a:t>
-            </a:r>
-            <a:r>
-              <a:rPr lang="en-US" dirty="0" smtClean="0">
-                <a:effectLst>
-                  <a:outerShdw blurRad="50800" dist="38100" algn="l" rotWithShape="0">
-                    <a:prstClr val="black">
-                      <a:alpha val="40000"/>
-                    </a:prstClr>
-                  </a:outerShdw>
-                </a:effectLst>
-              </a:rPr>
-              <a:t> century jobs’.</a:t>
-            </a:r>
-          </a:p>
-          <a:p>
-            <a:r>
-              <a:rPr lang="en-US" dirty="0" smtClean="0">
-                <a:effectLst>
-                  <a:outerShdw blurRad="50800" dist="38100" algn="l" rotWithShape="0">
-                    <a:prstClr val="black">
-                      <a:alpha val="40000"/>
-                    </a:prstClr>
-                  </a:outerShdw>
-                </a:effectLst>
-              </a:rPr>
-              <a:t>Automation will be the arbiter of such a modern view, as it will allow for revolutionary changes in the way we work.</a:t>
+              <a:t>DateTime.ps1</a:t>
             </a:r>
             <a:endParaRPr lang="en-US" dirty="0">
               <a:effectLst>
@@ -12308,12 +12912,35 @@
               </a:effectLst>
             </a:endParaRPr>
           </a:p>
+          <a:p>
+            <a:r>
+              <a:rPr lang="en-US" dirty="0" smtClean="0">
+                <a:effectLst>
+                  <a:outerShdw blurRad="50800" dist="38100" algn="l" rotWithShape="0">
+                    <a:prstClr val="black">
+                      <a:alpha val="40000"/>
+                    </a:prstClr>
+                  </a:outerShdw>
+                </a:effectLst>
+              </a:rPr>
+              <a:t>Checks sequential order and date/time.</a:t>
+            </a:r>
+            <a:endParaRPr lang="en-US" dirty="0">
+              <a:effectLst>
+                <a:outerShdw blurRad="50800" dist="38100" algn="l" rotWithShape="0">
+                  <a:prstClr val="black">
+                    <a:alpha val="40000"/>
+                  </a:prstClr>
+                </a:outerShdw>
+              </a:effectLst>
+            </a:endParaRPr>
+          </a:p>
         </p:txBody>
       </p:sp>
     </p:spTree>
     <p:extLst>
       <p:ext uri="{BB962C8B-B14F-4D97-AF65-F5344CB8AC3E}">
-        <p14:creationId xmlns:p14="http://schemas.microsoft.com/office/powerpoint/2010/main" val="2192532858"/>
+        <p14:creationId xmlns:p14="http://schemas.microsoft.com/office/powerpoint/2010/main" val="2550293438"/>
       </p:ext>
     </p:extLst>
   </p:cSld>
@@ -12357,6 +12984,687 @@
       </p:grpSpPr>
       <p:sp>
         <p:nvSpPr>
+          <p:cNvPr id="3" name="Title 2"/>
+          <p:cNvSpPr>
+            <a:spLocks noGrp="1"/>
+          </p:cNvSpPr>
+          <p:nvPr>
+            <p:ph type="title"/>
+          </p:nvPr>
+        </p:nvSpPr>
+        <p:spPr/>
+        <p:txBody>
+          <a:bodyPr/>
+          <a:lstStyle/>
+          <a:p>
+            <a:r>
+              <a:rPr lang="en-US" b="1" i="1" dirty="0"/>
+              <a:t>Broadridge Automation Project</a:t>
+            </a:r>
+            <a:endParaRPr lang="en-US" b="1" dirty="0">
+              <a:effectLst>
+                <a:outerShdw blurRad="50800" dist="38100" algn="l" rotWithShape="0">
+                  <a:prstClr val="black">
+                    <a:alpha val="40000"/>
+                  </a:prstClr>
+                </a:outerShdw>
+              </a:effectLst>
+            </a:endParaRPr>
+          </a:p>
+        </p:txBody>
+      </p:sp>
+      <p:sp>
+        <p:nvSpPr>
+          <p:cNvPr id="4" name="Content Placeholder 3"/>
+          <p:cNvSpPr>
+            <a:spLocks noGrp="1"/>
+          </p:cNvSpPr>
+          <p:nvPr>
+            <p:ph idx="1"/>
+          </p:nvPr>
+        </p:nvSpPr>
+        <p:spPr/>
+        <p:txBody>
+          <a:bodyPr/>
+          <a:lstStyle/>
+          <a:p>
+            <a:r>
+              <a:rPr lang="en-US" dirty="0">
+                <a:effectLst>
+                  <a:outerShdw blurRad="50800" dist="38100" algn="l" rotWithShape="0">
+                    <a:prstClr val="black">
+                      <a:alpha val="40000"/>
+                    </a:prstClr>
+                  </a:outerShdw>
+                </a:effectLst>
+              </a:rPr>
+              <a:t>Key Improvements	</a:t>
+            </a:r>
+            <a:endParaRPr lang="en-US" dirty="0" smtClean="0">
+              <a:effectLst>
+                <a:outerShdw blurRad="50800" dist="38100" algn="l" rotWithShape="0">
+                  <a:prstClr val="black">
+                    <a:alpha val="40000"/>
+                  </a:prstClr>
+                </a:outerShdw>
+              </a:effectLst>
+            </a:endParaRPr>
+          </a:p>
+          <a:p>
+            <a:pPr lvl="1"/>
+            <a:r>
+              <a:rPr lang="en-US" dirty="0" smtClean="0">
+                <a:effectLst>
+                  <a:outerShdw blurRad="50800" dist="38100" algn="l" rotWithShape="0">
+                    <a:prstClr val="black">
+                      <a:alpha val="40000"/>
+                    </a:prstClr>
+                  </a:outerShdw>
+                </a:effectLst>
+              </a:rPr>
+              <a:t>Partitioning</a:t>
+            </a:r>
+          </a:p>
+          <a:p>
+            <a:pPr lvl="1"/>
+            <a:r>
+              <a:rPr lang="en-US" dirty="0" smtClean="0">
+                <a:effectLst>
+                  <a:outerShdw blurRad="50800" dist="38100" algn="l" rotWithShape="0">
+                    <a:prstClr val="black">
+                      <a:alpha val="40000"/>
+                    </a:prstClr>
+                  </a:outerShdw>
+                </a:effectLst>
+              </a:rPr>
+              <a:t>Data logging</a:t>
+            </a:r>
+          </a:p>
+          <a:p>
+            <a:pPr lvl="1"/>
+            <a:r>
+              <a:rPr lang="en-US" dirty="0" smtClean="0">
+                <a:effectLst>
+                  <a:outerShdw blurRad="50800" dist="38100" algn="l" rotWithShape="0">
+                    <a:prstClr val="black">
+                      <a:alpha val="40000"/>
+                    </a:prstClr>
+                  </a:outerShdw>
+                </a:effectLst>
+              </a:rPr>
+              <a:t>Performance improvements</a:t>
+            </a:r>
+            <a:endParaRPr lang="en-US" dirty="0">
+              <a:effectLst>
+                <a:outerShdw blurRad="50800" dist="38100" algn="l" rotWithShape="0">
+                  <a:prstClr val="black">
+                    <a:alpha val="40000"/>
+                  </a:prstClr>
+                </a:outerShdw>
+              </a:effectLst>
+            </a:endParaRPr>
+          </a:p>
+        </p:txBody>
+      </p:sp>
+      <p:sp>
+        <p:nvSpPr>
+          <p:cNvPr id="2" name="Slide Number Placeholder 1"/>
+          <p:cNvSpPr>
+            <a:spLocks noGrp="1"/>
+          </p:cNvSpPr>
+          <p:nvPr>
+            <p:ph type="sldNum" sz="quarter" idx="12"/>
+          </p:nvPr>
+        </p:nvSpPr>
+        <p:spPr/>
+        <p:txBody>
+          <a:bodyPr/>
+          <a:lstStyle/>
+          <a:p>
+            <a:fld id="{C1CC553C-5B67-447A-B4EF-CE3B9FBB9303}" type="slidenum">
+              <a:rPr lang="en-US" smtClean="0"/>
+              <a:t>31</a:t>
+            </a:fld>
+            <a:endParaRPr lang="en-US" dirty="0"/>
+          </a:p>
+        </p:txBody>
+      </p:sp>
+    </p:spTree>
+    <p:extLst>
+      <p:ext uri="{BB962C8B-B14F-4D97-AF65-F5344CB8AC3E}">
+        <p14:creationId xmlns:p14="http://schemas.microsoft.com/office/powerpoint/2010/main" val="2377412802"/>
+      </p:ext>
+    </p:extLst>
+  </p:cSld>
+  <p:clrMapOvr>
+    <a:masterClrMapping/>
+  </p:clrMapOvr>
+  <mc:AlternateContent xmlns:mc="http://schemas.openxmlformats.org/markup-compatibility/2006" xmlns:p14="http://schemas.microsoft.com/office/powerpoint/2010/main">
+    <mc:Choice Requires="p14">
+      <p:transition p14:dur="0"/>
+    </mc:Choice>
+    <mc:Fallback xmlns="">
+      <p:transition/>
+    </mc:Fallback>
+  </mc:AlternateContent>
+  <p:timing>
+    <p:tnLst>
+      <p:par>
+        <p:cTn id="1" dur="indefinite" restart="never" nodeType="tmRoot"/>
+      </p:par>
+    </p:tnLst>
+  </p:timing>
+</p:sld>
+</file>
+
+<file path=ppt/slides/slide32.xml><?xml version="1.0" encoding="utf-8"?>
+<p:sld xmlns:a="http://schemas.openxmlformats.org/drawingml/2006/main" xmlns:r="http://schemas.openxmlformats.org/officeDocument/2006/relationships" xmlns:p="http://schemas.openxmlformats.org/presentationml/2006/main">
+  <p:cSld>
+    <p:spTree>
+      <p:nvGrpSpPr>
+        <p:cNvPr id="1" name=""/>
+        <p:cNvGrpSpPr/>
+        <p:nvPr/>
+      </p:nvGrpSpPr>
+      <p:grpSpPr>
+        <a:xfrm>
+          <a:off x="0" y="0"/>
+          <a:ext cx="0" cy="0"/>
+          <a:chOff x="0" y="0"/>
+          <a:chExt cx="0" cy="0"/>
+        </a:xfrm>
+      </p:grpSpPr>
+      <p:sp>
+        <p:nvSpPr>
+          <p:cNvPr id="2" name="Title 1"/>
+          <p:cNvSpPr>
+            <a:spLocks noGrp="1"/>
+          </p:cNvSpPr>
+          <p:nvPr>
+            <p:ph type="title"/>
+          </p:nvPr>
+        </p:nvSpPr>
+        <p:spPr/>
+        <p:txBody>
+          <a:bodyPr>
+            <a:noAutofit/>
+          </a:bodyPr>
+          <a:lstStyle/>
+          <a:p>
+            <a:r>
+              <a:rPr lang="en-US" sz="3600" b="1" dirty="0">
+                <a:effectLst>
+                  <a:outerShdw blurRad="50800" dist="38100" algn="l" rotWithShape="0">
+                    <a:prstClr val="black">
+                      <a:alpha val="40000"/>
+                    </a:prstClr>
+                  </a:outerShdw>
+                </a:effectLst>
+              </a:rPr>
+              <a:t>Analysis of Automation: Risks</a:t>
+            </a:r>
+          </a:p>
+        </p:txBody>
+      </p:sp>
+      <p:sp>
+        <p:nvSpPr>
+          <p:cNvPr id="3" name="Content Placeholder 2"/>
+          <p:cNvSpPr>
+            <a:spLocks noGrp="1"/>
+          </p:cNvSpPr>
+          <p:nvPr>
+            <p:ph idx="1"/>
+          </p:nvPr>
+        </p:nvSpPr>
+        <p:spPr>
+          <a:xfrm>
+            <a:off x="609600" y="1600201"/>
+            <a:ext cx="5334000" cy="4525963"/>
+          </a:xfrm>
+        </p:spPr>
+        <p:txBody>
+          <a:bodyPr>
+            <a:normAutofit lnSpcReduction="10000"/>
+          </a:bodyPr>
+          <a:lstStyle/>
+          <a:p>
+            <a:r>
+              <a:rPr lang="en-GB" dirty="0">
+                <a:effectLst>
+                  <a:outerShdw blurRad="50800" dist="38100" algn="l" rotWithShape="0">
+                    <a:prstClr val="black">
+                      <a:alpha val="40000"/>
+                    </a:prstClr>
+                  </a:outerShdw>
+                </a:effectLst>
+              </a:rPr>
+              <a:t>Flaws of automated labour</a:t>
+            </a:r>
+          </a:p>
+          <a:p>
+            <a:pPr lvl="1"/>
+            <a:r>
+              <a:rPr lang="en-GB" dirty="0" smtClean="0">
+                <a:effectLst>
+                  <a:outerShdw blurRad="50800" dist="38100" algn="l" rotWithShape="0">
+                    <a:prstClr val="black">
+                      <a:alpha val="40000"/>
+                    </a:prstClr>
+                  </a:outerShdw>
+                </a:effectLst>
+              </a:rPr>
+              <a:t>Potential </a:t>
+            </a:r>
+            <a:r>
+              <a:rPr lang="en-GB" dirty="0">
+                <a:effectLst>
+                  <a:outerShdw blurRad="50800" dist="38100" algn="l" rotWithShape="0">
+                    <a:prstClr val="black">
+                      <a:alpha val="40000"/>
+                    </a:prstClr>
+                  </a:outerShdw>
+                </a:effectLst>
+              </a:rPr>
+              <a:t>delay </a:t>
+            </a:r>
+            <a:r>
+              <a:rPr lang="en-GB" dirty="0" smtClean="0">
+                <a:effectLst>
+                  <a:outerShdw blurRad="50800" dist="38100" algn="l" rotWithShape="0">
+                    <a:prstClr val="black">
+                      <a:alpha val="40000"/>
+                    </a:prstClr>
+                  </a:outerShdw>
+                </a:effectLst>
+              </a:rPr>
+              <a:t>issues</a:t>
+            </a:r>
+          </a:p>
+          <a:p>
+            <a:pPr lvl="2"/>
+            <a:r>
+              <a:rPr lang="en-GB" dirty="0" smtClean="0">
+                <a:effectLst>
+                  <a:outerShdw blurRad="50800" dist="38100" algn="l" rotWithShape="0">
+                    <a:prstClr val="black">
+                      <a:alpha val="40000"/>
+                    </a:prstClr>
+                  </a:outerShdw>
+                </a:effectLst>
+              </a:rPr>
+              <a:t>Smaller human workforce could mean longer time to resolve unique situations</a:t>
+            </a:r>
+          </a:p>
+          <a:p>
+            <a:pPr lvl="1"/>
+            <a:r>
+              <a:rPr lang="en-GB" dirty="0" smtClean="0">
+                <a:effectLst>
+                  <a:outerShdw blurRad="50800" dist="38100" algn="l" rotWithShape="0">
+                    <a:prstClr val="black">
+                      <a:alpha val="40000"/>
+                    </a:prstClr>
+                  </a:outerShdw>
+                </a:effectLst>
+              </a:rPr>
+              <a:t>Ethical </a:t>
+            </a:r>
+            <a:r>
+              <a:rPr lang="en-GB" dirty="0">
+                <a:effectLst>
+                  <a:outerShdw blurRad="50800" dist="38100" algn="l" rotWithShape="0">
+                    <a:prstClr val="black">
+                      <a:alpha val="40000"/>
+                    </a:prstClr>
+                  </a:outerShdw>
+                </a:effectLst>
+              </a:rPr>
+              <a:t>impact on </a:t>
+            </a:r>
+            <a:r>
+              <a:rPr lang="en-GB" dirty="0" smtClean="0">
+                <a:effectLst>
+                  <a:outerShdw blurRad="50800" dist="38100" algn="l" rotWithShape="0">
+                    <a:prstClr val="black">
+                      <a:alpha val="40000"/>
+                    </a:prstClr>
+                  </a:outerShdw>
+                </a:effectLst>
+              </a:rPr>
+              <a:t>workers</a:t>
+            </a:r>
+            <a:endParaRPr lang="en-GB" dirty="0">
+              <a:effectLst>
+                <a:outerShdw blurRad="50800" dist="38100" algn="l" rotWithShape="0">
+                  <a:prstClr val="black">
+                    <a:alpha val="40000"/>
+                  </a:prstClr>
+                </a:outerShdw>
+              </a:effectLst>
+            </a:endParaRPr>
+          </a:p>
+          <a:p>
+            <a:pPr lvl="1"/>
+            <a:r>
+              <a:rPr lang="en-GB" dirty="0">
+                <a:effectLst>
+                  <a:outerShdw blurRad="50800" dist="38100" algn="l" rotWithShape="0">
+                    <a:prstClr val="black">
+                      <a:alpha val="40000"/>
+                    </a:prstClr>
+                  </a:outerShdw>
+                </a:effectLst>
+              </a:rPr>
+              <a:t>Workforce obsolescence</a:t>
+            </a:r>
+          </a:p>
+          <a:p>
+            <a:pPr lvl="2"/>
+            <a:r>
+              <a:rPr lang="en-GB" dirty="0" smtClean="0">
+                <a:effectLst>
+                  <a:outerShdw blurRad="50800" dist="38100" algn="l" rotWithShape="0">
+                    <a:prstClr val="black">
+                      <a:alpha val="40000"/>
+                    </a:prstClr>
+                  </a:outerShdw>
+                </a:effectLst>
+              </a:rPr>
+              <a:t>PR impact in-waiting: CNBC </a:t>
+            </a:r>
+            <a:r>
+              <a:rPr lang="en-GB" dirty="0">
+                <a:effectLst>
+                  <a:outerShdw blurRad="50800" dist="38100" algn="l" rotWithShape="0">
+                    <a:prstClr val="black">
+                      <a:alpha val="40000"/>
+                    </a:prstClr>
+                  </a:outerShdw>
+                </a:effectLst>
+              </a:rPr>
+              <a:t>and Reuters reported on potential employment shrink for Citigroup on June 12, 2018.</a:t>
+            </a:r>
+          </a:p>
+          <a:p>
+            <a:pPr marL="0" indent="0">
+              <a:buNone/>
+            </a:pPr>
+            <a:endParaRPr lang="en-US" dirty="0">
+              <a:effectLst>
+                <a:outerShdw blurRad="50800" dist="38100" algn="l" rotWithShape="0">
+                  <a:prstClr val="black">
+                    <a:alpha val="40000"/>
+                  </a:prstClr>
+                </a:outerShdw>
+              </a:effectLst>
+            </a:endParaRPr>
+          </a:p>
+        </p:txBody>
+      </p:sp>
+      <p:pic>
+        <p:nvPicPr>
+          <p:cNvPr id="4" name="Picture 3"/>
+          <p:cNvPicPr>
+            <a:picLocks noChangeAspect="1"/>
+          </p:cNvPicPr>
+          <p:nvPr/>
+        </p:nvPicPr>
+        <p:blipFill rotWithShape="1">
+          <a:blip r:embed="rId3"/>
+          <a:srcRect r="36923" b="41775"/>
+          <a:stretch/>
+        </p:blipFill>
+        <p:spPr>
+          <a:xfrm>
+            <a:off x="6248400" y="1219200"/>
+            <a:ext cx="5562600" cy="5562600"/>
+          </a:xfrm>
+          <a:prstGeom prst="rect">
+            <a:avLst/>
+          </a:prstGeom>
+        </p:spPr>
+      </p:pic>
+    </p:spTree>
+    <p:extLst>
+      <p:ext uri="{BB962C8B-B14F-4D97-AF65-F5344CB8AC3E}">
+        <p14:creationId xmlns:p14="http://schemas.microsoft.com/office/powerpoint/2010/main" val="392859929"/>
+      </p:ext>
+    </p:extLst>
+  </p:cSld>
+  <p:clrMapOvr>
+    <a:masterClrMapping/>
+  </p:clrMapOvr>
+  <mc:AlternateContent xmlns:mc="http://schemas.openxmlformats.org/markup-compatibility/2006" xmlns:p14="http://schemas.microsoft.com/office/powerpoint/2010/main">
+    <mc:Choice Requires="p14">
+      <p:transition p14:dur="0"/>
+    </mc:Choice>
+    <mc:Fallback xmlns="">
+      <p:transition/>
+    </mc:Fallback>
+  </mc:AlternateContent>
+  <p:timing>
+    <p:tnLst>
+      <p:par>
+        <p:cTn id="1" dur="indefinite" restart="never" nodeType="tmRoot"/>
+      </p:par>
+    </p:tnLst>
+  </p:timing>
+</p:sld>
+</file>
+
+<file path=ppt/slides/slide33.xml><?xml version="1.0" encoding="utf-8"?>
+<p:sld xmlns:a="http://schemas.openxmlformats.org/drawingml/2006/main" xmlns:r="http://schemas.openxmlformats.org/officeDocument/2006/relationships" xmlns:p="http://schemas.openxmlformats.org/presentationml/2006/main">
+  <p:cSld>
+    <p:spTree>
+      <p:nvGrpSpPr>
+        <p:cNvPr id="1" name=""/>
+        <p:cNvGrpSpPr/>
+        <p:nvPr/>
+      </p:nvGrpSpPr>
+      <p:grpSpPr>
+        <a:xfrm>
+          <a:off x="0" y="0"/>
+          <a:ext cx="0" cy="0"/>
+          <a:chOff x="0" y="0"/>
+          <a:chExt cx="0" cy="0"/>
+        </a:xfrm>
+      </p:grpSpPr>
+      <p:sp>
+        <p:nvSpPr>
+          <p:cNvPr id="2" name="Title 1"/>
+          <p:cNvSpPr>
+            <a:spLocks noGrp="1"/>
+          </p:cNvSpPr>
+          <p:nvPr>
+            <p:ph type="title"/>
+          </p:nvPr>
+        </p:nvSpPr>
+        <p:spPr/>
+        <p:txBody>
+          <a:bodyPr>
+            <a:noAutofit/>
+          </a:bodyPr>
+          <a:lstStyle/>
+          <a:p>
+            <a:r>
+              <a:rPr lang="en-US" sz="3600" b="1" dirty="0">
+                <a:effectLst>
+                  <a:outerShdw blurRad="50800" dist="38100" algn="l" rotWithShape="0">
+                    <a:prstClr val="black">
+                      <a:alpha val="40000"/>
+                    </a:prstClr>
+                  </a:outerShdw>
+                </a:effectLst>
+              </a:rPr>
+              <a:t>Analysis of Automation: Rewards</a:t>
+            </a:r>
+          </a:p>
+        </p:txBody>
+      </p:sp>
+      <p:sp>
+        <p:nvSpPr>
+          <p:cNvPr id="3" name="Content Placeholder 2"/>
+          <p:cNvSpPr>
+            <a:spLocks noGrp="1"/>
+          </p:cNvSpPr>
+          <p:nvPr>
+            <p:ph idx="1"/>
+          </p:nvPr>
+        </p:nvSpPr>
+        <p:spPr/>
+        <p:txBody>
+          <a:bodyPr>
+            <a:normAutofit/>
+          </a:bodyPr>
+          <a:lstStyle/>
+          <a:p>
+            <a:r>
+              <a:rPr lang="en-US" dirty="0" smtClean="0">
+                <a:effectLst>
+                  <a:outerShdw blurRad="50800" dist="38100" algn="l" rotWithShape="0">
+                    <a:prstClr val="black">
+                      <a:alpha val="40000"/>
+                    </a:prstClr>
+                  </a:outerShdw>
+                </a:effectLst>
+              </a:rPr>
+              <a:t>Automation is a treasure trove of potential for innovation as we move through the 21</a:t>
+            </a:r>
+            <a:r>
+              <a:rPr lang="en-US" baseline="30000" dirty="0" smtClean="0">
+                <a:effectLst>
+                  <a:outerShdw blurRad="50800" dist="38100" algn="l" rotWithShape="0">
+                    <a:prstClr val="black">
+                      <a:alpha val="40000"/>
+                    </a:prstClr>
+                  </a:outerShdw>
+                </a:effectLst>
+              </a:rPr>
+              <a:t>st</a:t>
+            </a:r>
+            <a:r>
+              <a:rPr lang="en-US" dirty="0" smtClean="0">
+                <a:effectLst>
+                  <a:outerShdw blurRad="50800" dist="38100" algn="l" rotWithShape="0">
+                    <a:prstClr val="black">
+                      <a:alpha val="40000"/>
+                    </a:prstClr>
+                  </a:outerShdw>
+                </a:effectLst>
+              </a:rPr>
+              <a:t> century.</a:t>
+            </a:r>
+          </a:p>
+          <a:p>
+            <a:r>
+              <a:rPr lang="en-US" dirty="0" smtClean="0">
+                <a:effectLst>
+                  <a:outerShdw blurRad="50800" dist="38100" algn="l" rotWithShape="0">
+                    <a:prstClr val="black">
+                      <a:alpha val="40000"/>
+                    </a:prstClr>
+                  </a:outerShdw>
+                </a:effectLst>
+              </a:rPr>
+              <a:t>Building a company capable of providing top-tier experiences for our clients and partners across the globe, as well as building competent ‘22</a:t>
+            </a:r>
+            <a:r>
+              <a:rPr lang="en-US" baseline="30000" dirty="0" smtClean="0">
+                <a:effectLst>
+                  <a:outerShdw blurRad="50800" dist="38100" algn="l" rotWithShape="0">
+                    <a:prstClr val="black">
+                      <a:alpha val="40000"/>
+                    </a:prstClr>
+                  </a:outerShdw>
+                </a:effectLst>
+              </a:rPr>
+              <a:t>nd</a:t>
+            </a:r>
+            <a:r>
+              <a:rPr lang="en-US" dirty="0" smtClean="0">
+                <a:effectLst>
+                  <a:outerShdw blurRad="50800" dist="38100" algn="l" rotWithShape="0">
+                    <a:prstClr val="black">
+                      <a:alpha val="40000"/>
+                    </a:prstClr>
+                  </a:outerShdw>
+                </a:effectLst>
+              </a:rPr>
+              <a:t> century jobs’.</a:t>
+            </a:r>
+          </a:p>
+          <a:p>
+            <a:r>
+              <a:rPr lang="en-US" dirty="0" smtClean="0">
+                <a:effectLst>
+                  <a:outerShdw blurRad="50800" dist="38100" algn="l" rotWithShape="0">
+                    <a:prstClr val="black">
+                      <a:alpha val="40000"/>
+                    </a:prstClr>
+                  </a:outerShdw>
+                </a:effectLst>
+              </a:rPr>
+              <a:t>Automation will be the arbiter of such a modern view, as it will allow for revolutionary changes in the way we work.</a:t>
+            </a:r>
+            <a:endParaRPr lang="en-US" dirty="0">
+              <a:effectLst>
+                <a:outerShdw blurRad="50800" dist="38100" algn="l" rotWithShape="0">
+                  <a:prstClr val="black">
+                    <a:alpha val="40000"/>
+                  </a:prstClr>
+                </a:outerShdw>
+              </a:effectLst>
+            </a:endParaRPr>
+          </a:p>
+        </p:txBody>
+      </p:sp>
+    </p:spTree>
+    <p:extLst>
+      <p:ext uri="{BB962C8B-B14F-4D97-AF65-F5344CB8AC3E}">
+        <p14:creationId xmlns:p14="http://schemas.microsoft.com/office/powerpoint/2010/main" val="2192532858"/>
+      </p:ext>
+    </p:extLst>
+  </p:cSld>
+  <p:clrMapOvr>
+    <a:masterClrMapping/>
+  </p:clrMapOvr>
+  <mc:AlternateContent xmlns:mc="http://schemas.openxmlformats.org/markup-compatibility/2006" xmlns:p14="http://schemas.microsoft.com/office/powerpoint/2010/main">
+    <mc:Choice Requires="p14">
+      <p:transition p14:dur="0"/>
+    </mc:Choice>
+    <mc:Fallback xmlns="">
+      <p:transition/>
+    </mc:Fallback>
+  </mc:AlternateContent>
+  <p:timing>
+    <p:tnLst>
+      <p:par>
+        <p:cTn id="1" dur="indefinite" restart="never" nodeType="tmRoot"/>
+      </p:par>
+    </p:tnLst>
+  </p:timing>
+</p:sld>
+</file>
+
+<file path=ppt/slides/slide34.xml><?xml version="1.0" encoding="utf-8"?>
+<p:sld xmlns:a="http://schemas.openxmlformats.org/drawingml/2006/main" xmlns:r="http://schemas.openxmlformats.org/officeDocument/2006/relationships" xmlns:p="http://schemas.openxmlformats.org/presentationml/2006/main">
+  <p:cSld>
+    <p:spTree>
+      <p:nvGrpSpPr>
+        <p:cNvPr id="1" name=""/>
+        <p:cNvGrpSpPr/>
+        <p:nvPr/>
+      </p:nvGrpSpPr>
+      <p:grpSpPr>
+        <a:xfrm>
+          <a:off x="0" y="0"/>
+          <a:ext cx="0" cy="0"/>
+          <a:chOff x="0" y="0"/>
+          <a:chExt cx="0" cy="0"/>
+        </a:xfrm>
+      </p:grpSpPr>
+      <p:sp>
+        <p:nvSpPr>
           <p:cNvPr id="2" name="Title 1"/>
           <p:cNvSpPr>
             <a:spLocks noGrp="1"/>
@@ -12808,7 +14116,7 @@
 </p:sld>
 </file>
 
-<file path=ppt/slides/slide32.xml><?xml version="1.0" encoding="utf-8"?>
+<file path=ppt/slides/slide35.xml><?xml version="1.0" encoding="utf-8"?>
 <p:sld xmlns:a="http://schemas.openxmlformats.org/drawingml/2006/main" xmlns:r="http://schemas.openxmlformats.org/officeDocument/2006/relationships" xmlns:p="http://schemas.openxmlformats.org/presentationml/2006/main">
   <p:cSld>
     <p:spTree>
@@ -13143,7 +14451,7 @@
 </p:sld>
 </file>
 
-<file path=ppt/slides/slide33.xml><?xml version="1.0" encoding="utf-8"?>
+<file path=ppt/slides/slide36.xml><?xml version="1.0" encoding="utf-8"?>
 <p:sld xmlns:a="http://schemas.openxmlformats.org/drawingml/2006/main" xmlns:r="http://schemas.openxmlformats.org/officeDocument/2006/relationships" xmlns:p="http://schemas.openxmlformats.org/presentationml/2006/main">
   <p:cSld>
     <p:spTree>
@@ -13232,7 +14540,7 @@
 </p:sld>
 </file>
 
-<file path=ppt/slides/slide34.xml><?xml version="1.0" encoding="utf-8"?>
+<file path=ppt/slides/slide37.xml><?xml version="1.0" encoding="utf-8"?>
 <p:sld xmlns:a="http://schemas.openxmlformats.org/drawingml/2006/main" xmlns:r="http://schemas.openxmlformats.org/officeDocument/2006/relationships" xmlns:p="http://schemas.openxmlformats.org/presentationml/2006/main" showMasterSp="0">
   <p:cSld>
     <p:spTree>
@@ -13423,22 +14731,10 @@
                   </a:outerShdw>
                 </a:effectLst>
               </a:rPr>
-              <a:t>A production support person/team is responsible </a:t>
-            </a:r>
-            <a:r>
-              <a:rPr lang="en-US" sz="2400">
-                <a:effectLst>
-                  <a:outerShdw blurRad="50800" dist="38100" algn="l" rotWithShape="0">
-                    <a:prstClr val="black">
-                      <a:alpha val="40000"/>
-                    </a:prstClr>
-                  </a:outerShdw>
-                </a:effectLst>
-              </a:rPr>
-              <a:t>for </a:t>
-            </a:r>
-            <a:r>
-              <a:rPr lang="en-US" sz="2400" smtClean="0">
+              <a:t>A production support person/team is responsible for </a:t>
+            </a:r>
+            <a:r>
+              <a:rPr lang="en-US" sz="2400" dirty="0" smtClean="0">
                 <a:effectLst>
                   <a:outerShdw blurRad="50800" dist="38100" algn="l" rotWithShape="0">
                     <a:prstClr val="black">
@@ -13464,7 +14760,7 @@
           </a:p>
           <a:p>
             <a:r>
-              <a:rPr lang="en-US" sz="2400" smtClean="0">
+              <a:rPr lang="en-US" sz="2400" dirty="0" smtClean="0">
                 <a:effectLst>
                   <a:outerShdw blurRad="50800" dist="38100" algn="l" rotWithShape="0">
                     <a:prstClr val="black">
@@ -13476,19 +14772,19 @@
               <a:t>In our internship we were part of the </a:t>
             </a:r>
             <a:r>
-              <a:rPr lang="en-US" sz="2400" b="1" smtClean="0">
-                <a:effectLst>
-                  <a:outerShdw blurRad="50800" dist="38100" algn="l" rotWithShape="0">
-                    <a:prstClr val="black">
-                      <a:alpha val="40000"/>
-                    </a:prstClr>
-                  </a:outerShdw>
-                </a:effectLst>
-              </a:rPr>
-              <a:t>SFE (Securities Front-End) group</a:t>
-            </a:r>
-            <a:r>
-              <a:rPr lang="en-US" sz="2400" smtClean="0">
+              <a:rPr lang="en-US" sz="2400" b="1" dirty="0" smtClean="0">
+                <a:effectLst>
+                  <a:outerShdw blurRad="50800" dist="38100" algn="l" rotWithShape="0">
+                    <a:prstClr val="black">
+                      <a:alpha val="40000"/>
+                    </a:prstClr>
+                  </a:outerShdw>
+                </a:effectLst>
+              </a:rPr>
+              <a:t>MSST (Markets and Securities Services Technology) Group</a:t>
+            </a:r>
+            <a:r>
+              <a:rPr lang="en-US" sz="2400" dirty="0" smtClean="0">
                 <a:effectLst>
                   <a:outerShdw blurRad="50800" dist="38100" algn="l" rotWithShape="0">
                     <a:prstClr val="black">
@@ -13500,7 +14796,7 @@
               <a:t>, assisting in the support of many applications, but more specifically </a:t>
             </a:r>
             <a:r>
-              <a:rPr lang="en-US" sz="2400" i="1" smtClean="0">
+              <a:rPr lang="en-US" sz="2400" i="1" dirty="0" smtClean="0">
                 <a:effectLst>
                   <a:outerShdw blurRad="50800" dist="38100" algn="l" rotWithShape="0">
                     <a:prstClr val="black">
@@ -13512,7 +14808,7 @@
               <a:t>three</a:t>
             </a:r>
             <a:r>
-              <a:rPr lang="en-US" sz="2400" smtClean="0">
+              <a:rPr lang="en-US" sz="2400" dirty="0" smtClean="0">
                 <a:effectLst>
                   <a:outerShdw blurRad="50800" dist="38100" algn="l" rotWithShape="0">
                     <a:prstClr val="black">
@@ -13605,7 +14901,7 @@
                   </a:outerShdw>
                 </a:effectLst>
               </a:rPr>
-              <a:t>Direct Custody</a:t>
+              <a:t>Custody Applications</a:t>
             </a:r>
             <a:endParaRPr lang="en-US" b="1" dirty="0">
               <a:effectLst>
@@ -13642,19 +14938,43 @@
           <a:lstStyle/>
           <a:p>
             <a:r>
-              <a:rPr lang="en-US" sz="1800" dirty="0">
-                <a:effectLst>
-                  <a:outerShdw blurRad="50800" dist="38100" algn="l" rotWithShape="0">
-                    <a:prstClr val="black">
-                      <a:alpha val="40000"/>
-                    </a:prstClr>
-                  </a:outerShdw>
-                </a:effectLst>
-              </a:rPr>
-              <a:t>According to internal figures, Direct Custody and Clearing provide a number of functions, including acting as an intermediary for day-to-day trading operations for companies and entities in over sixty </a:t>
-            </a:r>
-            <a:r>
-              <a:rPr lang="en-US" sz="1800" dirty="0" smtClean="0">
+              <a:rPr lang="en-US" sz="2000" dirty="0">
+                <a:effectLst>
+                  <a:outerShdw blurRad="50800" dist="38100" algn="l" rotWithShape="0">
+                    <a:prstClr val="black">
+                      <a:alpha val="40000"/>
+                    </a:prstClr>
+                  </a:outerShdw>
+                </a:effectLst>
+              </a:rPr>
+              <a:t>According to internal figures, </a:t>
+            </a:r>
+            <a:r>
+              <a:rPr lang="en-US" sz="2000" dirty="0" smtClean="0">
+                <a:effectLst>
+                  <a:outerShdw blurRad="50800" dist="38100" algn="l" rotWithShape="0">
+                    <a:prstClr val="black">
+                      <a:alpha val="40000"/>
+                    </a:prstClr>
+                  </a:outerShdw>
+                </a:effectLst>
+              </a:rPr>
+              <a:t>Custody </a:t>
+            </a:r>
+            <a:r>
+              <a:rPr lang="en-US" sz="2000" dirty="0">
+                <a:effectLst>
+                  <a:outerShdw blurRad="50800" dist="38100" algn="l" rotWithShape="0">
+                    <a:prstClr val="black">
+                      <a:alpha val="40000"/>
+                    </a:prstClr>
+                  </a:outerShdw>
+                </a:effectLst>
+              </a:rPr>
+              <a:t>and Clearing provide a number of functions, including acting as an intermediary for day-to-day trading operations for companies and entities in over sixty </a:t>
+            </a:r>
+            <a:r>
+              <a:rPr lang="en-US" sz="2000" dirty="0" smtClean="0">
                 <a:effectLst>
                   <a:outerShdw blurRad="50800" dist="38100" algn="l" rotWithShape="0">
                     <a:prstClr val="black">
@@ -13668,7 +14988,7 @@
           </a:p>
           <a:p>
             <a:r>
-              <a:rPr lang="en-US" sz="1800" b="1" dirty="0" smtClean="0">
+              <a:rPr lang="en-US" sz="2000" b="1" dirty="0" smtClean="0">
                 <a:effectLst>
                   <a:outerShdw blurRad="50800" dist="38100" algn="l" rotWithShape="0">
                     <a:prstClr val="black">
@@ -13680,7 +15000,7 @@
               <a:t>Custody</a:t>
             </a:r>
             <a:r>
-              <a:rPr lang="en-US" sz="1800" dirty="0" smtClean="0">
+              <a:rPr lang="en-US" sz="2000" dirty="0" smtClean="0">
                 <a:effectLst>
                   <a:outerShdw blurRad="50800" dist="38100" algn="l" rotWithShape="0">
                     <a:prstClr val="black">
@@ -13692,7 +15012,7 @@
               <a:t> </a:t>
             </a:r>
             <a:r>
-              <a:rPr lang="en-US" sz="1800" dirty="0">
+              <a:rPr lang="en-US" sz="2000" dirty="0">
                 <a:effectLst>
                   <a:outerShdw blurRad="50800" dist="38100" algn="l" rotWithShape="0">
                     <a:prstClr val="black">
@@ -13704,7 +15024,7 @@
               <a:t>is responsible for using systems such as SWIFT/MQ </a:t>
             </a:r>
             <a:r>
-              <a:rPr lang="en-US" sz="1800" dirty="0" smtClean="0">
+              <a:rPr lang="en-US" sz="2000" dirty="0" smtClean="0">
                 <a:effectLst>
                   <a:outerShdw blurRad="50800" dist="38100" algn="l" rotWithShape="0">
                     <a:prstClr val="black">
@@ -13716,7 +15036,7 @@
               <a:t>to </a:t>
             </a:r>
             <a:r>
-              <a:rPr lang="en-US" sz="1800" dirty="0">
+              <a:rPr lang="en-US" sz="2000" dirty="0">
                 <a:effectLst>
                   <a:outerShdw blurRad="50800" dist="38100" algn="l" rotWithShape="0">
                     <a:prstClr val="black">
@@ -13731,7 +15051,7 @@
           <a:p>
             <a:pPr lvl="1"/>
             <a:r>
-              <a:rPr lang="en-US" sz="1800" dirty="0">
+              <a:rPr lang="en-US" sz="2000" dirty="0">
                 <a:effectLst>
                   <a:outerShdw blurRad="50800" dist="38100" algn="l" rotWithShape="0">
                     <a:prstClr val="black">
@@ -13746,7 +15066,7 @@
           <a:p>
             <a:pPr lvl="1"/>
             <a:r>
-              <a:rPr lang="en-US" sz="1800" dirty="0">
+              <a:rPr lang="en-US" sz="2000" dirty="0">
                 <a:effectLst>
                   <a:outerShdw blurRad="50800" dist="38100" algn="l" rotWithShape="0">
                     <a:prstClr val="black">
@@ -13761,7 +15081,7 @@
           <a:p>
             <a:pPr lvl="1"/>
             <a:r>
-              <a:rPr lang="en-US" sz="1800" dirty="0">
+              <a:rPr lang="en-US" sz="2000" dirty="0">
                 <a:effectLst>
                   <a:outerShdw blurRad="50800" dist="38100" algn="l" rotWithShape="0">
                     <a:prstClr val="black">
@@ -13776,7 +15096,7 @@
           <a:p>
             <a:pPr lvl="1"/>
             <a:r>
-              <a:rPr lang="en-US" sz="1800" dirty="0">
+              <a:rPr lang="en-US" sz="2000" dirty="0">
                 <a:effectLst>
                   <a:outerShdw blurRad="50800" dist="38100" algn="l" rotWithShape="0">
                     <a:prstClr val="black">
@@ -13791,7 +15111,7 @@
           <a:p>
             <a:pPr lvl="1"/>
             <a:r>
-              <a:rPr lang="en-US" sz="1800" dirty="0">
+              <a:rPr lang="en-US" sz="2000" dirty="0">
                 <a:effectLst>
                   <a:outerShdw blurRad="50800" dist="38100" algn="l" rotWithShape="0">
                     <a:prstClr val="black">
@@ -13806,7 +15126,7 @@
           <a:p>
             <a:pPr lvl="1"/>
             <a:r>
-              <a:rPr lang="en-US" sz="1800" dirty="0">
+              <a:rPr lang="en-US" sz="2000" dirty="0">
                 <a:effectLst>
                   <a:outerShdw blurRad="50800" dist="38100" algn="l" rotWithShape="0">
                     <a:prstClr val="black">
@@ -13821,7 +15141,7 @@
           <a:p>
             <a:pPr lvl="1"/>
             <a:r>
-              <a:rPr lang="en-US" sz="1800" dirty="0" smtClean="0">
+              <a:rPr lang="en-US" sz="2000" dirty="0" smtClean="0">
                 <a:effectLst>
                   <a:outerShdw blurRad="50800" dist="38100" algn="l" rotWithShape="0">
                     <a:prstClr val="black">
@@ -13832,7 +15152,7 @@
               </a:rPr>
               <a:t>SecRouter</a:t>
             </a:r>
-            <a:endParaRPr lang="en-US" sz="1800" dirty="0">
+            <a:endParaRPr lang="en-US" sz="2000" dirty="0">
               <a:effectLst>
                 <a:outerShdw blurRad="50800" dist="38100" algn="l" rotWithShape="0">
                   <a:prstClr val="black">
@@ -13844,7 +15164,7 @@
           </a:p>
           <a:p>
             <a:r>
-              <a:rPr lang="en-US" sz="1800" dirty="0">
+              <a:rPr lang="en-US" sz="2000" dirty="0">
                 <a:effectLst>
                   <a:outerShdw blurRad="50800" dist="38100" algn="l" rotWithShape="0">
                     <a:prstClr val="black">
@@ -13855,9 +15175,7 @@
               </a:rPr>
               <a:t>Custody handles around 15 million trades per month that are worth more than $20bn per day.</a:t>
             </a:r>
-          </a:p>
-          <a:p>
-            <a:endParaRPr lang="en-US" sz="1800" dirty="0">
+            <a:endParaRPr lang="en-US" sz="2000" dirty="0">
               <a:effectLst>
                 <a:outerShdw blurRad="50800" dist="38100" algn="l" rotWithShape="0">
                   <a:prstClr val="black">
@@ -13945,24 +15263,22 @@
         </p:nvSpPr>
         <p:spPr>
           <a:xfrm>
-            <a:off x="9813868" y="2871106"/>
-            <a:ext cx="1457599" cy="762000"/>
+            <a:off x="9813868" y="2910286"/>
+            <a:ext cx="1692332" cy="566928"/>
           </a:xfrm>
           <a:prstGeom prst="flowChartTerminator">
             <a:avLst/>
           </a:prstGeom>
         </p:spPr>
         <p:style>
-          <a:lnRef idx="2">
-            <a:schemeClr val="dk1">
-              <a:shade val="50000"/>
-            </a:schemeClr>
+          <a:lnRef idx="0">
+            <a:schemeClr val="accent6"/>
           </a:lnRef>
-          <a:fillRef idx="1">
-            <a:schemeClr val="dk1"/>
+          <a:fillRef idx="3">
+            <a:schemeClr val="accent6"/>
           </a:fillRef>
-          <a:effectRef idx="0">
-            <a:schemeClr val="dk1"/>
+          <a:effectRef idx="3">
+            <a:schemeClr val="accent6"/>
           </a:effectRef>
           <a:fontRef idx="minor">
             <a:schemeClr val="lt1"/>
@@ -13989,8 +15305,8 @@
         </p:nvSpPr>
         <p:spPr>
           <a:xfrm>
-            <a:off x="351326" y="1498827"/>
-            <a:ext cx="1731865" cy="619128"/>
+            <a:off x="76200" y="1490472"/>
+            <a:ext cx="2002536" cy="566928"/>
           </a:xfrm>
           <a:prstGeom prst="flowChartTerminator">
             <a:avLst/>
@@ -13998,16 +15314,14 @@
           <a:ln/>
         </p:spPr>
         <p:style>
-          <a:lnRef idx="2">
-            <a:schemeClr val="dk1">
-              <a:shade val="50000"/>
-            </a:schemeClr>
+          <a:lnRef idx="0">
+            <a:schemeClr val="accent6"/>
           </a:lnRef>
-          <a:fillRef idx="1">
-            <a:schemeClr val="dk1"/>
+          <a:fillRef idx="3">
+            <a:schemeClr val="accent6"/>
           </a:fillRef>
-          <a:effectRef idx="0">
-            <a:schemeClr val="dk1"/>
+          <a:effectRef idx="3">
+            <a:schemeClr val="accent6"/>
           </a:effectRef>
           <a:fontRef idx="minor">
             <a:schemeClr val="lt1"/>
@@ -14034,24 +15348,22 @@
         </p:nvSpPr>
         <p:spPr>
           <a:xfrm>
-            <a:off x="351326" y="2787649"/>
-            <a:ext cx="1731865" cy="641351"/>
+            <a:off x="60112" y="2832589"/>
+            <a:ext cx="2002536" cy="566928"/>
           </a:xfrm>
           <a:prstGeom prst="flowChartTerminator">
             <a:avLst/>
           </a:prstGeom>
         </p:spPr>
         <p:style>
-          <a:lnRef idx="2">
-            <a:schemeClr val="dk1">
-              <a:shade val="50000"/>
-            </a:schemeClr>
+          <a:lnRef idx="0">
+            <a:schemeClr val="accent6"/>
           </a:lnRef>
-          <a:fillRef idx="1">
-            <a:schemeClr val="dk1"/>
+          <a:fillRef idx="3">
+            <a:schemeClr val="accent6"/>
           </a:fillRef>
-          <a:effectRef idx="0">
-            <a:schemeClr val="dk1"/>
+          <a:effectRef idx="3">
+            <a:schemeClr val="accent6"/>
           </a:effectRef>
           <a:fontRef idx="minor">
             <a:schemeClr val="lt1"/>
@@ -14078,8 +15390,8 @@
         </p:nvSpPr>
         <p:spPr>
           <a:xfrm>
-            <a:off x="3503976" y="1501929"/>
-            <a:ext cx="1524000" cy="517071"/>
+            <a:off x="3347396" y="1501665"/>
+            <a:ext cx="2002536" cy="566928"/>
           </a:xfrm>
           <a:prstGeom prst="flowChartTerminator">
             <a:avLst/>
@@ -14087,16 +15399,14 @@
           <a:ln/>
         </p:spPr>
         <p:style>
-          <a:lnRef idx="2">
-            <a:schemeClr val="dk1">
-              <a:shade val="50000"/>
-            </a:schemeClr>
+          <a:lnRef idx="0">
+            <a:schemeClr val="accent6"/>
           </a:lnRef>
-          <a:fillRef idx="1">
-            <a:schemeClr val="dk1"/>
+          <a:fillRef idx="3">
+            <a:schemeClr val="accent6"/>
           </a:fillRef>
-          <a:effectRef idx="0">
-            <a:schemeClr val="dk1"/>
+          <a:effectRef idx="3">
+            <a:schemeClr val="accent6"/>
           </a:effectRef>
           <a:fontRef idx="minor">
             <a:schemeClr val="lt1"/>
@@ -14123,24 +15433,22 @@
         </p:nvSpPr>
         <p:spPr>
           <a:xfrm>
-            <a:off x="3388077" y="2787649"/>
-            <a:ext cx="1812673" cy="940708"/>
+            <a:off x="3347396" y="2910286"/>
+            <a:ext cx="2002536" cy="566928"/>
           </a:xfrm>
           <a:prstGeom prst="flowChartTerminator">
             <a:avLst/>
           </a:prstGeom>
         </p:spPr>
         <p:style>
-          <a:lnRef idx="2">
-            <a:schemeClr val="dk1">
-              <a:shade val="50000"/>
-            </a:schemeClr>
+          <a:lnRef idx="0">
+            <a:schemeClr val="accent6"/>
           </a:lnRef>
-          <a:fillRef idx="1">
-            <a:schemeClr val="dk1"/>
+          <a:fillRef idx="3">
+            <a:schemeClr val="accent6"/>
           </a:fillRef>
-          <a:effectRef idx="0">
-            <a:schemeClr val="dk1"/>
+          <a:effectRef idx="3">
+            <a:schemeClr val="accent6"/>
           </a:effectRef>
           <a:fontRef idx="minor">
             <a:schemeClr val="lt1"/>
@@ -14161,30 +15469,28 @@
       </p:sp>
       <p:sp>
         <p:nvSpPr>
-          <p:cNvPr id="8" name="Flowchart: Terminator 7"/>
+          <p:cNvPr id="9" name="Flowchart: Terminator 8"/>
           <p:cNvSpPr/>
           <p:nvPr/>
         </p:nvSpPr>
         <p:spPr>
           <a:xfrm>
-            <a:off x="9372600" y="4232728"/>
-            <a:ext cx="1518028" cy="762000"/>
+            <a:off x="6918269" y="2910286"/>
+            <a:ext cx="1632374" cy="566928"/>
           </a:xfrm>
           <a:prstGeom prst="flowChartTerminator">
             <a:avLst/>
           </a:prstGeom>
         </p:spPr>
         <p:style>
-          <a:lnRef idx="2">
-            <a:schemeClr val="dk1">
-              <a:shade val="50000"/>
-            </a:schemeClr>
+          <a:lnRef idx="0">
+            <a:schemeClr val="accent6"/>
           </a:lnRef>
-          <a:fillRef idx="1">
-            <a:schemeClr val="dk1"/>
+          <a:fillRef idx="3">
+            <a:schemeClr val="accent6"/>
           </a:fillRef>
-          <a:effectRef idx="0">
-            <a:schemeClr val="dk1"/>
+          <a:effectRef idx="3">
+            <a:schemeClr val="accent6"/>
           </a:effectRef>
           <a:fontRef idx="minor">
             <a:schemeClr val="lt1"/>
@@ -14197,7 +15503,7 @@
             <a:pPr algn="ctr"/>
             <a:r>
               <a:rPr lang="en-US" dirty="0" smtClean="0"/>
-              <a:t>CDS</a:t>
+              <a:t>SMI</a:t>
             </a:r>
             <a:endParaRPr lang="en-US" dirty="0"/>
           </a:p>
@@ -14205,30 +15511,28 @@
       </p:sp>
       <p:sp>
         <p:nvSpPr>
-          <p:cNvPr id="9" name="Flowchart: Terminator 8"/>
+          <p:cNvPr id="12" name="Flowchart: Terminator 11"/>
           <p:cNvSpPr/>
           <p:nvPr/>
         </p:nvSpPr>
         <p:spPr>
           <a:xfrm>
-            <a:off x="6997580" y="2871106"/>
-            <a:ext cx="1540149" cy="762000"/>
+            <a:off x="6538157" y="1498172"/>
+            <a:ext cx="1949877" cy="551681"/>
           </a:xfrm>
           <a:prstGeom prst="flowChartTerminator">
             <a:avLst/>
           </a:prstGeom>
         </p:spPr>
         <p:style>
-          <a:lnRef idx="2">
-            <a:schemeClr val="dk1">
-              <a:shade val="50000"/>
-            </a:schemeClr>
+          <a:lnRef idx="0">
+            <a:schemeClr val="accent6"/>
           </a:lnRef>
-          <a:fillRef idx="1">
-            <a:schemeClr val="dk1"/>
+          <a:fillRef idx="3">
+            <a:schemeClr val="accent6"/>
           </a:fillRef>
-          <a:effectRef idx="0">
-            <a:schemeClr val="dk1"/>
+          <a:effectRef idx="3">
+            <a:schemeClr val="accent6"/>
           </a:effectRef>
           <a:fontRef idx="minor">
             <a:schemeClr val="lt1"/>
@@ -14241,50 +15545,6 @@
             <a:pPr algn="ctr"/>
             <a:r>
               <a:rPr lang="en-US" dirty="0" smtClean="0"/>
-              <a:t>SMI</a:t>
-            </a:r>
-            <a:endParaRPr lang="en-US" dirty="0"/>
-          </a:p>
-        </p:txBody>
-      </p:sp>
-      <p:sp>
-        <p:nvSpPr>
-          <p:cNvPr id="12" name="Flowchart: Terminator 11"/>
-          <p:cNvSpPr/>
-          <p:nvPr/>
-        </p:nvSpPr>
-        <p:spPr>
-          <a:xfrm>
-            <a:off x="6440494" y="1519342"/>
-            <a:ext cx="1518027" cy="517071"/>
-          </a:xfrm>
-          <a:prstGeom prst="flowChartTerminator">
-            <a:avLst/>
-          </a:prstGeom>
-        </p:spPr>
-        <p:style>
-          <a:lnRef idx="2">
-            <a:schemeClr val="dk1">
-              <a:shade val="50000"/>
-            </a:schemeClr>
-          </a:lnRef>
-          <a:fillRef idx="1">
-            <a:schemeClr val="dk1"/>
-          </a:fillRef>
-          <a:effectRef idx="0">
-            <a:schemeClr val="dk1"/>
-          </a:effectRef>
-          <a:fontRef idx="minor">
-            <a:schemeClr val="lt1"/>
-          </a:fontRef>
-        </p:style>
-        <p:txBody>
-          <a:bodyPr rtlCol="0" anchor="ctr"/>
-          <a:lstStyle/>
-          <a:p>
-            <a:pPr algn="ctr"/>
-            <a:r>
-              <a:rPr lang="en-US" dirty="0" smtClean="0"/>
               <a:t>TM</a:t>
             </a:r>
             <a:endParaRPr lang="en-US" dirty="0"/>
@@ -14299,7 +15559,7 @@
         </p:nvSpPr>
         <p:spPr>
           <a:xfrm>
-            <a:off x="4755130" y="117462"/>
+            <a:off x="4768043" y="117462"/>
             <a:ext cx="2005206" cy="570824"/>
           </a:xfrm>
           <a:prstGeom prst="flowChartTerminator">
@@ -14307,16 +15567,14 @@
           </a:prstGeom>
         </p:spPr>
         <p:style>
-          <a:lnRef idx="2">
-            <a:schemeClr val="dk1">
-              <a:shade val="50000"/>
-            </a:schemeClr>
+          <a:lnRef idx="0">
+            <a:schemeClr val="accent6"/>
           </a:lnRef>
-          <a:fillRef idx="1">
-            <a:schemeClr val="dk1"/>
+          <a:fillRef idx="3">
+            <a:schemeClr val="accent6"/>
           </a:fillRef>
-          <a:effectRef idx="0">
-            <a:schemeClr val="dk1"/>
+          <a:effectRef idx="3">
+            <a:schemeClr val="accent6"/>
           </a:effectRef>
           <a:fontRef idx="minor">
             <a:schemeClr val="lt1"/>
@@ -14343,24 +15601,22 @@
         </p:nvSpPr>
         <p:spPr>
           <a:xfrm>
-            <a:off x="3570514" y="6037285"/>
-            <a:ext cx="1490721" cy="762000"/>
+            <a:off x="3290160" y="6037285"/>
+            <a:ext cx="2002536" cy="566928"/>
           </a:xfrm>
           <a:prstGeom prst="flowChartTerminator">
             <a:avLst/>
           </a:prstGeom>
         </p:spPr>
         <p:style>
-          <a:lnRef idx="2">
-            <a:schemeClr val="dk1">
-              <a:shade val="50000"/>
-            </a:schemeClr>
+          <a:lnRef idx="0">
+            <a:schemeClr val="accent6"/>
           </a:lnRef>
-          <a:fillRef idx="1">
-            <a:schemeClr val="dk1"/>
+          <a:fillRef idx="3">
+            <a:schemeClr val="accent6"/>
           </a:fillRef>
-          <a:effectRef idx="0">
-            <a:schemeClr val="dk1"/>
+          <a:effectRef idx="3">
+            <a:schemeClr val="accent6"/>
           </a:effectRef>
           <a:fontRef idx="minor">
             <a:schemeClr val="lt1"/>
@@ -14387,24 +15643,22 @@
         </p:nvSpPr>
         <p:spPr>
           <a:xfrm>
-            <a:off x="6276933" y="4539343"/>
-            <a:ext cx="1490722" cy="762000"/>
+            <a:off x="6289845" y="4557864"/>
+            <a:ext cx="1668675" cy="566928"/>
           </a:xfrm>
           <a:prstGeom prst="flowChartTerminator">
             <a:avLst/>
           </a:prstGeom>
         </p:spPr>
         <p:style>
-          <a:lnRef idx="2">
-            <a:schemeClr val="dk1">
-              <a:shade val="50000"/>
-            </a:schemeClr>
+          <a:lnRef idx="0">
+            <a:schemeClr val="accent6"/>
           </a:lnRef>
-          <a:fillRef idx="1">
-            <a:schemeClr val="dk1"/>
+          <a:fillRef idx="3">
+            <a:schemeClr val="accent6"/>
           </a:fillRef>
-          <a:effectRef idx="0">
-            <a:schemeClr val="dk1"/>
+          <a:effectRef idx="3">
+            <a:schemeClr val="accent6"/>
           </a:effectRef>
           <a:fontRef idx="minor">
             <a:schemeClr val="lt1"/>
@@ -14431,7 +15685,7 @@
         </p:nvSpPr>
         <p:spPr>
           <a:xfrm>
-            <a:off x="402339" y="93669"/>
+            <a:off x="228600" y="169869"/>
             <a:ext cx="1905000" cy="369332"/>
           </a:xfrm>
           <a:prstGeom prst="rect">
@@ -14461,7 +15715,7 @@
         </p:nvSpPr>
         <p:spPr>
           <a:xfrm flipH="1">
-            <a:off x="1420856" y="556562"/>
+            <a:off x="1247117" y="632762"/>
             <a:ext cx="278842" cy="738838"/>
           </a:xfrm>
           <a:prstGeom prst="downArrow">
@@ -14509,8 +15763,8 @@
         </p:nvSpPr>
         <p:spPr>
           <a:xfrm>
-            <a:off x="4165014" y="5323692"/>
-            <a:ext cx="252828" cy="691243"/>
+            <a:off x="4165014" y="5226241"/>
+            <a:ext cx="252828" cy="717359"/>
           </a:xfrm>
           <a:prstGeom prst="downArrow">
             <a:avLst/>
@@ -14557,8 +15811,8 @@
         </p:nvSpPr>
         <p:spPr>
           <a:xfrm rot="19412387">
-            <a:off x="4986575" y="5819128"/>
-            <a:ext cx="1703472" cy="243922"/>
+            <a:off x="5246914" y="5638832"/>
+            <a:ext cx="1255543" cy="259454"/>
           </a:xfrm>
           <a:prstGeom prst="rightArrow">
             <a:avLst/>
@@ -14653,7 +15907,7 @@
         </p:nvSpPr>
         <p:spPr>
           <a:xfrm>
-            <a:off x="4165014" y="2059591"/>
+            <a:off x="4165014" y="2131000"/>
             <a:ext cx="252828" cy="677837"/>
           </a:xfrm>
           <a:prstGeom prst="upDownArrow">
@@ -14797,8 +16051,8 @@
         </p:nvSpPr>
         <p:spPr>
           <a:xfrm>
-            <a:off x="4165014" y="3778578"/>
-            <a:ext cx="252828" cy="677837"/>
+            <a:off x="4165014" y="3633106"/>
+            <a:ext cx="252828" cy="823309"/>
           </a:xfrm>
           <a:prstGeom prst="upDownArrow">
             <a:avLst/>
@@ -14845,8 +16099,8 @@
         </p:nvSpPr>
         <p:spPr>
           <a:xfrm flipH="1">
-            <a:off x="826360" y="569812"/>
-            <a:ext cx="240440" cy="725588"/>
+            <a:off x="685799" y="632762"/>
+            <a:ext cx="254951" cy="738838"/>
           </a:xfrm>
           <a:prstGeom prst="downArrow">
             <a:avLst/>
@@ -14893,24 +16147,22 @@
         </p:nvSpPr>
         <p:spPr>
           <a:xfrm>
-            <a:off x="3554684" y="4506636"/>
-            <a:ext cx="1518028" cy="762000"/>
+            <a:off x="3290160" y="4557864"/>
+            <a:ext cx="2002536" cy="566928"/>
           </a:xfrm>
           <a:prstGeom prst="flowChartTerminator">
             <a:avLst/>
           </a:prstGeom>
         </p:spPr>
         <p:style>
-          <a:lnRef idx="2">
-            <a:schemeClr val="dk1">
-              <a:shade val="50000"/>
-            </a:schemeClr>
+          <a:lnRef idx="0">
+            <a:schemeClr val="accent6"/>
           </a:lnRef>
-          <a:fillRef idx="1">
-            <a:schemeClr val="dk1"/>
+          <a:fillRef idx="3">
+            <a:schemeClr val="accent6"/>
           </a:fillRef>
-          <a:effectRef idx="0">
-            <a:schemeClr val="dk1"/>
+          <a:effectRef idx="3">
+            <a:schemeClr val="accent6"/>
           </a:effectRef>
           <a:fontRef idx="minor">
             <a:schemeClr val="lt1"/>
@@ -14937,7 +16189,7 @@
         </p:nvSpPr>
         <p:spPr>
           <a:xfrm>
-            <a:off x="5161595" y="1616196"/>
+            <a:off x="5366452" y="1616196"/>
             <a:ext cx="1155603" cy="304800"/>
           </a:xfrm>
           <a:prstGeom prst="leftRightArrow">
@@ -15033,7 +16285,7 @@
         </p:nvSpPr>
         <p:spPr>
           <a:xfrm>
-            <a:off x="2125720" y="2986540"/>
+            <a:off x="2085039" y="2970344"/>
             <a:ext cx="1202089" cy="296583"/>
           </a:xfrm>
           <a:prstGeom prst="leftRightArrow">
@@ -15129,7 +16381,7 @@
         </p:nvSpPr>
         <p:spPr>
           <a:xfrm>
-            <a:off x="2130952" y="1624413"/>
+            <a:off x="2105311" y="1624413"/>
             <a:ext cx="1202089" cy="296583"/>
           </a:xfrm>
           <a:prstGeom prst="leftRightArrow">
@@ -15165,7 +16417,7 @@
           <a:lstStyle/>
           <a:p>
             <a:pPr algn="ctr"/>
-            <a:endParaRPr lang="en-US"/>
+            <a:endParaRPr lang="en-US" dirty="0"/>
           </a:p>
         </p:txBody>
       </p:sp>
@@ -15225,8 +16477,8 @@
         </p:nvSpPr>
         <p:spPr>
           <a:xfrm>
-            <a:off x="8056185" y="200480"/>
-            <a:ext cx="2584828" cy="369332"/>
+            <a:off x="8056184" y="200480"/>
+            <a:ext cx="3602415" cy="369332"/>
           </a:xfrm>
           <a:prstGeom prst="rect">
             <a:avLst/>
@@ -15241,7 +16493,7 @@
           <a:p>
             <a:r>
               <a:rPr lang="en-US" dirty="0" smtClean="0"/>
-              <a:t>Internal transaction data  </a:t>
+              <a:t>Internal transactions/direct clients</a:t>
             </a:r>
             <a:endParaRPr lang="en-US" dirty="0"/>
           </a:p>
@@ -15343,7 +16595,9 @@
         </p:nvSpPr>
         <p:spPr/>
         <p:txBody>
-          <a:bodyPr/>
+          <a:bodyPr>
+            <a:normAutofit/>
+          </a:bodyPr>
           <a:lstStyle/>
           <a:p>
             <a:r>
@@ -15373,6 +16627,72 @@
           </a:p>
           <a:p>
             <a:r>
+              <a:rPr lang="en-US" sz="2000" dirty="0" smtClean="0">
+                <a:effectLst>
+                  <a:outerShdw blurRad="50800" dist="38100" algn="l" rotWithShape="0">
+                    <a:prstClr val="black">
+                      <a:alpha val="40000"/>
+                    </a:prstClr>
+                  </a:outerShdw>
+                </a:effectLst>
+              </a:rPr>
+              <a:t>SecRouter:</a:t>
+            </a:r>
+            <a:r>
+              <a:rPr lang="en-US" sz="2000" dirty="0">
+                <a:effectLst>
+                  <a:outerShdw blurRad="50800" dist="38100" algn="l" rotWithShape="0">
+                    <a:prstClr val="black">
+                      <a:alpha val="40000"/>
+                    </a:prstClr>
+                  </a:outerShdw>
+                </a:effectLst>
+              </a:rPr>
+              <a:t> </a:t>
+            </a:r>
+            <a:r>
+              <a:rPr lang="en-US" sz="2000" dirty="0" smtClean="0">
+                <a:effectLst>
+                  <a:outerShdw blurRad="50800" dist="38100" algn="l" rotWithShape="0">
+                    <a:prstClr val="black">
+                      <a:alpha val="40000"/>
+                    </a:prstClr>
+                  </a:outerShdw>
+                </a:effectLst>
+              </a:rPr>
+              <a:t>Developed as a cost effective option for smaller scale transactions within Citi or from clients directly</a:t>
+            </a:r>
+          </a:p>
+          <a:p>
+            <a:r>
+              <a:rPr lang="en-US" sz="2000" dirty="0" smtClean="0">
+                <a:effectLst>
+                  <a:outerShdw blurRad="50800" dist="38100" algn="l" rotWithShape="0">
+                    <a:prstClr val="black">
+                      <a:alpha val="40000"/>
+                    </a:prstClr>
+                  </a:outerShdw>
+                </a:effectLst>
+              </a:rPr>
+              <a:t>TM:  Transaction Manager—option for clients to provide instructions to Citi directly.</a:t>
+            </a:r>
+          </a:p>
+          <a:p>
+            <a:r>
+              <a:rPr lang="en-US" sz="2000" dirty="0" smtClean="0">
+                <a:effectLst>
+                  <a:outerShdw blurRad="50800" dist="38100" algn="l" rotWithShape="0">
+                    <a:prstClr val="black">
+                      <a:alpha val="40000"/>
+                    </a:prstClr>
+                  </a:outerShdw>
+                </a:effectLst>
+              </a:rPr>
+              <a:t>Securities Front End: Receives client messages, validates data and sorts messages for downstream flow</a:t>
+            </a:r>
+          </a:p>
+          <a:p>
+            <a:r>
               <a:rPr lang="en-US" sz="2000" dirty="0" err="1" smtClean="0">
                 <a:effectLst>
                   <a:outerShdw blurRad="50800" dist="38100" algn="l" rotWithShape="0">
@@ -15382,7 +16702,7 @@
                   </a:outerShdw>
                 </a:effectLst>
               </a:rPr>
-              <a:t>SecRouter</a:t>
+              <a:t>Secore</a:t>
             </a:r>
             <a:r>
               <a:rPr lang="en-US" sz="2000" dirty="0" smtClean="0">
@@ -15394,10 +16714,22 @@
                   </a:outerShdw>
                 </a:effectLst>
               </a:rPr>
-              <a:t>:</a:t>
-            </a:r>
-            <a:r>
-              <a:rPr lang="en-US" sz="2000" dirty="0">
+              <a:t>: Settles trades and pushes transactions through to GCCS, SMI, or Sebill, </a:t>
+            </a:r>
+            <a:r>
+              <a:rPr lang="en-US" sz="2000" dirty="0" err="1" smtClean="0">
+                <a:effectLst>
+                  <a:outerShdw blurRad="50800" dist="38100" algn="l" rotWithShape="0">
+                    <a:prstClr val="black">
+                      <a:alpha val="40000"/>
+                    </a:prstClr>
+                  </a:outerShdw>
+                </a:effectLst>
+              </a:rPr>
+              <a:t>etc</a:t>
+            </a:r>
+            <a:r>
+              <a:rPr lang="en-US" sz="2000" dirty="0" smtClean="0">
                 <a:effectLst>
                   <a:outerShdw blurRad="50800" dist="38100" algn="l" rotWithShape="0">
                     <a:prstClr val="black">
@@ -15408,6 +16740,8 @@
               </a:rPr>
               <a:t> </a:t>
             </a:r>
+          </a:p>
+          <a:p>
             <a:r>
               <a:rPr lang="en-US" sz="2000" dirty="0" smtClean="0">
                 <a:effectLst>
@@ -15418,10 +16752,22 @@
                   </a:outerShdw>
                 </a:effectLst>
               </a:rPr>
-              <a:t>Developed as a cost effective option for smaller scale transactions within Citi </a:t>
-            </a:r>
-          </a:p>
-          <a:p>
+              <a:t>GCCS: Calculates the risk associated with a trade based on criteria such as credit lines</a:t>
+            </a:r>
+          </a:p>
+          <a:p>
+            <a:r>
+              <a:rPr lang="en-US" sz="2000" dirty="0" err="1" smtClean="0">
+                <a:effectLst>
+                  <a:outerShdw blurRad="50800" dist="38100" algn="l" rotWithShape="0">
+                    <a:prstClr val="black">
+                      <a:alpha val="40000"/>
+                    </a:prstClr>
+                  </a:outerShdw>
+                </a:effectLst>
+              </a:rPr>
+              <a:t>Sebill</a:t>
+            </a:r>
             <a:r>
               <a:rPr lang="en-US" sz="2000" dirty="0" smtClean="0">
                 <a:effectLst>
@@ -15432,7 +16778,7 @@
                   </a:outerShdw>
                 </a:effectLst>
               </a:rPr>
-              <a:t>TM:  Variety of uses such as i.e. validations </a:t>
+              <a:t>: Billing application for trades/transactions </a:t>
             </a:r>
           </a:p>
           <a:p>
@@ -15446,21 +16792,7 @@
                   </a:outerShdw>
                 </a:effectLst>
               </a:rPr>
-              <a:t>Securities Front End: Receives client messages, validates data and sorts messages for downstream flow</a:t>
-            </a:r>
-          </a:p>
-          <a:p>
-            <a:r>
-              <a:rPr lang="en-US" sz="2000" dirty="0" err="1" smtClean="0">
-                <a:effectLst>
-                  <a:outerShdw blurRad="50800" dist="38100" algn="l" rotWithShape="0">
-                    <a:prstClr val="black">
-                      <a:alpha val="40000"/>
-                    </a:prstClr>
-                  </a:outerShdw>
-                </a:effectLst>
-              </a:rPr>
-              <a:t>Secore</a:t>
+              <a:t>GIW</a:t>
             </a:r>
             <a:r>
               <a:rPr lang="en-US" sz="2000" dirty="0" smtClean="0">
@@ -15472,123 +16804,7 @@
                   </a:outerShdw>
                 </a:effectLst>
               </a:rPr>
-              <a:t>: Settles trades and pushes transactions through to GCCS, SMI, or </a:t>
-            </a:r>
-            <a:r>
-              <a:rPr lang="en-US" sz="2000" dirty="0" err="1" smtClean="0">
-                <a:effectLst>
-                  <a:outerShdw blurRad="50800" dist="38100" algn="l" rotWithShape="0">
-                    <a:prstClr val="black">
-                      <a:alpha val="40000"/>
-                    </a:prstClr>
-                  </a:outerShdw>
-                </a:effectLst>
-              </a:rPr>
-              <a:t>Sebill</a:t>
-            </a:r>
-            <a:r>
-              <a:rPr lang="en-US" sz="2000" dirty="0" smtClean="0">
-                <a:effectLst>
-                  <a:outerShdw blurRad="50800" dist="38100" algn="l" rotWithShape="0">
-                    <a:prstClr val="black">
-                      <a:alpha val="40000"/>
-                    </a:prstClr>
-                  </a:outerShdw>
-                </a:effectLst>
-              </a:rPr>
-              <a:t> </a:t>
-            </a:r>
-            <a:r>
-              <a:rPr lang="en-US" sz="2000" dirty="0" err="1" smtClean="0">
-                <a:effectLst>
-                  <a:outerShdw blurRad="50800" dist="38100" algn="l" rotWithShape="0">
-                    <a:prstClr val="black">
-                      <a:alpha val="40000"/>
-                    </a:prstClr>
-                  </a:outerShdw>
-                </a:effectLst>
-              </a:rPr>
-              <a:t>etc</a:t>
-            </a:r>
-            <a:r>
-              <a:rPr lang="en-US" sz="2000" dirty="0" smtClean="0">
-                <a:effectLst>
-                  <a:outerShdw blurRad="50800" dist="38100" algn="l" rotWithShape="0">
-                    <a:prstClr val="black">
-                      <a:alpha val="40000"/>
-                    </a:prstClr>
-                  </a:outerShdw>
-                </a:effectLst>
-              </a:rPr>
-              <a:t> </a:t>
-            </a:r>
-          </a:p>
-          <a:p>
-            <a:r>
-              <a:rPr lang="en-US" sz="2000" dirty="0" smtClean="0">
-                <a:effectLst>
-                  <a:outerShdw blurRad="50800" dist="38100" algn="l" rotWithShape="0">
-                    <a:prstClr val="black">
-                      <a:alpha val="40000"/>
-                    </a:prstClr>
-                  </a:outerShdw>
-                </a:effectLst>
-              </a:rPr>
-              <a:t>GCCS: Calculates the risk associated with a trade based on criteria such as credit lines</a:t>
-            </a:r>
-          </a:p>
-          <a:p>
-            <a:r>
-              <a:rPr lang="en-US" sz="2000" dirty="0" err="1" smtClean="0">
-                <a:effectLst>
-                  <a:outerShdw blurRad="50800" dist="38100" algn="l" rotWithShape="0">
-                    <a:prstClr val="black">
-                      <a:alpha val="40000"/>
-                    </a:prstClr>
-                  </a:outerShdw>
-                </a:effectLst>
-              </a:rPr>
-              <a:t>Sebill</a:t>
-            </a:r>
-            <a:r>
-              <a:rPr lang="en-US" sz="2000" dirty="0" smtClean="0">
-                <a:effectLst>
-                  <a:outerShdw blurRad="50800" dist="38100" algn="l" rotWithShape="0">
-                    <a:prstClr val="black">
-                      <a:alpha val="40000"/>
-                    </a:prstClr>
-                  </a:outerShdw>
-                </a:effectLst>
-              </a:rPr>
-              <a:t>: Billing application for trades/transactions </a:t>
-            </a:r>
-          </a:p>
-          <a:p>
-            <a:r>
-              <a:rPr lang="en-US" sz="2000" dirty="0" smtClean="0">
-                <a:effectLst>
-                  <a:outerShdw blurRad="50800" dist="38100" algn="l" rotWithShape="0">
-                    <a:prstClr val="black">
-                      <a:alpha val="40000"/>
-                    </a:prstClr>
-                  </a:outerShdw>
-                </a:effectLst>
-              </a:rPr>
-              <a:t>CDS: External client reporting capabilities </a:t>
-            </a:r>
-          </a:p>
-          <a:p>
-            <a:r>
-              <a:rPr lang="en-US" sz="2000" dirty="0" smtClean="0">
-                <a:effectLst>
-                  <a:outerShdw blurRad="50800" dist="38100" algn="l" rotWithShape="0">
-                    <a:prstClr val="black">
-                      <a:alpha val="40000"/>
-                    </a:prstClr>
-                  </a:outerShdw>
-                </a:effectLst>
-              </a:rPr>
-              <a:t>GIW: Serves as a data warehouse for trade data </a:t>
+              <a:t>: Serves as a data warehouse for trade data </a:t>
             </a:r>
           </a:p>
           <a:p>
